--- a/middlerware/Redis介绍及实战.pptx
+++ b/middlerware/Redis介绍及实战.pptx
@@ -5,7 +5,7 @@
     <p:sldMasterId id="2147483672" r:id="rId1"/>
   </p:sldMasterIdLst>
   <p:notesMasterIdLst>
-    <p:notesMasterId r:id="rId58"/>
+    <p:notesMasterId r:id="rId61"/>
   </p:notesMasterIdLst>
   <p:sldIdLst>
     <p:sldId id="256" r:id="rId2"/>
@@ -64,6 +64,9 @@
     <p:sldId id="311" r:id="rId55"/>
     <p:sldId id="312" r:id="rId56"/>
     <p:sldId id="278" r:id="rId57"/>
+    <p:sldId id="313" r:id="rId58"/>
+    <p:sldId id="314" r:id="rId59"/>
+    <p:sldId id="315" r:id="rId60"/>
   </p:sldIdLst>
   <p:sldSz cx="9144000" cy="6858000" type="screen4x3"/>
   <p:notesSz cx="6858000" cy="9144000"/>
@@ -164,7 +167,7 @@
   </p:defaultTextStyle>
   <p:extLst>
     <p:ext uri="{EFAFB233-063F-42B5-8137-9DF3F51BA10A}">
-      <p15:sldGuideLst xmlns:p15="http://schemas.microsoft.com/office/powerpoint/2012/main">
+      <p15:sldGuideLst xmlns:p15="http://schemas.microsoft.com/office/powerpoint/2012/main" xmlns="">
         <p15:guide id="1" orient="horz" pos="2160">
           <p15:clr>
             <a:srgbClr val="A4A3A4"/>
@@ -263,7 +266,8 @@
           <a:p>
             <a:fld id="{F4202E0D-DCE0-A845-91CF-1D1382C1E469}" type="datetimeFigureOut">
               <a:rPr lang="en-US" smtClean="0"/>
-              <a:t>6/4/19</a:t>
+              <a:pPr/>
+              <a:t>6/8/2019</a:t>
             </a:fld>
             <a:endParaRPr lang="en-US"/>
           </a:p>
@@ -422,6 +426,7 @@
           <a:p>
             <a:fld id="{6B377DD7-53A6-8941-A1C7-273483CB537D}" type="slidenum">
               <a:rPr lang="en-US" smtClean="0"/>
+              <a:pPr/>
               <a:t>‹#›</a:t>
             </a:fld>
             <a:endParaRPr lang="en-US"/>
@@ -431,7 +436,7 @@
     </p:spTree>
     <p:extLst>
       <p:ext uri="{BB962C8B-B14F-4D97-AF65-F5344CB8AC3E}">
-        <p14:creationId xmlns:p14="http://schemas.microsoft.com/office/powerpoint/2010/main" val="1234165575"/>
+        <p14:creationId xmlns:p14="http://schemas.microsoft.com/office/powerpoint/2010/main" xmlns="" val="1234165575"/>
       </p:ext>
     </p:extLst>
   </p:cSld>
@@ -637,6 +642,7 @@
           <a:p>
             <a:fld id="{6B377DD7-53A6-8941-A1C7-273483CB537D}" type="slidenum">
               <a:rPr lang="en-US" smtClean="0"/>
+              <a:pPr/>
               <a:t>32</a:t>
             </a:fld>
             <a:endParaRPr lang="en-US"/>
@@ -646,7 +652,7 @@
     </p:spTree>
     <p:extLst>
       <p:ext uri="{BB962C8B-B14F-4D97-AF65-F5344CB8AC3E}">
-        <p14:creationId xmlns:p14="http://schemas.microsoft.com/office/powerpoint/2010/main" val="76272652"/>
+        <p14:creationId xmlns:p14="http://schemas.microsoft.com/office/powerpoint/2010/main" xmlns="" val="76272652"/>
       </p:ext>
     </p:extLst>
   </p:cSld>
@@ -949,6 +955,7 @@
           <a:p>
             <a:fld id="{6B377DD7-53A6-8941-A1C7-273483CB537D}" type="slidenum">
               <a:rPr lang="en-US" smtClean="0"/>
+              <a:pPr/>
               <a:t>52</a:t>
             </a:fld>
             <a:endParaRPr lang="en-US"/>
@@ -958,7 +965,7 @@
     </p:spTree>
     <p:extLst>
       <p:ext uri="{BB962C8B-B14F-4D97-AF65-F5344CB8AC3E}">
-        <p14:creationId xmlns:p14="http://schemas.microsoft.com/office/powerpoint/2010/main" val="338642096"/>
+        <p14:creationId xmlns:p14="http://schemas.microsoft.com/office/powerpoint/2010/main" xmlns="" val="338642096"/>
       </p:ext>
     </p:extLst>
   </p:cSld>
@@ -1150,7 +1157,7 @@
             <a:fld id="{4D5BDEA4-95AF-4571-B1C8-868EDA2DB2D9}" type="datetimeFigureOut">
               <a:rPr lang="zh-CN" altLang="en-US" smtClean="0"/>
               <a:pPr/>
-              <a:t>2019/6/4</a:t>
+              <a:t>2019/6/8</a:t>
             </a:fld>
             <a:endParaRPr lang="zh-CN" altLang="en-US"/>
           </a:p>
@@ -1317,7 +1324,7 @@
             <a:fld id="{4D5BDEA4-95AF-4571-B1C8-868EDA2DB2D9}" type="datetimeFigureOut">
               <a:rPr lang="zh-CN" altLang="en-US" smtClean="0"/>
               <a:pPr/>
-              <a:t>2019/6/4</a:t>
+              <a:t>2019/6/8</a:t>
             </a:fld>
             <a:endParaRPr lang="zh-CN" altLang="en-US"/>
           </a:p>
@@ -1494,7 +1501,7 @@
             <a:fld id="{4D5BDEA4-95AF-4571-B1C8-868EDA2DB2D9}" type="datetimeFigureOut">
               <a:rPr lang="zh-CN" altLang="en-US" smtClean="0"/>
               <a:pPr/>
-              <a:t>2019/6/4</a:t>
+              <a:t>2019/6/8</a:t>
             </a:fld>
             <a:endParaRPr lang="zh-CN" altLang="en-US"/>
           </a:p>
@@ -1661,7 +1668,7 @@
             <a:fld id="{4D5BDEA4-95AF-4571-B1C8-868EDA2DB2D9}" type="datetimeFigureOut">
               <a:rPr lang="zh-CN" altLang="en-US" smtClean="0"/>
               <a:pPr/>
-              <a:t>2019/6/4</a:t>
+              <a:t>2019/6/8</a:t>
             </a:fld>
             <a:endParaRPr lang="zh-CN" altLang="en-US"/>
           </a:p>
@@ -1904,7 +1911,7 @@
             <a:fld id="{4D5BDEA4-95AF-4571-B1C8-868EDA2DB2D9}" type="datetimeFigureOut">
               <a:rPr lang="zh-CN" altLang="en-US" smtClean="0"/>
               <a:pPr/>
-              <a:t>2019/6/4</a:t>
+              <a:t>2019/6/8</a:t>
             </a:fld>
             <a:endParaRPr lang="zh-CN" altLang="en-US"/>
           </a:p>
@@ -2189,7 +2196,7 @@
             <a:fld id="{4D5BDEA4-95AF-4571-B1C8-868EDA2DB2D9}" type="datetimeFigureOut">
               <a:rPr lang="zh-CN" altLang="en-US" smtClean="0"/>
               <a:pPr/>
-              <a:t>2019/6/4</a:t>
+              <a:t>2019/6/8</a:t>
             </a:fld>
             <a:endParaRPr lang="zh-CN" altLang="en-US"/>
           </a:p>
@@ -2608,7 +2615,7 @@
             <a:fld id="{4D5BDEA4-95AF-4571-B1C8-868EDA2DB2D9}" type="datetimeFigureOut">
               <a:rPr lang="zh-CN" altLang="en-US" smtClean="0"/>
               <a:pPr/>
-              <a:t>2019/6/4</a:t>
+              <a:t>2019/6/8</a:t>
             </a:fld>
             <a:endParaRPr lang="zh-CN" altLang="en-US"/>
           </a:p>
@@ -2723,7 +2730,7 @@
             <a:fld id="{4D5BDEA4-95AF-4571-B1C8-868EDA2DB2D9}" type="datetimeFigureOut">
               <a:rPr lang="zh-CN" altLang="en-US" smtClean="0"/>
               <a:pPr/>
-              <a:t>2019/6/4</a:t>
+              <a:t>2019/6/8</a:t>
             </a:fld>
             <a:endParaRPr lang="zh-CN" altLang="en-US"/>
           </a:p>
@@ -2815,7 +2822,7 @@
             <a:fld id="{4D5BDEA4-95AF-4571-B1C8-868EDA2DB2D9}" type="datetimeFigureOut">
               <a:rPr lang="zh-CN" altLang="en-US" smtClean="0"/>
               <a:pPr/>
-              <a:t>2019/6/4</a:t>
+              <a:t>2019/6/8</a:t>
             </a:fld>
             <a:endParaRPr lang="zh-CN" altLang="en-US"/>
           </a:p>
@@ -3089,7 +3096,7 @@
             <a:fld id="{4D5BDEA4-95AF-4571-B1C8-868EDA2DB2D9}" type="datetimeFigureOut">
               <a:rPr lang="zh-CN" altLang="en-US" smtClean="0"/>
               <a:pPr/>
-              <a:t>2019/6/4</a:t>
+              <a:t>2019/6/8</a:t>
             </a:fld>
             <a:endParaRPr lang="zh-CN" altLang="en-US"/>
           </a:p>
@@ -3339,7 +3346,7 @@
             <a:fld id="{4D5BDEA4-95AF-4571-B1C8-868EDA2DB2D9}" type="datetimeFigureOut">
               <a:rPr lang="zh-CN" altLang="en-US" smtClean="0"/>
               <a:pPr/>
-              <a:t>2019/6/4</a:t>
+              <a:t>2019/6/8</a:t>
             </a:fld>
             <a:endParaRPr lang="zh-CN" altLang="en-US"/>
           </a:p>
@@ -3549,7 +3556,7 @@
             <a:fld id="{4D5BDEA4-95AF-4571-B1C8-868EDA2DB2D9}" type="datetimeFigureOut">
               <a:rPr lang="zh-CN" altLang="en-US" smtClean="0"/>
               <a:pPr/>
-              <a:t>2019/6/4</a:t>
+              <a:t>2019/6/8</a:t>
             </a:fld>
             <a:endParaRPr lang="zh-CN" altLang="en-US"/>
           </a:p>
@@ -6726,7 +6733,7 @@
         <p:spPr/>
         <p:txBody>
           <a:bodyPr>
-            <a:normAutofit fontScale="92500" lnSpcReduction="20000"/>
+            <a:normAutofit fontScale="92500" lnSpcReduction="10000"/>
           </a:bodyPr>
           <a:lstStyle/>
           <a:p>
@@ -6764,7 +6771,15 @@
             </a:r>
             <a:r>
               <a:rPr lang="zh-CN" altLang="en-US" dirty="0"/>
-              <a:t>中间件怎么可能是单线程。很抱歉，它就是单线程，你的怀疑暴露了你基础知识的不足。莫要瞧不起单线程，除了 </a:t>
+              <a:t>中间件怎么可能是单线程。很抱歉，它就是单线程</a:t>
+            </a:r>
+            <a:r>
+              <a:rPr lang="zh-CN" altLang="en-US" dirty="0" smtClean="0"/>
+              <a:t>，不要</a:t>
+            </a:r>
+            <a:r>
+              <a:rPr lang="zh-CN" altLang="en-US" dirty="0"/>
+              <a:t>瞧不起单线程，除了 </a:t>
             </a:r>
             <a:r>
               <a:rPr lang="en-US" altLang="zh-CN" dirty="0" err="1"/>
@@ -6873,7 +6888,6 @@
               <a:rPr lang="zh-CN" altLang="en-US" dirty="0"/>
               <a:t>卡顿。</a:t>
             </a:r>
-            <a:endParaRPr lang="zh-CN" altLang="en-US" dirty="0"/>
           </a:p>
         </p:txBody>
       </p:sp>
@@ -7074,7 +7088,7 @@
     </p:spTree>
     <p:extLst>
       <p:ext uri="{BB962C8B-B14F-4D97-AF65-F5344CB8AC3E}">
-        <p14:creationId xmlns:p14="http://schemas.microsoft.com/office/powerpoint/2010/main" val="1963989356"/>
+        <p14:creationId xmlns:p14="http://schemas.microsoft.com/office/powerpoint/2010/main" xmlns="" val="1963989356"/>
       </p:ext>
     </p:extLst>
   </p:cSld>
@@ -7151,7 +7165,7 @@
           <a:blip r:embed="rId2">
             <a:extLst>
               <a:ext uri="{28A0092B-C50C-407E-A947-70E740481C1C}">
-                <a14:useLocalDpi xmlns:a14="http://schemas.microsoft.com/office/drawing/2010/main" val="0"/>
+                <a14:useLocalDpi xmlns:a14="http://schemas.microsoft.com/office/drawing/2010/main" xmlns="" val="0"/>
               </a:ext>
             </a:extLst>
           </a:blip>
@@ -7171,7 +7185,7 @@
           <a:noFill/>
           <a:extLst>
             <a:ext uri="{909E8E84-426E-40DD-AFC4-6F175D3DCCD1}">
-              <a14:hiddenFill xmlns:a14="http://schemas.microsoft.com/office/drawing/2010/main">
+              <a14:hiddenFill xmlns:a14="http://schemas.microsoft.com/office/drawing/2010/main" xmlns="">
                 <a:solidFill>
                   <a:srgbClr val="FFFFFF"/>
                 </a:solidFill>
@@ -7183,7 +7197,7 @@
     </p:spTree>
     <p:extLst>
       <p:ext uri="{BB962C8B-B14F-4D97-AF65-F5344CB8AC3E}">
-        <p14:creationId xmlns:p14="http://schemas.microsoft.com/office/powerpoint/2010/main" val="1845316191"/>
+        <p14:creationId xmlns:p14="http://schemas.microsoft.com/office/powerpoint/2010/main" xmlns="" val="1845316191"/>
       </p:ext>
     </p:extLst>
   </p:cSld>
@@ -7410,7 +7424,7 @@
     </p:spTree>
     <p:extLst>
       <p:ext uri="{BB962C8B-B14F-4D97-AF65-F5344CB8AC3E}">
-        <p14:creationId xmlns:p14="http://schemas.microsoft.com/office/powerpoint/2010/main" val="1501973595"/>
+        <p14:creationId xmlns:p14="http://schemas.microsoft.com/office/powerpoint/2010/main" xmlns="" val="1501973595"/>
       </p:ext>
     </p:extLst>
   </p:cSld>
@@ -7460,7 +7474,6 @@
               <a:rPr lang="en-US" dirty="0"/>
               <a:t> (Copy On Write) </a:t>
             </a:r>
-            <a:endParaRPr lang="en-US" dirty="0"/>
           </a:p>
         </p:txBody>
       </p:sp>
@@ -7555,7 +7568,7 @@
     </p:spTree>
     <p:extLst>
       <p:ext uri="{BB962C8B-B14F-4D97-AF65-F5344CB8AC3E}">
-        <p14:creationId xmlns:p14="http://schemas.microsoft.com/office/powerpoint/2010/main" val="1814133086"/>
+        <p14:creationId xmlns:p14="http://schemas.microsoft.com/office/powerpoint/2010/main" xmlns="" val="1814133086"/>
       </p:ext>
     </p:extLst>
   </p:cSld>
@@ -7805,7 +7818,7 @@
     </p:spTree>
     <p:extLst>
       <p:ext uri="{BB962C8B-B14F-4D97-AF65-F5344CB8AC3E}">
-        <p14:creationId xmlns:p14="http://schemas.microsoft.com/office/powerpoint/2010/main" val="750205416"/>
+        <p14:creationId xmlns:p14="http://schemas.microsoft.com/office/powerpoint/2010/main" xmlns="" val="750205416"/>
       </p:ext>
     </p:extLst>
   </p:cSld>
@@ -8093,7 +8106,7 @@
     </p:spTree>
     <p:extLst>
       <p:ext uri="{BB962C8B-B14F-4D97-AF65-F5344CB8AC3E}">
-        <p14:creationId xmlns:p14="http://schemas.microsoft.com/office/powerpoint/2010/main" val="347486831"/>
+        <p14:creationId xmlns:p14="http://schemas.microsoft.com/office/powerpoint/2010/main" xmlns="" val="347486831"/>
       </p:ext>
     </p:extLst>
   </p:cSld>
@@ -8573,7 +8586,7 @@
     </p:spTree>
     <p:extLst>
       <p:ext uri="{BB962C8B-B14F-4D97-AF65-F5344CB8AC3E}">
-        <p14:creationId xmlns:p14="http://schemas.microsoft.com/office/powerpoint/2010/main" val="859170076"/>
+        <p14:creationId xmlns:p14="http://schemas.microsoft.com/office/powerpoint/2010/main" xmlns="" val="859170076"/>
       </p:ext>
     </p:extLst>
   </p:cSld>
@@ -8802,7 +8815,7 @@
           <a:blip r:embed="rId2">
             <a:extLst>
               <a:ext uri="{28A0092B-C50C-407E-A947-70E740481C1C}">
-                <a14:useLocalDpi xmlns:a14="http://schemas.microsoft.com/office/drawing/2010/main" val="0"/>
+                <a14:useLocalDpi xmlns:a14="http://schemas.microsoft.com/office/drawing/2010/main" xmlns="" val="0"/>
               </a:ext>
             </a:extLst>
           </a:blip>
@@ -8822,7 +8835,7 @@
           <a:noFill/>
           <a:extLst>
             <a:ext uri="{909E8E84-426E-40DD-AFC4-6F175D3DCCD1}">
-              <a14:hiddenFill xmlns:a14="http://schemas.microsoft.com/office/drawing/2010/main">
+              <a14:hiddenFill xmlns:a14="http://schemas.microsoft.com/office/drawing/2010/main" xmlns="">
                 <a:solidFill>
                   <a:srgbClr val="FFFFFF"/>
                 </a:solidFill>
@@ -8834,7 +8847,7 @@
     </p:spTree>
     <p:extLst>
       <p:ext uri="{BB962C8B-B14F-4D97-AF65-F5344CB8AC3E}">
-        <p14:creationId xmlns:p14="http://schemas.microsoft.com/office/powerpoint/2010/main" val="1229922719"/>
+        <p14:creationId xmlns:p14="http://schemas.microsoft.com/office/powerpoint/2010/main" xmlns="" val="1229922719"/>
       </p:ext>
     </p:extLst>
   </p:cSld>
@@ -8972,7 +8985,7 @@
           <a:blip r:embed="rId3">
             <a:extLst>
               <a:ext uri="{28A0092B-C50C-407E-A947-70E740481C1C}">
-                <a14:useLocalDpi xmlns:a14="http://schemas.microsoft.com/office/drawing/2010/main" val="0"/>
+                <a14:useLocalDpi xmlns:a14="http://schemas.microsoft.com/office/drawing/2010/main" xmlns="" val="0"/>
               </a:ext>
             </a:extLst>
           </a:blip>
@@ -8992,7 +9005,7 @@
           <a:noFill/>
           <a:extLst>
             <a:ext uri="{909E8E84-426E-40DD-AFC4-6F175D3DCCD1}">
-              <a14:hiddenFill xmlns:a14="http://schemas.microsoft.com/office/drawing/2010/main">
+              <a14:hiddenFill xmlns:a14="http://schemas.microsoft.com/office/drawing/2010/main" xmlns="">
                 <a:solidFill>
                   <a:srgbClr val="FFFFFF"/>
                 </a:solidFill>
@@ -9004,7 +9017,7 @@
     </p:spTree>
     <p:extLst>
       <p:ext uri="{BB962C8B-B14F-4D97-AF65-F5344CB8AC3E}">
-        <p14:creationId xmlns:p14="http://schemas.microsoft.com/office/powerpoint/2010/main" val="89354263"/>
+        <p14:creationId xmlns:p14="http://schemas.microsoft.com/office/powerpoint/2010/main" xmlns="" val="89354263"/>
       </p:ext>
     </p:extLst>
   </p:cSld>
@@ -9043,7 +9056,7 @@
           <a:blip r:embed="rId2">
             <a:extLst>
               <a:ext uri="{28A0092B-C50C-407E-A947-70E740481C1C}">
-                <a14:useLocalDpi xmlns:a14="http://schemas.microsoft.com/office/drawing/2010/main" val="0"/>
+                <a14:useLocalDpi xmlns:a14="http://schemas.microsoft.com/office/drawing/2010/main" xmlns="" val="0"/>
               </a:ext>
             </a:extLst>
           </a:blip>
@@ -9063,7 +9076,7 @@
           <a:noFill/>
           <a:extLst>
             <a:ext uri="{909E8E84-426E-40DD-AFC4-6F175D3DCCD1}">
-              <a14:hiddenFill xmlns:a14="http://schemas.microsoft.com/office/drawing/2010/main">
+              <a14:hiddenFill xmlns:a14="http://schemas.microsoft.com/office/drawing/2010/main" xmlns="">
                 <a:solidFill>
                   <a:srgbClr val="FFFFFF"/>
                 </a:solidFill>
@@ -9175,7 +9188,7 @@
     </p:spTree>
     <p:extLst>
       <p:ext uri="{BB962C8B-B14F-4D97-AF65-F5344CB8AC3E}">
-        <p14:creationId xmlns:p14="http://schemas.microsoft.com/office/powerpoint/2010/main" val="119090325"/>
+        <p14:creationId xmlns:p14="http://schemas.microsoft.com/office/powerpoint/2010/main" xmlns="" val="119090325"/>
       </p:ext>
     </p:extLst>
   </p:cSld>
@@ -9286,7 +9299,7 @@
           <a:blip r:embed="rId2">
             <a:extLst>
               <a:ext uri="{28A0092B-C50C-407E-A947-70E740481C1C}">
-                <a14:useLocalDpi xmlns:a14="http://schemas.microsoft.com/office/drawing/2010/main" val="0"/>
+                <a14:useLocalDpi xmlns:a14="http://schemas.microsoft.com/office/drawing/2010/main" xmlns="" val="0"/>
               </a:ext>
             </a:extLst>
           </a:blip>
@@ -9306,7 +9319,7 @@
           <a:noFill/>
           <a:extLst>
             <a:ext uri="{909E8E84-426E-40DD-AFC4-6F175D3DCCD1}">
-              <a14:hiddenFill xmlns:a14="http://schemas.microsoft.com/office/drawing/2010/main">
+              <a14:hiddenFill xmlns:a14="http://schemas.microsoft.com/office/drawing/2010/main" xmlns="">
                 <a:solidFill>
                   <a:srgbClr val="FFFFFF"/>
                 </a:solidFill>
@@ -9318,7 +9331,7 @@
     </p:spTree>
     <p:extLst>
       <p:ext uri="{BB962C8B-B14F-4D97-AF65-F5344CB8AC3E}">
-        <p14:creationId xmlns:p14="http://schemas.microsoft.com/office/powerpoint/2010/main" val="559430886"/>
+        <p14:creationId xmlns:p14="http://schemas.microsoft.com/office/powerpoint/2010/main" xmlns="" val="559430886"/>
       </p:ext>
     </p:extLst>
   </p:cSld>
@@ -9477,7 +9490,7 @@
     </p:spTree>
     <p:extLst>
       <p:ext uri="{BB962C8B-B14F-4D97-AF65-F5344CB8AC3E}">
-        <p14:creationId xmlns:p14="http://schemas.microsoft.com/office/powerpoint/2010/main" val="1741474599"/>
+        <p14:creationId xmlns:p14="http://schemas.microsoft.com/office/powerpoint/2010/main" xmlns="" val="1741474599"/>
       </p:ext>
     </p:extLst>
   </p:cSld>
@@ -9626,7 +9639,7 @@
           <a:blip r:embed="rId2">
             <a:extLst>
               <a:ext uri="{28A0092B-C50C-407E-A947-70E740481C1C}">
-                <a14:useLocalDpi xmlns:a14="http://schemas.microsoft.com/office/drawing/2010/main" val="0"/>
+                <a14:useLocalDpi xmlns:a14="http://schemas.microsoft.com/office/drawing/2010/main" xmlns="" val="0"/>
               </a:ext>
             </a:extLst>
           </a:blip>
@@ -9646,7 +9659,7 @@
           <a:noFill/>
           <a:extLst>
             <a:ext uri="{909E8E84-426E-40DD-AFC4-6F175D3DCCD1}">
-              <a14:hiddenFill xmlns:a14="http://schemas.microsoft.com/office/drawing/2010/main">
+              <a14:hiddenFill xmlns:a14="http://schemas.microsoft.com/office/drawing/2010/main" xmlns="">
                 <a:solidFill>
                   <a:srgbClr val="FFFFFF"/>
                 </a:solidFill>
@@ -9658,7 +9671,7 @@
     </p:spTree>
     <p:extLst>
       <p:ext uri="{BB962C8B-B14F-4D97-AF65-F5344CB8AC3E}">
-        <p14:creationId xmlns:p14="http://schemas.microsoft.com/office/powerpoint/2010/main" val="681599714"/>
+        <p14:creationId xmlns:p14="http://schemas.microsoft.com/office/powerpoint/2010/main" xmlns="" val="681599714"/>
       </p:ext>
     </p:extLst>
   </p:cSld>
@@ -9744,7 +9757,7 @@
     </p:spTree>
     <p:extLst>
       <p:ext uri="{BB962C8B-B14F-4D97-AF65-F5344CB8AC3E}">
-        <p14:creationId xmlns:p14="http://schemas.microsoft.com/office/powerpoint/2010/main" val="704199318"/>
+        <p14:creationId xmlns:p14="http://schemas.microsoft.com/office/powerpoint/2010/main" xmlns="" val="704199318"/>
       </p:ext>
     </p:extLst>
   </p:cSld>
@@ -9783,7 +9796,7 @@
           <a:blip r:embed="rId2">
             <a:extLst>
               <a:ext uri="{28A0092B-C50C-407E-A947-70E740481C1C}">
-                <a14:useLocalDpi xmlns:a14="http://schemas.microsoft.com/office/drawing/2010/main" val="0"/>
+                <a14:useLocalDpi xmlns:a14="http://schemas.microsoft.com/office/drawing/2010/main" xmlns="" val="0"/>
               </a:ext>
             </a:extLst>
           </a:blip>
@@ -9803,7 +9816,7 @@
           <a:noFill/>
           <a:extLst>
             <a:ext uri="{909E8E84-426E-40DD-AFC4-6F175D3DCCD1}">
-              <a14:hiddenFill xmlns:a14="http://schemas.microsoft.com/office/drawing/2010/main">
+              <a14:hiddenFill xmlns:a14="http://schemas.microsoft.com/office/drawing/2010/main" xmlns="">
                 <a:solidFill>
                   <a:srgbClr val="FFFFFF"/>
                 </a:solidFill>
@@ -9925,7 +9938,7 @@
     </p:spTree>
     <p:extLst>
       <p:ext uri="{BB962C8B-B14F-4D97-AF65-F5344CB8AC3E}">
-        <p14:creationId xmlns:p14="http://schemas.microsoft.com/office/powerpoint/2010/main" val="2013307904"/>
+        <p14:creationId xmlns:p14="http://schemas.microsoft.com/office/powerpoint/2010/main" xmlns="" val="2013307904"/>
       </p:ext>
     </p:extLst>
   </p:cSld>
@@ -10088,7 +10101,7 @@
     </p:spTree>
     <p:extLst>
       <p:ext uri="{BB962C8B-B14F-4D97-AF65-F5344CB8AC3E}">
-        <p14:creationId xmlns:p14="http://schemas.microsoft.com/office/powerpoint/2010/main" val="574979004"/>
+        <p14:creationId xmlns:p14="http://schemas.microsoft.com/office/powerpoint/2010/main" xmlns="" val="574979004"/>
       </p:ext>
     </p:extLst>
   </p:cSld>
@@ -10327,7 +10340,7 @@
           <a:blip r:embed="rId2">
             <a:extLst>
               <a:ext uri="{28A0092B-C50C-407E-A947-70E740481C1C}">
-                <a14:useLocalDpi xmlns:a14="http://schemas.microsoft.com/office/drawing/2010/main" val="0"/>
+                <a14:useLocalDpi xmlns:a14="http://schemas.microsoft.com/office/drawing/2010/main" xmlns="" val="0"/>
               </a:ext>
             </a:extLst>
           </a:blip>
@@ -10347,7 +10360,7 @@
           <a:noFill/>
           <a:extLst>
             <a:ext uri="{909E8E84-426E-40DD-AFC4-6F175D3DCCD1}">
-              <a14:hiddenFill xmlns:a14="http://schemas.microsoft.com/office/drawing/2010/main">
+              <a14:hiddenFill xmlns:a14="http://schemas.microsoft.com/office/drawing/2010/main" xmlns="">
                 <a:solidFill>
                   <a:srgbClr val="FFFFFF"/>
                 </a:solidFill>
@@ -10359,7 +10372,7 @@
     </p:spTree>
     <p:extLst>
       <p:ext uri="{BB962C8B-B14F-4D97-AF65-F5344CB8AC3E}">
-        <p14:creationId xmlns:p14="http://schemas.microsoft.com/office/powerpoint/2010/main" val="1174781386"/>
+        <p14:creationId xmlns:p14="http://schemas.microsoft.com/office/powerpoint/2010/main" xmlns="" val="1174781386"/>
       </p:ext>
     </p:extLst>
   </p:cSld>
@@ -10436,7 +10449,7 @@
           <a:blip r:embed="rId2">
             <a:extLst>
               <a:ext uri="{28A0092B-C50C-407E-A947-70E740481C1C}">
-                <a14:useLocalDpi xmlns:a14="http://schemas.microsoft.com/office/drawing/2010/main" val="0"/>
+                <a14:useLocalDpi xmlns:a14="http://schemas.microsoft.com/office/drawing/2010/main" xmlns="" val="0"/>
               </a:ext>
             </a:extLst>
           </a:blip>
@@ -10456,7 +10469,7 @@
           <a:noFill/>
           <a:extLst>
             <a:ext uri="{909E8E84-426E-40DD-AFC4-6F175D3DCCD1}">
-              <a14:hiddenFill xmlns:a14="http://schemas.microsoft.com/office/drawing/2010/main">
+              <a14:hiddenFill xmlns:a14="http://schemas.microsoft.com/office/drawing/2010/main" xmlns="">
                 <a:solidFill>
                   <a:srgbClr val="FFFFFF"/>
                 </a:solidFill>
@@ -10468,7 +10481,7 @@
     </p:spTree>
     <p:extLst>
       <p:ext uri="{BB962C8B-B14F-4D97-AF65-F5344CB8AC3E}">
-        <p14:creationId xmlns:p14="http://schemas.microsoft.com/office/powerpoint/2010/main" val="329754147"/>
+        <p14:creationId xmlns:p14="http://schemas.microsoft.com/office/powerpoint/2010/main" xmlns="" val="329754147"/>
       </p:ext>
     </p:extLst>
   </p:cSld>
@@ -10612,7 +10625,7 @@
     </p:spTree>
     <p:extLst>
       <p:ext uri="{BB962C8B-B14F-4D97-AF65-F5344CB8AC3E}">
-        <p14:creationId xmlns:p14="http://schemas.microsoft.com/office/powerpoint/2010/main" val="1980831075"/>
+        <p14:creationId xmlns:p14="http://schemas.microsoft.com/office/powerpoint/2010/main" xmlns="" val="1980831075"/>
       </p:ext>
     </p:extLst>
   </p:cSld>
@@ -10801,7 +10814,7 @@
     </p:spTree>
     <p:extLst>
       <p:ext uri="{BB962C8B-B14F-4D97-AF65-F5344CB8AC3E}">
-        <p14:creationId xmlns:p14="http://schemas.microsoft.com/office/powerpoint/2010/main" val="2049663263"/>
+        <p14:creationId xmlns:p14="http://schemas.microsoft.com/office/powerpoint/2010/main" xmlns="" val="2049663263"/>
       </p:ext>
     </p:extLst>
   </p:cSld>
@@ -10900,7 +10913,7 @@
           <a:blip r:embed="rId3">
             <a:extLst>
               <a:ext uri="{28A0092B-C50C-407E-A947-70E740481C1C}">
-                <a14:useLocalDpi xmlns:a14="http://schemas.microsoft.com/office/drawing/2010/main" val="0"/>
+                <a14:useLocalDpi xmlns:a14="http://schemas.microsoft.com/office/drawing/2010/main" xmlns="" val="0"/>
               </a:ext>
             </a:extLst>
           </a:blip>
@@ -10920,7 +10933,7 @@
           <a:noFill/>
           <a:extLst>
             <a:ext uri="{909E8E84-426E-40DD-AFC4-6F175D3DCCD1}">
-              <a14:hiddenFill xmlns:a14="http://schemas.microsoft.com/office/drawing/2010/main">
+              <a14:hiddenFill xmlns:a14="http://schemas.microsoft.com/office/drawing/2010/main" xmlns="">
                 <a:solidFill>
                   <a:srgbClr val="FFFFFF"/>
                 </a:solidFill>
@@ -10932,7 +10945,7 @@
     </p:spTree>
     <p:extLst>
       <p:ext uri="{BB962C8B-B14F-4D97-AF65-F5344CB8AC3E}">
-        <p14:creationId xmlns:p14="http://schemas.microsoft.com/office/powerpoint/2010/main" val="1714342050"/>
+        <p14:creationId xmlns:p14="http://schemas.microsoft.com/office/powerpoint/2010/main" xmlns="" val="1714342050"/>
       </p:ext>
     </p:extLst>
   </p:cSld>
@@ -11099,7 +11112,7 @@
           <a:blip r:embed="rId2">
             <a:extLst>
               <a:ext uri="{28A0092B-C50C-407E-A947-70E740481C1C}">
-                <a14:useLocalDpi xmlns:a14="http://schemas.microsoft.com/office/drawing/2010/main" val="0"/>
+                <a14:useLocalDpi xmlns:a14="http://schemas.microsoft.com/office/drawing/2010/main" xmlns="" val="0"/>
               </a:ext>
             </a:extLst>
           </a:blip>
@@ -11119,7 +11132,7 @@
           <a:noFill/>
           <a:extLst>
             <a:ext uri="{909E8E84-426E-40DD-AFC4-6F175D3DCCD1}">
-              <a14:hiddenFill xmlns:a14="http://schemas.microsoft.com/office/drawing/2010/main">
+              <a14:hiddenFill xmlns:a14="http://schemas.microsoft.com/office/drawing/2010/main" xmlns="">
                 <a:solidFill>
                   <a:srgbClr val="FFFFFF"/>
                 </a:solidFill>
@@ -11131,7 +11144,7 @@
     </p:spTree>
     <p:extLst>
       <p:ext uri="{BB962C8B-B14F-4D97-AF65-F5344CB8AC3E}">
-        <p14:creationId xmlns:p14="http://schemas.microsoft.com/office/powerpoint/2010/main" val="1792021066"/>
+        <p14:creationId xmlns:p14="http://schemas.microsoft.com/office/powerpoint/2010/main" xmlns="" val="1792021066"/>
       </p:ext>
     </p:extLst>
   </p:cSld>
@@ -11286,7 +11299,7 @@
           <a:blip r:embed="rId2">
             <a:extLst>
               <a:ext uri="{28A0092B-C50C-407E-A947-70E740481C1C}">
-                <a14:useLocalDpi xmlns:a14="http://schemas.microsoft.com/office/drawing/2010/main" val="0"/>
+                <a14:useLocalDpi xmlns:a14="http://schemas.microsoft.com/office/drawing/2010/main" xmlns="" val="0"/>
               </a:ext>
             </a:extLst>
           </a:blip>
@@ -11306,7 +11319,7 @@
           <a:noFill/>
           <a:extLst>
             <a:ext uri="{909E8E84-426E-40DD-AFC4-6F175D3DCCD1}">
-              <a14:hiddenFill xmlns:a14="http://schemas.microsoft.com/office/drawing/2010/main">
+              <a14:hiddenFill xmlns:a14="http://schemas.microsoft.com/office/drawing/2010/main" xmlns="">
                 <a:solidFill>
                   <a:srgbClr val="FFFFFF"/>
                 </a:solidFill>
@@ -11318,7 +11331,7 @@
     </p:spTree>
     <p:extLst>
       <p:ext uri="{BB962C8B-B14F-4D97-AF65-F5344CB8AC3E}">
-        <p14:creationId xmlns:p14="http://schemas.microsoft.com/office/powerpoint/2010/main" val="750202437"/>
+        <p14:creationId xmlns:p14="http://schemas.microsoft.com/office/powerpoint/2010/main" xmlns="" val="750202437"/>
       </p:ext>
     </p:extLst>
   </p:cSld>
@@ -11506,7 +11519,7 @@
           <a:blip r:embed="rId2">
             <a:extLst>
               <a:ext uri="{28A0092B-C50C-407E-A947-70E740481C1C}">
-                <a14:useLocalDpi xmlns:a14="http://schemas.microsoft.com/office/drawing/2010/main" val="0"/>
+                <a14:useLocalDpi xmlns:a14="http://schemas.microsoft.com/office/drawing/2010/main" xmlns="" val="0"/>
               </a:ext>
             </a:extLst>
           </a:blip>
@@ -11526,7 +11539,7 @@
           <a:noFill/>
           <a:extLst>
             <a:ext uri="{909E8E84-426E-40DD-AFC4-6F175D3DCCD1}">
-              <a14:hiddenFill xmlns:a14="http://schemas.microsoft.com/office/drawing/2010/main">
+              <a14:hiddenFill xmlns:a14="http://schemas.microsoft.com/office/drawing/2010/main" xmlns="">
                 <a:solidFill>
                   <a:srgbClr val="FFFFFF"/>
                 </a:solidFill>
@@ -11538,7 +11551,7 @@
     </p:spTree>
     <p:extLst>
       <p:ext uri="{BB962C8B-B14F-4D97-AF65-F5344CB8AC3E}">
-        <p14:creationId xmlns:p14="http://schemas.microsoft.com/office/powerpoint/2010/main" val="790797159"/>
+        <p14:creationId xmlns:p14="http://schemas.microsoft.com/office/powerpoint/2010/main" xmlns="" val="790797159"/>
       </p:ext>
     </p:extLst>
   </p:cSld>
@@ -11659,7 +11672,7 @@
           <a:blip r:embed="rId2">
             <a:extLst>
               <a:ext uri="{28A0092B-C50C-407E-A947-70E740481C1C}">
-                <a14:useLocalDpi xmlns:a14="http://schemas.microsoft.com/office/drawing/2010/main" val="0"/>
+                <a14:useLocalDpi xmlns:a14="http://schemas.microsoft.com/office/drawing/2010/main" xmlns="" val="0"/>
               </a:ext>
             </a:extLst>
           </a:blip>
@@ -11679,7 +11692,7 @@
           <a:noFill/>
           <a:extLst>
             <a:ext uri="{909E8E84-426E-40DD-AFC4-6F175D3DCCD1}">
-              <a14:hiddenFill xmlns:a14="http://schemas.microsoft.com/office/drawing/2010/main">
+              <a14:hiddenFill xmlns:a14="http://schemas.microsoft.com/office/drawing/2010/main" xmlns="">
                 <a:solidFill>
                   <a:srgbClr val="FFFFFF"/>
                 </a:solidFill>
@@ -11691,7 +11704,7 @@
     </p:spTree>
     <p:extLst>
       <p:ext uri="{BB962C8B-B14F-4D97-AF65-F5344CB8AC3E}">
-        <p14:creationId xmlns:p14="http://schemas.microsoft.com/office/powerpoint/2010/main" val="1960149670"/>
+        <p14:creationId xmlns:p14="http://schemas.microsoft.com/office/powerpoint/2010/main" xmlns="" val="1960149670"/>
       </p:ext>
     </p:extLst>
   </p:cSld>
@@ -11852,7 +11865,7 @@
     </p:spTree>
     <p:extLst>
       <p:ext uri="{BB962C8B-B14F-4D97-AF65-F5344CB8AC3E}">
-        <p14:creationId xmlns:p14="http://schemas.microsoft.com/office/powerpoint/2010/main" val="2069291784"/>
+        <p14:creationId xmlns:p14="http://schemas.microsoft.com/office/powerpoint/2010/main" xmlns="" val="2069291784"/>
       </p:ext>
     </p:extLst>
   </p:cSld>
@@ -12232,7 +12245,7 @@
     </p:spTree>
     <p:extLst>
       <p:ext uri="{BB962C8B-B14F-4D97-AF65-F5344CB8AC3E}">
-        <p14:creationId xmlns:p14="http://schemas.microsoft.com/office/powerpoint/2010/main" val="336816674"/>
+        <p14:creationId xmlns:p14="http://schemas.microsoft.com/office/powerpoint/2010/main" xmlns="" val="336816674"/>
       </p:ext>
     </p:extLst>
   </p:cSld>
@@ -12410,7 +12423,7 @@
     </p:spTree>
     <p:extLst>
       <p:ext uri="{BB962C8B-B14F-4D97-AF65-F5344CB8AC3E}">
-        <p14:creationId xmlns:p14="http://schemas.microsoft.com/office/powerpoint/2010/main" val="159003770"/>
+        <p14:creationId xmlns:p14="http://schemas.microsoft.com/office/powerpoint/2010/main" xmlns="" val="159003770"/>
       </p:ext>
     </p:extLst>
   </p:cSld>
@@ -12487,7 +12500,7 @@
           <a:blip r:embed="rId3">
             <a:extLst>
               <a:ext uri="{28A0092B-C50C-407E-A947-70E740481C1C}">
-                <a14:useLocalDpi xmlns:a14="http://schemas.microsoft.com/office/drawing/2010/main" val="0"/>
+                <a14:useLocalDpi xmlns:a14="http://schemas.microsoft.com/office/drawing/2010/main" xmlns="" val="0"/>
               </a:ext>
             </a:extLst>
           </a:blip>
@@ -12507,7 +12520,7 @@
           <a:noFill/>
           <a:extLst>
             <a:ext uri="{909E8E84-426E-40DD-AFC4-6F175D3DCCD1}">
-              <a14:hiddenFill xmlns:a14="http://schemas.microsoft.com/office/drawing/2010/main">
+              <a14:hiddenFill xmlns:a14="http://schemas.microsoft.com/office/drawing/2010/main" xmlns="">
                 <a:solidFill>
                   <a:srgbClr val="FFFFFF"/>
                 </a:solidFill>
@@ -12519,7 +12532,7 @@
     </p:spTree>
     <p:extLst>
       <p:ext uri="{BB962C8B-B14F-4D97-AF65-F5344CB8AC3E}">
-        <p14:creationId xmlns:p14="http://schemas.microsoft.com/office/powerpoint/2010/main" val="855652980"/>
+        <p14:creationId xmlns:p14="http://schemas.microsoft.com/office/powerpoint/2010/main" xmlns="" val="855652980"/>
       </p:ext>
     </p:extLst>
   </p:cSld>
@@ -12819,7 +12832,7 @@
     </p:spTree>
     <p:extLst>
       <p:ext uri="{BB962C8B-B14F-4D97-AF65-F5344CB8AC3E}">
-        <p14:creationId xmlns:p14="http://schemas.microsoft.com/office/powerpoint/2010/main" val="122151818"/>
+        <p14:creationId xmlns:p14="http://schemas.microsoft.com/office/powerpoint/2010/main" xmlns="" val="122151818"/>
       </p:ext>
     </p:extLst>
   </p:cSld>
@@ -12938,7 +12951,7 @@
     </p:spTree>
     <p:extLst>
       <p:ext uri="{BB962C8B-B14F-4D97-AF65-F5344CB8AC3E}">
-        <p14:creationId xmlns:p14="http://schemas.microsoft.com/office/powerpoint/2010/main" val="969824465"/>
+        <p14:creationId xmlns:p14="http://schemas.microsoft.com/office/powerpoint/2010/main" xmlns="" val="969824465"/>
       </p:ext>
     </p:extLst>
   </p:cSld>
@@ -13224,7 +13237,7 @@
     </p:spTree>
     <p:extLst>
       <p:ext uri="{BB962C8B-B14F-4D97-AF65-F5344CB8AC3E}">
-        <p14:creationId xmlns:p14="http://schemas.microsoft.com/office/powerpoint/2010/main" val="1280364464"/>
+        <p14:creationId xmlns:p14="http://schemas.microsoft.com/office/powerpoint/2010/main" xmlns="" val="1280364464"/>
       </p:ext>
     </p:extLst>
   </p:cSld>
@@ -13294,9 +13307,806 @@
         </p:nvSpPr>
         <p:spPr/>
         <p:txBody>
+          <a:bodyPr>
+            <a:normAutofit fontScale="92500" lnSpcReduction="10000"/>
+          </a:bodyPr>
+          <a:lstStyle/>
+          <a:p>
+            <a:r>
+              <a:rPr lang="en-US" dirty="0" smtClean="0"/>
+              <a:t>&lt;dependency&gt;</a:t>
+            </a:r>
+            <a:br>
+              <a:rPr lang="en-US" dirty="0" smtClean="0"/>
+            </a:br>
+            <a:r>
+              <a:rPr lang="en-US" dirty="0" smtClean="0"/>
+              <a:t>  &lt;</a:t>
+            </a:r>
+            <a:r>
+              <a:rPr lang="en-US" dirty="0" err="1" smtClean="0"/>
+              <a:t>groupId</a:t>
+            </a:r>
+            <a:r>
+              <a:rPr lang="en-US" dirty="0" smtClean="0"/>
+              <a:t>&gt;</a:t>
+            </a:r>
+            <a:r>
+              <a:rPr lang="en-US" dirty="0" err="1" smtClean="0"/>
+              <a:t>org.springframework.boot</a:t>
+            </a:r>
+            <a:r>
+              <a:rPr lang="en-US" dirty="0" smtClean="0"/>
+              <a:t>&lt;/</a:t>
+            </a:r>
+            <a:r>
+              <a:rPr lang="en-US" dirty="0" err="1" smtClean="0"/>
+              <a:t>groupId</a:t>
+            </a:r>
+            <a:r>
+              <a:rPr lang="en-US" dirty="0" smtClean="0"/>
+              <a:t>&gt;</a:t>
+            </a:r>
+            <a:br>
+              <a:rPr lang="en-US" dirty="0" smtClean="0"/>
+            </a:br>
+            <a:r>
+              <a:rPr lang="en-US" dirty="0" smtClean="0"/>
+              <a:t>  &lt;</a:t>
+            </a:r>
+            <a:r>
+              <a:rPr lang="en-US" dirty="0" err="1" smtClean="0"/>
+              <a:t>artifactId</a:t>
+            </a:r>
+            <a:r>
+              <a:rPr lang="en-US" dirty="0" smtClean="0"/>
+              <a:t>&gt;spring-boot-starter-data-</a:t>
+            </a:r>
+            <a:r>
+              <a:rPr lang="en-US" dirty="0" err="1" smtClean="0"/>
+              <a:t>redis</a:t>
+            </a:r>
+            <a:r>
+              <a:rPr lang="en-US" dirty="0" smtClean="0"/>
+              <a:t>&lt;/</a:t>
+            </a:r>
+            <a:r>
+              <a:rPr lang="en-US" dirty="0" err="1" smtClean="0"/>
+              <a:t>artifactId</a:t>
+            </a:r>
+            <a:r>
+              <a:rPr lang="en-US" dirty="0" smtClean="0"/>
+              <a:t>&gt;</a:t>
+            </a:r>
+            <a:br>
+              <a:rPr lang="en-US" dirty="0" smtClean="0"/>
+            </a:br>
+            <a:r>
+              <a:rPr lang="en-US" dirty="0" smtClean="0"/>
+              <a:t>&lt;/dependency&gt;</a:t>
+            </a:r>
+            <a:br>
+              <a:rPr lang="en-US" dirty="0" smtClean="0"/>
+            </a:br>
+            <a:r>
+              <a:rPr lang="en-US" dirty="0" smtClean="0"/>
+              <a:t/>
+            </a:r>
+            <a:br>
+              <a:rPr lang="en-US" dirty="0" smtClean="0"/>
+            </a:br>
+            <a:r>
+              <a:rPr lang="en-US" dirty="0" smtClean="0"/>
+              <a:t>&lt;dependency&gt;</a:t>
+            </a:r>
+            <a:br>
+              <a:rPr lang="en-US" dirty="0" smtClean="0"/>
+            </a:br>
+            <a:r>
+              <a:rPr lang="en-US" dirty="0" smtClean="0"/>
+              <a:t>  &lt;</a:t>
+            </a:r>
+            <a:r>
+              <a:rPr lang="en-US" dirty="0" err="1" smtClean="0"/>
+              <a:t>groupId</a:t>
+            </a:r>
+            <a:r>
+              <a:rPr lang="en-US" dirty="0" smtClean="0"/>
+              <a:t>&gt;</a:t>
+            </a:r>
+            <a:r>
+              <a:rPr lang="en-US" dirty="0" err="1" smtClean="0"/>
+              <a:t>redis.clients</a:t>
+            </a:r>
+            <a:r>
+              <a:rPr lang="en-US" dirty="0" smtClean="0"/>
+              <a:t>&lt;/</a:t>
+            </a:r>
+            <a:r>
+              <a:rPr lang="en-US" dirty="0" err="1" smtClean="0"/>
+              <a:t>groupId</a:t>
+            </a:r>
+            <a:r>
+              <a:rPr lang="en-US" dirty="0" smtClean="0"/>
+              <a:t>&gt;</a:t>
+            </a:r>
+            <a:br>
+              <a:rPr lang="en-US" dirty="0" smtClean="0"/>
+            </a:br>
+            <a:r>
+              <a:rPr lang="en-US" dirty="0" smtClean="0"/>
+              <a:t>  &lt;</a:t>
+            </a:r>
+            <a:r>
+              <a:rPr lang="en-US" dirty="0" err="1" smtClean="0"/>
+              <a:t>artifactId</a:t>
+            </a:r>
+            <a:r>
+              <a:rPr lang="en-US" dirty="0" smtClean="0"/>
+              <a:t>&gt;</a:t>
+            </a:r>
+            <a:r>
+              <a:rPr lang="en-US" dirty="0" err="1" smtClean="0"/>
+              <a:t>jedis</a:t>
+            </a:r>
+            <a:r>
+              <a:rPr lang="en-US" dirty="0" smtClean="0"/>
+              <a:t>&lt;/</a:t>
+            </a:r>
+            <a:r>
+              <a:rPr lang="en-US" dirty="0" err="1" smtClean="0"/>
+              <a:t>artifactId</a:t>
+            </a:r>
+            <a:r>
+              <a:rPr lang="en-US" dirty="0" smtClean="0"/>
+              <a:t>&gt;</a:t>
+            </a:r>
+            <a:br>
+              <a:rPr lang="en-US" dirty="0" smtClean="0"/>
+            </a:br>
+            <a:r>
+              <a:rPr lang="en-US" dirty="0" smtClean="0"/>
+              <a:t>&lt;/dependency&gt;</a:t>
+            </a:r>
+            <a:endParaRPr lang="zh-CN" altLang="en-US" dirty="0"/>
+          </a:p>
+        </p:txBody>
+      </p:sp>
+    </p:spTree>
+  </p:cSld>
+  <p:clrMapOvr>
+    <a:masterClrMapping/>
+  </p:clrMapOvr>
+</p:sld>
+</file>
+
+<file path=ppt/slides/slide57.xml><?xml version="1.0" encoding="utf-8"?>
+<p:sld xmlns:a="http://schemas.openxmlformats.org/drawingml/2006/main" xmlns:r="http://schemas.openxmlformats.org/officeDocument/2006/relationships" xmlns:p="http://schemas.openxmlformats.org/presentationml/2006/main">
+  <p:cSld>
+    <p:spTree>
+      <p:nvGrpSpPr>
+        <p:cNvPr id="1" name=""/>
+        <p:cNvGrpSpPr/>
+        <p:nvPr/>
+      </p:nvGrpSpPr>
+      <p:grpSpPr>
+        <a:xfrm>
+          <a:off x="0" y="0"/>
+          <a:ext cx="0" cy="0"/>
+          <a:chOff x="0" y="0"/>
+          <a:chExt cx="0" cy="0"/>
+        </a:xfrm>
+      </p:grpSpPr>
+      <p:sp>
+        <p:nvSpPr>
+          <p:cNvPr id="2" name="标题 1"/>
+          <p:cNvSpPr>
+            <a:spLocks noGrp="1"/>
+          </p:cNvSpPr>
+          <p:nvPr>
+            <p:ph type="title"/>
+          </p:nvPr>
+        </p:nvSpPr>
+        <p:spPr/>
+        <p:txBody>
           <a:bodyPr/>
           <a:lstStyle/>
           <a:p>
+            <a:r>
+              <a:rPr lang="en-US" altLang="zh-CN" dirty="0" err="1" smtClean="0"/>
+              <a:t>application.proeperties</a:t>
+            </a:r>
+            <a:endParaRPr lang="zh-CN" altLang="en-US" dirty="0"/>
+          </a:p>
+        </p:txBody>
+      </p:sp>
+      <p:sp>
+        <p:nvSpPr>
+          <p:cNvPr id="3" name="内容占位符 2"/>
+          <p:cNvSpPr>
+            <a:spLocks noGrp="1"/>
+          </p:cNvSpPr>
+          <p:nvPr>
+            <p:ph idx="1"/>
+          </p:nvPr>
+        </p:nvSpPr>
+        <p:spPr/>
+        <p:txBody>
+          <a:bodyPr>
+            <a:normAutofit fontScale="92500" lnSpcReduction="20000"/>
+          </a:bodyPr>
+          <a:lstStyle/>
+          <a:p>
+            <a:r>
+              <a:rPr lang="en-US" dirty="0" err="1" smtClean="0"/>
+              <a:t>spring.redis.jedis.pool.min</a:t>
+            </a:r>
+            <a:r>
+              <a:rPr lang="en-US" dirty="0" smtClean="0"/>
+              <a:t>-idle=5</a:t>
+            </a:r>
+            <a:br>
+              <a:rPr lang="en-US" dirty="0" smtClean="0"/>
+            </a:br>
+            <a:r>
+              <a:rPr lang="en-US" dirty="0" err="1" smtClean="0"/>
+              <a:t>spring.redis.jedis.pool.max</a:t>
+            </a:r>
+            <a:r>
+              <a:rPr lang="en-US" dirty="0" smtClean="0"/>
+              <a:t>-active=10</a:t>
+            </a:r>
+            <a:br>
+              <a:rPr lang="en-US" dirty="0" smtClean="0"/>
+            </a:br>
+            <a:r>
+              <a:rPr lang="en-US" dirty="0" err="1" smtClean="0"/>
+              <a:t>spring.redis.jedis.pool.max</a:t>
+            </a:r>
+            <a:r>
+              <a:rPr lang="en-US" dirty="0" smtClean="0"/>
+              <a:t>-idle=10</a:t>
+            </a:r>
+            <a:br>
+              <a:rPr lang="en-US" dirty="0" smtClean="0"/>
+            </a:br>
+            <a:r>
+              <a:rPr lang="en-US" dirty="0" err="1" smtClean="0"/>
+              <a:t>spring.redis.jedis.pool.max</a:t>
+            </a:r>
+            <a:r>
+              <a:rPr lang="en-US" dirty="0" smtClean="0"/>
+              <a:t>-wait=2000</a:t>
+            </a:r>
+            <a:br>
+              <a:rPr lang="en-US" dirty="0" smtClean="0"/>
+            </a:br>
+            <a:r>
+              <a:rPr lang="en-US" dirty="0" smtClean="0"/>
+              <a:t/>
+            </a:r>
+            <a:br>
+              <a:rPr lang="en-US" dirty="0" smtClean="0"/>
+            </a:br>
+            <a:r>
+              <a:rPr lang="en-US" dirty="0" err="1" smtClean="0"/>
+              <a:t>spring.redis.port</a:t>
+            </a:r>
+            <a:r>
+              <a:rPr lang="en-US" dirty="0" smtClean="0"/>
+              <a:t>=6379</a:t>
+            </a:r>
+            <a:br>
+              <a:rPr lang="en-US" dirty="0" smtClean="0"/>
+            </a:br>
+            <a:r>
+              <a:rPr lang="en-US" dirty="0" err="1" smtClean="0"/>
+              <a:t>spring.redis.host</a:t>
+            </a:r>
+            <a:r>
+              <a:rPr lang="en-US" dirty="0" smtClean="0"/>
+              <a:t>=</a:t>
+            </a:r>
+            <a:r>
+              <a:rPr lang="en-US" dirty="0" err="1" smtClean="0"/>
+              <a:t>localhost</a:t>
+            </a:r>
+            <a:r>
+              <a:rPr lang="en-US" dirty="0" smtClean="0"/>
+              <a:t/>
+            </a:r>
+            <a:br>
+              <a:rPr lang="en-US" dirty="0" smtClean="0"/>
+            </a:br>
+            <a:r>
+              <a:rPr lang="en-US" dirty="0" smtClean="0"/>
+              <a:t># </a:t>
+            </a:r>
+            <a:r>
+              <a:rPr lang="en-US" dirty="0" err="1" smtClean="0"/>
+              <a:t>spring.redis.host</a:t>
+            </a:r>
+            <a:r>
+              <a:rPr lang="en-US" dirty="0" smtClean="0"/>
+              <a:t>=ec2-52-82-29-16.cn-northwest-1.compute.amazonaws.com.cn</a:t>
+            </a:r>
+            <a:br>
+              <a:rPr lang="en-US" dirty="0" smtClean="0"/>
+            </a:br>
+            <a:r>
+              <a:rPr lang="en-US" dirty="0" smtClean="0"/>
+              <a:t/>
+            </a:r>
+            <a:br>
+              <a:rPr lang="en-US" dirty="0" smtClean="0"/>
+            </a:br>
+            <a:r>
+              <a:rPr lang="en-US" dirty="0" err="1" smtClean="0"/>
+              <a:t>spring.redis.timeout</a:t>
+            </a:r>
+            <a:r>
+              <a:rPr lang="en-US" dirty="0" smtClean="0"/>
+              <a:t>=1000</a:t>
+            </a:r>
+            <a:br>
+              <a:rPr lang="en-US" dirty="0" smtClean="0"/>
+            </a:br>
+            <a:endParaRPr lang="zh-CN" altLang="en-US" dirty="0"/>
+          </a:p>
+        </p:txBody>
+      </p:sp>
+    </p:spTree>
+  </p:cSld>
+  <p:clrMapOvr>
+    <a:masterClrMapping/>
+  </p:clrMapOvr>
+</p:sld>
+</file>
+
+<file path=ppt/slides/slide58.xml><?xml version="1.0" encoding="utf-8"?>
+<p:sld xmlns:a="http://schemas.openxmlformats.org/drawingml/2006/main" xmlns:r="http://schemas.openxmlformats.org/officeDocument/2006/relationships" xmlns:p="http://schemas.openxmlformats.org/presentationml/2006/main">
+  <p:cSld>
+    <p:spTree>
+      <p:nvGrpSpPr>
+        <p:cNvPr id="1" name=""/>
+        <p:cNvGrpSpPr/>
+        <p:nvPr/>
+      </p:nvGrpSpPr>
+      <p:grpSpPr>
+        <a:xfrm>
+          <a:off x="0" y="0"/>
+          <a:ext cx="0" cy="0"/>
+          <a:chOff x="0" y="0"/>
+          <a:chExt cx="0" cy="0"/>
+        </a:xfrm>
+      </p:grpSpPr>
+      <p:sp>
+        <p:nvSpPr>
+          <p:cNvPr id="2" name="标题 1"/>
+          <p:cNvSpPr>
+            <a:spLocks noGrp="1"/>
+          </p:cNvSpPr>
+          <p:nvPr>
+            <p:ph type="title"/>
+          </p:nvPr>
+        </p:nvSpPr>
+        <p:spPr/>
+        <p:txBody>
+          <a:bodyPr/>
+          <a:lstStyle/>
+          <a:p>
+            <a:r>
+              <a:rPr lang="zh-CN" altLang="en-US" dirty="0" smtClean="0"/>
+              <a:t>上级练习</a:t>
+            </a:r>
+            <a:endParaRPr lang="zh-CN" altLang="en-US" dirty="0"/>
+          </a:p>
+        </p:txBody>
+      </p:sp>
+      <p:sp>
+        <p:nvSpPr>
+          <p:cNvPr id="3" name="内容占位符 2"/>
+          <p:cNvSpPr>
+            <a:spLocks noGrp="1"/>
+          </p:cNvSpPr>
+          <p:nvPr>
+            <p:ph idx="1"/>
+          </p:nvPr>
+        </p:nvSpPr>
+        <p:spPr>
+          <a:xfrm>
+            <a:off x="428596" y="1357298"/>
+            <a:ext cx="8229600" cy="5257800"/>
+          </a:xfrm>
+        </p:spPr>
+        <p:txBody>
+          <a:bodyPr>
+            <a:normAutofit fontScale="77500" lnSpcReduction="20000"/>
+          </a:bodyPr>
+          <a:lstStyle/>
+          <a:p>
+            <a:r>
+              <a:rPr lang="zh-CN" altLang="en-US" dirty="0" smtClean="0"/>
+              <a:t>本机安装</a:t>
+            </a:r>
+            <a:r>
+              <a:rPr lang="en-US" altLang="zh-CN" dirty="0" err="1" smtClean="0"/>
+              <a:t>Redis</a:t>
+            </a:r>
+            <a:endParaRPr lang="en-US" altLang="zh-CN" dirty="0" smtClean="0"/>
+          </a:p>
+          <a:p>
+            <a:r>
+              <a:rPr lang="zh-CN" altLang="en-US" dirty="0" smtClean="0"/>
+              <a:t>新建</a:t>
+            </a:r>
+            <a:r>
+              <a:rPr lang="en-US" altLang="zh-CN" dirty="0" smtClean="0"/>
+              <a:t>Controller</a:t>
+            </a:r>
+            <a:r>
+              <a:rPr lang="zh-CN" altLang="en-US" dirty="0" smtClean="0"/>
+              <a:t>，可以根据传入的</a:t>
+            </a:r>
+            <a:r>
+              <a:rPr lang="en-US" altLang="zh-CN" dirty="0" smtClean="0"/>
+              <a:t>key</a:t>
+            </a:r>
+            <a:r>
+              <a:rPr lang="zh-CN" altLang="en-US" dirty="0" smtClean="0"/>
+              <a:t>返回对应的</a:t>
+            </a:r>
+            <a:r>
+              <a:rPr lang="en-US" altLang="zh-CN" dirty="0" smtClean="0"/>
+              <a:t>Value</a:t>
+            </a:r>
+          </a:p>
+          <a:p>
+            <a:r>
+              <a:rPr lang="zh-CN" altLang="en-US" dirty="0" smtClean="0"/>
+              <a:t>新建</a:t>
+            </a:r>
+            <a:r>
+              <a:rPr lang="en-US" altLang="zh-CN" dirty="0" smtClean="0"/>
+              <a:t>Controller</a:t>
+            </a:r>
+            <a:r>
+              <a:rPr lang="zh-CN" altLang="en-US" dirty="0" smtClean="0"/>
+              <a:t>，可以传入</a:t>
+            </a:r>
+            <a:r>
+              <a:rPr lang="en-US" altLang="zh-CN" dirty="0" smtClean="0"/>
+              <a:t>key</a:t>
+            </a:r>
+            <a:r>
+              <a:rPr lang="zh-CN" altLang="en-US" dirty="0" smtClean="0"/>
+              <a:t>和</a:t>
+            </a:r>
+            <a:r>
+              <a:rPr lang="en-US" altLang="zh-CN" dirty="0" smtClean="0"/>
+              <a:t>value</a:t>
+            </a:r>
+            <a:r>
+              <a:rPr lang="zh-CN" altLang="en-US" dirty="0" smtClean="0"/>
+              <a:t>，写入对应的</a:t>
+            </a:r>
+            <a:r>
+              <a:rPr lang="en-US" altLang="zh-CN" dirty="0" err="1" smtClean="0"/>
+              <a:t>redis</a:t>
+            </a:r>
+            <a:endParaRPr lang="en-US" altLang="zh-CN" dirty="0" smtClean="0"/>
+          </a:p>
+          <a:p>
+            <a:r>
+              <a:rPr lang="zh-CN" altLang="en-US" dirty="0" smtClean="0"/>
+              <a:t>新建一个</a:t>
+            </a:r>
+            <a:r>
+              <a:rPr lang="en-US" altLang="zh-CN" dirty="0" smtClean="0"/>
+              <a:t>Hash</a:t>
+            </a:r>
+            <a:r>
+              <a:rPr lang="zh-CN" altLang="en-US" dirty="0" smtClean="0"/>
+              <a:t>，</a:t>
+            </a:r>
+            <a:r>
+              <a:rPr lang="en-US" altLang="zh-CN" dirty="0" smtClean="0"/>
+              <a:t>key=</a:t>
+            </a:r>
+            <a:r>
+              <a:rPr lang="en-US" altLang="zh-CN" dirty="0" err="1" smtClean="0"/>
+              <a:t>config</a:t>
+            </a:r>
+            <a:endParaRPr lang="en-US" altLang="zh-CN" dirty="0" smtClean="0"/>
+          </a:p>
+          <a:p>
+            <a:pPr lvl="1"/>
+            <a:r>
+              <a:rPr lang="zh-CN" altLang="en-US" dirty="0" smtClean="0"/>
+              <a:t>可以通过</a:t>
+            </a:r>
+            <a:r>
+              <a:rPr lang="en-US" altLang="zh-CN" dirty="0" smtClean="0"/>
+              <a:t>put</a:t>
+            </a:r>
+            <a:r>
+              <a:rPr lang="zh-CN" altLang="en-US" dirty="0" smtClean="0"/>
+              <a:t>方法，放入</a:t>
+            </a:r>
+            <a:r>
+              <a:rPr lang="en-US" altLang="zh-CN" dirty="0" smtClean="0"/>
+              <a:t>controller</a:t>
+            </a:r>
+            <a:r>
+              <a:rPr lang="zh-CN" altLang="en-US" dirty="0" smtClean="0"/>
+              <a:t>传入的</a:t>
+            </a:r>
+            <a:r>
+              <a:rPr lang="en-US" altLang="zh-CN" dirty="0" err="1" smtClean="0"/>
+              <a:t>hashKey</a:t>
+            </a:r>
+            <a:r>
+              <a:rPr lang="zh-CN" altLang="en-US" dirty="0" smtClean="0"/>
+              <a:t>和</a:t>
+            </a:r>
+            <a:r>
+              <a:rPr lang="en-US" altLang="zh-CN" dirty="0" err="1" smtClean="0"/>
+              <a:t>hashValue</a:t>
+            </a:r>
+            <a:endParaRPr lang="en-US" altLang="zh-CN" dirty="0" smtClean="0"/>
+          </a:p>
+          <a:p>
+            <a:pPr lvl="1"/>
+            <a:r>
+              <a:rPr lang="zh-CN" altLang="en-US" dirty="0" smtClean="0"/>
+              <a:t>可以通过</a:t>
+            </a:r>
+            <a:r>
+              <a:rPr lang="en-US" altLang="zh-CN" dirty="0" smtClean="0"/>
+              <a:t>get</a:t>
+            </a:r>
+            <a:r>
+              <a:rPr lang="zh-CN" altLang="en-US" dirty="0" smtClean="0"/>
+              <a:t>方法，取出</a:t>
+            </a:r>
+            <a:r>
+              <a:rPr lang="en-US" altLang="zh-CN" dirty="0" smtClean="0"/>
+              <a:t>key=</a:t>
+            </a:r>
+            <a:r>
+              <a:rPr lang="en-US" altLang="zh-CN" dirty="0" err="1" smtClean="0"/>
+              <a:t>config</a:t>
+            </a:r>
+            <a:r>
+              <a:rPr lang="en-US" altLang="zh-CN" dirty="0" smtClean="0"/>
+              <a:t>, </a:t>
+            </a:r>
+            <a:r>
+              <a:rPr lang="en-US" altLang="zh-CN" dirty="0" err="1" smtClean="0"/>
+              <a:t>hashKey</a:t>
+            </a:r>
+            <a:r>
+              <a:rPr lang="en-US" altLang="zh-CN" dirty="0" smtClean="0"/>
+              <a:t>=</a:t>
+            </a:r>
+            <a:r>
+              <a:rPr lang="zh-CN" altLang="en-US" dirty="0" smtClean="0"/>
+              <a:t>传入参数的</a:t>
+            </a:r>
+            <a:r>
+              <a:rPr lang="en-US" altLang="zh-CN" dirty="0" smtClean="0"/>
+              <a:t>value</a:t>
+            </a:r>
+          </a:p>
+          <a:p>
+            <a:r>
+              <a:rPr lang="zh-CN" altLang="en-US" dirty="0" smtClean="0"/>
+              <a:t>新建一个队列，</a:t>
+            </a:r>
+            <a:r>
+              <a:rPr lang="en-US" altLang="zh-CN" dirty="0" smtClean="0"/>
+              <a:t>key=</a:t>
+            </a:r>
+            <a:r>
+              <a:rPr lang="en-US" altLang="zh-CN" dirty="0" err="1" smtClean="0"/>
+              <a:t>myList</a:t>
+            </a:r>
+            <a:endParaRPr lang="en-US" altLang="zh-CN" dirty="0" smtClean="0"/>
+          </a:p>
+          <a:p>
+            <a:pPr lvl="1"/>
+            <a:r>
+              <a:rPr lang="zh-CN" altLang="en-US" dirty="0" smtClean="0"/>
+              <a:t>可以通过</a:t>
+            </a:r>
+            <a:r>
+              <a:rPr lang="en-US" altLang="zh-CN" dirty="0" err="1" smtClean="0"/>
+              <a:t>rightPush</a:t>
+            </a:r>
+            <a:r>
+              <a:rPr lang="zh-CN" altLang="en-US" dirty="0" smtClean="0"/>
+              <a:t>写入数据</a:t>
+            </a:r>
+            <a:endParaRPr lang="en-US" altLang="zh-CN" dirty="0" smtClean="0"/>
+          </a:p>
+          <a:p>
+            <a:pPr lvl="1"/>
+            <a:r>
+              <a:rPr lang="zh-CN" altLang="en-US" dirty="0" smtClean="0"/>
+              <a:t>可以通过</a:t>
+            </a:r>
+            <a:r>
+              <a:rPr lang="en-US" altLang="zh-CN" dirty="0" err="1" smtClean="0"/>
+              <a:t>lrange</a:t>
+            </a:r>
+            <a:r>
+              <a:rPr lang="zh-CN" altLang="en-US" dirty="0" smtClean="0"/>
+              <a:t>获取队列</a:t>
+            </a:r>
+            <a:endParaRPr lang="en-US" altLang="zh-CN" dirty="0" smtClean="0"/>
+          </a:p>
+          <a:p>
+            <a:r>
+              <a:rPr lang="zh-CN" altLang="en-US" dirty="0" smtClean="0"/>
+              <a:t>新建一个</a:t>
+            </a:r>
+            <a:r>
+              <a:rPr lang="en-US" altLang="zh-CN" dirty="0" err="1" smtClean="0"/>
+              <a:t>zset</a:t>
+            </a:r>
+            <a:r>
+              <a:rPr lang="zh-CN" altLang="en-US" dirty="0" smtClean="0"/>
+              <a:t>，</a:t>
+            </a:r>
+            <a:r>
+              <a:rPr lang="en-US" altLang="zh-CN" dirty="0" smtClean="0"/>
+              <a:t>key=</a:t>
+            </a:r>
+            <a:r>
+              <a:rPr lang="en-US" altLang="zh-CN" dirty="0" err="1" smtClean="0"/>
+              <a:t>userList</a:t>
+            </a:r>
+            <a:endParaRPr lang="en-US" altLang="zh-CN" dirty="0" smtClean="0"/>
+          </a:p>
+          <a:p>
+            <a:pPr lvl="1"/>
+            <a:r>
+              <a:rPr lang="zh-CN" altLang="en-US" dirty="0" smtClean="0"/>
+              <a:t>每个</a:t>
+            </a:r>
+            <a:r>
+              <a:rPr lang="en-US" altLang="zh-CN" dirty="0" smtClean="0"/>
+              <a:t>User</a:t>
+            </a:r>
+            <a:r>
+              <a:rPr lang="zh-CN" altLang="en-US" dirty="0" smtClean="0"/>
+              <a:t>有一个字段</a:t>
+            </a:r>
+            <a:r>
+              <a:rPr lang="en-US" altLang="zh-CN" dirty="0" smtClean="0"/>
+              <a:t>age</a:t>
+            </a:r>
+          </a:p>
+          <a:p>
+            <a:pPr lvl="1"/>
+            <a:r>
+              <a:rPr lang="zh-CN" altLang="en-US" dirty="0" smtClean="0"/>
+              <a:t>向</a:t>
+            </a:r>
+            <a:r>
+              <a:rPr lang="en-US" altLang="zh-CN" dirty="0" err="1" smtClean="0"/>
+              <a:t>userList</a:t>
+            </a:r>
+            <a:r>
+              <a:rPr lang="zh-CN" altLang="en-US" dirty="0" smtClean="0"/>
+              <a:t>中添加</a:t>
+            </a:r>
+            <a:r>
+              <a:rPr lang="en-US" altLang="zh-CN" dirty="0" smtClean="0"/>
+              <a:t>10</a:t>
+            </a:r>
+            <a:r>
+              <a:rPr lang="zh-CN" altLang="en-US" dirty="0" smtClean="0"/>
+              <a:t>个不同的用户，根据</a:t>
+            </a:r>
+            <a:r>
+              <a:rPr lang="en-US" altLang="zh-CN" dirty="0" smtClean="0"/>
+              <a:t>age</a:t>
+            </a:r>
+            <a:r>
+              <a:rPr lang="zh-CN" altLang="en-US" dirty="0" smtClean="0"/>
+              <a:t>排序</a:t>
+            </a:r>
+            <a:endParaRPr lang="en-US" altLang="zh-CN" dirty="0" smtClean="0"/>
+          </a:p>
+          <a:p>
+            <a:pPr lvl="1"/>
+            <a:r>
+              <a:rPr lang="zh-CN" altLang="en-US" dirty="0" smtClean="0"/>
+              <a:t>获取排序之后的用户列表</a:t>
+            </a:r>
+            <a:endParaRPr lang="en-US" altLang="zh-CN" dirty="0" smtClean="0"/>
+          </a:p>
+        </p:txBody>
+      </p:sp>
+    </p:spTree>
+  </p:cSld>
+  <p:clrMapOvr>
+    <a:masterClrMapping/>
+  </p:clrMapOvr>
+</p:sld>
+</file>
+
+<file path=ppt/slides/slide59.xml><?xml version="1.0" encoding="utf-8"?>
+<p:sld xmlns:a="http://schemas.openxmlformats.org/drawingml/2006/main" xmlns:r="http://schemas.openxmlformats.org/officeDocument/2006/relationships" xmlns:p="http://schemas.openxmlformats.org/presentationml/2006/main">
+  <p:cSld>
+    <p:spTree>
+      <p:nvGrpSpPr>
+        <p:cNvPr id="1" name=""/>
+        <p:cNvGrpSpPr/>
+        <p:nvPr/>
+      </p:nvGrpSpPr>
+      <p:grpSpPr>
+        <a:xfrm>
+          <a:off x="0" y="0"/>
+          <a:ext cx="0" cy="0"/>
+          <a:chOff x="0" y="0"/>
+          <a:chExt cx="0" cy="0"/>
+        </a:xfrm>
+      </p:grpSpPr>
+      <p:sp>
+        <p:nvSpPr>
+          <p:cNvPr id="2" name="标题 1"/>
+          <p:cNvSpPr>
+            <a:spLocks noGrp="1"/>
+          </p:cNvSpPr>
+          <p:nvPr>
+            <p:ph type="title"/>
+          </p:nvPr>
+        </p:nvSpPr>
+        <p:spPr/>
+        <p:txBody>
+          <a:bodyPr/>
+          <a:lstStyle/>
+          <a:p>
+            <a:r>
+              <a:rPr lang="en-US" altLang="zh-CN" dirty="0" err="1" smtClean="0"/>
+              <a:t>Redis</a:t>
+            </a:r>
+            <a:r>
+              <a:rPr lang="zh-CN" altLang="en-US" dirty="0" smtClean="0"/>
+              <a:t>与电商网站结合</a:t>
+            </a:r>
+            <a:endParaRPr lang="zh-CN" altLang="en-US" dirty="0"/>
+          </a:p>
+        </p:txBody>
+      </p:sp>
+      <p:sp>
+        <p:nvSpPr>
+          <p:cNvPr id="3" name="内容占位符 2"/>
+          <p:cNvSpPr>
+            <a:spLocks noGrp="1"/>
+          </p:cNvSpPr>
+          <p:nvPr>
+            <p:ph idx="1"/>
+          </p:nvPr>
+        </p:nvSpPr>
+        <p:spPr/>
+        <p:txBody>
+          <a:bodyPr/>
+          <a:lstStyle/>
+          <a:p>
+            <a:r>
+              <a:rPr lang="zh-CN" altLang="en-US" dirty="0" smtClean="0"/>
+              <a:t>缓存用户数据</a:t>
+            </a:r>
+            <a:endParaRPr lang="en-US" altLang="zh-CN" dirty="0" smtClean="0"/>
+          </a:p>
+          <a:p>
+            <a:r>
+              <a:rPr lang="zh-CN" altLang="en-US" smtClean="0"/>
+              <a:t>商品浏览量排名</a:t>
+            </a:r>
             <a:endParaRPr lang="zh-CN" altLang="en-US"/>
           </a:p>
         </p:txBody>
@@ -15127,7 +15937,7 @@
     </a:clrScheme>
     <a:fontScheme name="Office">
       <a:majorFont>
-        <a:latin typeface="Calibri Light" panose="020F0302020204030204"/>
+        <a:latin typeface="Calibri Light"/>
         <a:ea typeface=""/>
         <a:cs typeface=""/>
         <a:font script="Jpan" typeface="Yu Gothic Light"/>
@@ -15162,7 +15972,7 @@
         <a:font script="Geor" typeface="Sylfaen"/>
       </a:majorFont>
       <a:minorFont>
-        <a:latin typeface="Calibri" panose="020F0502020204030204"/>
+        <a:latin typeface="Calibri"/>
         <a:ea typeface=""/>
         <a:cs typeface=""/>
         <a:font script="Jpan" typeface="Yu Gothic"/>
@@ -15339,7 +16149,7 @@
   <a:extraClrSchemeLst/>
   <a:extLst>
     <a:ext uri="{05A4C25C-085E-4340-85A3-A5531E510DB2}">
-      <thm15:themeFamily xmlns:thm15="http://schemas.microsoft.com/office/thememl/2012/main" name="Office Theme" id="{62F939B6-93AF-4DB8-9C6B-D6C7DFDC589F}" vid="{4A3C46E8-61CC-4603-A589-7422A47A8E4A}"/>
+      <thm15:themeFamily xmlns:thm15="http://schemas.microsoft.com/office/thememl/2012/main" xmlns="" name="Office Theme" id="{62F939B6-93AF-4DB8-9C6B-D6C7DFDC589F}" vid="{4A3C46E8-61CC-4603-A589-7422A47A8E4A}"/>
     </a:ext>
   </a:extLst>
 </a:theme>

--- a/middlerware/Redis介绍及实战.pptx
+++ b/middlerware/Redis介绍及实战.pptx
@@ -5,7 +5,7 @@
     <p:sldMasterId id="2147483672" r:id="rId1"/>
   </p:sldMasterIdLst>
   <p:notesMasterIdLst>
-    <p:notesMasterId r:id="rId61"/>
+    <p:notesMasterId r:id="rId64"/>
   </p:notesMasterIdLst>
   <p:sldIdLst>
     <p:sldId id="256" r:id="rId2"/>
@@ -25,48 +25,51 @@
     <p:sldId id="270" r:id="rId16"/>
     <p:sldId id="313" r:id="rId17"/>
     <p:sldId id="314" r:id="rId18"/>
-    <p:sldId id="315" r:id="rId19"/>
-    <p:sldId id="316" r:id="rId20"/>
-    <p:sldId id="271" r:id="rId21"/>
-    <p:sldId id="272" r:id="rId22"/>
-    <p:sldId id="273" r:id="rId23"/>
-    <p:sldId id="274" r:id="rId24"/>
-    <p:sldId id="275" r:id="rId25"/>
-    <p:sldId id="276" r:id="rId26"/>
-    <p:sldId id="277" r:id="rId27"/>
-    <p:sldId id="279" r:id="rId28"/>
-    <p:sldId id="280" r:id="rId29"/>
-    <p:sldId id="281" r:id="rId30"/>
-    <p:sldId id="282" r:id="rId31"/>
-    <p:sldId id="283" r:id="rId32"/>
-    <p:sldId id="284" r:id="rId33"/>
-    <p:sldId id="285" r:id="rId34"/>
-    <p:sldId id="286" r:id="rId35"/>
-    <p:sldId id="287" r:id="rId36"/>
-    <p:sldId id="288" r:id="rId37"/>
-    <p:sldId id="289" r:id="rId38"/>
-    <p:sldId id="290" r:id="rId39"/>
-    <p:sldId id="291" r:id="rId40"/>
-    <p:sldId id="292" r:id="rId41"/>
-    <p:sldId id="293" r:id="rId42"/>
-    <p:sldId id="294" r:id="rId43"/>
-    <p:sldId id="295" r:id="rId44"/>
-    <p:sldId id="296" r:id="rId45"/>
-    <p:sldId id="297" r:id="rId46"/>
-    <p:sldId id="298" r:id="rId47"/>
-    <p:sldId id="299" r:id="rId48"/>
-    <p:sldId id="300" r:id="rId49"/>
-    <p:sldId id="301" r:id="rId50"/>
-    <p:sldId id="302" r:id="rId51"/>
-    <p:sldId id="303" r:id="rId52"/>
-    <p:sldId id="305" r:id="rId53"/>
-    <p:sldId id="306" r:id="rId54"/>
-    <p:sldId id="307" r:id="rId55"/>
-    <p:sldId id="308" r:id="rId56"/>
-    <p:sldId id="309" r:id="rId57"/>
-    <p:sldId id="310" r:id="rId58"/>
-    <p:sldId id="311" r:id="rId59"/>
-    <p:sldId id="312" r:id="rId60"/>
+    <p:sldId id="317" r:id="rId19"/>
+    <p:sldId id="315" r:id="rId20"/>
+    <p:sldId id="318" r:id="rId21"/>
+    <p:sldId id="319" r:id="rId22"/>
+    <p:sldId id="320" r:id="rId23"/>
+    <p:sldId id="316" r:id="rId24"/>
+    <p:sldId id="271" r:id="rId25"/>
+    <p:sldId id="272" r:id="rId26"/>
+    <p:sldId id="273" r:id="rId27"/>
+    <p:sldId id="275" r:id="rId28"/>
+    <p:sldId id="276" r:id="rId29"/>
+    <p:sldId id="277" r:id="rId30"/>
+    <p:sldId id="279" r:id="rId31"/>
+    <p:sldId id="280" r:id="rId32"/>
+    <p:sldId id="281" r:id="rId33"/>
+    <p:sldId id="282" r:id="rId34"/>
+    <p:sldId id="283" r:id="rId35"/>
+    <p:sldId id="284" r:id="rId36"/>
+    <p:sldId id="285" r:id="rId37"/>
+    <p:sldId id="286" r:id="rId38"/>
+    <p:sldId id="287" r:id="rId39"/>
+    <p:sldId id="288" r:id="rId40"/>
+    <p:sldId id="289" r:id="rId41"/>
+    <p:sldId id="290" r:id="rId42"/>
+    <p:sldId id="291" r:id="rId43"/>
+    <p:sldId id="292" r:id="rId44"/>
+    <p:sldId id="293" r:id="rId45"/>
+    <p:sldId id="294" r:id="rId46"/>
+    <p:sldId id="295" r:id="rId47"/>
+    <p:sldId id="296" r:id="rId48"/>
+    <p:sldId id="297" r:id="rId49"/>
+    <p:sldId id="298" r:id="rId50"/>
+    <p:sldId id="299" r:id="rId51"/>
+    <p:sldId id="300" r:id="rId52"/>
+    <p:sldId id="301" r:id="rId53"/>
+    <p:sldId id="302" r:id="rId54"/>
+    <p:sldId id="303" r:id="rId55"/>
+    <p:sldId id="305" r:id="rId56"/>
+    <p:sldId id="306" r:id="rId57"/>
+    <p:sldId id="307" r:id="rId58"/>
+    <p:sldId id="308" r:id="rId59"/>
+    <p:sldId id="309" r:id="rId60"/>
+    <p:sldId id="310" r:id="rId61"/>
+    <p:sldId id="311" r:id="rId62"/>
+    <p:sldId id="312" r:id="rId63"/>
   </p:sldIdLst>
   <p:sldSz cx="9144000" cy="6858000" type="screen4x3"/>
   <p:notesSz cx="6858000" cy="9144000"/>
@@ -267,7 +270,7 @@
             <a:fld id="{F4202E0D-DCE0-A845-91CF-1D1382C1E469}" type="datetimeFigureOut">
               <a:rPr lang="en-US" smtClean="0"/>
               <a:pPr/>
-              <a:t>6/10/19</a:t>
+              <a:t>6/11/19</a:t>
             </a:fld>
             <a:endParaRPr lang="en-US"/>
           </a:p>
@@ -643,7 +646,7 @@
             <a:fld id="{6B377DD7-53A6-8941-A1C7-273483CB537D}" type="slidenum">
               <a:rPr lang="en-US" smtClean="0"/>
               <a:pPr/>
-              <a:t>36</a:t>
+              <a:t>39</a:t>
             </a:fld>
             <a:endParaRPr lang="en-US"/>
           </a:p>
@@ -956,7 +959,7 @@
             <a:fld id="{6B377DD7-53A6-8941-A1C7-273483CB537D}" type="slidenum">
               <a:rPr lang="en-US" smtClean="0"/>
               <a:pPr/>
-              <a:t>56</a:t>
+              <a:t>59</a:t>
             </a:fld>
             <a:endParaRPr lang="en-US"/>
           </a:p>
@@ -1157,7 +1160,7 @@
             <a:fld id="{4D5BDEA4-95AF-4571-B1C8-868EDA2DB2D9}" type="datetimeFigureOut">
               <a:rPr lang="zh-CN" altLang="en-US" smtClean="0"/>
               <a:pPr/>
-              <a:t>2019/6/10</a:t>
+              <a:t>2019/6/11</a:t>
             </a:fld>
             <a:endParaRPr lang="zh-CN" altLang="en-US"/>
           </a:p>
@@ -1324,7 +1327,7 @@
             <a:fld id="{4D5BDEA4-95AF-4571-B1C8-868EDA2DB2D9}" type="datetimeFigureOut">
               <a:rPr lang="zh-CN" altLang="en-US" smtClean="0"/>
               <a:pPr/>
-              <a:t>2019/6/10</a:t>
+              <a:t>2019/6/11</a:t>
             </a:fld>
             <a:endParaRPr lang="zh-CN" altLang="en-US"/>
           </a:p>
@@ -1501,7 +1504,7 @@
             <a:fld id="{4D5BDEA4-95AF-4571-B1C8-868EDA2DB2D9}" type="datetimeFigureOut">
               <a:rPr lang="zh-CN" altLang="en-US" smtClean="0"/>
               <a:pPr/>
-              <a:t>2019/6/10</a:t>
+              <a:t>2019/6/11</a:t>
             </a:fld>
             <a:endParaRPr lang="zh-CN" altLang="en-US"/>
           </a:p>
@@ -1668,7 +1671,7 @@
             <a:fld id="{4D5BDEA4-95AF-4571-B1C8-868EDA2DB2D9}" type="datetimeFigureOut">
               <a:rPr lang="zh-CN" altLang="en-US" smtClean="0"/>
               <a:pPr/>
-              <a:t>2019/6/10</a:t>
+              <a:t>2019/6/11</a:t>
             </a:fld>
             <a:endParaRPr lang="zh-CN" altLang="en-US"/>
           </a:p>
@@ -1911,7 +1914,7 @@
             <a:fld id="{4D5BDEA4-95AF-4571-B1C8-868EDA2DB2D9}" type="datetimeFigureOut">
               <a:rPr lang="zh-CN" altLang="en-US" smtClean="0"/>
               <a:pPr/>
-              <a:t>2019/6/10</a:t>
+              <a:t>2019/6/11</a:t>
             </a:fld>
             <a:endParaRPr lang="zh-CN" altLang="en-US"/>
           </a:p>
@@ -2196,7 +2199,7 @@
             <a:fld id="{4D5BDEA4-95AF-4571-B1C8-868EDA2DB2D9}" type="datetimeFigureOut">
               <a:rPr lang="zh-CN" altLang="en-US" smtClean="0"/>
               <a:pPr/>
-              <a:t>2019/6/10</a:t>
+              <a:t>2019/6/11</a:t>
             </a:fld>
             <a:endParaRPr lang="zh-CN" altLang="en-US"/>
           </a:p>
@@ -2615,7 +2618,7 @@
             <a:fld id="{4D5BDEA4-95AF-4571-B1C8-868EDA2DB2D9}" type="datetimeFigureOut">
               <a:rPr lang="zh-CN" altLang="en-US" smtClean="0"/>
               <a:pPr/>
-              <a:t>2019/6/10</a:t>
+              <a:t>2019/6/11</a:t>
             </a:fld>
             <a:endParaRPr lang="zh-CN" altLang="en-US"/>
           </a:p>
@@ -2730,7 +2733,7 @@
             <a:fld id="{4D5BDEA4-95AF-4571-B1C8-868EDA2DB2D9}" type="datetimeFigureOut">
               <a:rPr lang="zh-CN" altLang="en-US" smtClean="0"/>
               <a:pPr/>
-              <a:t>2019/6/10</a:t>
+              <a:t>2019/6/11</a:t>
             </a:fld>
             <a:endParaRPr lang="zh-CN" altLang="en-US"/>
           </a:p>
@@ -2822,7 +2825,7 @@
             <a:fld id="{4D5BDEA4-95AF-4571-B1C8-868EDA2DB2D9}" type="datetimeFigureOut">
               <a:rPr lang="zh-CN" altLang="en-US" smtClean="0"/>
               <a:pPr/>
-              <a:t>2019/6/10</a:t>
+              <a:t>2019/6/11</a:t>
             </a:fld>
             <a:endParaRPr lang="zh-CN" altLang="en-US"/>
           </a:p>
@@ -3096,7 +3099,7 @@
             <a:fld id="{4D5BDEA4-95AF-4571-B1C8-868EDA2DB2D9}" type="datetimeFigureOut">
               <a:rPr lang="zh-CN" altLang="en-US" smtClean="0"/>
               <a:pPr/>
-              <a:t>2019/6/10</a:t>
+              <a:t>2019/6/11</a:t>
             </a:fld>
             <a:endParaRPr lang="zh-CN" altLang="en-US"/>
           </a:p>
@@ -3346,7 +3349,7 @@
             <a:fld id="{4D5BDEA4-95AF-4571-B1C8-868EDA2DB2D9}" type="datetimeFigureOut">
               <a:rPr lang="zh-CN" altLang="en-US" smtClean="0"/>
               <a:pPr/>
-              <a:t>2019/6/10</a:t>
+              <a:t>2019/6/11</a:t>
             </a:fld>
             <a:endParaRPr lang="zh-CN" altLang="en-US"/>
           </a:p>
@@ -3556,7 +3559,7 @@
             <a:fld id="{4D5BDEA4-95AF-4571-B1C8-868EDA2DB2D9}" type="datetimeFigureOut">
               <a:rPr lang="zh-CN" altLang="en-US" smtClean="0"/>
               <a:pPr/>
-              <a:t>2019/6/10</a:t>
+              <a:t>2019/6/11</a:t>
             </a:fld>
             <a:endParaRPr lang="zh-CN" altLang="en-US"/>
           </a:p>
@@ -5534,367 +5537,34 @@
           <a:chExt cx="0" cy="0"/>
         </a:xfrm>
       </p:grpSpPr>
-      <p:sp>
-        <p:nvSpPr>
-          <p:cNvPr id="2" name="标题 1"/>
-          <p:cNvSpPr>
-            <a:spLocks noGrp="1"/>
-          </p:cNvSpPr>
-          <p:nvPr>
-            <p:ph type="title"/>
-          </p:nvPr>
-        </p:nvSpPr>
-        <p:spPr/>
-        <p:txBody>
-          <a:bodyPr/>
-          <a:lstStyle/>
-          <a:p>
-            <a:r>
-              <a:rPr lang="zh-CN" altLang="en-US" dirty="0" smtClean="0"/>
-              <a:t>上</a:t>
-            </a:r>
-            <a:r>
-              <a:rPr lang="zh-CN" altLang="en-US" dirty="0" smtClean="0"/>
-              <a:t>机</a:t>
-            </a:r>
-            <a:r>
-              <a:rPr lang="zh-CN" altLang="en-US" dirty="0" smtClean="0"/>
-              <a:t>练习</a:t>
-            </a:r>
-            <a:endParaRPr lang="zh-CN" altLang="en-US" dirty="0"/>
-          </a:p>
-        </p:txBody>
-      </p:sp>
-      <p:sp>
-        <p:nvSpPr>
-          <p:cNvPr id="3" name="内容占位符 2"/>
-          <p:cNvSpPr>
-            <a:spLocks noGrp="1"/>
-          </p:cNvSpPr>
-          <p:nvPr>
-            <p:ph idx="1"/>
-          </p:nvPr>
-        </p:nvSpPr>
+      <p:pic>
+        <p:nvPicPr>
+          <p:cNvPr id="4" name="Picture 3"/>
+          <p:cNvPicPr>
+            <a:picLocks noChangeAspect="1"/>
+          </p:cNvPicPr>
+          <p:nvPr/>
+        </p:nvPicPr>
+        <p:blipFill>
+          <a:blip r:embed="rId2"/>
+          <a:stretch>
+            <a:fillRect/>
+          </a:stretch>
+        </p:blipFill>
         <p:spPr>
           <a:xfrm>
-            <a:off x="428596" y="1357298"/>
-            <a:ext cx="8229600" cy="5257800"/>
+            <a:off x="0" y="1421423"/>
+            <a:ext cx="9144000" cy="4015154"/>
           </a:xfrm>
+          <a:prstGeom prst="rect">
+            <a:avLst/>
+          </a:prstGeom>
         </p:spPr>
-        <p:txBody>
-          <a:bodyPr>
-            <a:normAutofit fontScale="77500" lnSpcReduction="20000"/>
-          </a:bodyPr>
-          <a:lstStyle/>
-          <a:p>
-            <a:r>
-              <a:rPr lang="zh-CN" altLang="en-US" dirty="0" smtClean="0"/>
-              <a:t>本机安装</a:t>
-            </a:r>
-            <a:r>
-              <a:rPr lang="en-US" altLang="zh-CN" dirty="0" err="1" smtClean="0"/>
-              <a:t>Redis</a:t>
-            </a:r>
-            <a:endParaRPr lang="en-US" altLang="zh-CN" dirty="0" smtClean="0"/>
-          </a:p>
-          <a:p>
-            <a:r>
-              <a:rPr lang="zh-CN" altLang="en-US" dirty="0" smtClean="0"/>
-              <a:t>新建</a:t>
-            </a:r>
-            <a:r>
-              <a:rPr lang="en-US" altLang="zh-CN" dirty="0" smtClean="0"/>
-              <a:t>Controller</a:t>
-            </a:r>
-            <a:r>
-              <a:rPr lang="zh-CN" altLang="en-US" dirty="0" smtClean="0"/>
-              <a:t>，可以根据传入的</a:t>
-            </a:r>
-            <a:r>
-              <a:rPr lang="en-US" altLang="zh-CN" dirty="0" smtClean="0"/>
-              <a:t>key</a:t>
-            </a:r>
-            <a:r>
-              <a:rPr lang="zh-CN" altLang="en-US" dirty="0" smtClean="0"/>
-              <a:t>返回对应的</a:t>
-            </a:r>
-            <a:r>
-              <a:rPr lang="en-US" altLang="zh-CN" dirty="0" smtClean="0"/>
-              <a:t>Value</a:t>
-            </a:r>
-          </a:p>
-          <a:p>
-            <a:r>
-              <a:rPr lang="zh-CN" altLang="en-US" dirty="0" smtClean="0"/>
-              <a:t>新建</a:t>
-            </a:r>
-            <a:r>
-              <a:rPr lang="en-US" altLang="zh-CN" dirty="0" smtClean="0"/>
-              <a:t>Controller</a:t>
-            </a:r>
-            <a:r>
-              <a:rPr lang="zh-CN" altLang="en-US" dirty="0" smtClean="0"/>
-              <a:t>，可以传入</a:t>
-            </a:r>
-            <a:r>
-              <a:rPr lang="en-US" altLang="zh-CN" dirty="0" smtClean="0"/>
-              <a:t>key</a:t>
-            </a:r>
-            <a:r>
-              <a:rPr lang="zh-CN" altLang="en-US" dirty="0" smtClean="0"/>
-              <a:t>和</a:t>
-            </a:r>
-            <a:r>
-              <a:rPr lang="en-US" altLang="zh-CN" dirty="0" smtClean="0"/>
-              <a:t>value</a:t>
-            </a:r>
-            <a:r>
-              <a:rPr lang="zh-CN" altLang="en-US" dirty="0" smtClean="0"/>
-              <a:t>，写入对应的</a:t>
-            </a:r>
-            <a:r>
-              <a:rPr lang="en-US" altLang="zh-CN" dirty="0" err="1" smtClean="0"/>
-              <a:t>redis</a:t>
-            </a:r>
-            <a:endParaRPr lang="en-US" altLang="zh-CN" dirty="0" smtClean="0"/>
-          </a:p>
-          <a:p>
-            <a:r>
-              <a:rPr lang="zh-CN" altLang="en-US" dirty="0" smtClean="0"/>
-              <a:t>新建一个</a:t>
-            </a:r>
-            <a:r>
-              <a:rPr lang="en-US" altLang="zh-CN" dirty="0" smtClean="0"/>
-              <a:t>Hash</a:t>
-            </a:r>
-            <a:r>
-              <a:rPr lang="zh-CN" altLang="en-US" dirty="0" smtClean="0"/>
-              <a:t>，</a:t>
-            </a:r>
-            <a:r>
-              <a:rPr lang="en-US" altLang="zh-CN" dirty="0" smtClean="0"/>
-              <a:t>key=</a:t>
-            </a:r>
-            <a:r>
-              <a:rPr lang="en-US" altLang="zh-CN" dirty="0" err="1" smtClean="0"/>
-              <a:t>config</a:t>
-            </a:r>
-            <a:endParaRPr lang="en-US" altLang="zh-CN" dirty="0" smtClean="0"/>
-          </a:p>
-          <a:p>
-            <a:pPr lvl="1"/>
-            <a:r>
-              <a:rPr lang="zh-CN" altLang="en-US" dirty="0" smtClean="0"/>
-              <a:t>可以通过</a:t>
-            </a:r>
-            <a:r>
-              <a:rPr lang="en-US" altLang="zh-CN" dirty="0" smtClean="0"/>
-              <a:t>put</a:t>
-            </a:r>
-            <a:r>
-              <a:rPr lang="zh-CN" altLang="en-US" dirty="0" smtClean="0"/>
-              <a:t>方法，放入</a:t>
-            </a:r>
-            <a:r>
-              <a:rPr lang="en-US" altLang="zh-CN" dirty="0" smtClean="0"/>
-              <a:t>controller</a:t>
-            </a:r>
-            <a:r>
-              <a:rPr lang="zh-CN" altLang="en-US" dirty="0" smtClean="0"/>
-              <a:t>传入的</a:t>
-            </a:r>
-            <a:r>
-              <a:rPr lang="en-US" altLang="zh-CN" dirty="0" err="1" smtClean="0"/>
-              <a:t>hashKey</a:t>
-            </a:r>
-            <a:r>
-              <a:rPr lang="zh-CN" altLang="en-US" dirty="0" smtClean="0"/>
-              <a:t>和</a:t>
-            </a:r>
-            <a:r>
-              <a:rPr lang="en-US" altLang="zh-CN" dirty="0" err="1" smtClean="0"/>
-              <a:t>hashValue</a:t>
-            </a:r>
-            <a:endParaRPr lang="en-US" altLang="zh-CN" dirty="0" smtClean="0"/>
-          </a:p>
-          <a:p>
-            <a:pPr lvl="1"/>
-            <a:r>
-              <a:rPr lang="zh-CN" altLang="en-US" dirty="0" smtClean="0"/>
-              <a:t>可以通过</a:t>
-            </a:r>
-            <a:r>
-              <a:rPr lang="en-US" altLang="zh-CN" dirty="0" smtClean="0"/>
-              <a:t>get</a:t>
-            </a:r>
-            <a:r>
-              <a:rPr lang="zh-CN" altLang="en-US" dirty="0" smtClean="0"/>
-              <a:t>方法，取出</a:t>
-            </a:r>
-            <a:r>
-              <a:rPr lang="en-US" altLang="zh-CN" dirty="0" smtClean="0"/>
-              <a:t>key=</a:t>
-            </a:r>
-            <a:r>
-              <a:rPr lang="en-US" altLang="zh-CN" dirty="0" err="1" smtClean="0"/>
-              <a:t>config</a:t>
-            </a:r>
-            <a:r>
-              <a:rPr lang="en-US" altLang="zh-CN" dirty="0" smtClean="0"/>
-              <a:t>, </a:t>
-            </a:r>
-            <a:r>
-              <a:rPr lang="en-US" altLang="zh-CN" dirty="0" err="1" smtClean="0"/>
-              <a:t>hashKey</a:t>
-            </a:r>
-            <a:r>
-              <a:rPr lang="en-US" altLang="zh-CN" dirty="0" smtClean="0"/>
-              <a:t>=</a:t>
-            </a:r>
-            <a:r>
-              <a:rPr lang="zh-CN" altLang="en-US" dirty="0" smtClean="0"/>
-              <a:t>传入参数的</a:t>
-            </a:r>
-            <a:r>
-              <a:rPr lang="en-US" altLang="zh-CN" dirty="0" smtClean="0"/>
-              <a:t>value</a:t>
-            </a:r>
-          </a:p>
-          <a:p>
-            <a:r>
-              <a:rPr lang="zh-CN" altLang="en-US" dirty="0" smtClean="0"/>
-              <a:t>新建一个队列，</a:t>
-            </a:r>
-            <a:r>
-              <a:rPr lang="en-US" altLang="zh-CN" dirty="0" smtClean="0"/>
-              <a:t>key=</a:t>
-            </a:r>
-            <a:r>
-              <a:rPr lang="en-US" altLang="zh-CN" dirty="0" err="1" smtClean="0"/>
-              <a:t>myList</a:t>
-            </a:r>
-            <a:endParaRPr lang="en-US" altLang="zh-CN" dirty="0" smtClean="0"/>
-          </a:p>
-          <a:p>
-            <a:pPr lvl="1"/>
-            <a:r>
-              <a:rPr lang="zh-CN" altLang="en-US" dirty="0" smtClean="0"/>
-              <a:t>可以通过</a:t>
-            </a:r>
-            <a:r>
-              <a:rPr lang="en-US" altLang="zh-CN" dirty="0" err="1" smtClean="0"/>
-              <a:t>rightPush</a:t>
-            </a:r>
-            <a:r>
-              <a:rPr lang="zh-CN" altLang="en-US" dirty="0" smtClean="0"/>
-              <a:t>写入数据</a:t>
-            </a:r>
-            <a:endParaRPr lang="en-US" altLang="zh-CN" dirty="0" smtClean="0"/>
-          </a:p>
-          <a:p>
-            <a:pPr lvl="1"/>
-            <a:r>
-              <a:rPr lang="zh-CN" altLang="en-US" dirty="0" smtClean="0"/>
-              <a:t>可以通过</a:t>
-            </a:r>
-            <a:r>
-              <a:rPr lang="en-US" altLang="zh-CN" dirty="0" err="1" smtClean="0"/>
-              <a:t>lrange</a:t>
-            </a:r>
-            <a:r>
-              <a:rPr lang="zh-CN" altLang="en-US" dirty="0" smtClean="0"/>
-              <a:t>获取队列</a:t>
-            </a:r>
-            <a:endParaRPr lang="en-US" altLang="zh-CN" dirty="0" smtClean="0"/>
-          </a:p>
-          <a:p>
-            <a:r>
-              <a:rPr lang="zh-CN" altLang="en-US" dirty="0" smtClean="0"/>
-              <a:t>新建一个</a:t>
-            </a:r>
-            <a:r>
-              <a:rPr lang="en-US" altLang="zh-CN" dirty="0" err="1" smtClean="0"/>
-              <a:t>zset</a:t>
-            </a:r>
-            <a:r>
-              <a:rPr lang="zh-CN" altLang="en-US" dirty="0" smtClean="0"/>
-              <a:t>，</a:t>
-            </a:r>
-            <a:r>
-              <a:rPr lang="en-US" altLang="zh-CN" dirty="0" smtClean="0"/>
-              <a:t>key=</a:t>
-            </a:r>
-            <a:r>
-              <a:rPr lang="en-US" altLang="zh-CN" dirty="0" err="1" smtClean="0"/>
-              <a:t>userList</a:t>
-            </a:r>
-            <a:endParaRPr lang="en-US" altLang="zh-CN" dirty="0" smtClean="0"/>
-          </a:p>
-          <a:p>
-            <a:pPr lvl="1"/>
-            <a:r>
-              <a:rPr lang="zh-CN" altLang="en-US" dirty="0" smtClean="0"/>
-              <a:t>每个</a:t>
-            </a:r>
-            <a:r>
-              <a:rPr lang="en-US" altLang="zh-CN" dirty="0" smtClean="0"/>
-              <a:t>User</a:t>
-            </a:r>
-            <a:r>
-              <a:rPr lang="zh-CN" altLang="en-US" dirty="0" smtClean="0"/>
-              <a:t>有一个字段</a:t>
-            </a:r>
-            <a:r>
-              <a:rPr lang="en-US" altLang="zh-CN" dirty="0" smtClean="0"/>
-              <a:t>age</a:t>
-            </a:r>
-          </a:p>
-          <a:p>
-            <a:pPr lvl="1"/>
-            <a:r>
-              <a:rPr lang="zh-CN" altLang="en-US" dirty="0" smtClean="0"/>
-              <a:t>向</a:t>
-            </a:r>
-            <a:r>
-              <a:rPr lang="en-US" altLang="zh-CN" dirty="0" err="1" smtClean="0"/>
-              <a:t>userList</a:t>
-            </a:r>
-            <a:r>
-              <a:rPr lang="zh-CN" altLang="en-US" dirty="0" smtClean="0"/>
-              <a:t>中添加</a:t>
-            </a:r>
-            <a:r>
-              <a:rPr lang="en-US" altLang="zh-CN" dirty="0" smtClean="0"/>
-              <a:t>10</a:t>
-            </a:r>
-            <a:r>
-              <a:rPr lang="zh-CN" altLang="en-US" dirty="0" smtClean="0"/>
-              <a:t>个不同的用户，根据</a:t>
-            </a:r>
-            <a:r>
-              <a:rPr lang="en-US" altLang="zh-CN" dirty="0" smtClean="0"/>
-              <a:t>age</a:t>
-            </a:r>
-            <a:r>
-              <a:rPr lang="zh-CN" altLang="en-US" dirty="0" smtClean="0"/>
-              <a:t>排序</a:t>
-            </a:r>
-            <a:endParaRPr lang="en-US" altLang="zh-CN" dirty="0" smtClean="0"/>
-          </a:p>
-          <a:p>
-            <a:pPr lvl="1"/>
-            <a:r>
-              <a:rPr lang="zh-CN" altLang="en-US" dirty="0" smtClean="0"/>
-              <a:t>获取排序之后的用户列表</a:t>
-            </a:r>
-            <a:endParaRPr lang="en-US" altLang="zh-CN" dirty="0" smtClean="0"/>
-          </a:p>
-        </p:txBody>
-      </p:sp>
+      </p:pic>
     </p:spTree>
     <p:extLst>
       <p:ext uri="{BB962C8B-B14F-4D97-AF65-F5344CB8AC3E}">
-        <p14:creationId xmlns:p14="http://schemas.microsoft.com/office/powerpoint/2010/main" val="1132475063"/>
+        <p14:creationId xmlns:p14="http://schemas.microsoft.com/office/powerpoint/2010/main" val="1660938167"/>
       </p:ext>
     </p:extLst>
   </p:cSld>
@@ -5937,59 +5607,403 @@
           <a:lstStyle/>
           <a:p>
             <a:r>
+              <a:rPr lang="zh-CN" altLang="en-US" dirty="0" smtClean="0"/>
+              <a:t>上机练习</a:t>
+            </a:r>
+            <a:endParaRPr lang="zh-CN" altLang="en-US" dirty="0"/>
+          </a:p>
+        </p:txBody>
+      </p:sp>
+      <p:sp>
+        <p:nvSpPr>
+          <p:cNvPr id="3" name="内容占位符 2"/>
+          <p:cNvSpPr>
+            <a:spLocks noGrp="1"/>
+          </p:cNvSpPr>
+          <p:nvPr>
+            <p:ph idx="1"/>
+          </p:nvPr>
+        </p:nvSpPr>
+        <p:spPr>
+          <a:xfrm>
+            <a:off x="428596" y="1357298"/>
+            <a:ext cx="8535892" cy="5744110"/>
+          </a:xfrm>
+        </p:spPr>
+        <p:txBody>
+          <a:bodyPr>
+            <a:normAutofit fontScale="77500" lnSpcReduction="20000"/>
+          </a:bodyPr>
+          <a:lstStyle/>
+          <a:p>
+            <a:r>
+              <a:rPr lang="zh-CN" altLang="en-US" dirty="0" smtClean="0"/>
+              <a:t>本机安装</a:t>
+            </a:r>
+            <a:r>
               <a:rPr lang="en-US" altLang="zh-CN" dirty="0" err="1" smtClean="0"/>
               <a:t>Redis</a:t>
             </a:r>
+            <a:endParaRPr lang="en-US" altLang="zh-CN" dirty="0" smtClean="0"/>
+          </a:p>
+          <a:p>
             <a:r>
               <a:rPr lang="zh-CN" altLang="en-US" dirty="0" smtClean="0"/>
-              <a:t>与电商网站结合</a:t>
-            </a:r>
-            <a:endParaRPr lang="zh-CN" altLang="en-US" dirty="0"/>
-          </a:p>
-        </p:txBody>
-      </p:sp>
-      <p:sp>
-        <p:nvSpPr>
-          <p:cNvPr id="3" name="内容占位符 2"/>
-          <p:cNvSpPr>
-            <a:spLocks noGrp="1"/>
-          </p:cNvSpPr>
-          <p:nvPr>
-            <p:ph idx="1"/>
-          </p:nvPr>
-        </p:nvSpPr>
-        <p:spPr/>
-        <p:txBody>
-          <a:bodyPr/>
-          <a:lstStyle/>
-          <a:p>
+              <a:t>新建</a:t>
+            </a:r>
+            <a:r>
+              <a:rPr lang="en-US" altLang="zh-CN" dirty="0" smtClean="0"/>
+              <a:t>Controller</a:t>
+            </a:r>
             <a:r>
               <a:rPr lang="zh-CN" altLang="en-US" dirty="0" smtClean="0"/>
-              <a:t>缓存</a:t>
+              <a:t>，可以根据传入的</a:t>
+            </a:r>
+            <a:r>
+              <a:rPr lang="en-US" altLang="zh-CN" dirty="0" smtClean="0"/>
+              <a:t>key</a:t>
             </a:r>
             <a:r>
               <a:rPr lang="zh-CN" altLang="en-US" dirty="0" smtClean="0"/>
-              <a:t>商品</a:t>
-            </a:r>
+              <a:t>返回对应的</a:t>
+            </a:r>
+            <a:r>
+              <a:rPr lang="en-US" altLang="zh-CN" dirty="0" smtClean="0"/>
+              <a:t>Value</a:t>
+            </a:r>
+          </a:p>
+          <a:p>
             <a:r>
               <a:rPr lang="zh-CN" altLang="en-US" dirty="0" smtClean="0"/>
-              <a:t>数据</a:t>
+              <a:t>新建</a:t>
+            </a:r>
+            <a:r>
+              <a:rPr lang="en-US" altLang="zh-CN" dirty="0" smtClean="0"/>
+              <a:t>Controller</a:t>
+            </a:r>
+            <a:r>
+              <a:rPr lang="zh-CN" altLang="en-US" dirty="0" smtClean="0"/>
+              <a:t>，可以传入</a:t>
+            </a:r>
+            <a:r>
+              <a:rPr lang="en-US" altLang="zh-CN" dirty="0" smtClean="0"/>
+              <a:t>key</a:t>
+            </a:r>
+            <a:r>
+              <a:rPr lang="zh-CN" altLang="en-US" dirty="0" smtClean="0"/>
+              <a:t>和</a:t>
+            </a:r>
+            <a:r>
+              <a:rPr lang="en-US" altLang="zh-CN" dirty="0" smtClean="0"/>
+              <a:t>value</a:t>
+            </a:r>
+            <a:r>
+              <a:rPr lang="zh-CN" altLang="en-US" dirty="0" smtClean="0"/>
+              <a:t>，写入对应的</a:t>
+            </a:r>
+            <a:r>
+              <a:rPr lang="en-US" altLang="zh-CN" dirty="0" err="1" smtClean="0"/>
+              <a:t>redis</a:t>
             </a:r>
             <a:endParaRPr lang="en-US" altLang="zh-CN" dirty="0" smtClean="0"/>
           </a:p>
           <a:p>
             <a:r>
               <a:rPr lang="zh-CN" altLang="en-US" dirty="0" smtClean="0"/>
-              <a:t>商品浏览量排名</a:t>
-            </a:r>
-            <a:endParaRPr lang="zh-CN" altLang="en-US" dirty="0"/>
+              <a:t>新建一个</a:t>
+            </a:r>
+            <a:r>
+              <a:rPr lang="en-US" altLang="zh-CN" dirty="0" smtClean="0"/>
+              <a:t>Hash</a:t>
+            </a:r>
+            <a:r>
+              <a:rPr lang="zh-CN" altLang="en-US" dirty="0" smtClean="0"/>
+              <a:t>，</a:t>
+            </a:r>
+            <a:r>
+              <a:rPr lang="en-US" altLang="zh-CN" dirty="0" smtClean="0"/>
+              <a:t>key=</a:t>
+            </a:r>
+            <a:r>
+              <a:rPr lang="en-US" altLang="zh-CN" dirty="0" err="1" smtClean="0"/>
+              <a:t>config</a:t>
+            </a:r>
+            <a:endParaRPr lang="en-US" altLang="zh-CN" dirty="0" smtClean="0"/>
+          </a:p>
+          <a:p>
+            <a:pPr lvl="1"/>
+            <a:r>
+              <a:rPr lang="zh-CN" altLang="en-US" dirty="0" smtClean="0"/>
+              <a:t>可以通过</a:t>
+            </a:r>
+            <a:r>
+              <a:rPr lang="en-US" altLang="zh-CN" dirty="0" smtClean="0"/>
+              <a:t>put</a:t>
+            </a:r>
+            <a:r>
+              <a:rPr lang="zh-CN" altLang="en-US" dirty="0" smtClean="0"/>
+              <a:t>方法，放入</a:t>
+            </a:r>
+            <a:r>
+              <a:rPr lang="en-US" altLang="zh-CN" dirty="0" smtClean="0"/>
+              <a:t>controller</a:t>
+            </a:r>
+            <a:r>
+              <a:rPr lang="zh-CN" altLang="en-US" dirty="0" smtClean="0"/>
+              <a:t>传入的</a:t>
+            </a:r>
+            <a:r>
+              <a:rPr lang="en-US" altLang="zh-CN" dirty="0" err="1" smtClean="0"/>
+              <a:t>hashKey</a:t>
+            </a:r>
+            <a:r>
+              <a:rPr lang="zh-CN" altLang="en-US" dirty="0" smtClean="0"/>
+              <a:t>和</a:t>
+            </a:r>
+            <a:r>
+              <a:rPr lang="en-US" altLang="zh-CN" dirty="0" err="1" smtClean="0"/>
+              <a:t>hashValue</a:t>
+            </a:r>
+            <a:endParaRPr lang="en-US" altLang="zh-CN" dirty="0" smtClean="0"/>
+          </a:p>
+          <a:p>
+            <a:pPr lvl="1"/>
+            <a:r>
+              <a:rPr lang="zh-CN" altLang="en-US" dirty="0" smtClean="0"/>
+              <a:t>可以通过</a:t>
+            </a:r>
+            <a:r>
+              <a:rPr lang="en-US" altLang="zh-CN" dirty="0" smtClean="0"/>
+              <a:t>get</a:t>
+            </a:r>
+            <a:r>
+              <a:rPr lang="zh-CN" altLang="en-US" dirty="0" smtClean="0"/>
+              <a:t>方法，取出</a:t>
+            </a:r>
+            <a:r>
+              <a:rPr lang="en-US" altLang="zh-CN" dirty="0" smtClean="0"/>
+              <a:t>key=</a:t>
+            </a:r>
+            <a:r>
+              <a:rPr lang="en-US" altLang="zh-CN" dirty="0" err="1" smtClean="0"/>
+              <a:t>config</a:t>
+            </a:r>
+            <a:r>
+              <a:rPr lang="en-US" altLang="zh-CN" dirty="0" smtClean="0"/>
+              <a:t>, </a:t>
+            </a:r>
+            <a:r>
+              <a:rPr lang="en-US" altLang="zh-CN" dirty="0" err="1" smtClean="0"/>
+              <a:t>hashKey</a:t>
+            </a:r>
+            <a:r>
+              <a:rPr lang="en-US" altLang="zh-CN" dirty="0" smtClean="0"/>
+              <a:t>=</a:t>
+            </a:r>
+            <a:r>
+              <a:rPr lang="zh-CN" altLang="en-US" dirty="0" smtClean="0"/>
+              <a:t>传入参数的</a:t>
+            </a:r>
+            <a:r>
+              <a:rPr lang="en-US" altLang="zh-CN" dirty="0" smtClean="0"/>
+              <a:t>value</a:t>
+            </a:r>
+          </a:p>
+          <a:p>
+            <a:r>
+              <a:rPr lang="zh-CN" altLang="en-US" dirty="0" smtClean="0"/>
+              <a:t>新建一个队列，</a:t>
+            </a:r>
+            <a:r>
+              <a:rPr lang="en-US" altLang="zh-CN" dirty="0" smtClean="0"/>
+              <a:t>key=</a:t>
+            </a:r>
+            <a:r>
+              <a:rPr lang="en-US" altLang="zh-CN" dirty="0" err="1" smtClean="0"/>
+              <a:t>myList</a:t>
+            </a:r>
+            <a:endParaRPr lang="en-US" altLang="zh-CN" dirty="0" smtClean="0"/>
+          </a:p>
+          <a:p>
+            <a:pPr lvl="1"/>
+            <a:r>
+              <a:rPr lang="zh-CN" altLang="en-US" dirty="0" smtClean="0"/>
+              <a:t>可以通过</a:t>
+            </a:r>
+            <a:r>
+              <a:rPr lang="en-US" altLang="zh-CN" dirty="0" err="1" smtClean="0"/>
+              <a:t>rightPush</a:t>
+            </a:r>
+            <a:r>
+              <a:rPr lang="zh-CN" altLang="en-US" dirty="0" smtClean="0"/>
+              <a:t>写入数据</a:t>
+            </a:r>
+            <a:endParaRPr lang="en-US" altLang="zh-CN" dirty="0" smtClean="0"/>
+          </a:p>
+          <a:p>
+            <a:pPr lvl="1"/>
+            <a:r>
+              <a:rPr lang="zh-CN" altLang="en-US" dirty="0" smtClean="0"/>
+              <a:t>可以通过</a:t>
+            </a:r>
+            <a:r>
+              <a:rPr lang="en-US" altLang="zh-CN" dirty="0" err="1" smtClean="0"/>
+              <a:t>lrange</a:t>
+            </a:r>
+            <a:r>
+              <a:rPr lang="zh-CN" altLang="en-US" dirty="0" smtClean="0"/>
+              <a:t>获取队列</a:t>
+            </a:r>
+            <a:endParaRPr lang="en-US" altLang="zh-CN" dirty="0" smtClean="0"/>
+          </a:p>
+          <a:p>
+            <a:r>
+              <a:rPr lang="zh-CN" altLang="en-US" dirty="0" smtClean="0"/>
+              <a:t>新建一个</a:t>
+            </a:r>
+            <a:r>
+              <a:rPr lang="en-US" altLang="zh-CN" dirty="0" err="1" smtClean="0"/>
+              <a:t>zset</a:t>
+            </a:r>
+            <a:r>
+              <a:rPr lang="zh-CN" altLang="en-US" dirty="0" smtClean="0"/>
+              <a:t>，</a:t>
+            </a:r>
+            <a:r>
+              <a:rPr lang="en-US" altLang="zh-CN" dirty="0" smtClean="0"/>
+              <a:t>key=</a:t>
+            </a:r>
+            <a:r>
+              <a:rPr lang="en-US" altLang="zh-CN" dirty="0" err="1" smtClean="0"/>
+              <a:t>userList</a:t>
+            </a:r>
+            <a:endParaRPr lang="en-US" altLang="zh-CN" dirty="0" smtClean="0"/>
+          </a:p>
+          <a:p>
+            <a:pPr lvl="1"/>
+            <a:r>
+              <a:rPr lang="zh-CN" altLang="en-US" dirty="0" smtClean="0"/>
+              <a:t>每个</a:t>
+            </a:r>
+            <a:r>
+              <a:rPr lang="en-US" altLang="zh-CN" dirty="0" err="1" smtClean="0"/>
+              <a:t>userId</a:t>
+            </a:r>
+            <a:r>
+              <a:rPr lang="zh-CN" altLang="en-US" dirty="0" smtClean="0"/>
+              <a:t>有</a:t>
+            </a:r>
+            <a:r>
+              <a:rPr lang="zh-CN" altLang="en-US" dirty="0" smtClean="0"/>
+              <a:t>一个</a:t>
+            </a:r>
+            <a:r>
+              <a:rPr lang="zh-CN" altLang="en-US" dirty="0" smtClean="0"/>
+              <a:t>字段</a:t>
+            </a:r>
+            <a:r>
+              <a:rPr lang="en-US" altLang="zh-CN" dirty="0" smtClean="0"/>
+              <a:t>score</a:t>
+            </a:r>
+            <a:endParaRPr lang="en-US" altLang="zh-CN" dirty="0" smtClean="0"/>
+          </a:p>
+          <a:p>
+            <a:pPr lvl="1"/>
+            <a:r>
+              <a:rPr lang="zh-CN" altLang="en-US" dirty="0" smtClean="0"/>
+              <a:t>向</a:t>
+            </a:r>
+            <a:r>
+              <a:rPr lang="en-US" altLang="zh-CN" dirty="0" err="1" smtClean="0"/>
+              <a:t>userList</a:t>
+            </a:r>
+            <a:r>
+              <a:rPr lang="zh-CN" altLang="en-US" dirty="0" smtClean="0"/>
+              <a:t>中添加</a:t>
+            </a:r>
+            <a:r>
+              <a:rPr lang="en-US" altLang="zh-CN" dirty="0" smtClean="0"/>
+              <a:t>10</a:t>
+            </a:r>
+            <a:r>
+              <a:rPr lang="zh-CN" altLang="en-US" dirty="0" smtClean="0"/>
+              <a:t>个不同的</a:t>
+            </a:r>
+            <a:r>
+              <a:rPr lang="zh-CN" altLang="en-US" dirty="0" smtClean="0"/>
+              <a:t>用户</a:t>
+            </a:r>
+            <a:r>
+              <a:rPr lang="en-US" altLang="zh-CN" dirty="0" smtClean="0"/>
+              <a:t>(id from 1 -10), score = </a:t>
+            </a:r>
+            <a:r>
+              <a:rPr lang="en-US" altLang="zh-CN" dirty="0" err="1" smtClean="0"/>
+              <a:t>userId</a:t>
+            </a:r>
+            <a:endParaRPr lang="en-US" altLang="zh-CN" dirty="0" smtClean="0"/>
+          </a:p>
+          <a:p>
+            <a:pPr lvl="1"/>
+            <a:r>
+              <a:rPr lang="zh-CN" altLang="en-US" dirty="0" smtClean="0"/>
+              <a:t>获取排序之后的用户</a:t>
+            </a:r>
+            <a:r>
+              <a:rPr lang="zh-CN" altLang="en-US" dirty="0" smtClean="0"/>
+              <a:t>列表</a:t>
+            </a:r>
+            <a:endParaRPr lang="en-US" altLang="zh-CN" dirty="0" smtClean="0"/>
+          </a:p>
+          <a:p>
+            <a:pPr lvl="1"/>
+            <a:r>
+              <a:rPr lang="zh-CN" altLang="en-US" dirty="0" smtClean="0"/>
+              <a:t>新建一个</a:t>
+            </a:r>
+            <a:r>
+              <a:rPr lang="en-US" altLang="zh-CN" dirty="0" smtClean="0"/>
+              <a:t>Controller</a:t>
+            </a:r>
+            <a:r>
+              <a:rPr lang="zh-CN" altLang="en-US" dirty="0" smtClean="0"/>
+              <a:t>，可以为指定的</a:t>
+            </a:r>
+            <a:r>
+              <a:rPr lang="en-US" altLang="zh-CN" dirty="0" err="1" smtClean="0"/>
+              <a:t>userId</a:t>
+            </a:r>
+            <a:r>
+              <a:rPr lang="zh-CN" altLang="en-US" dirty="0" smtClean="0"/>
+              <a:t>增加</a:t>
+            </a:r>
+            <a:r>
+              <a:rPr lang="en-US" altLang="zh-CN" dirty="0" smtClean="0"/>
+              <a:t>score</a:t>
+            </a:r>
+          </a:p>
+          <a:p>
+            <a:pPr lvl="1"/>
+            <a:r>
+              <a:rPr lang="zh-CN" altLang="en-US" dirty="0"/>
+              <a:t>获取排序之后的用户</a:t>
+            </a:r>
+            <a:r>
+              <a:rPr lang="zh-CN" altLang="en-US" dirty="0" smtClean="0"/>
+              <a:t>列表</a:t>
+            </a:r>
+            <a:endParaRPr lang="en-US" altLang="zh-CN" dirty="0" smtClean="0"/>
+          </a:p>
+          <a:p>
+            <a:pPr lvl="1"/>
+            <a:endParaRPr lang="en-US" altLang="zh-CN" dirty="0" smtClean="0"/>
           </a:p>
         </p:txBody>
       </p:sp>
     </p:spTree>
     <p:extLst>
       <p:ext uri="{BB962C8B-B14F-4D97-AF65-F5344CB8AC3E}">
-        <p14:creationId xmlns:p14="http://schemas.microsoft.com/office/powerpoint/2010/main" val="360820480"/>
+        <p14:creationId xmlns:p14="http://schemas.microsoft.com/office/powerpoint/2010/main" val="1132475063"/>
       </p:ext>
     </p:extLst>
   </p:cSld>
@@ -6120,6 +6134,331 @@
 </file>
 
 <file path=ppt/slides/slide20.xml><?xml version="1.0" encoding="utf-8"?>
+<p:sld xmlns:a="http://schemas.openxmlformats.org/drawingml/2006/main" xmlns:r="http://schemas.openxmlformats.org/officeDocument/2006/relationships" xmlns:p="http://schemas.openxmlformats.org/presentationml/2006/main">
+  <p:cSld>
+    <p:spTree>
+      <p:nvGrpSpPr>
+        <p:cNvPr id="1" name=""/>
+        <p:cNvGrpSpPr/>
+        <p:nvPr/>
+      </p:nvGrpSpPr>
+      <p:grpSpPr>
+        <a:xfrm>
+          <a:off x="0" y="0"/>
+          <a:ext cx="0" cy="0"/>
+          <a:chOff x="0" y="0"/>
+          <a:chExt cx="0" cy="0"/>
+        </a:xfrm>
+      </p:grpSpPr>
+      <p:sp>
+        <p:nvSpPr>
+          <p:cNvPr id="2" name="Title 1"/>
+          <p:cNvSpPr>
+            <a:spLocks noGrp="1"/>
+          </p:cNvSpPr>
+          <p:nvPr>
+            <p:ph type="title"/>
+          </p:nvPr>
+        </p:nvSpPr>
+        <p:spPr/>
+        <p:txBody>
+          <a:bodyPr/>
+          <a:lstStyle/>
+          <a:p>
+            <a:endParaRPr lang="en-US"/>
+          </a:p>
+        </p:txBody>
+      </p:sp>
+      <p:sp>
+        <p:nvSpPr>
+          <p:cNvPr id="3" name="Content Placeholder 2"/>
+          <p:cNvSpPr>
+            <a:spLocks noGrp="1"/>
+          </p:cNvSpPr>
+          <p:nvPr>
+            <p:ph idx="1"/>
+          </p:nvPr>
+        </p:nvSpPr>
+        <p:spPr/>
+        <p:txBody>
+          <a:bodyPr/>
+          <a:lstStyle/>
+          <a:p>
+            <a:endParaRPr lang="en-US"/>
+          </a:p>
+        </p:txBody>
+      </p:sp>
+      <p:pic>
+        <p:nvPicPr>
+          <p:cNvPr id="4" name="Picture 3"/>
+          <p:cNvPicPr>
+            <a:picLocks noChangeAspect="1"/>
+          </p:cNvPicPr>
+          <p:nvPr/>
+        </p:nvPicPr>
+        <p:blipFill>
+          <a:blip r:embed="rId2"/>
+          <a:stretch>
+            <a:fillRect/>
+          </a:stretch>
+        </p:blipFill>
+        <p:spPr>
+          <a:xfrm>
+            <a:off x="30854" y="1602702"/>
+            <a:ext cx="9144000" cy="4904913"/>
+          </a:xfrm>
+          <a:prstGeom prst="rect">
+            <a:avLst/>
+          </a:prstGeom>
+        </p:spPr>
+      </p:pic>
+    </p:spTree>
+    <p:extLst>
+      <p:ext uri="{BB962C8B-B14F-4D97-AF65-F5344CB8AC3E}">
+        <p14:creationId xmlns:p14="http://schemas.microsoft.com/office/powerpoint/2010/main" val="343491572"/>
+      </p:ext>
+    </p:extLst>
+  </p:cSld>
+  <p:clrMapOvr>
+    <a:masterClrMapping/>
+  </p:clrMapOvr>
+</p:sld>
+</file>
+
+<file path=ppt/slides/slide21.xml><?xml version="1.0" encoding="utf-8"?>
+<p:sld xmlns:a="http://schemas.openxmlformats.org/drawingml/2006/main" xmlns:r="http://schemas.openxmlformats.org/officeDocument/2006/relationships" xmlns:p="http://schemas.openxmlformats.org/presentationml/2006/main">
+  <p:cSld>
+    <p:spTree>
+      <p:nvGrpSpPr>
+        <p:cNvPr id="1" name=""/>
+        <p:cNvGrpSpPr/>
+        <p:nvPr/>
+      </p:nvGrpSpPr>
+      <p:grpSpPr>
+        <a:xfrm>
+          <a:off x="0" y="0"/>
+          <a:ext cx="0" cy="0"/>
+          <a:chOff x="0" y="0"/>
+          <a:chExt cx="0" cy="0"/>
+        </a:xfrm>
+      </p:grpSpPr>
+      <p:sp>
+        <p:nvSpPr>
+          <p:cNvPr id="2" name="Title 1"/>
+          <p:cNvSpPr>
+            <a:spLocks noGrp="1"/>
+          </p:cNvSpPr>
+          <p:nvPr>
+            <p:ph type="title"/>
+          </p:nvPr>
+        </p:nvSpPr>
+        <p:spPr/>
+        <p:txBody>
+          <a:bodyPr/>
+          <a:lstStyle/>
+          <a:p>
+            <a:endParaRPr lang="en-US"/>
+          </a:p>
+        </p:txBody>
+      </p:sp>
+      <p:sp>
+        <p:nvSpPr>
+          <p:cNvPr id="3" name="Content Placeholder 2"/>
+          <p:cNvSpPr>
+            <a:spLocks noGrp="1"/>
+          </p:cNvSpPr>
+          <p:nvPr>
+            <p:ph idx="1"/>
+          </p:nvPr>
+        </p:nvSpPr>
+        <p:spPr/>
+        <p:txBody>
+          <a:bodyPr/>
+          <a:lstStyle/>
+          <a:p>
+            <a:endParaRPr lang="en-US"/>
+          </a:p>
+        </p:txBody>
+      </p:sp>
+      <p:pic>
+        <p:nvPicPr>
+          <p:cNvPr id="4" name="Picture 3"/>
+          <p:cNvPicPr>
+            <a:picLocks noChangeAspect="1"/>
+          </p:cNvPicPr>
+          <p:nvPr/>
+        </p:nvPicPr>
+        <p:blipFill>
+          <a:blip r:embed="rId2"/>
+          <a:stretch>
+            <a:fillRect/>
+          </a:stretch>
+        </p:blipFill>
+        <p:spPr>
+          <a:xfrm>
+            <a:off x="29163" y="2132856"/>
+            <a:ext cx="9144000" cy="3871115"/>
+          </a:xfrm>
+          <a:prstGeom prst="rect">
+            <a:avLst/>
+          </a:prstGeom>
+        </p:spPr>
+      </p:pic>
+    </p:spTree>
+    <p:extLst>
+      <p:ext uri="{BB962C8B-B14F-4D97-AF65-F5344CB8AC3E}">
+        <p14:creationId xmlns:p14="http://schemas.microsoft.com/office/powerpoint/2010/main" val="1744600638"/>
+      </p:ext>
+    </p:extLst>
+  </p:cSld>
+  <p:clrMapOvr>
+    <a:masterClrMapping/>
+  </p:clrMapOvr>
+</p:sld>
+</file>
+
+<file path=ppt/slides/slide22.xml><?xml version="1.0" encoding="utf-8"?>
+<p:sld xmlns:a="http://schemas.openxmlformats.org/drawingml/2006/main" xmlns:r="http://schemas.openxmlformats.org/officeDocument/2006/relationships" xmlns:p="http://schemas.openxmlformats.org/presentationml/2006/main">
+  <p:cSld>
+    <p:spTree>
+      <p:nvGrpSpPr>
+        <p:cNvPr id="1" name=""/>
+        <p:cNvGrpSpPr/>
+        <p:nvPr/>
+      </p:nvGrpSpPr>
+      <p:grpSpPr>
+        <a:xfrm>
+          <a:off x="0" y="0"/>
+          <a:ext cx="0" cy="0"/>
+          <a:chOff x="0" y="0"/>
+          <a:chExt cx="0" cy="0"/>
+        </a:xfrm>
+      </p:grpSpPr>
+      <p:pic>
+        <p:nvPicPr>
+          <p:cNvPr id="2" name="Picture 1"/>
+          <p:cNvPicPr>
+            <a:picLocks noChangeAspect="1"/>
+          </p:cNvPicPr>
+          <p:nvPr/>
+        </p:nvPicPr>
+        <p:blipFill>
+          <a:blip r:embed="rId2"/>
+          <a:stretch>
+            <a:fillRect/>
+          </a:stretch>
+        </p:blipFill>
+        <p:spPr>
+          <a:xfrm>
+            <a:off x="0" y="711156"/>
+            <a:ext cx="9144000" cy="5435688"/>
+          </a:xfrm>
+          <a:prstGeom prst="rect">
+            <a:avLst/>
+          </a:prstGeom>
+        </p:spPr>
+      </p:pic>
+    </p:spTree>
+    <p:extLst>
+      <p:ext uri="{BB962C8B-B14F-4D97-AF65-F5344CB8AC3E}">
+        <p14:creationId xmlns:p14="http://schemas.microsoft.com/office/powerpoint/2010/main" val="746983243"/>
+      </p:ext>
+    </p:extLst>
+  </p:cSld>
+  <p:clrMapOvr>
+    <a:masterClrMapping/>
+  </p:clrMapOvr>
+</p:sld>
+</file>
+
+<file path=ppt/slides/slide23.xml><?xml version="1.0" encoding="utf-8"?>
+<p:sld xmlns:a="http://schemas.openxmlformats.org/drawingml/2006/main" xmlns:r="http://schemas.openxmlformats.org/officeDocument/2006/relationships" xmlns:p="http://schemas.openxmlformats.org/presentationml/2006/main">
+  <p:cSld>
+    <p:spTree>
+      <p:nvGrpSpPr>
+        <p:cNvPr id="1" name=""/>
+        <p:cNvGrpSpPr/>
+        <p:nvPr/>
+      </p:nvGrpSpPr>
+      <p:grpSpPr>
+        <a:xfrm>
+          <a:off x="0" y="0"/>
+          <a:ext cx="0" cy="0"/>
+          <a:chOff x="0" y="0"/>
+          <a:chExt cx="0" cy="0"/>
+        </a:xfrm>
+      </p:grpSpPr>
+      <p:sp>
+        <p:nvSpPr>
+          <p:cNvPr id="2" name="标题 1"/>
+          <p:cNvSpPr>
+            <a:spLocks noGrp="1"/>
+          </p:cNvSpPr>
+          <p:nvPr>
+            <p:ph type="title"/>
+          </p:nvPr>
+        </p:nvSpPr>
+        <p:spPr/>
+        <p:txBody>
+          <a:bodyPr/>
+          <a:lstStyle/>
+          <a:p>
+            <a:r>
+              <a:rPr lang="en-US" altLang="zh-CN" dirty="0" err="1" smtClean="0"/>
+              <a:t>Redis</a:t>
+            </a:r>
+            <a:r>
+              <a:rPr lang="zh-CN" altLang="en-US" dirty="0" smtClean="0"/>
+              <a:t>与电商网站结合</a:t>
+            </a:r>
+            <a:endParaRPr lang="zh-CN" altLang="en-US" dirty="0"/>
+          </a:p>
+        </p:txBody>
+      </p:sp>
+      <p:sp>
+        <p:nvSpPr>
+          <p:cNvPr id="3" name="内容占位符 2"/>
+          <p:cNvSpPr>
+            <a:spLocks noGrp="1"/>
+          </p:cNvSpPr>
+          <p:nvPr>
+            <p:ph idx="1"/>
+          </p:nvPr>
+        </p:nvSpPr>
+        <p:spPr/>
+        <p:txBody>
+          <a:bodyPr/>
+          <a:lstStyle/>
+          <a:p>
+            <a:r>
+              <a:rPr lang="zh-CN" altLang="en-US" dirty="0" smtClean="0"/>
+              <a:t>缓存商品数据</a:t>
+            </a:r>
+            <a:endParaRPr lang="en-US" altLang="zh-CN" dirty="0" smtClean="0"/>
+          </a:p>
+          <a:p>
+            <a:r>
+              <a:rPr lang="zh-CN" altLang="en-US" dirty="0" smtClean="0"/>
+              <a:t>商品浏览量排名</a:t>
+            </a:r>
+            <a:endParaRPr lang="zh-CN" altLang="en-US" dirty="0"/>
+          </a:p>
+        </p:txBody>
+      </p:sp>
+    </p:spTree>
+    <p:extLst>
+      <p:ext uri="{BB962C8B-B14F-4D97-AF65-F5344CB8AC3E}">
+        <p14:creationId xmlns:p14="http://schemas.microsoft.com/office/powerpoint/2010/main" val="360820480"/>
+      </p:ext>
+    </p:extLst>
+  </p:cSld>
+  <p:clrMapOvr>
+    <a:masterClrMapping/>
+  </p:clrMapOvr>
+</p:sld>
+</file>
+
+<file path=ppt/slides/slide24.xml><?xml version="1.0" encoding="utf-8"?>
 <p:sld xmlns:a="http://schemas.openxmlformats.org/drawingml/2006/main" xmlns:r="http://schemas.openxmlformats.org/officeDocument/2006/relationships" xmlns:p="http://schemas.openxmlformats.org/presentationml/2006/main">
   <p:cSld>
     <p:spTree>
@@ -6323,7 +6662,7 @@
 </p:sld>
 </file>
 
-<file path=ppt/slides/slide21.xml><?xml version="1.0" encoding="utf-8"?>
+<file path=ppt/slides/slide25.xml><?xml version="1.0" encoding="utf-8"?>
 <p:sld xmlns:a="http://schemas.openxmlformats.org/drawingml/2006/main" xmlns:r="http://schemas.openxmlformats.org/officeDocument/2006/relationships" xmlns:p="http://schemas.openxmlformats.org/presentationml/2006/main">
   <p:cSld>
     <p:spTree>
@@ -6547,7 +6886,7 @@
 </p:sld>
 </file>
 
-<file path=ppt/slides/slide22.xml><?xml version="1.0" encoding="utf-8"?>
+<file path=ppt/slides/slide26.xml><?xml version="1.0" encoding="utf-8"?>
 <p:sld xmlns:a="http://schemas.openxmlformats.org/drawingml/2006/main" xmlns:r="http://schemas.openxmlformats.org/officeDocument/2006/relationships" xmlns:p="http://schemas.openxmlformats.org/presentationml/2006/main">
   <p:cSld>
     <p:spTree>
@@ -6643,944 +6982,6 @@
 </p:sld>
 </file>
 
-<file path=ppt/slides/slide23.xml><?xml version="1.0" encoding="utf-8"?>
-<p:sld xmlns:a="http://schemas.openxmlformats.org/drawingml/2006/main" xmlns:r="http://schemas.openxmlformats.org/officeDocument/2006/relationships" xmlns:p="http://schemas.openxmlformats.org/presentationml/2006/main">
-  <p:cSld>
-    <p:spTree>
-      <p:nvGrpSpPr>
-        <p:cNvPr id="1" name=""/>
-        <p:cNvGrpSpPr/>
-        <p:nvPr/>
-      </p:nvGrpSpPr>
-      <p:grpSpPr>
-        <a:xfrm>
-          <a:off x="0" y="0"/>
-          <a:ext cx="0" cy="0"/>
-          <a:chOff x="0" y="0"/>
-          <a:chExt cx="0" cy="0"/>
-        </a:xfrm>
-      </p:grpSpPr>
-      <p:sp>
-        <p:nvSpPr>
-          <p:cNvPr id="2" name="标题 1"/>
-          <p:cNvSpPr>
-            <a:spLocks noGrp="1"/>
-          </p:cNvSpPr>
-          <p:nvPr>
-            <p:ph type="title"/>
-          </p:nvPr>
-        </p:nvSpPr>
-        <p:spPr/>
-        <p:txBody>
-          <a:bodyPr/>
-          <a:lstStyle/>
-          <a:p>
-            <a:r>
-              <a:rPr lang="en-US" altLang="zh-CN" dirty="0" err="1" smtClean="0"/>
-              <a:t>Redis</a:t>
-            </a:r>
-            <a:r>
-              <a:rPr lang="zh-CN" altLang="en-US" dirty="0" smtClean="0"/>
-              <a:t>集群</a:t>
-            </a:r>
-            <a:endParaRPr lang="zh-CN" altLang="en-US" dirty="0"/>
-          </a:p>
-        </p:txBody>
-      </p:sp>
-      <p:sp>
-        <p:nvSpPr>
-          <p:cNvPr id="3" name="内容占位符 2"/>
-          <p:cNvSpPr>
-            <a:spLocks noGrp="1"/>
-          </p:cNvSpPr>
-          <p:nvPr>
-            <p:ph idx="1"/>
-          </p:nvPr>
-        </p:nvSpPr>
-        <p:spPr/>
-        <p:txBody>
-          <a:bodyPr>
-            <a:normAutofit fontScale="92500"/>
-          </a:bodyPr>
-          <a:lstStyle/>
-          <a:p>
-            <a:r>
-              <a:rPr lang="en-US" altLang="zh-CN" dirty="0" err="1"/>
-              <a:t>Redis</a:t>
-            </a:r>
-            <a:r>
-              <a:rPr lang="zh-CN" altLang="en-US" dirty="0"/>
-              <a:t>集群提供一种</a:t>
-            </a:r>
-            <a:r>
-              <a:rPr lang="en-US" altLang="zh-CN" dirty="0" err="1"/>
-              <a:t>redis</a:t>
-            </a:r>
-            <a:r>
-              <a:rPr lang="zh-CN" altLang="en-US" dirty="0"/>
-              <a:t>运行方式，能将数据自动分片到多个</a:t>
-            </a:r>
-            <a:r>
-              <a:rPr lang="en-US" altLang="zh-CN" dirty="0" err="1"/>
-              <a:t>Redis</a:t>
-            </a:r>
-            <a:r>
-              <a:rPr lang="zh-CN" altLang="en-US" dirty="0"/>
-              <a:t>节点，且</a:t>
-            </a:r>
-            <a:r>
-              <a:rPr lang="en-US" altLang="zh-CN" dirty="0" err="1"/>
-              <a:t>Redis</a:t>
-            </a:r>
-            <a:r>
-              <a:rPr lang="zh-CN" altLang="en-US" dirty="0"/>
-              <a:t>集群在分区期间也提供一定的可用性，即在某些节点发生故障或无法通信时，集群也能正常工作，但当大面积节点故障，如大多数</a:t>
-            </a:r>
-            <a:r>
-              <a:rPr lang="en-US" altLang="zh-CN" dirty="0"/>
-              <a:t>master</a:t>
-            </a:r>
-            <a:r>
-              <a:rPr lang="zh-CN" altLang="en-US" dirty="0"/>
-              <a:t>都不可用时，集群就不能使用了</a:t>
-            </a:r>
-            <a:r>
-              <a:rPr lang="zh-CN" altLang="en-US" dirty="0" smtClean="0"/>
-              <a:t>。</a:t>
-            </a:r>
-            <a:endParaRPr lang="en-US" altLang="zh-CN" dirty="0" smtClean="0"/>
-          </a:p>
-          <a:p>
-            <a:r>
-              <a:rPr lang="zh-CN" altLang="en-US" dirty="0"/>
-              <a:t>从实用性角度，</a:t>
-            </a:r>
-            <a:r>
-              <a:rPr lang="en-US" altLang="zh-CN" dirty="0" err="1"/>
-              <a:t>Redis</a:t>
-            </a:r>
-            <a:r>
-              <a:rPr lang="zh-CN" altLang="en-US" dirty="0"/>
-              <a:t>集群提供一下功能：</a:t>
-            </a:r>
-          </a:p>
-          <a:p>
-            <a:pPr lvl="1"/>
-            <a:r>
-              <a:rPr lang="zh-CN" altLang="en-US" dirty="0" smtClean="0"/>
-              <a:t>自动</a:t>
-            </a:r>
-            <a:r>
-              <a:rPr lang="zh-CN" altLang="en-US" dirty="0"/>
-              <a:t>切割数据到多个</a:t>
-            </a:r>
-            <a:r>
-              <a:rPr lang="en-US" altLang="zh-CN" dirty="0" err="1"/>
-              <a:t>Redis</a:t>
-            </a:r>
-            <a:r>
-              <a:rPr lang="zh-CN" altLang="en-US" dirty="0"/>
-              <a:t>节点</a:t>
-            </a:r>
-          </a:p>
-          <a:p>
-            <a:pPr lvl="1"/>
-            <a:r>
-              <a:rPr lang="zh-CN" altLang="en-US" dirty="0" smtClean="0"/>
-              <a:t>小部分</a:t>
-            </a:r>
-            <a:r>
-              <a:rPr lang="zh-CN" altLang="en-US" dirty="0"/>
-              <a:t>节点故障或者不可达时，集群能正常工作</a:t>
-            </a:r>
-          </a:p>
-          <a:p>
-            <a:endParaRPr lang="zh-CN" altLang="en-US" dirty="0"/>
-          </a:p>
-        </p:txBody>
-      </p:sp>
-    </p:spTree>
-  </p:cSld>
-  <p:clrMapOvr>
-    <a:masterClrMapping/>
-  </p:clrMapOvr>
-</p:sld>
-</file>
-
-<file path=ppt/slides/slide24.xml><?xml version="1.0" encoding="utf-8"?>
-<p:sld xmlns:a="http://schemas.openxmlformats.org/drawingml/2006/main" xmlns:r="http://schemas.openxmlformats.org/officeDocument/2006/relationships" xmlns:p="http://schemas.openxmlformats.org/presentationml/2006/main">
-  <p:cSld>
-    <p:spTree>
-      <p:nvGrpSpPr>
-        <p:cNvPr id="1" name=""/>
-        <p:cNvGrpSpPr/>
-        <p:nvPr/>
-      </p:nvGrpSpPr>
-      <p:grpSpPr>
-        <a:xfrm>
-          <a:off x="0" y="0"/>
-          <a:ext cx="0" cy="0"/>
-          <a:chOff x="0" y="0"/>
-          <a:chExt cx="0" cy="0"/>
-        </a:xfrm>
-      </p:grpSpPr>
-      <p:sp>
-        <p:nvSpPr>
-          <p:cNvPr id="2" name="标题 1"/>
-          <p:cNvSpPr>
-            <a:spLocks noGrp="1"/>
-          </p:cNvSpPr>
-          <p:nvPr>
-            <p:ph type="title"/>
-          </p:nvPr>
-        </p:nvSpPr>
-        <p:spPr/>
-        <p:txBody>
-          <a:bodyPr/>
-          <a:lstStyle/>
-          <a:p>
-            <a:r>
-              <a:rPr lang="en-US" b="1" dirty="0" err="1"/>
-              <a:t>Redis</a:t>
-            </a:r>
-            <a:r>
-              <a:rPr lang="zh-CN" altLang="en-US" b="1" dirty="0"/>
-              <a:t>集群</a:t>
-            </a:r>
-            <a:r>
-              <a:rPr lang="en-US" b="1" dirty="0"/>
-              <a:t>TCP</a:t>
-            </a:r>
-            <a:r>
-              <a:rPr lang="zh-CN" altLang="en-US" b="1" dirty="0"/>
-              <a:t>端口</a:t>
-            </a:r>
-            <a:endParaRPr lang="zh-CN" altLang="en-US" dirty="0"/>
-          </a:p>
-        </p:txBody>
-      </p:sp>
-      <p:sp>
-        <p:nvSpPr>
-          <p:cNvPr id="3" name="内容占位符 2"/>
-          <p:cNvSpPr>
-            <a:spLocks noGrp="1"/>
-          </p:cNvSpPr>
-          <p:nvPr>
-            <p:ph idx="1"/>
-          </p:nvPr>
-        </p:nvSpPr>
-        <p:spPr/>
-        <p:txBody>
-          <a:bodyPr>
-            <a:normAutofit fontScale="77500" lnSpcReduction="20000"/>
-          </a:bodyPr>
-          <a:lstStyle/>
-          <a:p>
-            <a:r>
-              <a:rPr lang="en-US" altLang="zh-CN" dirty="0" err="1"/>
-              <a:t>Redis</a:t>
-            </a:r>
-            <a:r>
-              <a:rPr lang="zh-CN" altLang="en-US" dirty="0"/>
-              <a:t>集群中每个节点都需侦听两个</a:t>
-            </a:r>
-            <a:r>
-              <a:rPr lang="en-US" altLang="zh-CN" dirty="0"/>
-              <a:t>TCP</a:t>
-            </a:r>
-            <a:r>
-              <a:rPr lang="zh-CN" altLang="en-US" dirty="0"/>
-              <a:t>端口，</a:t>
-            </a:r>
-            <a:r>
-              <a:rPr lang="en-US" altLang="zh-CN" dirty="0"/>
-              <a:t>6379</a:t>
-            </a:r>
-            <a:r>
-              <a:rPr lang="zh-CN" altLang="en-US" dirty="0"/>
-              <a:t>端口用于客户端通信，客户端通信端口加上</a:t>
-            </a:r>
-            <a:r>
-              <a:rPr lang="en-US" altLang="zh-CN" dirty="0"/>
-              <a:t>10000(</a:t>
-            </a:r>
-            <a:r>
-              <a:rPr lang="zh-CN" altLang="en-US" dirty="0"/>
-              <a:t>两个端口总是相差</a:t>
-            </a:r>
-            <a:r>
-              <a:rPr lang="en-US" altLang="zh-CN" dirty="0"/>
-              <a:t>10000)</a:t>
-            </a:r>
-            <a:r>
-              <a:rPr lang="zh-CN" altLang="en-US" dirty="0"/>
-              <a:t>，如</a:t>
-            </a:r>
-            <a:r>
-              <a:rPr lang="en-US" altLang="zh-CN" dirty="0"/>
-              <a:t>16379</a:t>
-            </a:r>
-            <a:r>
-              <a:rPr lang="zh-CN" altLang="en-US" dirty="0"/>
-              <a:t>专用于集群总线（</a:t>
-            </a:r>
-            <a:r>
-              <a:rPr lang="en-US" altLang="zh-CN" dirty="0"/>
-              <a:t>Cluster bus</a:t>
-            </a:r>
-            <a:r>
-              <a:rPr lang="zh-CN" altLang="en-US" dirty="0"/>
-              <a:t>），用于节点间二进制协议的节点间通信。各节点使用集群总线故障检测，配置更新，故障转移授权等。客户端不能使用集群总线端口。</a:t>
-            </a:r>
-          </a:p>
-          <a:p>
-            <a:r>
-              <a:rPr lang="zh-CN" altLang="en-US" dirty="0"/>
-              <a:t> 请注意，为了让</a:t>
-            </a:r>
-            <a:r>
-              <a:rPr lang="en-US" altLang="zh-CN" dirty="0" err="1"/>
-              <a:t>Redis</a:t>
-            </a:r>
-            <a:r>
-              <a:rPr lang="zh-CN" altLang="en-US" dirty="0"/>
-              <a:t>群集正常工作，需要为每个节点配置</a:t>
-            </a:r>
-            <a:r>
-              <a:rPr lang="en-US" altLang="zh-CN" dirty="0"/>
-              <a:t>2</a:t>
-            </a:r>
-            <a:r>
-              <a:rPr lang="zh-CN" altLang="en-US" dirty="0"/>
-              <a:t>个端口（必须）：</a:t>
-            </a:r>
-          </a:p>
-          <a:p>
-            <a:pPr lvl="1"/>
-            <a:r>
-              <a:rPr lang="zh-CN" altLang="en-US" dirty="0" smtClean="0"/>
-              <a:t>客户端</a:t>
-            </a:r>
-            <a:r>
-              <a:rPr lang="zh-CN" altLang="en-US" dirty="0"/>
-              <a:t>端口（默认</a:t>
-            </a:r>
-            <a:r>
-              <a:rPr lang="en-US" altLang="zh-CN" dirty="0"/>
-              <a:t>6379</a:t>
-            </a:r>
-            <a:r>
-              <a:rPr lang="zh-CN" altLang="en-US" dirty="0"/>
-              <a:t>）需要对所有客户端和集群节点开放，因为集群节点需要通过该端口进行密钥迁移（</a:t>
-            </a:r>
-            <a:r>
-              <a:rPr lang="en-US" altLang="zh-CN" dirty="0"/>
-              <a:t>keys migrations</a:t>
-            </a:r>
-            <a:r>
-              <a:rPr lang="zh-CN" altLang="en-US" dirty="0"/>
-              <a:t>）</a:t>
-            </a:r>
-          </a:p>
-          <a:p>
-            <a:pPr lvl="1"/>
-            <a:r>
-              <a:rPr lang="zh-CN" altLang="en-US" dirty="0" smtClean="0"/>
-              <a:t>集群</a:t>
-            </a:r>
-            <a:r>
-              <a:rPr lang="zh-CN" altLang="en-US" dirty="0"/>
-              <a:t>总线端口（客户端端口</a:t>
-            </a:r>
-            <a:r>
-              <a:rPr lang="en-US" altLang="zh-CN" dirty="0"/>
-              <a:t>+ 10000</a:t>
-            </a:r>
-            <a:r>
-              <a:rPr lang="zh-CN" altLang="en-US" dirty="0"/>
-              <a:t>）对集群所有节点开放即</a:t>
-            </a:r>
-            <a:r>
-              <a:rPr lang="zh-CN" altLang="en-US" dirty="0" smtClean="0"/>
-              <a:t>可</a:t>
-            </a:r>
-            <a:endParaRPr lang="zh-CN" altLang="en-US" dirty="0"/>
-          </a:p>
-          <a:p>
-            <a:endParaRPr lang="zh-CN" altLang="en-US" dirty="0"/>
-          </a:p>
-          <a:p>
-            <a:endParaRPr lang="zh-CN" altLang="en-US" dirty="0"/>
-          </a:p>
-        </p:txBody>
-      </p:sp>
-    </p:spTree>
-  </p:cSld>
-  <p:clrMapOvr>
-    <a:masterClrMapping/>
-  </p:clrMapOvr>
-</p:sld>
-</file>
-
-<file path=ppt/slides/slide25.xml><?xml version="1.0" encoding="utf-8"?>
-<p:sld xmlns:a="http://schemas.openxmlformats.org/drawingml/2006/main" xmlns:r="http://schemas.openxmlformats.org/officeDocument/2006/relationships" xmlns:p="http://schemas.openxmlformats.org/presentationml/2006/main">
-  <p:cSld>
-    <p:spTree>
-      <p:nvGrpSpPr>
-        <p:cNvPr id="1" name=""/>
-        <p:cNvGrpSpPr/>
-        <p:nvPr/>
-      </p:nvGrpSpPr>
-      <p:grpSpPr>
-        <a:xfrm>
-          <a:off x="0" y="0"/>
-          <a:ext cx="0" cy="0"/>
-          <a:chOff x="0" y="0"/>
-          <a:chExt cx="0" cy="0"/>
-        </a:xfrm>
-      </p:grpSpPr>
-      <p:sp>
-        <p:nvSpPr>
-          <p:cNvPr id="2" name="标题 1"/>
-          <p:cNvSpPr>
-            <a:spLocks noGrp="1"/>
-          </p:cNvSpPr>
-          <p:nvPr>
-            <p:ph type="title"/>
-          </p:nvPr>
-        </p:nvSpPr>
-        <p:spPr/>
-        <p:txBody>
-          <a:bodyPr/>
-          <a:lstStyle/>
-          <a:p>
-            <a:r>
-              <a:rPr lang="en-US" b="1" dirty="0" err="1"/>
-              <a:t>Redis</a:t>
-            </a:r>
-            <a:r>
-              <a:rPr lang="zh-CN" altLang="en-US" b="1" dirty="0"/>
-              <a:t>集群数据分片</a:t>
-            </a:r>
-            <a:endParaRPr lang="zh-CN" altLang="en-US" dirty="0"/>
-          </a:p>
-        </p:txBody>
-      </p:sp>
-      <p:sp>
-        <p:nvSpPr>
-          <p:cNvPr id="3" name="内容占位符 2"/>
-          <p:cNvSpPr>
-            <a:spLocks noGrp="1"/>
-          </p:cNvSpPr>
-          <p:nvPr>
-            <p:ph idx="1"/>
-          </p:nvPr>
-        </p:nvSpPr>
-        <p:spPr/>
-        <p:txBody>
-          <a:bodyPr>
-            <a:normAutofit lnSpcReduction="10000"/>
-          </a:bodyPr>
-          <a:lstStyle/>
-          <a:p>
-            <a:r>
-              <a:rPr lang="en-US" altLang="zh-CN" dirty="0" err="1"/>
-              <a:t>Redis</a:t>
-            </a:r>
-            <a:r>
-              <a:rPr lang="zh-CN" altLang="en-US" dirty="0"/>
-              <a:t>集群不使用一致性哈希，而是一种不同的分片形式，其中每个键在概念上都是我们称之为哈希槽的部分。</a:t>
-            </a:r>
-          </a:p>
-          <a:p>
-            <a:pPr lvl="1"/>
-            <a:r>
-              <a:rPr lang="en-US" altLang="zh-CN" dirty="0" err="1" smtClean="0"/>
-              <a:t>Redis</a:t>
-            </a:r>
-            <a:r>
-              <a:rPr lang="zh-CN" altLang="en-US" dirty="0"/>
-              <a:t>集群中有</a:t>
-            </a:r>
-            <a:r>
-              <a:rPr lang="en-US" altLang="zh-CN" dirty="0"/>
-              <a:t>16384</a:t>
-            </a:r>
-            <a:r>
-              <a:rPr lang="zh-CN" altLang="en-US" dirty="0"/>
-              <a:t>个哈希槽，每个</a:t>
-            </a:r>
-            <a:r>
-              <a:rPr lang="en-US" altLang="zh-CN" dirty="0"/>
-              <a:t>key</a:t>
-            </a:r>
-            <a:r>
-              <a:rPr lang="zh-CN" altLang="en-US" dirty="0"/>
-              <a:t>通过</a:t>
-            </a:r>
-            <a:r>
-              <a:rPr lang="en-US" altLang="zh-CN" dirty="0"/>
-              <a:t>CRC16</a:t>
-            </a:r>
-            <a:r>
-              <a:rPr lang="zh-CN" altLang="en-US" dirty="0"/>
-              <a:t>校验后对</a:t>
-            </a:r>
-            <a:r>
-              <a:rPr lang="en-US" altLang="zh-CN" dirty="0"/>
-              <a:t>16384</a:t>
-            </a:r>
-            <a:r>
-              <a:rPr lang="zh-CN" altLang="en-US" dirty="0"/>
-              <a:t>取模来决定放置哪个槽。</a:t>
-            </a:r>
-          </a:p>
-          <a:p>
-            <a:pPr lvl="1"/>
-            <a:r>
-              <a:rPr lang="zh-CN" altLang="en-US" dirty="0" smtClean="0"/>
-              <a:t>集群</a:t>
-            </a:r>
-            <a:r>
-              <a:rPr lang="zh-CN" altLang="en-US" dirty="0"/>
-              <a:t>中每个节点负责哈希槽的的一个子集，如一个有</a:t>
-            </a:r>
-            <a:r>
-              <a:rPr lang="en-US" altLang="zh-CN" dirty="0"/>
-              <a:t>3</a:t>
-            </a:r>
-            <a:r>
-              <a:rPr lang="zh-CN" altLang="en-US" dirty="0"/>
-              <a:t>点歌节点的</a:t>
-            </a:r>
-            <a:r>
-              <a:rPr lang="en-US" altLang="zh-CN" dirty="0" err="1"/>
-              <a:t>Redis</a:t>
-            </a:r>
-            <a:r>
-              <a:rPr lang="zh-CN" altLang="en-US" dirty="0"/>
-              <a:t>集群：</a:t>
-            </a:r>
-          </a:p>
-          <a:p>
-            <a:pPr lvl="2"/>
-            <a:r>
-              <a:rPr lang="zh-CN" altLang="en-US" dirty="0" smtClean="0"/>
-              <a:t>节点</a:t>
-            </a:r>
-            <a:r>
-              <a:rPr lang="en-US" altLang="zh-CN" dirty="0"/>
-              <a:t>A</a:t>
-            </a:r>
-            <a:r>
-              <a:rPr lang="zh-CN" altLang="en-US" dirty="0"/>
-              <a:t>包含从</a:t>
-            </a:r>
-            <a:r>
-              <a:rPr lang="en-US" altLang="zh-CN" dirty="0"/>
-              <a:t>0</a:t>
-            </a:r>
-            <a:r>
-              <a:rPr lang="zh-CN" altLang="en-US" dirty="0"/>
-              <a:t>到</a:t>
-            </a:r>
-            <a:r>
-              <a:rPr lang="en-US" altLang="zh-CN" dirty="0"/>
-              <a:t>5500</a:t>
-            </a:r>
-            <a:r>
-              <a:rPr lang="zh-CN" altLang="en-US" dirty="0"/>
-              <a:t>的哈希槽</a:t>
-            </a:r>
-          </a:p>
-          <a:p>
-            <a:pPr lvl="2"/>
-            <a:r>
-              <a:rPr lang="zh-CN" altLang="en-US" dirty="0" smtClean="0"/>
-              <a:t>节点</a:t>
-            </a:r>
-            <a:r>
-              <a:rPr lang="en-US" altLang="zh-CN" dirty="0"/>
-              <a:t>B</a:t>
-            </a:r>
-            <a:r>
-              <a:rPr lang="zh-CN" altLang="en-US" dirty="0"/>
-              <a:t>包含从</a:t>
-            </a:r>
-            <a:r>
-              <a:rPr lang="en-US" altLang="zh-CN" dirty="0"/>
-              <a:t>5501</a:t>
-            </a:r>
-            <a:r>
-              <a:rPr lang="zh-CN" altLang="en-US" dirty="0"/>
-              <a:t>到</a:t>
-            </a:r>
-            <a:r>
-              <a:rPr lang="en-US" altLang="zh-CN" dirty="0"/>
-              <a:t>11000</a:t>
-            </a:r>
-            <a:r>
-              <a:rPr lang="zh-CN" altLang="en-US" dirty="0"/>
-              <a:t>的哈希槽</a:t>
-            </a:r>
-          </a:p>
-          <a:p>
-            <a:pPr lvl="2"/>
-            <a:r>
-              <a:rPr lang="zh-CN" altLang="en-US" dirty="0" smtClean="0"/>
-              <a:t>节点</a:t>
-            </a:r>
-            <a:r>
-              <a:rPr lang="en-US" altLang="zh-CN" dirty="0"/>
-              <a:t>C</a:t>
-            </a:r>
-            <a:r>
-              <a:rPr lang="zh-CN" altLang="en-US" dirty="0"/>
-              <a:t>包含从</a:t>
-            </a:r>
-            <a:r>
-              <a:rPr lang="en-US" altLang="zh-CN" dirty="0"/>
-              <a:t>11001</a:t>
-            </a:r>
-            <a:r>
-              <a:rPr lang="zh-CN" altLang="en-US" dirty="0"/>
-              <a:t>到</a:t>
-            </a:r>
-            <a:r>
-              <a:rPr lang="en-US" altLang="zh-CN" dirty="0"/>
-              <a:t>16383</a:t>
-            </a:r>
-            <a:r>
-              <a:rPr lang="zh-CN" altLang="en-US" dirty="0"/>
-              <a:t>的哈希槽</a:t>
-            </a:r>
-          </a:p>
-          <a:p>
-            <a:endParaRPr lang="zh-CN" altLang="en-US" dirty="0"/>
-          </a:p>
-        </p:txBody>
-      </p:sp>
-    </p:spTree>
-  </p:cSld>
-  <p:clrMapOvr>
-    <a:masterClrMapping/>
-  </p:clrMapOvr>
-</p:sld>
-</file>
-
-<file path=ppt/slides/slide26.xml><?xml version="1.0" encoding="utf-8"?>
-<p:sld xmlns:a="http://schemas.openxmlformats.org/drawingml/2006/main" xmlns:r="http://schemas.openxmlformats.org/officeDocument/2006/relationships" xmlns:p="http://schemas.openxmlformats.org/presentationml/2006/main">
-  <p:cSld>
-    <p:spTree>
-      <p:nvGrpSpPr>
-        <p:cNvPr id="1" name=""/>
-        <p:cNvGrpSpPr/>
-        <p:nvPr/>
-      </p:nvGrpSpPr>
-      <p:grpSpPr>
-        <a:xfrm>
-          <a:off x="0" y="0"/>
-          <a:ext cx="0" cy="0"/>
-          <a:chOff x="0" y="0"/>
-          <a:chExt cx="0" cy="0"/>
-        </a:xfrm>
-      </p:grpSpPr>
-      <p:sp>
-        <p:nvSpPr>
-          <p:cNvPr id="2" name="标题 1"/>
-          <p:cNvSpPr>
-            <a:spLocks noGrp="1"/>
-          </p:cNvSpPr>
-          <p:nvPr>
-            <p:ph type="title"/>
-          </p:nvPr>
-        </p:nvSpPr>
-        <p:spPr/>
-        <p:txBody>
-          <a:bodyPr/>
-          <a:lstStyle/>
-          <a:p>
-            <a:r>
-              <a:rPr lang="en-US" b="1" dirty="0" err="1"/>
-              <a:t>Redis</a:t>
-            </a:r>
-            <a:r>
-              <a:rPr lang="zh-CN" altLang="en-US" b="1" dirty="0"/>
-              <a:t>集群主从模式</a:t>
-            </a:r>
-            <a:endParaRPr lang="zh-CN" altLang="en-US" dirty="0"/>
-          </a:p>
-        </p:txBody>
-      </p:sp>
-      <p:sp>
-        <p:nvSpPr>
-          <p:cNvPr id="3" name="内容占位符 2"/>
-          <p:cNvSpPr>
-            <a:spLocks noGrp="1"/>
-          </p:cNvSpPr>
-          <p:nvPr>
-            <p:ph idx="1"/>
-          </p:nvPr>
-        </p:nvSpPr>
-        <p:spPr/>
-        <p:txBody>
-          <a:bodyPr>
-            <a:normAutofit fontScale="92500" lnSpcReduction="20000"/>
-          </a:bodyPr>
-          <a:lstStyle/>
-          <a:p>
-            <a:r>
-              <a:rPr lang="zh-CN" altLang="en-US" dirty="0"/>
-              <a:t>为了保证在部分主</a:t>
-            </a:r>
-            <a:r>
-              <a:rPr lang="en-US" altLang="zh-CN" dirty="0"/>
-              <a:t>master</a:t>
-            </a:r>
-            <a:r>
-              <a:rPr lang="zh-CN" altLang="en-US" dirty="0"/>
-              <a:t>节点挂掉或不能与大多数节点通信时保持可用性，</a:t>
-            </a:r>
-            <a:r>
-              <a:rPr lang="en-US" altLang="zh-CN" dirty="0" err="1"/>
-              <a:t>Redis</a:t>
-            </a:r>
-            <a:r>
-              <a:rPr lang="zh-CN" altLang="en-US" dirty="0"/>
-              <a:t>集群使用主从模式，保证每个哈希槽都有</a:t>
-            </a:r>
-            <a:r>
-              <a:rPr lang="en-US" altLang="zh-CN" dirty="0"/>
-              <a:t>1</a:t>
-            </a:r>
-            <a:r>
-              <a:rPr lang="zh-CN" altLang="en-US" dirty="0"/>
-              <a:t>个到</a:t>
-            </a:r>
-            <a:r>
-              <a:rPr lang="en-US" altLang="zh-CN" dirty="0"/>
-              <a:t>N</a:t>
-            </a:r>
-            <a:r>
-              <a:rPr lang="zh-CN" altLang="en-US" dirty="0"/>
-              <a:t>个副本。</a:t>
-            </a:r>
-          </a:p>
-          <a:p>
-            <a:r>
-              <a:rPr lang="zh-CN" altLang="en-US" dirty="0" smtClean="0"/>
-              <a:t>上述</a:t>
-            </a:r>
-            <a:r>
-              <a:rPr lang="zh-CN" altLang="en-US" dirty="0"/>
-              <a:t>例子我们有节点</a:t>
-            </a:r>
-            <a:r>
-              <a:rPr lang="en-US" altLang="zh-CN" dirty="0"/>
-              <a:t>A</a:t>
-            </a:r>
-            <a:r>
-              <a:rPr lang="zh-CN" altLang="en-US" dirty="0"/>
-              <a:t>，</a:t>
-            </a:r>
-            <a:r>
-              <a:rPr lang="en-US" altLang="zh-CN" dirty="0"/>
-              <a:t>B</a:t>
-            </a:r>
-            <a:r>
-              <a:rPr lang="zh-CN" altLang="en-US" dirty="0"/>
-              <a:t>，</a:t>
-            </a:r>
-            <a:r>
-              <a:rPr lang="en-US" altLang="zh-CN" dirty="0"/>
-              <a:t>C</a:t>
-            </a:r>
-            <a:r>
-              <a:rPr lang="zh-CN" altLang="en-US" dirty="0"/>
-              <a:t>三个，若节点</a:t>
-            </a:r>
-            <a:r>
-              <a:rPr lang="en-US" altLang="zh-CN" dirty="0"/>
-              <a:t>B</a:t>
-            </a:r>
-            <a:r>
-              <a:rPr lang="zh-CN" altLang="en-US" dirty="0"/>
-              <a:t>故障，集群则不再可用，且会丢失从</a:t>
-            </a:r>
-            <a:r>
-              <a:rPr lang="en-US" altLang="zh-CN" dirty="0"/>
-              <a:t>5501</a:t>
-            </a:r>
-            <a:r>
-              <a:rPr lang="zh-CN" altLang="en-US" dirty="0"/>
-              <a:t>到</a:t>
-            </a:r>
-            <a:r>
-              <a:rPr lang="en-US" altLang="zh-CN" dirty="0"/>
-              <a:t>11000</a:t>
-            </a:r>
-            <a:r>
-              <a:rPr lang="zh-CN" altLang="en-US" dirty="0"/>
-              <a:t>哈希槽。然而若每个</a:t>
-            </a:r>
-            <a:r>
-              <a:rPr lang="en-US" altLang="zh-CN" dirty="0"/>
-              <a:t>master</a:t>
-            </a:r>
-            <a:r>
-              <a:rPr lang="zh-CN" altLang="en-US" dirty="0"/>
-              <a:t>都有一个</a:t>
-            </a:r>
-            <a:r>
-              <a:rPr lang="en-US" altLang="zh-CN" dirty="0"/>
-              <a:t>slave</a:t>
-            </a:r>
-            <a:r>
-              <a:rPr lang="zh-CN" altLang="en-US" dirty="0"/>
-              <a:t>，也就是说</a:t>
-            </a:r>
-            <a:r>
-              <a:rPr lang="en-US" altLang="zh-CN" dirty="0"/>
-              <a:t>A</a:t>
-            </a:r>
-            <a:r>
-              <a:rPr lang="zh-CN" altLang="en-US" dirty="0"/>
-              <a:t>，</a:t>
-            </a:r>
-            <a:r>
-              <a:rPr lang="en-US" altLang="zh-CN" dirty="0"/>
-              <a:t>B</a:t>
-            </a:r>
-            <a:r>
-              <a:rPr lang="zh-CN" altLang="en-US" dirty="0"/>
-              <a:t>，</a:t>
-            </a:r>
-            <a:r>
-              <a:rPr lang="en-US" altLang="zh-CN" dirty="0"/>
-              <a:t>C</a:t>
-            </a:r>
-            <a:r>
-              <a:rPr lang="zh-CN" altLang="en-US" dirty="0"/>
-              <a:t>三个</a:t>
-            </a:r>
-            <a:r>
-              <a:rPr lang="en-US" altLang="zh-CN" dirty="0"/>
-              <a:t>master</a:t>
-            </a:r>
-            <a:r>
-              <a:rPr lang="zh-CN" altLang="en-US" dirty="0"/>
-              <a:t>节点就会分别有</a:t>
-            </a:r>
-            <a:r>
-              <a:rPr lang="en-US" altLang="zh-CN" dirty="0"/>
-              <a:t>A1</a:t>
-            </a:r>
-            <a:r>
-              <a:rPr lang="zh-CN" altLang="en-US" dirty="0"/>
-              <a:t>，</a:t>
-            </a:r>
-            <a:r>
-              <a:rPr lang="en-US" altLang="zh-CN" dirty="0"/>
-              <a:t>B1</a:t>
-            </a:r>
-            <a:r>
-              <a:rPr lang="zh-CN" altLang="en-US" dirty="0"/>
-              <a:t>，</a:t>
-            </a:r>
-            <a:r>
-              <a:rPr lang="en-US" altLang="zh-CN" dirty="0"/>
-              <a:t>C1</a:t>
-            </a:r>
-            <a:r>
-              <a:rPr lang="zh-CN" altLang="en-US" dirty="0"/>
-              <a:t>三个</a:t>
-            </a:r>
-            <a:r>
-              <a:rPr lang="en-US" altLang="zh-CN" dirty="0"/>
-              <a:t>slave</a:t>
-            </a:r>
-            <a:r>
-              <a:rPr lang="zh-CN" altLang="en-US" dirty="0"/>
-              <a:t>节点，即使</a:t>
-            </a:r>
-            <a:r>
-              <a:rPr lang="en-US" altLang="zh-CN" dirty="0"/>
-              <a:t>B</a:t>
-            </a:r>
-            <a:r>
-              <a:rPr lang="zh-CN" altLang="en-US" dirty="0"/>
-              <a:t>节点挂掉，集群也不会受影响，</a:t>
-            </a:r>
-            <a:r>
-              <a:rPr lang="en-US" altLang="zh-CN" dirty="0"/>
-              <a:t>B1</a:t>
-            </a:r>
-            <a:r>
-              <a:rPr lang="zh-CN" altLang="en-US" dirty="0"/>
-              <a:t>复制了</a:t>
-            </a:r>
-            <a:r>
-              <a:rPr lang="en-US" altLang="zh-CN" dirty="0"/>
-              <a:t>B</a:t>
-            </a:r>
-            <a:r>
-              <a:rPr lang="zh-CN" altLang="en-US" dirty="0"/>
-              <a:t>的数据，此时集群将提升</a:t>
-            </a:r>
-            <a:r>
-              <a:rPr lang="en-US" altLang="zh-CN" dirty="0"/>
-              <a:t>B1</a:t>
-            </a:r>
-            <a:r>
-              <a:rPr lang="zh-CN" altLang="en-US" dirty="0"/>
-              <a:t>作为新</a:t>
-            </a:r>
-            <a:r>
-              <a:rPr lang="en-US" altLang="zh-CN" dirty="0"/>
-              <a:t>master</a:t>
-            </a:r>
-            <a:r>
-              <a:rPr lang="zh-CN" altLang="en-US" dirty="0"/>
-              <a:t>继续正常工作。但</a:t>
-            </a:r>
-            <a:r>
-              <a:rPr lang="en-US" altLang="zh-CN" dirty="0"/>
-              <a:t>B</a:t>
-            </a:r>
-            <a:r>
-              <a:rPr lang="zh-CN" altLang="en-US" dirty="0"/>
-              <a:t>和</a:t>
-            </a:r>
-            <a:r>
-              <a:rPr lang="en-US" altLang="zh-CN" dirty="0"/>
-              <a:t>B1</a:t>
-            </a:r>
-            <a:r>
-              <a:rPr lang="zh-CN" altLang="en-US" dirty="0"/>
-              <a:t>同时挂掉，</a:t>
-            </a:r>
-            <a:r>
-              <a:rPr lang="en-US" altLang="zh-CN" dirty="0" err="1"/>
-              <a:t>redis</a:t>
-            </a:r>
-            <a:r>
-              <a:rPr lang="zh-CN" altLang="en-US" dirty="0"/>
-              <a:t>集群肯定就不可用了。</a:t>
-            </a:r>
-          </a:p>
-          <a:p>
-            <a:endParaRPr lang="zh-CN" altLang="en-US" dirty="0"/>
-          </a:p>
-        </p:txBody>
-      </p:sp>
-    </p:spTree>
-  </p:cSld>
-  <p:clrMapOvr>
-    <a:masterClrMapping/>
-  </p:clrMapOvr>
-</p:sld>
-</file>
-
 <file path=ppt/slides/slide27.xml><?xml version="1.0" encoding="utf-8"?>
 <p:sld xmlns:a="http://schemas.openxmlformats.org/drawingml/2006/main" xmlns:r="http://schemas.openxmlformats.org/officeDocument/2006/relationships" xmlns:p="http://schemas.openxmlformats.org/presentationml/2006/main">
   <p:cSld>
@@ -7614,17 +7015,22 @@
           <a:lstStyle/>
           <a:p>
             <a:r>
+              <a:rPr lang="en-US" b="1" dirty="0" err="1"/>
+              <a:t>Redis</a:t>
+            </a:r>
+            <a:r>
               <a:rPr lang="zh-CN" altLang="en-US" b="1" dirty="0"/>
-              <a:t>线程 </a:t>
-            </a:r>
-            <a:r>
-              <a:rPr lang="en-US" altLang="zh-CN" b="1" dirty="0"/>
-              <a:t>IO </a:t>
+              <a:t>集群</a:t>
+            </a:r>
+            <a:r>
+              <a:rPr lang="en-US" b="1" dirty="0"/>
+              <a:t>TCP</a:t>
             </a:r>
             <a:r>
               <a:rPr lang="zh-CN" altLang="en-US" b="1" dirty="0"/>
-              <a:t>模型</a:t>
-            </a:r>
+              <a:t>端口</a:t>
+            </a:r>
+            <a:endParaRPr lang="zh-CN" altLang="en-US" dirty="0"/>
           </a:p>
         </p:txBody>
       </p:sp>
@@ -7641,161 +7047,145 @@
         <p:spPr/>
         <p:txBody>
           <a:bodyPr>
-            <a:normAutofit fontScale="92500" lnSpcReduction="10000"/>
+            <a:normAutofit fontScale="77500" lnSpcReduction="20000"/>
           </a:bodyPr>
           <a:lstStyle/>
           <a:p>
-            <a:r>
-              <a:rPr lang="en-US" altLang="zh-CN" b="1" dirty="0" err="1"/>
-              <a:t>Redis</a:t>
-            </a:r>
-            <a:r>
-              <a:rPr lang="en-US" altLang="zh-CN" b="1" dirty="0"/>
-              <a:t> </a:t>
-            </a:r>
-            <a:r>
-              <a:rPr lang="zh-CN" altLang="en-US" b="1" dirty="0"/>
-              <a:t>是个单线程程序</a:t>
-            </a:r>
-            <a:r>
-              <a:rPr lang="zh-CN" altLang="en-US" dirty="0" smtClean="0"/>
-              <a:t>！</a:t>
-            </a:r>
-            <a:endParaRPr lang="en-US" altLang="zh-CN" dirty="0" smtClean="0"/>
-          </a:p>
-          <a:p>
-            <a:pPr lvl="1"/>
-            <a:r>
-              <a:rPr lang="zh-CN" altLang="en-US" dirty="0"/>
-              <a:t>也许你会怀疑高并发的 </a:t>
-            </a:r>
             <a:r>
               <a:rPr lang="en-US" altLang="zh-CN" dirty="0" err="1"/>
               <a:t>Redis</a:t>
             </a:r>
             <a:r>
-              <a:rPr lang="en-US" altLang="zh-CN" dirty="0"/>
-              <a:t> </a:t>
-            </a:r>
-            <a:r>
-              <a:rPr lang="zh-CN" altLang="en-US" dirty="0"/>
-              <a:t>中间件怎么可能是单线程。很抱歉，它就是单线程</a:t>
-            </a:r>
-            <a:r>
-              <a:rPr lang="zh-CN" altLang="en-US" dirty="0" smtClean="0"/>
-              <a:t>，不要</a:t>
-            </a:r>
-            <a:r>
-              <a:rPr lang="zh-CN" altLang="en-US" dirty="0"/>
-              <a:t>瞧不起单线程，除了 </a:t>
+              <a:rPr lang="zh-CN" altLang="en-US" dirty="0"/>
+              <a:t>集群中每个节点都需侦听两个</a:t>
+            </a:r>
+            <a:r>
+              <a:rPr lang="en-US" altLang="zh-CN" dirty="0"/>
+              <a:t>TCP</a:t>
+            </a:r>
+            <a:r>
+              <a:rPr lang="zh-CN" altLang="en-US" dirty="0"/>
+              <a:t>端口，</a:t>
+            </a:r>
+            <a:r>
+              <a:rPr lang="en-US" altLang="zh-CN" dirty="0"/>
+              <a:t>6379</a:t>
+            </a:r>
+            <a:r>
+              <a:rPr lang="zh-CN" altLang="en-US" dirty="0"/>
+              <a:t>端口用于客户端通信，客户端通信端口加上</a:t>
+            </a:r>
+            <a:r>
+              <a:rPr lang="en-US" altLang="zh-CN" dirty="0"/>
+              <a:t>10000(</a:t>
+            </a:r>
+            <a:r>
+              <a:rPr lang="zh-CN" altLang="en-US" dirty="0"/>
+              <a:t>两个端口总是相差</a:t>
+            </a:r>
+            <a:r>
+              <a:rPr lang="en-US" altLang="zh-CN" dirty="0"/>
+              <a:t>10000)</a:t>
+            </a:r>
+            <a:r>
+              <a:rPr lang="zh-CN" altLang="en-US" dirty="0"/>
+              <a:t>，如</a:t>
+            </a:r>
+            <a:r>
+              <a:rPr lang="en-US" altLang="zh-CN" dirty="0"/>
+              <a:t>16379</a:t>
+            </a:r>
+            <a:r>
+              <a:rPr lang="zh-CN" altLang="en-US" dirty="0"/>
+              <a:t>专用于集群总线（</a:t>
+            </a:r>
+            <a:r>
+              <a:rPr lang="en-US" altLang="zh-CN" dirty="0"/>
+              <a:t>Cluster bus</a:t>
+            </a:r>
+            <a:r>
+              <a:rPr lang="zh-CN" altLang="en-US" dirty="0"/>
+              <a:t>），用于节点间二进制协议的节点间通信。各节点使用集群总线故障检测，配置更新，故障转移授权等。客户端不能使用集群总线端口。</a:t>
+            </a:r>
+          </a:p>
+          <a:p>
+            <a:r>
+              <a:rPr lang="zh-CN" altLang="en-US" dirty="0"/>
+              <a:t> 请注意，为了让</a:t>
             </a:r>
             <a:r>
               <a:rPr lang="en-US" altLang="zh-CN" dirty="0" err="1"/>
               <a:t>Redis</a:t>
             </a:r>
             <a:r>
-              <a:rPr lang="en-US" altLang="zh-CN" dirty="0"/>
-              <a:t> </a:t>
-            </a:r>
-            <a:r>
-              <a:rPr lang="zh-CN" altLang="en-US" dirty="0"/>
-              <a:t>之外，</a:t>
-            </a:r>
-            <a:r>
-              <a:rPr lang="en-US" altLang="zh-CN" dirty="0" err="1"/>
-              <a:t>Node.js</a:t>
-            </a:r>
-            <a:r>
-              <a:rPr lang="en-US" altLang="zh-CN" dirty="0"/>
-              <a:t> </a:t>
-            </a:r>
-            <a:r>
-              <a:rPr lang="zh-CN" altLang="en-US" dirty="0"/>
-              <a:t>也是单线程，</a:t>
-            </a:r>
-            <a:r>
-              <a:rPr lang="en-US" altLang="zh-CN" dirty="0"/>
-              <a:t>Nginx </a:t>
-            </a:r>
-            <a:r>
-              <a:rPr lang="zh-CN" altLang="en-US" dirty="0"/>
-              <a:t>也是单线程，但是它们都是服务器高性能的典范</a:t>
-            </a:r>
+              <a:rPr lang="zh-CN" altLang="en-US" dirty="0"/>
+              <a:t>群集正常工作，需要为每个节点配置</a:t>
+            </a:r>
+            <a:r>
+              <a:rPr lang="en-US" altLang="zh-CN" dirty="0"/>
+              <a:t>2</a:t>
+            </a:r>
+            <a:r>
+              <a:rPr lang="zh-CN" altLang="en-US" dirty="0"/>
+              <a:t>个端口（必须）：</a:t>
+            </a:r>
+          </a:p>
+          <a:p>
+            <a:pPr lvl="1"/>
             <a:r>
               <a:rPr lang="zh-CN" altLang="en-US" dirty="0" smtClean="0"/>
-              <a:t>。</a:t>
-            </a:r>
-            <a:endParaRPr lang="en-US" altLang="zh-CN" dirty="0" smtClean="0"/>
-          </a:p>
-          <a:p>
-            <a:r>
-              <a:rPr lang="en-US" altLang="zh-CN" b="1" dirty="0" err="1"/>
-              <a:t>Redis</a:t>
-            </a:r>
-            <a:r>
-              <a:rPr lang="en-US" altLang="zh-CN" b="1" dirty="0"/>
-              <a:t> </a:t>
-            </a:r>
-            <a:r>
-              <a:rPr lang="zh-CN" altLang="en-US" b="1" dirty="0"/>
-              <a:t>单线程为什么还能这么</a:t>
-            </a:r>
-            <a:r>
-              <a:rPr lang="zh-CN" altLang="en-US" b="1" dirty="0" smtClean="0"/>
-              <a:t>快</a:t>
-            </a:r>
-            <a:endParaRPr lang="en-US" altLang="zh-CN" b="1" dirty="0" smtClean="0"/>
+              <a:t>客户端</a:t>
+            </a:r>
+            <a:r>
+              <a:rPr lang="zh-CN" altLang="en-US" dirty="0"/>
+              <a:t>端口（默认</a:t>
+            </a:r>
+            <a:r>
+              <a:rPr lang="en-US" altLang="zh-CN" dirty="0"/>
+              <a:t>6379</a:t>
+            </a:r>
+            <a:r>
+              <a:rPr lang="zh-CN" altLang="en-US" dirty="0"/>
+              <a:t>）需要对所有客户端和集群节点开放，因为集群节点需要通过该端口进行密钥迁移（</a:t>
+            </a:r>
+            <a:r>
+              <a:rPr lang="en-US" altLang="zh-CN" dirty="0"/>
+              <a:t>keys migrations</a:t>
+            </a:r>
+            <a:r>
+              <a:rPr lang="zh-CN" altLang="en-US" dirty="0"/>
+              <a:t>）</a:t>
+            </a:r>
           </a:p>
           <a:p>
             <a:pPr lvl="1"/>
             <a:r>
-              <a:rPr lang="zh-CN" altLang="en-US" dirty="0"/>
-              <a:t>因为它所有的数据都在内存中，所有的运算都是内存级别的运算。正因为 </a:t>
-            </a:r>
-            <a:r>
-              <a:rPr lang="en-US" altLang="zh-CN" dirty="0" err="1"/>
-              <a:t>Redis</a:t>
-            </a:r>
-            <a:r>
-              <a:rPr lang="en-US" altLang="zh-CN" dirty="0"/>
-              <a:t> </a:t>
-            </a:r>
-            <a:r>
-              <a:rPr lang="zh-CN" altLang="en-US" dirty="0"/>
-              <a:t>是单线程，所以要小心使用 </a:t>
-            </a:r>
-            <a:r>
-              <a:rPr lang="en-US" altLang="zh-CN" dirty="0" err="1"/>
-              <a:t>Redis</a:t>
-            </a:r>
-            <a:r>
-              <a:rPr lang="en-US" altLang="zh-CN" dirty="0"/>
-              <a:t> </a:t>
-            </a:r>
-            <a:r>
-              <a:rPr lang="zh-CN" altLang="en-US" dirty="0"/>
-              <a:t>指令，对于那些时间复杂度为 </a:t>
-            </a:r>
-            <a:r>
-              <a:rPr lang="en-US" altLang="zh-CN" dirty="0"/>
-              <a:t>O(n) </a:t>
-            </a:r>
-            <a:r>
-              <a:rPr lang="zh-CN" altLang="en-US" dirty="0"/>
-              <a:t>级别的指令，一定要谨慎使用，一不小心就可能会导致 </a:t>
-            </a:r>
-            <a:r>
-              <a:rPr lang="en-US" altLang="zh-CN" dirty="0" err="1"/>
-              <a:t>Redis</a:t>
-            </a:r>
-            <a:r>
-              <a:rPr lang="en-US" altLang="zh-CN" dirty="0"/>
-              <a:t> </a:t>
-            </a:r>
-            <a:r>
-              <a:rPr lang="zh-CN" altLang="en-US" dirty="0"/>
-              <a:t>卡顿。</a:t>
-            </a:r>
+              <a:rPr lang="zh-CN" altLang="en-US" dirty="0" smtClean="0"/>
+              <a:t>集群</a:t>
+            </a:r>
+            <a:r>
+              <a:rPr lang="zh-CN" altLang="en-US" dirty="0"/>
+              <a:t>总线端口（客户端端口</a:t>
+            </a:r>
+            <a:r>
+              <a:rPr lang="en-US" altLang="zh-CN" dirty="0"/>
+              <a:t>+ 10000</a:t>
+            </a:r>
+            <a:r>
+              <a:rPr lang="zh-CN" altLang="en-US" dirty="0"/>
+              <a:t>）对集群所有节点开放即</a:t>
+            </a:r>
+            <a:r>
+              <a:rPr lang="zh-CN" altLang="en-US" dirty="0" smtClean="0"/>
+              <a:t>可</a:t>
+            </a:r>
+            <a:endParaRPr lang="zh-CN" altLang="en-US" dirty="0"/>
+          </a:p>
+          <a:p>
+            <a:endParaRPr lang="zh-CN" altLang="en-US" dirty="0"/>
+          </a:p>
+          <a:p>
+            <a:endParaRPr lang="zh-CN" altLang="en-US" dirty="0"/>
           </a:p>
         </p:txBody>
       </p:sp>
@@ -7826,7 +7216,7 @@
       </p:grpSpPr>
       <p:sp>
         <p:nvSpPr>
-          <p:cNvPr id="2" name="Title 1"/>
+          <p:cNvPr id="2" name="标题 1"/>
           <p:cNvSpPr>
             <a:spLocks noGrp="1"/>
           </p:cNvSpPr>
@@ -7836,37 +7226,35 @@
         </p:nvSpPr>
         <p:spPr/>
         <p:txBody>
+          <a:bodyPr/>
+          <a:lstStyle/>
+          <a:p>
+            <a:r>
+              <a:rPr lang="en-US" b="1" dirty="0" err="1"/>
+              <a:t>Redis</a:t>
+            </a:r>
+            <a:r>
+              <a:rPr lang="zh-CN" altLang="en-US" b="1" dirty="0"/>
+              <a:t>集群数据分片</a:t>
+            </a:r>
+            <a:endParaRPr lang="zh-CN" altLang="en-US" dirty="0"/>
+          </a:p>
+        </p:txBody>
+      </p:sp>
+      <p:sp>
+        <p:nvSpPr>
+          <p:cNvPr id="3" name="内容占位符 2"/>
+          <p:cNvSpPr>
+            <a:spLocks noGrp="1"/>
+          </p:cNvSpPr>
+          <p:nvPr>
+            <p:ph idx="1"/>
+          </p:nvPr>
+        </p:nvSpPr>
+        <p:spPr/>
+        <p:txBody>
           <a:bodyPr>
-            <a:normAutofit/>
-          </a:bodyPr>
-          <a:lstStyle/>
-          <a:p>
-            <a:r>
-              <a:rPr lang="zh-CN" altLang="en-US" b="1" dirty="0"/>
-              <a:t>持久</a:t>
-            </a:r>
-            <a:r>
-              <a:rPr lang="zh-CN" altLang="en-US" b="1" dirty="0" smtClean="0"/>
-              <a:t>化</a:t>
-            </a:r>
-            <a:endParaRPr lang="en-US" dirty="0"/>
-          </a:p>
-        </p:txBody>
-      </p:sp>
-      <p:sp>
-        <p:nvSpPr>
-          <p:cNvPr id="3" name="Content Placeholder 2"/>
-          <p:cNvSpPr>
-            <a:spLocks noGrp="1"/>
-          </p:cNvSpPr>
-          <p:nvPr>
-            <p:ph idx="1"/>
-          </p:nvPr>
-        </p:nvSpPr>
-        <p:spPr/>
-        <p:txBody>
-          <a:bodyPr>
-            <a:normAutofit fontScale="85000" lnSpcReduction="20000"/>
+            <a:normAutofit lnSpcReduction="10000"/>
           </a:bodyPr>
           <a:lstStyle/>
           <a:p>
@@ -7875,130 +7263,179 @@
               <a:t>Redis</a:t>
             </a:r>
             <a:r>
-              <a:rPr lang="en-US" altLang="zh-CN" dirty="0"/>
-              <a:t> </a:t>
-            </a:r>
-            <a:r>
-              <a:rPr lang="zh-CN" altLang="en-US" dirty="0"/>
-              <a:t>的数据全部在内存里，如果突然宕机，数据就会全部丢失，因此必须有一种机制来保证 </a:t>
+              <a:rPr lang="zh-CN" altLang="en-US" dirty="0"/>
+              <a:t>集群不使用一致性哈希，而是一种不同的分片形式，其中每个键在概念上都是我们称之为哈希槽的部分。</a:t>
+            </a:r>
+          </a:p>
+          <a:p>
+            <a:pPr lvl="1"/>
+            <a:r>
+              <a:rPr lang="en-US" altLang="zh-CN" dirty="0" err="1" smtClean="0"/>
+              <a:t>Redis</a:t>
+            </a:r>
+            <a:r>
+              <a:rPr lang="zh-CN" altLang="en-US" dirty="0"/>
+              <a:t>集群中有</a:t>
+            </a:r>
+            <a:r>
+              <a:rPr lang="en-US" altLang="zh-CN" dirty="0"/>
+              <a:t>16384</a:t>
+            </a:r>
+            <a:r>
+              <a:rPr lang="zh-CN" altLang="en-US" dirty="0"/>
+              <a:t>个哈希槽，每个</a:t>
+            </a:r>
+            <a:r>
+              <a:rPr lang="en-US" altLang="zh-CN" dirty="0"/>
+              <a:t>key</a:t>
+            </a:r>
+            <a:r>
+              <a:rPr lang="zh-CN" altLang="en-US" dirty="0"/>
+              <a:t>通过</a:t>
+            </a:r>
+            <a:r>
+              <a:rPr lang="en-US" altLang="zh-CN" dirty="0"/>
+              <a:t>CRC16</a:t>
+            </a:r>
+            <a:r>
+              <a:rPr lang="zh-CN" altLang="en-US" dirty="0"/>
+              <a:t>校验后对</a:t>
+            </a:r>
+            <a:r>
+              <a:rPr lang="en-US" altLang="zh-CN" dirty="0"/>
+              <a:t>16384</a:t>
+            </a:r>
+            <a:r>
+              <a:rPr lang="zh-CN" altLang="en-US" dirty="0"/>
+              <a:t>取模来决定放置哪个槽。</a:t>
+            </a:r>
+          </a:p>
+          <a:p>
+            <a:pPr lvl="1"/>
+            <a:r>
+              <a:rPr lang="zh-CN" altLang="en-US" dirty="0" smtClean="0"/>
+              <a:t>集群</a:t>
+            </a:r>
+            <a:r>
+              <a:rPr lang="zh-CN" altLang="en-US" dirty="0"/>
+              <a:t>中每个节点负责哈希槽的的一个子集，如一个有</a:t>
+            </a:r>
+            <a:r>
+              <a:rPr lang="en-US" altLang="zh-CN" dirty="0"/>
+              <a:t>3</a:t>
+            </a:r>
+            <a:r>
+              <a:rPr lang="zh-CN" altLang="en-US" dirty="0"/>
+              <a:t>点歌节点的</a:t>
             </a:r>
             <a:r>
               <a:rPr lang="en-US" altLang="zh-CN" dirty="0" err="1"/>
               <a:t>Redis</a:t>
             </a:r>
             <a:r>
-              <a:rPr lang="en-US" altLang="zh-CN" dirty="0"/>
-              <a:t> </a:t>
-            </a:r>
-            <a:r>
-              <a:rPr lang="zh-CN" altLang="en-US" dirty="0"/>
-              <a:t>的数据不会因为故障而丢失，这种机制就是 </a:t>
-            </a:r>
-            <a:r>
-              <a:rPr lang="en-US" altLang="zh-CN" dirty="0" err="1"/>
-              <a:t>Redis</a:t>
-            </a:r>
-            <a:r>
-              <a:rPr lang="en-US" altLang="zh-CN" dirty="0"/>
-              <a:t> </a:t>
-            </a:r>
-            <a:r>
-              <a:rPr lang="zh-CN" altLang="en-US" dirty="0"/>
-              <a:t>的持久化</a:t>
-            </a:r>
+              <a:rPr lang="zh-CN" altLang="en-US" dirty="0"/>
+              <a:t>集群：</a:t>
+            </a:r>
+          </a:p>
+          <a:p>
+            <a:pPr lvl="2"/>
             <a:r>
               <a:rPr lang="zh-CN" altLang="en-US" dirty="0" smtClean="0"/>
-              <a:t>机制</a:t>
-            </a:r>
-            <a:r>
-              <a:rPr lang="zh-CN" altLang="en-US" dirty="0"/>
-              <a:t>。</a:t>
-            </a:r>
-            <a:endParaRPr lang="en-US" altLang="zh-CN" dirty="0"/>
-          </a:p>
-          <a:p>
-            <a:r>
-              <a:rPr lang="en-US" altLang="zh-CN" dirty="0" err="1" smtClean="0"/>
-              <a:t>Redis</a:t>
-            </a:r>
-            <a:r>
-              <a:rPr lang="en-US" altLang="zh-CN" dirty="0" smtClean="0"/>
-              <a:t> </a:t>
-            </a:r>
-            <a:r>
-              <a:rPr lang="zh-CN" altLang="en-US" dirty="0"/>
-              <a:t>的持久化机制有两种，第一种是快照，第二种是 </a:t>
-            </a:r>
-            <a:r>
-              <a:rPr lang="en-US" altLang="zh-CN" dirty="0"/>
-              <a:t>AOF </a:t>
-            </a:r>
-            <a:r>
-              <a:rPr lang="zh-CN" altLang="en-US" dirty="0"/>
-              <a:t>日志。快照是一次全量备份，</a:t>
-            </a:r>
-            <a:r>
-              <a:rPr lang="en-US" altLang="zh-CN" dirty="0"/>
-              <a:t>AOF </a:t>
-            </a:r>
-            <a:r>
-              <a:rPr lang="zh-CN" altLang="en-US" dirty="0"/>
-              <a:t>日志是连续的增量备份。快照是内存数据的二进制序列化形式，在存储上非常紧凑，而 </a:t>
-            </a:r>
-            <a:r>
-              <a:rPr lang="en-US" altLang="zh-CN" dirty="0"/>
-              <a:t>AOF </a:t>
-            </a:r>
-            <a:r>
-              <a:rPr lang="zh-CN" altLang="en-US" dirty="0"/>
-              <a:t>日志记录的是内存数据修改的指令记录文本。</a:t>
-            </a:r>
-            <a:r>
-              <a:rPr lang="en-US" altLang="zh-CN" dirty="0"/>
-              <a:t>AOF </a:t>
-            </a:r>
-            <a:r>
-              <a:rPr lang="zh-CN" altLang="en-US" dirty="0"/>
-              <a:t>日志在长期的运行过程中会变的无比庞大，数据库重启时需要加载 </a:t>
-            </a:r>
-            <a:r>
-              <a:rPr lang="en-US" altLang="zh-CN" dirty="0"/>
-              <a:t>AOF </a:t>
-            </a:r>
-            <a:r>
-              <a:rPr lang="zh-CN" altLang="en-US" dirty="0"/>
-              <a:t>日志进行指令重放，这个时间就会无比漫长。所以需要定期进行 </a:t>
-            </a:r>
-            <a:r>
-              <a:rPr lang="en-US" altLang="zh-CN" dirty="0"/>
-              <a:t>AOF </a:t>
-            </a:r>
-            <a:r>
-              <a:rPr lang="zh-CN" altLang="en-US" dirty="0"/>
-              <a:t>重写，给 </a:t>
-            </a:r>
-            <a:r>
-              <a:rPr lang="en-US" altLang="zh-CN" dirty="0"/>
-              <a:t>AOF </a:t>
-            </a:r>
-            <a:r>
-              <a:rPr lang="zh-CN" altLang="en-US" dirty="0"/>
-              <a:t>日志进行瘦身</a:t>
-            </a:r>
+              <a:t>节点</a:t>
+            </a:r>
+            <a:r>
+              <a:rPr lang="en-US" altLang="zh-CN" dirty="0"/>
+              <a:t>A</a:t>
+            </a:r>
+            <a:r>
+              <a:rPr lang="zh-CN" altLang="en-US" dirty="0"/>
+              <a:t>包含从</a:t>
+            </a:r>
+            <a:r>
+              <a:rPr lang="en-US" altLang="zh-CN" dirty="0"/>
+              <a:t>0</a:t>
+            </a:r>
+            <a:r>
+              <a:rPr lang="zh-CN" altLang="en-US" dirty="0"/>
+              <a:t>到</a:t>
+            </a:r>
+            <a:r>
+              <a:rPr lang="en-US" altLang="zh-CN" dirty="0"/>
+              <a:t>5500</a:t>
+            </a:r>
+            <a:r>
+              <a:rPr lang="zh-CN" altLang="en-US" dirty="0"/>
+              <a:t>的哈希槽</a:t>
+            </a:r>
+          </a:p>
+          <a:p>
+            <a:pPr lvl="2"/>
             <a:r>
               <a:rPr lang="zh-CN" altLang="en-US" dirty="0" smtClean="0"/>
-              <a:t>。</a:t>
-            </a:r>
+              <a:t>节点</a:t>
+            </a:r>
+            <a:r>
+              <a:rPr lang="en-US" altLang="zh-CN" dirty="0"/>
+              <a:t>B</a:t>
+            </a:r>
+            <a:r>
+              <a:rPr lang="zh-CN" altLang="en-US" dirty="0"/>
+              <a:t>包含从</a:t>
+            </a:r>
+            <a:r>
+              <a:rPr lang="en-US" altLang="zh-CN" dirty="0"/>
+              <a:t>5501</a:t>
+            </a:r>
+            <a:r>
+              <a:rPr lang="zh-CN" altLang="en-US" dirty="0"/>
+              <a:t>到</a:t>
+            </a:r>
+            <a:r>
+              <a:rPr lang="en-US" altLang="zh-CN" dirty="0"/>
+              <a:t>11000</a:t>
+            </a:r>
+            <a:r>
+              <a:rPr lang="zh-CN" altLang="en-US" dirty="0"/>
+              <a:t>的哈希槽</a:t>
+            </a:r>
+          </a:p>
+          <a:p>
+            <a:pPr lvl="2"/>
+            <a:r>
+              <a:rPr lang="zh-CN" altLang="en-US" dirty="0" smtClean="0"/>
+              <a:t>节点</a:t>
+            </a:r>
+            <a:r>
+              <a:rPr lang="en-US" altLang="zh-CN" dirty="0"/>
+              <a:t>C</a:t>
+            </a:r>
+            <a:r>
+              <a:rPr lang="zh-CN" altLang="en-US" dirty="0"/>
+              <a:t>包含从</a:t>
+            </a:r>
+            <a:r>
+              <a:rPr lang="en-US" altLang="zh-CN" dirty="0"/>
+              <a:t>11001</a:t>
+            </a:r>
+            <a:r>
+              <a:rPr lang="zh-CN" altLang="en-US" dirty="0"/>
+              <a:t>到</a:t>
+            </a:r>
+            <a:r>
+              <a:rPr lang="en-US" altLang="zh-CN" dirty="0"/>
+              <a:t>16383</a:t>
+            </a:r>
+            <a:r>
+              <a:rPr lang="zh-CN" altLang="en-US" dirty="0"/>
+              <a:t>的哈希槽</a:t>
+            </a:r>
+          </a:p>
+          <a:p>
             <a:endParaRPr lang="zh-CN" altLang="en-US" dirty="0"/>
           </a:p>
         </p:txBody>
       </p:sp>
     </p:spTree>
-    <p:extLst>
-      <p:ext uri="{BB962C8B-B14F-4D97-AF65-F5344CB8AC3E}">
-        <p14:creationId xmlns:p14="http://schemas.microsoft.com/office/powerpoint/2010/main" val="1963989356"/>
-      </p:ext>
-    </p:extLst>
   </p:cSld>
   <p:clrMapOvr>
     <a:masterClrMapping/>
@@ -8025,7 +7462,7 @@
       </p:grpSpPr>
       <p:sp>
         <p:nvSpPr>
-          <p:cNvPr id="2" name="Title 1"/>
+          <p:cNvPr id="2" name="标题 1"/>
           <p:cNvSpPr>
             <a:spLocks noGrp="1"/>
           </p:cNvSpPr>
@@ -8038,13 +7475,21 @@
           <a:bodyPr/>
           <a:lstStyle/>
           <a:p>
-            <a:endParaRPr lang="en-US"/>
-          </a:p>
-        </p:txBody>
-      </p:sp>
-      <p:sp>
-        <p:nvSpPr>
-          <p:cNvPr id="3" name="Content Placeholder 2"/>
+            <a:r>
+              <a:rPr lang="en-US" b="1" dirty="0" err="1"/>
+              <a:t>Redis</a:t>
+            </a:r>
+            <a:r>
+              <a:rPr lang="zh-CN" altLang="en-US" b="1" dirty="0"/>
+              <a:t>集群主从模式</a:t>
+            </a:r>
+            <a:endParaRPr lang="zh-CN" altLang="en-US" dirty="0"/>
+          </a:p>
+        </p:txBody>
+      </p:sp>
+      <p:sp>
+        <p:nvSpPr>
+          <p:cNvPr id="3" name="内容占位符 2"/>
           <p:cNvSpPr>
             <a:spLocks noGrp="1"/>
           </p:cNvSpPr>
@@ -8054,60 +7499,256 @@
         </p:nvSpPr>
         <p:spPr/>
         <p:txBody>
-          <a:bodyPr/>
-          <a:lstStyle/>
-          <a:p>
-            <a:endParaRPr lang="en-US"/>
-          </a:p>
-        </p:txBody>
-      </p:sp>
-      <p:pic>
-        <p:nvPicPr>
-          <p:cNvPr id="1026" name="Picture 2" descr="https://user-gold-cdn.xitu.io/2018/7/10/164820eb27b6a97e?imageslim"/>
-          <p:cNvPicPr>
-            <a:picLocks noChangeAspect="1" noChangeArrowheads="1"/>
-          </p:cNvPicPr>
-          <p:nvPr/>
-        </p:nvPicPr>
-        <p:blipFill>
-          <a:blip r:embed="rId2">
-            <a:extLst>
-              <a:ext uri="{28A0092B-C50C-407E-A947-70E740481C1C}">
-                <a14:useLocalDpi xmlns:a14="http://schemas.microsoft.com/office/drawing/2010/main" val="0"/>
-              </a:ext>
-            </a:extLst>
-          </a:blip>
-          <a:srcRect/>
-          <a:stretch>
-            <a:fillRect/>
-          </a:stretch>
-        </p:blipFill>
-        <p:spPr bwMode="auto">
-          <a:xfrm>
-            <a:off x="177299" y="2156693"/>
-            <a:ext cx="8789402" cy="3412976"/>
-          </a:xfrm>
-          <a:prstGeom prst="rect">
-            <a:avLst/>
-          </a:prstGeom>
-          <a:noFill/>
-          <a:extLst>
-            <a:ext uri="{909E8E84-426E-40DD-AFC4-6F175D3DCCD1}">
-              <a14:hiddenFill xmlns:a14="http://schemas.microsoft.com/office/drawing/2010/main">
-                <a:solidFill>
-                  <a:srgbClr val="FFFFFF"/>
-                </a:solidFill>
-              </a14:hiddenFill>
-            </a:ext>
-          </a:extLst>
-        </p:spPr>
-      </p:pic>
+          <a:bodyPr>
+            <a:normAutofit fontScale="92500" lnSpcReduction="20000"/>
+          </a:bodyPr>
+          <a:lstStyle/>
+          <a:p>
+            <a:r>
+              <a:rPr lang="zh-CN" altLang="en-US" dirty="0"/>
+              <a:t>为了保证在部分主</a:t>
+            </a:r>
+            <a:r>
+              <a:rPr lang="en-US" altLang="zh-CN" dirty="0"/>
+              <a:t>master</a:t>
+            </a:r>
+            <a:r>
+              <a:rPr lang="zh-CN" altLang="en-US" dirty="0"/>
+              <a:t>节点挂掉或不能与大多数节点通信时保持可用性，</a:t>
+            </a:r>
+            <a:r>
+              <a:rPr lang="en-US" altLang="zh-CN" dirty="0" err="1"/>
+              <a:t>Redis</a:t>
+            </a:r>
+            <a:r>
+              <a:rPr lang="zh-CN" altLang="en-US" dirty="0"/>
+              <a:t>集群使用主从模式，保证每个哈希槽都有</a:t>
+            </a:r>
+            <a:r>
+              <a:rPr lang="en-US" altLang="zh-CN" dirty="0"/>
+              <a:t>1</a:t>
+            </a:r>
+            <a:r>
+              <a:rPr lang="zh-CN" altLang="en-US" dirty="0"/>
+              <a:t>个到</a:t>
+            </a:r>
+            <a:r>
+              <a:rPr lang="en-US" altLang="zh-CN" dirty="0"/>
+              <a:t>N</a:t>
+            </a:r>
+            <a:r>
+              <a:rPr lang="zh-CN" altLang="en-US" dirty="0"/>
+              <a:t>个副本。</a:t>
+            </a:r>
+          </a:p>
+          <a:p>
+            <a:r>
+              <a:rPr lang="zh-CN" altLang="en-US" dirty="0" smtClean="0"/>
+              <a:t>上述</a:t>
+            </a:r>
+            <a:r>
+              <a:rPr lang="zh-CN" altLang="en-US" dirty="0"/>
+              <a:t>例子我们有节点</a:t>
+            </a:r>
+            <a:r>
+              <a:rPr lang="en-US" altLang="zh-CN" dirty="0"/>
+              <a:t>A</a:t>
+            </a:r>
+            <a:r>
+              <a:rPr lang="zh-CN" altLang="en-US" dirty="0"/>
+              <a:t>，</a:t>
+            </a:r>
+            <a:r>
+              <a:rPr lang="en-US" altLang="zh-CN" dirty="0"/>
+              <a:t>B</a:t>
+            </a:r>
+            <a:r>
+              <a:rPr lang="zh-CN" altLang="en-US" dirty="0"/>
+              <a:t>，</a:t>
+            </a:r>
+            <a:r>
+              <a:rPr lang="en-US" altLang="zh-CN" dirty="0"/>
+              <a:t>C</a:t>
+            </a:r>
+            <a:r>
+              <a:rPr lang="zh-CN" altLang="en-US" dirty="0"/>
+              <a:t>三个，若节点</a:t>
+            </a:r>
+            <a:r>
+              <a:rPr lang="en-US" altLang="zh-CN" dirty="0"/>
+              <a:t>B</a:t>
+            </a:r>
+            <a:r>
+              <a:rPr lang="zh-CN" altLang="en-US" dirty="0"/>
+              <a:t>故障，集群则不再可用，且会丢失从</a:t>
+            </a:r>
+            <a:r>
+              <a:rPr lang="en-US" altLang="zh-CN" dirty="0"/>
+              <a:t>5501</a:t>
+            </a:r>
+            <a:r>
+              <a:rPr lang="zh-CN" altLang="en-US" dirty="0"/>
+              <a:t>到</a:t>
+            </a:r>
+            <a:r>
+              <a:rPr lang="en-US" altLang="zh-CN" dirty="0"/>
+              <a:t>11000</a:t>
+            </a:r>
+            <a:r>
+              <a:rPr lang="zh-CN" altLang="en-US" dirty="0"/>
+              <a:t>哈希槽。然而若每个</a:t>
+            </a:r>
+            <a:r>
+              <a:rPr lang="en-US" altLang="zh-CN" dirty="0"/>
+              <a:t>master</a:t>
+            </a:r>
+            <a:r>
+              <a:rPr lang="zh-CN" altLang="en-US" dirty="0"/>
+              <a:t>都有一个</a:t>
+            </a:r>
+            <a:r>
+              <a:rPr lang="en-US" altLang="zh-CN" dirty="0"/>
+              <a:t>slave</a:t>
+            </a:r>
+            <a:r>
+              <a:rPr lang="zh-CN" altLang="en-US" dirty="0"/>
+              <a:t>，也就是说</a:t>
+            </a:r>
+            <a:r>
+              <a:rPr lang="en-US" altLang="zh-CN" dirty="0"/>
+              <a:t>A</a:t>
+            </a:r>
+            <a:r>
+              <a:rPr lang="zh-CN" altLang="en-US" dirty="0"/>
+              <a:t>，</a:t>
+            </a:r>
+            <a:r>
+              <a:rPr lang="en-US" altLang="zh-CN" dirty="0"/>
+              <a:t>B</a:t>
+            </a:r>
+            <a:r>
+              <a:rPr lang="zh-CN" altLang="en-US" dirty="0"/>
+              <a:t>，</a:t>
+            </a:r>
+            <a:r>
+              <a:rPr lang="en-US" altLang="zh-CN" dirty="0"/>
+              <a:t>C</a:t>
+            </a:r>
+            <a:r>
+              <a:rPr lang="zh-CN" altLang="en-US" dirty="0"/>
+              <a:t>三个</a:t>
+            </a:r>
+            <a:r>
+              <a:rPr lang="en-US" altLang="zh-CN" dirty="0"/>
+              <a:t>master</a:t>
+            </a:r>
+            <a:r>
+              <a:rPr lang="zh-CN" altLang="en-US" dirty="0"/>
+              <a:t>节点就会分别有</a:t>
+            </a:r>
+            <a:r>
+              <a:rPr lang="en-US" altLang="zh-CN" dirty="0"/>
+              <a:t>A1</a:t>
+            </a:r>
+            <a:r>
+              <a:rPr lang="zh-CN" altLang="en-US" dirty="0"/>
+              <a:t>，</a:t>
+            </a:r>
+            <a:r>
+              <a:rPr lang="en-US" altLang="zh-CN" dirty="0"/>
+              <a:t>B1</a:t>
+            </a:r>
+            <a:r>
+              <a:rPr lang="zh-CN" altLang="en-US" dirty="0"/>
+              <a:t>，</a:t>
+            </a:r>
+            <a:r>
+              <a:rPr lang="en-US" altLang="zh-CN" dirty="0"/>
+              <a:t>C1</a:t>
+            </a:r>
+            <a:r>
+              <a:rPr lang="zh-CN" altLang="en-US" dirty="0"/>
+              <a:t>三个</a:t>
+            </a:r>
+            <a:r>
+              <a:rPr lang="en-US" altLang="zh-CN" dirty="0"/>
+              <a:t>slave</a:t>
+            </a:r>
+            <a:r>
+              <a:rPr lang="zh-CN" altLang="en-US" dirty="0"/>
+              <a:t>节点，即使</a:t>
+            </a:r>
+            <a:r>
+              <a:rPr lang="en-US" altLang="zh-CN" dirty="0"/>
+              <a:t>B</a:t>
+            </a:r>
+            <a:r>
+              <a:rPr lang="zh-CN" altLang="en-US" dirty="0"/>
+              <a:t>节点挂掉，集群也不会受影响，</a:t>
+            </a:r>
+            <a:r>
+              <a:rPr lang="en-US" altLang="zh-CN" dirty="0"/>
+              <a:t>B1</a:t>
+            </a:r>
+            <a:r>
+              <a:rPr lang="zh-CN" altLang="en-US" dirty="0"/>
+              <a:t>复制了</a:t>
+            </a:r>
+            <a:r>
+              <a:rPr lang="en-US" altLang="zh-CN" dirty="0"/>
+              <a:t>B</a:t>
+            </a:r>
+            <a:r>
+              <a:rPr lang="zh-CN" altLang="en-US" dirty="0"/>
+              <a:t>的数据，此时集群将提升</a:t>
+            </a:r>
+            <a:r>
+              <a:rPr lang="en-US" altLang="zh-CN" dirty="0"/>
+              <a:t>B1</a:t>
+            </a:r>
+            <a:r>
+              <a:rPr lang="zh-CN" altLang="en-US" dirty="0"/>
+              <a:t>作为新</a:t>
+            </a:r>
+            <a:r>
+              <a:rPr lang="en-US" altLang="zh-CN" dirty="0"/>
+              <a:t>master</a:t>
+            </a:r>
+            <a:r>
+              <a:rPr lang="zh-CN" altLang="en-US" dirty="0"/>
+              <a:t>继续正常工作。但</a:t>
+            </a:r>
+            <a:r>
+              <a:rPr lang="en-US" altLang="zh-CN" dirty="0"/>
+              <a:t>B</a:t>
+            </a:r>
+            <a:r>
+              <a:rPr lang="zh-CN" altLang="en-US" dirty="0"/>
+              <a:t>和</a:t>
+            </a:r>
+            <a:r>
+              <a:rPr lang="en-US" altLang="zh-CN" dirty="0"/>
+              <a:t>B1</a:t>
+            </a:r>
+            <a:r>
+              <a:rPr lang="zh-CN" altLang="en-US" dirty="0"/>
+              <a:t>同时挂掉，</a:t>
+            </a:r>
+            <a:r>
+              <a:rPr lang="en-US" altLang="zh-CN" dirty="0" err="1"/>
+              <a:t>redis</a:t>
+            </a:r>
+            <a:r>
+              <a:rPr lang="zh-CN" altLang="en-US" dirty="0"/>
+              <a:t>集群肯定就不可用了。</a:t>
+            </a:r>
+          </a:p>
+          <a:p>
+            <a:endParaRPr lang="zh-CN" altLang="en-US" dirty="0"/>
+          </a:p>
+        </p:txBody>
+      </p:sp>
     </p:spTree>
-    <p:extLst>
-      <p:ext uri="{BB962C8B-B14F-4D97-AF65-F5344CB8AC3E}">
-        <p14:creationId xmlns:p14="http://schemas.microsoft.com/office/powerpoint/2010/main" val="1845316191"/>
-      </p:ext>
-    </p:extLst>
   </p:cSld>
   <p:clrMapOvr>
     <a:masterClrMapping/>
@@ -8274,7 +7915,7 @@
       </p:grpSpPr>
       <p:sp>
         <p:nvSpPr>
-          <p:cNvPr id="2" name="Title 1"/>
+          <p:cNvPr id="2" name="标题 1"/>
           <p:cNvSpPr>
             <a:spLocks noGrp="1"/>
           </p:cNvSpPr>
@@ -8284,43 +7925,64 @@
         </p:nvSpPr>
         <p:spPr/>
         <p:txBody>
+          <a:bodyPr/>
+          <a:lstStyle/>
+          <a:p>
+            <a:r>
+              <a:rPr lang="zh-CN" altLang="en-US" b="1" dirty="0"/>
+              <a:t>线程 </a:t>
+            </a:r>
+            <a:r>
+              <a:rPr lang="en-US" altLang="zh-CN" b="1" dirty="0"/>
+              <a:t>IO </a:t>
+            </a:r>
+            <a:r>
+              <a:rPr lang="zh-CN" altLang="en-US" b="1" dirty="0"/>
+              <a:t>模型</a:t>
+            </a:r>
+          </a:p>
+        </p:txBody>
+      </p:sp>
+      <p:sp>
+        <p:nvSpPr>
+          <p:cNvPr id="3" name="内容占位符 2"/>
+          <p:cNvSpPr>
+            <a:spLocks noGrp="1"/>
+          </p:cNvSpPr>
+          <p:nvPr>
+            <p:ph idx="1"/>
+          </p:nvPr>
+        </p:nvSpPr>
+        <p:spPr/>
+        <p:txBody>
           <a:bodyPr>
-            <a:normAutofit/>
+            <a:normAutofit fontScale="92500" lnSpcReduction="10000"/>
           </a:bodyPr>
           <a:lstStyle/>
           <a:p>
             <a:r>
-              <a:rPr lang="ja-JP" altLang="en-US" b="1" dirty="0"/>
-              <a:t>快照</a:t>
-            </a:r>
-            <a:r>
-              <a:rPr lang="ja-JP" altLang="en-US" b="1" dirty="0" smtClean="0"/>
-              <a:t>原理</a:t>
-            </a:r>
-            <a:endParaRPr lang="en-US" dirty="0"/>
-          </a:p>
-        </p:txBody>
-      </p:sp>
-      <p:sp>
-        <p:nvSpPr>
-          <p:cNvPr id="3" name="Content Placeholder 2"/>
-          <p:cNvSpPr>
-            <a:spLocks noGrp="1"/>
-          </p:cNvSpPr>
-          <p:nvPr>
-            <p:ph idx="1"/>
-          </p:nvPr>
-        </p:nvSpPr>
-        <p:spPr/>
-        <p:txBody>
-          <a:bodyPr>
-            <a:normAutofit fontScale="70000" lnSpcReduction="20000"/>
-          </a:bodyPr>
-          <a:lstStyle/>
-          <a:p>
-            <a:r>
-              <a:rPr lang="zh-CN" altLang="en-US" dirty="0"/>
-              <a:t>我们知道 </a:t>
+              <a:rPr lang="en-US" altLang="zh-CN" b="1" dirty="0" err="1"/>
+              <a:t>Redis</a:t>
+            </a:r>
+            <a:r>
+              <a:rPr lang="en-US" altLang="zh-CN" b="1" dirty="0"/>
+              <a:t> </a:t>
+            </a:r>
+            <a:r>
+              <a:rPr lang="zh-CN" altLang="en-US" b="1" dirty="0"/>
+              <a:t>是个单线程程序</a:t>
+            </a:r>
+            <a:r>
+              <a:rPr lang="zh-CN" altLang="en-US" dirty="0" smtClean="0"/>
+              <a:t>！</a:t>
+            </a:r>
+            <a:endParaRPr lang="en-US" altLang="zh-CN" dirty="0" smtClean="0"/>
+          </a:p>
+          <a:p>
+            <a:pPr lvl="1"/>
+            <a:r>
+              <a:rPr lang="zh-CN" altLang="en-US" dirty="0"/>
+              <a:t>也许你会怀疑高并发的 </a:t>
             </a:r>
             <a:r>
               <a:rPr lang="en-US" altLang="zh-CN" dirty="0" err="1"/>
@@ -8332,13 +7994,15 @@
             </a:r>
             <a:r>
               <a:rPr lang="zh-CN" altLang="en-US" dirty="0"/>
-              <a:t>是单线程程序，这个线程要同时负责多个客户端套接字的并发读写操作和内存数据结构的逻辑读写。</a:t>
-            </a:r>
-          </a:p>
-          <a:p>
-            <a:r>
-              <a:rPr lang="zh-CN" altLang="en-US" dirty="0"/>
-              <a:t>在服务线上请求的同时，</a:t>
+              <a:t>中间件怎么可能是单线程。很抱歉，它就是单线程</a:t>
+            </a:r>
+            <a:r>
+              <a:rPr lang="zh-CN" altLang="en-US" dirty="0" smtClean="0"/>
+              <a:t>，不要</a:t>
+            </a:r>
+            <a:r>
+              <a:rPr lang="zh-CN" altLang="en-US" dirty="0"/>
+              <a:t>瞧不起单线程，除了 </a:t>
             </a:r>
             <a:r>
               <a:rPr lang="en-US" altLang="zh-CN" dirty="0" err="1"/>
@@ -8350,7 +8014,58 @@
             </a:r>
             <a:r>
               <a:rPr lang="zh-CN" altLang="en-US" dirty="0"/>
-              <a:t>还需要进行内存快照，内存快照要求 </a:t>
+              <a:t>之外，</a:t>
+            </a:r>
+            <a:r>
+              <a:rPr lang="en-US" altLang="zh-CN" dirty="0" err="1"/>
+              <a:t>Node.js</a:t>
+            </a:r>
+            <a:r>
+              <a:rPr lang="en-US" altLang="zh-CN" dirty="0"/>
+              <a:t> </a:t>
+            </a:r>
+            <a:r>
+              <a:rPr lang="zh-CN" altLang="en-US" dirty="0"/>
+              <a:t>也是单线程，</a:t>
+            </a:r>
+            <a:r>
+              <a:rPr lang="en-US" altLang="zh-CN" dirty="0"/>
+              <a:t>Nginx </a:t>
+            </a:r>
+            <a:r>
+              <a:rPr lang="zh-CN" altLang="en-US" dirty="0"/>
+              <a:t>也是单线程，但是它们都是服务器高性能的典范</a:t>
+            </a:r>
+            <a:r>
+              <a:rPr lang="zh-CN" altLang="en-US" dirty="0" smtClean="0"/>
+              <a:t>。</a:t>
+            </a:r>
+            <a:endParaRPr lang="en-US" altLang="zh-CN" dirty="0" smtClean="0"/>
+          </a:p>
+          <a:p>
+            <a:r>
+              <a:rPr lang="en-US" altLang="zh-CN" b="1" dirty="0" err="1"/>
+              <a:t>Redis</a:t>
+            </a:r>
+            <a:r>
+              <a:rPr lang="en-US" altLang="zh-CN" b="1" dirty="0"/>
+              <a:t> </a:t>
+            </a:r>
+            <a:r>
+              <a:rPr lang="zh-CN" altLang="en-US" b="1" dirty="0"/>
+              <a:t>单线程为什么还能这么</a:t>
+            </a:r>
+            <a:r>
+              <a:rPr lang="zh-CN" altLang="en-US" b="1" dirty="0" smtClean="0"/>
+              <a:t>快</a:t>
+            </a:r>
+            <a:endParaRPr lang="en-US" altLang="zh-CN" b="1" dirty="0" smtClean="0"/>
+          </a:p>
+          <a:p>
+            <a:pPr lvl="1"/>
+            <a:r>
+              <a:rPr lang="zh-CN" altLang="en-US" dirty="0"/>
+              <a:t>因为它所有的数据都在内存中，所有的运算都是内存级别的运算。正因为 </a:t>
             </a:r>
             <a:r>
               <a:rPr lang="en-US" altLang="zh-CN" dirty="0" err="1"/>
@@ -8362,85 +8077,8 @@
             </a:r>
             <a:r>
               <a:rPr lang="zh-CN" altLang="en-US" dirty="0"/>
-              <a:t>必须进行文件 </a:t>
-            </a:r>
-            <a:r>
-              <a:rPr lang="en-US" altLang="zh-CN" dirty="0"/>
-              <a:t>IO </a:t>
-            </a:r>
-            <a:r>
-              <a:rPr lang="zh-CN" altLang="en-US" dirty="0"/>
-              <a:t>操作，可文件 </a:t>
-            </a:r>
-            <a:r>
-              <a:rPr lang="en-US" altLang="zh-CN" dirty="0"/>
-              <a:t>IO </a:t>
-            </a:r>
-            <a:r>
-              <a:rPr lang="zh-CN" altLang="en-US" dirty="0"/>
-              <a:t>操作是不能使用多路复用 </a:t>
-            </a:r>
-            <a:r>
-              <a:rPr lang="en-US" altLang="zh-CN" dirty="0"/>
-              <a:t>API</a:t>
-            </a:r>
-            <a:r>
-              <a:rPr lang="zh-CN" altLang="en-US" dirty="0"/>
-              <a:t>。</a:t>
-            </a:r>
-          </a:p>
-          <a:p>
-            <a:r>
-              <a:rPr lang="zh-CN" altLang="en-US" dirty="0"/>
-              <a:t>这意味着单线程同时在服务线上的请求还要进行文件 </a:t>
-            </a:r>
-            <a:r>
-              <a:rPr lang="en-US" altLang="zh-CN" dirty="0"/>
-              <a:t>IO </a:t>
-            </a:r>
-            <a:r>
-              <a:rPr lang="zh-CN" altLang="en-US" dirty="0"/>
-              <a:t>操作，文件 </a:t>
-            </a:r>
-            <a:r>
-              <a:rPr lang="en-US" altLang="zh-CN" dirty="0"/>
-              <a:t>IO </a:t>
-            </a:r>
-            <a:r>
-              <a:rPr lang="zh-CN" altLang="en-US" dirty="0"/>
-              <a:t>操作会严重拖垮服务器请求的性能。还有个</a:t>
-            </a:r>
-            <a:r>
-              <a:rPr lang="zh-CN" altLang="en-US" b="1" dirty="0"/>
-              <a:t>重要的问题是为了不阻塞线上的业务，就需要边持久化边响应客户端请求</a:t>
-            </a:r>
-            <a:r>
-              <a:rPr lang="zh-CN" altLang="en-US" dirty="0"/>
-              <a:t>。持久化的同时，内存数据结构还在改变，比如一个大型的 </a:t>
-            </a:r>
-            <a:r>
-              <a:rPr lang="en-US" altLang="zh-CN" dirty="0"/>
-              <a:t>hash </a:t>
-            </a:r>
-            <a:r>
-              <a:rPr lang="zh-CN" altLang="en-US" dirty="0"/>
-              <a:t>字典正在持久化，结果一个请求过来把它给删掉了，还没持久化完呢，</a:t>
-            </a:r>
-            <a:r>
-              <a:rPr lang="zh-CN" altLang="en-US" dirty="0" smtClean="0"/>
-              <a:t>这要怎么解决？</a:t>
-            </a:r>
-            <a:endParaRPr lang="zh-CN" altLang="en-US" dirty="0"/>
-          </a:p>
-          <a:p>
-            <a:r>
-              <a:rPr lang="zh-CN" altLang="en-US" b="1" dirty="0"/>
-              <a:t>那该怎么办呢？</a:t>
-            </a:r>
-            <a:endParaRPr lang="zh-CN" altLang="en-US" dirty="0"/>
-          </a:p>
-          <a:p>
-            <a:pPr lvl="1"/>
+              <a:t>是单线程，所以要小心使用 </a:t>
+            </a:r>
             <a:r>
               <a:rPr lang="en-US" altLang="zh-CN" dirty="0" err="1"/>
               <a:t>Redis</a:t>
@@ -8451,30 +8089,32 @@
             </a:r>
             <a:r>
               <a:rPr lang="zh-CN" altLang="en-US" dirty="0"/>
-              <a:t>使用操作系统的多进程 </a:t>
-            </a:r>
-            <a:r>
-              <a:rPr lang="en-US" altLang="zh-CN" dirty="0"/>
-              <a:t>COW(Copy On Write) </a:t>
-            </a:r>
-            <a:r>
-              <a:rPr lang="zh-CN" altLang="en-US" dirty="0"/>
-              <a:t>机制来实现快照持久</a:t>
-            </a:r>
-            <a:r>
-              <a:rPr lang="zh-CN" altLang="en-US" dirty="0" smtClean="0"/>
-              <a:t>化。</a:t>
-            </a:r>
-            <a:endParaRPr lang="zh-CN" altLang="en-US" dirty="0"/>
+              <a:t>指令，对于那些时间复杂度为 </a:t>
+            </a:r>
+            <a:r>
+              <a:rPr lang="en-US" altLang="zh-CN" dirty="0"/>
+              <a:t>O(n) </a:t>
+            </a:r>
+            <a:r>
+              <a:rPr lang="zh-CN" altLang="en-US" dirty="0"/>
+              <a:t>级别的指令，一定要谨慎使用，一不小心就可能会导致 </a:t>
+            </a:r>
+            <a:r>
+              <a:rPr lang="en-US" altLang="zh-CN" dirty="0" err="1"/>
+              <a:t>Redis</a:t>
+            </a:r>
+            <a:r>
+              <a:rPr lang="en-US" altLang="zh-CN" dirty="0"/>
+              <a:t> </a:t>
+            </a:r>
+            <a:r>
+              <a:rPr lang="zh-CN" altLang="en-US" dirty="0"/>
+              <a:t>卡顿。</a:t>
+            </a:r>
           </a:p>
         </p:txBody>
       </p:sp>
     </p:spTree>
-    <p:extLst>
-      <p:ext uri="{BB962C8B-B14F-4D97-AF65-F5344CB8AC3E}">
-        <p14:creationId xmlns:p14="http://schemas.microsoft.com/office/powerpoint/2010/main" val="1501973595"/>
-      </p:ext>
-    </p:extLst>
   </p:cSld>
   <p:clrMapOvr>
     <a:masterClrMapping/>
@@ -8511,17 +8151,20 @@
         </p:nvSpPr>
         <p:spPr/>
         <p:txBody>
-          <a:bodyPr/>
-          <a:lstStyle/>
-          <a:p>
-            <a:r>
-              <a:rPr lang="en-US" altLang="zh-CN" dirty="0" smtClean="0"/>
-              <a:t>COW</a:t>
-            </a:r>
-            <a:r>
-              <a:rPr lang="en-US" dirty="0"/>
-              <a:t> (Copy On Write) </a:t>
-            </a:r>
+          <a:bodyPr>
+            <a:normAutofit/>
+          </a:bodyPr>
+          <a:lstStyle/>
+          <a:p>
+            <a:r>
+              <a:rPr lang="zh-CN" altLang="en-US" b="1" dirty="0"/>
+              <a:t>持久</a:t>
+            </a:r>
+            <a:r>
+              <a:rPr lang="zh-CN" altLang="en-US" b="1" dirty="0" smtClean="0"/>
+              <a:t>化</a:t>
+            </a:r>
+            <a:endParaRPr lang="en-US" dirty="0"/>
           </a:p>
         </p:txBody>
       </p:sp>
@@ -8538,7 +8181,7 @@
         <p:spPr/>
         <p:txBody>
           <a:bodyPr>
-            <a:normAutofit fontScale="70000" lnSpcReduction="20000"/>
+            <a:normAutofit fontScale="85000" lnSpcReduction="20000"/>
           </a:bodyPr>
           <a:lstStyle/>
           <a:p>
@@ -8552,11 +8195,11 @@
             </a:r>
             <a:r>
               <a:rPr lang="zh-CN" altLang="en-US" dirty="0"/>
-              <a:t>在持久化时会调用 </a:t>
+              <a:t>的数据全部在内存里，如果突然宕机，数据就会全部丢失，因此必须有一种机制来保证 </a:t>
             </a:r>
             <a:r>
               <a:rPr lang="en-US" altLang="zh-CN" dirty="0" err="1"/>
-              <a:t>glibc</a:t>
+              <a:t>Redis</a:t>
             </a:r>
             <a:r>
               <a:rPr lang="en-US" altLang="zh-CN" dirty="0"/>
@@ -8564,51 +8207,103 @@
             </a:r>
             <a:r>
               <a:rPr lang="zh-CN" altLang="en-US" dirty="0"/>
-              <a:t>的函数</a:t>
-            </a:r>
-            <a:r>
-              <a:rPr lang="en-US" altLang="zh-CN" dirty="0"/>
-              <a:t>fork</a:t>
-            </a:r>
-            <a:r>
-              <a:rPr lang="zh-CN" altLang="en-US" dirty="0"/>
-              <a:t>产生一个子进程，快照持久化完全交给子进程来处理，父进程继续处理客户端请求。子进程刚刚产生时，它和父进程共享内存里面的代码段和数据段。这时你可以将父子进程想像成一个连体婴儿，共享身体。这是 </a:t>
-            </a:r>
-            <a:r>
-              <a:rPr lang="en-US" altLang="zh-CN" dirty="0"/>
-              <a:t>Linux </a:t>
-            </a:r>
-            <a:r>
-              <a:rPr lang="zh-CN" altLang="en-US" dirty="0"/>
-              <a:t>操作系统的机制，为了节约内存资源，所以尽可能让它们共享起来。在进程分离的一瞬间，内存的增长几乎没有明显变化</a:t>
+              <a:t>的数据不会因为故障而丢失，这种机制就是 </a:t>
+            </a:r>
+            <a:r>
+              <a:rPr lang="en-US" altLang="zh-CN" dirty="0" err="1"/>
+              <a:t>Redis</a:t>
+            </a:r>
+            <a:r>
+              <a:rPr lang="en-US" altLang="zh-CN" dirty="0"/>
+              <a:t> </a:t>
+            </a:r>
+            <a:r>
+              <a:rPr lang="zh-CN" altLang="en-US" dirty="0"/>
+              <a:t>的持久化</a:t>
+            </a:r>
+            <a:r>
+              <a:rPr lang="zh-CN" altLang="en-US" dirty="0" smtClean="0"/>
+              <a:t>机制</a:t>
+            </a:r>
+            <a:r>
+              <a:rPr lang="zh-CN" altLang="en-US" dirty="0"/>
+              <a:t>。</a:t>
+            </a:r>
+            <a:endParaRPr lang="en-US" altLang="zh-CN" dirty="0"/>
+          </a:p>
+          <a:p>
+            <a:r>
+              <a:rPr lang="en-US" altLang="zh-CN" dirty="0" err="1" smtClean="0"/>
+              <a:t>Redis</a:t>
+            </a:r>
+            <a:r>
+              <a:rPr lang="en-US" altLang="zh-CN" dirty="0" smtClean="0"/>
+              <a:t> </a:t>
+            </a:r>
+            <a:r>
+              <a:rPr lang="zh-CN" altLang="en-US" dirty="0"/>
+              <a:t>的持久化机制有两种，第一种是快照，第二种是 </a:t>
+            </a:r>
+            <a:r>
+              <a:rPr lang="en-US" altLang="zh-CN" dirty="0"/>
+              <a:t>AOF </a:t>
+            </a:r>
+            <a:r>
+              <a:rPr lang="zh-CN" altLang="en-US" dirty="0"/>
+              <a:t>日志。快照是一次全量备份，</a:t>
+            </a:r>
+            <a:r>
+              <a:rPr lang="en-US" altLang="zh-CN" dirty="0"/>
+              <a:t>AOF </a:t>
+            </a:r>
+            <a:r>
+              <a:rPr lang="zh-CN" altLang="en-US" dirty="0"/>
+              <a:t>日志是连续的增量备份。快照是内存数据的二进制序列化形式，在存储上非常紧凑，而 </a:t>
+            </a:r>
+            <a:r>
+              <a:rPr lang="en-US" altLang="zh-CN" dirty="0"/>
+              <a:t>AOF </a:t>
+            </a:r>
+            <a:r>
+              <a:rPr lang="zh-CN" altLang="en-US" dirty="0"/>
+              <a:t>日志记录的是内存数据修改的指令记录文本。</a:t>
+            </a:r>
+            <a:r>
+              <a:rPr lang="en-US" altLang="zh-CN" dirty="0"/>
+              <a:t>AOF </a:t>
+            </a:r>
+            <a:r>
+              <a:rPr lang="zh-CN" altLang="en-US" dirty="0"/>
+              <a:t>日志在长期的运行过程中会变的无比庞大，数据库重启时需要加载 </a:t>
+            </a:r>
+            <a:r>
+              <a:rPr lang="en-US" altLang="zh-CN" dirty="0"/>
+              <a:t>AOF </a:t>
+            </a:r>
+            <a:r>
+              <a:rPr lang="zh-CN" altLang="en-US" dirty="0"/>
+              <a:t>日志进行指令重放，这个时间就会无比漫长。所以需要定期进行 </a:t>
+            </a:r>
+            <a:r>
+              <a:rPr lang="en-US" altLang="zh-CN" dirty="0"/>
+              <a:t>AOF </a:t>
+            </a:r>
+            <a:r>
+              <a:rPr lang="zh-CN" altLang="en-US" dirty="0"/>
+              <a:t>重写，给 </a:t>
+            </a:r>
+            <a:r>
+              <a:rPr lang="en-US" altLang="zh-CN" dirty="0"/>
+              <a:t>AOF </a:t>
+            </a:r>
+            <a:r>
+              <a:rPr lang="zh-CN" altLang="en-US" dirty="0"/>
+              <a:t>日志进行瘦身</a:t>
             </a:r>
             <a:r>
               <a:rPr lang="zh-CN" altLang="en-US" dirty="0" smtClean="0"/>
               <a:t>。</a:t>
             </a:r>
-            <a:endParaRPr lang="en-US" altLang="zh-CN" dirty="0" smtClean="0"/>
-          </a:p>
-          <a:p>
-            <a:r>
-              <a:rPr lang="zh-CN" altLang="en-US" dirty="0"/>
-              <a:t>子进程做数据持久化，它不会修改现有的内存数据结构，它只是对数据结构进行遍历读取，然后序列化写到磁盘中。但是父进程不一样，它必须持续服务客户端请求，然后对内存数据结构进行不间断的修改。</a:t>
-            </a:r>
-          </a:p>
-          <a:p>
-            <a:r>
-              <a:rPr lang="zh-CN" altLang="en-US" dirty="0"/>
-              <a:t>这个时候就会使用操作系统的 </a:t>
-            </a:r>
-            <a:r>
-              <a:rPr lang="en-US" altLang="zh-CN" dirty="0"/>
-              <a:t>COW </a:t>
-            </a:r>
-            <a:r>
-              <a:rPr lang="zh-CN" altLang="en-US" dirty="0"/>
-              <a:t>机制来进行数据段页面的分离。数据段是由很多操作系统的页面组合而成，当父进程对其中一个页面的数据进行修改时，会将被共享的页面复制一份分离出来，然后对这个复制的页面进行修改。这时子进程相应的页面是没有变化的，还是进程产生时那一瞬间的数据。</a:t>
-            </a:r>
-          </a:p>
-          <a:p>
             <a:endParaRPr lang="zh-CN" altLang="en-US" dirty="0"/>
           </a:p>
         </p:txBody>
@@ -8616,7 +8311,7 @@
     </p:spTree>
     <p:extLst>
       <p:ext uri="{BB962C8B-B14F-4D97-AF65-F5344CB8AC3E}">
-        <p14:creationId xmlns:p14="http://schemas.microsoft.com/office/powerpoint/2010/main" val="1814133086"/>
+        <p14:creationId xmlns:p14="http://schemas.microsoft.com/office/powerpoint/2010/main" val="1963989356"/>
       </p:ext>
     </p:extLst>
   </p:cSld>
@@ -8655,20 +8350,10 @@
         </p:nvSpPr>
         <p:spPr/>
         <p:txBody>
-          <a:bodyPr>
-            <a:normAutofit/>
-          </a:bodyPr>
-          <a:lstStyle/>
-          <a:p>
-            <a:r>
-              <a:rPr lang="en-US" b="1" dirty="0"/>
-              <a:t>AOF </a:t>
-            </a:r>
-            <a:r>
-              <a:rPr lang="en-US" b="1" dirty="0" smtClean="0"/>
-              <a:t>原理</a:t>
-            </a:r>
-            <a:endParaRPr lang="en-US" dirty="0"/>
+          <a:bodyPr/>
+          <a:lstStyle/>
+          <a:p>
+            <a:endParaRPr lang="en-US"/>
           </a:p>
         </p:txBody>
       </p:sp>
@@ -8684,189 +8369,58 @@
         </p:nvSpPr>
         <p:spPr/>
         <p:txBody>
-          <a:bodyPr>
-            <a:normAutofit fontScale="70000" lnSpcReduction="20000"/>
-          </a:bodyPr>
-          <a:lstStyle/>
-          <a:p>
-            <a:r>
-              <a:rPr lang="en-US" altLang="zh-CN" dirty="0"/>
-              <a:t>AOF </a:t>
-            </a:r>
-            <a:r>
-              <a:rPr lang="zh-CN" altLang="en-US" dirty="0"/>
-              <a:t>日志存储的是 </a:t>
-            </a:r>
-            <a:r>
-              <a:rPr lang="en-US" altLang="zh-CN" dirty="0" err="1"/>
-              <a:t>Redis</a:t>
-            </a:r>
-            <a:r>
-              <a:rPr lang="en-US" altLang="zh-CN" dirty="0"/>
-              <a:t> </a:t>
-            </a:r>
-            <a:r>
-              <a:rPr lang="zh-CN" altLang="en-US" dirty="0"/>
-              <a:t>服务器的顺序指令序列，</a:t>
-            </a:r>
-            <a:r>
-              <a:rPr lang="en-US" altLang="zh-CN" dirty="0"/>
-              <a:t>AOF </a:t>
-            </a:r>
-            <a:r>
-              <a:rPr lang="zh-CN" altLang="en-US" dirty="0"/>
-              <a:t>日志只记录对内存进行修改的指令记录。</a:t>
-            </a:r>
-          </a:p>
-          <a:p>
-            <a:r>
-              <a:rPr lang="zh-CN" altLang="en-US" dirty="0"/>
-              <a:t>假设 </a:t>
-            </a:r>
-            <a:r>
-              <a:rPr lang="en-US" altLang="zh-CN" dirty="0"/>
-              <a:t>AOF </a:t>
-            </a:r>
-            <a:r>
-              <a:rPr lang="zh-CN" altLang="en-US" dirty="0"/>
-              <a:t>日志记录了自 </a:t>
-            </a:r>
-            <a:r>
-              <a:rPr lang="en-US" altLang="zh-CN" dirty="0" err="1"/>
-              <a:t>Redis</a:t>
-            </a:r>
-            <a:r>
-              <a:rPr lang="en-US" altLang="zh-CN" dirty="0"/>
-              <a:t> </a:t>
-            </a:r>
-            <a:r>
-              <a:rPr lang="zh-CN" altLang="en-US" dirty="0"/>
-              <a:t>实例创建以来所有的修改性指令序列，那么就可以通过对一个空的 </a:t>
-            </a:r>
-            <a:r>
-              <a:rPr lang="en-US" altLang="zh-CN" dirty="0" err="1"/>
-              <a:t>Redis</a:t>
-            </a:r>
-            <a:r>
-              <a:rPr lang="en-US" altLang="zh-CN" dirty="0"/>
-              <a:t> </a:t>
-            </a:r>
-            <a:r>
-              <a:rPr lang="zh-CN" altLang="en-US" dirty="0"/>
-              <a:t>实例顺序执行所有的指令，也就是「重放」，来恢复 </a:t>
-            </a:r>
-            <a:r>
-              <a:rPr lang="en-US" altLang="zh-CN" dirty="0" err="1"/>
-              <a:t>Redis</a:t>
-            </a:r>
-            <a:r>
-              <a:rPr lang="en-US" altLang="zh-CN" dirty="0"/>
-              <a:t> </a:t>
-            </a:r>
-            <a:r>
-              <a:rPr lang="zh-CN" altLang="en-US" dirty="0"/>
-              <a:t>当前实例的内存数据结构的状态。</a:t>
-            </a:r>
-          </a:p>
-          <a:p>
-            <a:r>
-              <a:rPr lang="en-US" altLang="zh-CN" dirty="0" err="1"/>
-              <a:t>Redis</a:t>
-            </a:r>
-            <a:r>
-              <a:rPr lang="en-US" altLang="zh-CN" dirty="0"/>
-              <a:t> </a:t>
-            </a:r>
-            <a:r>
-              <a:rPr lang="zh-CN" altLang="en-US" dirty="0"/>
-              <a:t>会在收到客户端修改指令后，进行参数校验进行逻辑处理后，如果没问题，就立即将该指令文本存储到 </a:t>
-            </a:r>
-            <a:r>
-              <a:rPr lang="en-US" altLang="zh-CN" dirty="0"/>
-              <a:t>AOF </a:t>
-            </a:r>
-            <a:r>
-              <a:rPr lang="zh-CN" altLang="en-US" dirty="0"/>
-              <a:t>日志中，也就是先执行指令才将日志存盘。这点不同于</a:t>
-            </a:r>
-            <a:r>
-              <a:rPr lang="en-US" altLang="zh-CN" dirty="0" err="1"/>
-              <a:t>leveldb</a:t>
-            </a:r>
-            <a:r>
-              <a:rPr lang="zh-CN" altLang="en-US" dirty="0"/>
-              <a:t>、</a:t>
-            </a:r>
-            <a:r>
-              <a:rPr lang="en-US" altLang="zh-CN" dirty="0" err="1"/>
-              <a:t>hbase</a:t>
-            </a:r>
-            <a:r>
-              <a:rPr lang="zh-CN" altLang="en-US" dirty="0"/>
-              <a:t>等存储引擎，它们都是先存储日志再做逻辑处理。</a:t>
-            </a:r>
-          </a:p>
-          <a:p>
-            <a:r>
-              <a:rPr lang="en-US" altLang="zh-CN" dirty="0" err="1"/>
-              <a:t>Redis</a:t>
-            </a:r>
-            <a:r>
-              <a:rPr lang="en-US" altLang="zh-CN" dirty="0"/>
-              <a:t> </a:t>
-            </a:r>
-            <a:r>
-              <a:rPr lang="zh-CN" altLang="en-US" dirty="0"/>
-              <a:t>在长期运行的过程中，</a:t>
-            </a:r>
-            <a:r>
-              <a:rPr lang="en-US" altLang="zh-CN" dirty="0"/>
-              <a:t>AOF </a:t>
-            </a:r>
-            <a:r>
-              <a:rPr lang="zh-CN" altLang="en-US" dirty="0"/>
-              <a:t>的日志会越变越长。如果实例宕机重启，重放整个 </a:t>
-            </a:r>
-            <a:r>
-              <a:rPr lang="en-US" altLang="zh-CN" dirty="0"/>
-              <a:t>AOF </a:t>
-            </a:r>
-            <a:r>
-              <a:rPr lang="zh-CN" altLang="en-US" dirty="0"/>
-              <a:t>日志会非常耗时，导致长时间 </a:t>
-            </a:r>
-            <a:r>
-              <a:rPr lang="en-US" altLang="zh-CN" dirty="0" err="1"/>
-              <a:t>Redis</a:t>
-            </a:r>
-            <a:r>
-              <a:rPr lang="en-US" altLang="zh-CN" dirty="0"/>
-              <a:t> </a:t>
-            </a:r>
-            <a:r>
-              <a:rPr lang="zh-CN" altLang="en-US" dirty="0"/>
-              <a:t>无法对外提供服务。所以需要对 </a:t>
-            </a:r>
-            <a:r>
-              <a:rPr lang="en-US" altLang="zh-CN" dirty="0"/>
-              <a:t>AOF </a:t>
-            </a:r>
-            <a:r>
-              <a:rPr lang="zh-CN" altLang="en-US" dirty="0"/>
-              <a:t>日志瘦身</a:t>
-            </a:r>
-            <a:r>
-              <a:rPr lang="zh-CN" altLang="en-US" dirty="0" smtClean="0"/>
-              <a:t>。</a:t>
-            </a:r>
-            <a:endParaRPr lang="zh-CN" altLang="en-US" dirty="0"/>
-          </a:p>
-        </p:txBody>
-      </p:sp>
+          <a:bodyPr/>
+          <a:lstStyle/>
+          <a:p>
+            <a:endParaRPr lang="en-US"/>
+          </a:p>
+        </p:txBody>
+      </p:sp>
+      <p:pic>
+        <p:nvPicPr>
+          <p:cNvPr id="1026" name="Picture 2" descr="https://user-gold-cdn.xitu.io/2018/7/10/164820eb27b6a97e?imageslim"/>
+          <p:cNvPicPr>
+            <a:picLocks noChangeAspect="1" noChangeArrowheads="1"/>
+          </p:cNvPicPr>
+          <p:nvPr/>
+        </p:nvPicPr>
+        <p:blipFill>
+          <a:blip r:embed="rId2">
+            <a:extLst>
+              <a:ext uri="{28A0092B-C50C-407E-A947-70E740481C1C}">
+                <a14:useLocalDpi xmlns:a14="http://schemas.microsoft.com/office/drawing/2010/main" val="0"/>
+              </a:ext>
+            </a:extLst>
+          </a:blip>
+          <a:srcRect/>
+          <a:stretch>
+            <a:fillRect/>
+          </a:stretch>
+        </p:blipFill>
+        <p:spPr bwMode="auto">
+          <a:xfrm>
+            <a:off x="177299" y="2156693"/>
+            <a:ext cx="8789402" cy="3412976"/>
+          </a:xfrm>
+          <a:prstGeom prst="rect">
+            <a:avLst/>
+          </a:prstGeom>
+          <a:noFill/>
+          <a:extLst>
+            <a:ext uri="{909E8E84-426E-40DD-AFC4-6F175D3DCCD1}">
+              <a14:hiddenFill xmlns:a14="http://schemas.microsoft.com/office/drawing/2010/main">
+                <a:solidFill>
+                  <a:srgbClr val="FFFFFF"/>
+                </a:solidFill>
+              </a14:hiddenFill>
+            </a:ext>
+          </a:extLst>
+        </p:spPr>
+      </p:pic>
     </p:spTree>
     <p:extLst>
       <p:ext uri="{BB962C8B-B14F-4D97-AF65-F5344CB8AC3E}">
-        <p14:creationId xmlns:p14="http://schemas.microsoft.com/office/powerpoint/2010/main" val="750205416"/>
+        <p14:creationId xmlns:p14="http://schemas.microsoft.com/office/powerpoint/2010/main" val="1845316191"/>
       </p:ext>
     </p:extLst>
   </p:cSld>
@@ -8911,12 +8465,12 @@
           <a:lstStyle/>
           <a:p>
             <a:r>
-              <a:rPr lang="en-US" b="1" dirty="0"/>
-              <a:t>AOF </a:t>
-            </a:r>
-            <a:r>
-              <a:rPr lang="en-US" b="1" dirty="0" smtClean="0"/>
-              <a:t>重写</a:t>
+              <a:rPr lang="ja-JP" altLang="en-US" b="1" dirty="0"/>
+              <a:t>快照</a:t>
+            </a:r>
+            <a:r>
+              <a:rPr lang="ja-JP" altLang="en-US" b="1" dirty="0" smtClean="0"/>
+              <a:t>原理</a:t>
             </a:r>
             <a:endParaRPr lang="en-US" dirty="0"/>
           </a:p>
@@ -8935,10 +8489,14 @@
         <p:spPr/>
         <p:txBody>
           <a:bodyPr>
-            <a:normAutofit fontScale="77500" lnSpcReduction="20000"/>
+            <a:normAutofit fontScale="70000" lnSpcReduction="20000"/>
           </a:bodyPr>
           <a:lstStyle/>
           <a:p>
+            <a:r>
+              <a:rPr lang="zh-CN" altLang="en-US" dirty="0"/>
+              <a:t>我们知道 </a:t>
+            </a:r>
             <a:r>
               <a:rPr lang="en-US" altLang="zh-CN" dirty="0" err="1"/>
               <a:t>Redis</a:t>
@@ -8949,27 +8507,13 @@
             </a:r>
             <a:r>
               <a:rPr lang="zh-CN" altLang="en-US" dirty="0"/>
-              <a:t>提供了 </a:t>
-            </a:r>
-            <a:r>
-              <a:rPr lang="en-US" altLang="zh-CN" dirty="0" err="1"/>
-              <a:t>bgrewriteaof</a:t>
-            </a:r>
-            <a:r>
-              <a:rPr lang="en-US" altLang="zh-CN" dirty="0"/>
-              <a:t> </a:t>
-            </a:r>
-            <a:r>
-              <a:rPr lang="zh-CN" altLang="en-US" dirty="0"/>
-              <a:t>指令用于对 </a:t>
-            </a:r>
-            <a:r>
-              <a:rPr lang="en-US" altLang="zh-CN" dirty="0"/>
-              <a:t>AOF </a:t>
-            </a:r>
-            <a:r>
-              <a:rPr lang="zh-CN" altLang="en-US" dirty="0"/>
-              <a:t>日志进行瘦身。其原理就是开辟一个子进程对内存进行遍历转换成一系列 </a:t>
+              <a:t>是单线程程序，这个线程要同时负责多个客户端套接字的并发读写操作和内存数据结构的逻辑读写。</a:t>
+            </a:r>
+          </a:p>
+          <a:p>
+            <a:r>
+              <a:rPr lang="zh-CN" altLang="en-US" dirty="0"/>
+              <a:t>在服务线上请求的同时，</a:t>
             </a:r>
             <a:r>
               <a:rPr lang="en-US" altLang="zh-CN" dirty="0" err="1"/>
@@ -8981,180 +8525,129 @@
             </a:r>
             <a:r>
               <a:rPr lang="zh-CN" altLang="en-US" dirty="0"/>
-              <a:t>的操作指令，序列化到一个新的 </a:t>
-            </a:r>
-            <a:r>
-              <a:rPr lang="en-US" altLang="zh-CN" dirty="0"/>
-              <a:t>AOF </a:t>
-            </a:r>
-            <a:r>
-              <a:rPr lang="zh-CN" altLang="en-US" dirty="0"/>
-              <a:t>日志文件中。序列化完毕后再将操作期间发生的增量 </a:t>
-            </a:r>
-            <a:r>
-              <a:rPr lang="en-US" altLang="zh-CN" dirty="0"/>
-              <a:t>AOF </a:t>
-            </a:r>
-            <a:r>
-              <a:rPr lang="zh-CN" altLang="en-US" dirty="0"/>
-              <a:t>日志追加到这个新的 </a:t>
-            </a:r>
-            <a:r>
-              <a:rPr lang="en-US" altLang="zh-CN" dirty="0"/>
-              <a:t>AOF </a:t>
-            </a:r>
-            <a:r>
-              <a:rPr lang="zh-CN" altLang="en-US" dirty="0"/>
-              <a:t>日志文件中，追加完毕后就立即替代旧的 </a:t>
-            </a:r>
-            <a:r>
-              <a:rPr lang="en-US" altLang="zh-CN" dirty="0"/>
-              <a:t>AOF </a:t>
-            </a:r>
-            <a:r>
-              <a:rPr lang="zh-CN" altLang="en-US" dirty="0"/>
-              <a:t>日志文件了，瘦身工作就完成了</a:t>
+              <a:t>还需要进行内存快照，内存快照要求 </a:t>
+            </a:r>
+            <a:r>
+              <a:rPr lang="en-US" altLang="zh-CN" dirty="0" err="1"/>
+              <a:t>Redis</a:t>
+            </a:r>
+            <a:r>
+              <a:rPr lang="en-US" altLang="zh-CN" dirty="0"/>
+              <a:t> </a:t>
+            </a:r>
+            <a:r>
+              <a:rPr lang="zh-CN" altLang="en-US" dirty="0"/>
+              <a:t>必须进行文件 </a:t>
+            </a:r>
+            <a:r>
+              <a:rPr lang="en-US" altLang="zh-CN" dirty="0"/>
+              <a:t>IO </a:t>
+            </a:r>
+            <a:r>
+              <a:rPr lang="zh-CN" altLang="en-US" dirty="0"/>
+              <a:t>操作，可文件 </a:t>
+            </a:r>
+            <a:r>
+              <a:rPr lang="en-US" altLang="zh-CN" dirty="0"/>
+              <a:t>IO </a:t>
+            </a:r>
+            <a:r>
+              <a:rPr lang="zh-CN" altLang="en-US" dirty="0"/>
+              <a:t>操作是不能使用多路复用 </a:t>
+            </a:r>
+            <a:r>
+              <a:rPr lang="en-US" altLang="zh-CN" dirty="0"/>
+              <a:t>API</a:t>
+            </a:r>
+            <a:r>
+              <a:rPr lang="zh-CN" altLang="en-US" dirty="0"/>
+              <a:t>。</a:t>
+            </a:r>
+          </a:p>
+          <a:p>
+            <a:r>
+              <a:rPr lang="zh-CN" altLang="en-US" dirty="0"/>
+              <a:t>这意味着单线程同时在服务线上的请求还要进行文件 </a:t>
+            </a:r>
+            <a:r>
+              <a:rPr lang="en-US" altLang="zh-CN" dirty="0"/>
+              <a:t>IO </a:t>
+            </a:r>
+            <a:r>
+              <a:rPr lang="zh-CN" altLang="en-US" dirty="0"/>
+              <a:t>操作，文件 </a:t>
+            </a:r>
+            <a:r>
+              <a:rPr lang="en-US" altLang="zh-CN" dirty="0"/>
+              <a:t>IO </a:t>
+            </a:r>
+            <a:r>
+              <a:rPr lang="zh-CN" altLang="en-US" dirty="0"/>
+              <a:t>操作会严重拖垮服务器请求的性能。还有个</a:t>
+            </a:r>
+            <a:r>
+              <a:rPr lang="zh-CN" altLang="en-US" b="1" dirty="0"/>
+              <a:t>重要的问题是为了不阻塞线上的业务，就需要边持久化边响应客户端请求</a:t>
+            </a:r>
+            <a:r>
+              <a:rPr lang="zh-CN" altLang="en-US" dirty="0"/>
+              <a:t>。持久化的同时，内存数据结构还在改变，比如一个大型的 </a:t>
+            </a:r>
+            <a:r>
+              <a:rPr lang="en-US" altLang="zh-CN" dirty="0"/>
+              <a:t>hash </a:t>
+            </a:r>
+            <a:r>
+              <a:rPr lang="zh-CN" altLang="en-US" dirty="0"/>
+              <a:t>字典正在持久化，结果一个请求过来把它给删掉了，还没持久化完呢，</a:t>
             </a:r>
             <a:r>
               <a:rPr lang="zh-CN" altLang="en-US" dirty="0" smtClean="0"/>
-              <a:t>。</a:t>
-            </a:r>
-            <a:endParaRPr lang="en-US" altLang="zh-CN" dirty="0" smtClean="0"/>
-          </a:p>
-          <a:p>
+              <a:t>这要怎么解决？</a:t>
+            </a:r>
+            <a:endParaRPr lang="zh-CN" altLang="en-US" dirty="0"/>
+          </a:p>
+          <a:p>
+            <a:r>
+              <a:rPr lang="zh-CN" altLang="en-US" b="1" dirty="0"/>
+              <a:t>那该怎么办呢？</a:t>
+            </a:r>
+            <a:endParaRPr lang="zh-CN" altLang="en-US" dirty="0"/>
+          </a:p>
+          <a:p>
+            <a:pPr lvl="1"/>
+            <a:r>
+              <a:rPr lang="en-US" altLang="zh-CN" dirty="0" err="1"/>
+              <a:t>Redis</a:t>
+            </a:r>
+            <a:r>
+              <a:rPr lang="en-US" altLang="zh-CN" dirty="0"/>
+              <a:t> </a:t>
+            </a:r>
+            <a:r>
+              <a:rPr lang="zh-CN" altLang="en-US" dirty="0"/>
+              <a:t>使用操作系统的多进程 </a:t>
+            </a:r>
+            <a:r>
+              <a:rPr lang="en-US" altLang="zh-CN" dirty="0"/>
+              <a:t>COW(Copy On Write) </a:t>
+            </a:r>
+            <a:r>
+              <a:rPr lang="zh-CN" altLang="en-US" dirty="0"/>
+              <a:t>机制来实现快照持久</a:t>
+            </a:r>
             <a:r>
               <a:rPr lang="zh-CN" altLang="en-US" dirty="0" smtClean="0"/>
-              <a:t>例如</a:t>
-            </a:r>
-            <a:endParaRPr lang="en-US" altLang="zh-CN" dirty="0" smtClean="0"/>
-          </a:p>
-          <a:p>
-            <a:pPr lvl="1"/>
-            <a:r>
-              <a:rPr lang="en-US" altLang="zh-CN" dirty="0" smtClean="0"/>
-              <a:t>set</a:t>
-            </a:r>
-            <a:r>
-              <a:rPr lang="zh-CN" altLang="en-US" dirty="0" smtClean="0"/>
-              <a:t> </a:t>
-            </a:r>
-            <a:r>
-              <a:rPr lang="en-US" altLang="zh-CN" dirty="0" smtClean="0"/>
-              <a:t>a</a:t>
-            </a:r>
-            <a:r>
-              <a:rPr lang="zh-CN" altLang="en-US" dirty="0" smtClean="0"/>
-              <a:t> </a:t>
-            </a:r>
-            <a:r>
-              <a:rPr lang="en-US" altLang="zh-CN" dirty="0" smtClean="0"/>
-              <a:t>1</a:t>
-            </a:r>
-          </a:p>
-          <a:p>
-            <a:pPr lvl="1"/>
-            <a:r>
-              <a:rPr lang="en-US" altLang="zh-CN" dirty="0" smtClean="0"/>
-              <a:t>set</a:t>
-            </a:r>
-            <a:r>
-              <a:rPr lang="zh-CN" altLang="en-US" dirty="0" smtClean="0"/>
-              <a:t> </a:t>
-            </a:r>
-            <a:r>
-              <a:rPr lang="en-US" altLang="zh-CN" dirty="0" smtClean="0"/>
-              <a:t>a</a:t>
-            </a:r>
-            <a:r>
-              <a:rPr lang="zh-CN" altLang="en-US" dirty="0" smtClean="0"/>
-              <a:t> </a:t>
-            </a:r>
-            <a:r>
-              <a:rPr lang="en-US" altLang="zh-CN" dirty="0" smtClean="0"/>
-              <a:t>2</a:t>
-            </a:r>
-          </a:p>
-          <a:p>
-            <a:pPr lvl="1"/>
-            <a:r>
-              <a:rPr lang="en-US" altLang="zh-CN" dirty="0" smtClean="0"/>
-              <a:t>set</a:t>
-            </a:r>
-            <a:r>
-              <a:rPr lang="zh-CN" altLang="en-US" dirty="0" smtClean="0"/>
-              <a:t> </a:t>
-            </a:r>
-            <a:r>
-              <a:rPr lang="en-US" altLang="zh-CN" dirty="0" smtClean="0"/>
-              <a:t>a</a:t>
-            </a:r>
-            <a:r>
-              <a:rPr lang="zh-CN" altLang="en-US" dirty="0" smtClean="0"/>
-              <a:t> </a:t>
-            </a:r>
-            <a:r>
-              <a:rPr lang="en-US" altLang="zh-CN" dirty="0" smtClean="0"/>
-              <a:t>3</a:t>
-            </a:r>
-          </a:p>
-          <a:p>
-            <a:pPr lvl="1"/>
-            <a:r>
-              <a:rPr lang="en-US" altLang="zh-CN" dirty="0" smtClean="0">
-                <a:sym typeface="Wingdings"/>
-              </a:rPr>
-              <a:t></a:t>
-            </a:r>
-            <a:r>
-              <a:rPr lang="zh-CN" altLang="en-US" dirty="0" smtClean="0">
-                <a:sym typeface="Wingdings"/>
-              </a:rPr>
-              <a:t>重写为</a:t>
-            </a:r>
-            <a:endParaRPr lang="en-US" altLang="zh-CN" dirty="0" smtClean="0">
-              <a:sym typeface="Wingdings"/>
-            </a:endParaRPr>
-          </a:p>
-          <a:p>
-            <a:pPr lvl="1"/>
-            <a:r>
-              <a:rPr lang="en-US" altLang="zh-CN" dirty="0" smtClean="0">
-                <a:sym typeface="Wingdings"/>
-              </a:rPr>
-              <a:t>set</a:t>
-            </a:r>
-            <a:r>
-              <a:rPr lang="zh-CN" altLang="en-US" dirty="0" smtClean="0">
-                <a:sym typeface="Wingdings"/>
-              </a:rPr>
-              <a:t> </a:t>
-            </a:r>
-            <a:r>
-              <a:rPr lang="en-US" altLang="zh-CN" dirty="0" smtClean="0">
-                <a:sym typeface="Wingdings"/>
-              </a:rPr>
-              <a:t>a</a:t>
-            </a:r>
-            <a:r>
-              <a:rPr lang="zh-CN" altLang="en-US" dirty="0" smtClean="0">
-                <a:sym typeface="Wingdings"/>
-              </a:rPr>
-              <a:t> </a:t>
-            </a:r>
-            <a:r>
-              <a:rPr lang="en-US" altLang="zh-CN" dirty="0" smtClean="0">
-                <a:sym typeface="Wingdings"/>
-              </a:rPr>
-              <a:t>3</a:t>
-            </a:r>
-            <a:endParaRPr lang="en-US" dirty="0"/>
+              <a:t>化。</a:t>
+            </a:r>
+            <a:endParaRPr lang="zh-CN" altLang="en-US" dirty="0"/>
           </a:p>
         </p:txBody>
       </p:sp>
     </p:spTree>
     <p:extLst>
       <p:ext uri="{BB962C8B-B14F-4D97-AF65-F5344CB8AC3E}">
-        <p14:creationId xmlns:p14="http://schemas.microsoft.com/office/powerpoint/2010/main" val="347486831"/>
+        <p14:creationId xmlns:p14="http://schemas.microsoft.com/office/powerpoint/2010/main" val="1501973595"/>
       </p:ext>
     </p:extLst>
   </p:cSld>
@@ -9193,6 +8686,688 @@
         </p:nvSpPr>
         <p:spPr/>
         <p:txBody>
+          <a:bodyPr/>
+          <a:lstStyle/>
+          <a:p>
+            <a:r>
+              <a:rPr lang="en-US" altLang="zh-CN" dirty="0" smtClean="0"/>
+              <a:t>COW</a:t>
+            </a:r>
+            <a:r>
+              <a:rPr lang="en-US" dirty="0"/>
+              <a:t> (Copy On Write) </a:t>
+            </a:r>
+          </a:p>
+        </p:txBody>
+      </p:sp>
+      <p:sp>
+        <p:nvSpPr>
+          <p:cNvPr id="3" name="Content Placeholder 2"/>
+          <p:cNvSpPr>
+            <a:spLocks noGrp="1"/>
+          </p:cNvSpPr>
+          <p:nvPr>
+            <p:ph idx="1"/>
+          </p:nvPr>
+        </p:nvSpPr>
+        <p:spPr/>
+        <p:txBody>
+          <a:bodyPr>
+            <a:normAutofit fontScale="70000" lnSpcReduction="20000"/>
+          </a:bodyPr>
+          <a:lstStyle/>
+          <a:p>
+            <a:r>
+              <a:rPr lang="en-US" altLang="zh-CN" dirty="0" err="1"/>
+              <a:t>Redis</a:t>
+            </a:r>
+            <a:r>
+              <a:rPr lang="en-US" altLang="zh-CN" dirty="0"/>
+              <a:t> </a:t>
+            </a:r>
+            <a:r>
+              <a:rPr lang="zh-CN" altLang="en-US" dirty="0"/>
+              <a:t>在持久化时会调用 </a:t>
+            </a:r>
+            <a:r>
+              <a:rPr lang="en-US" altLang="zh-CN" dirty="0" err="1"/>
+              <a:t>glibc</a:t>
+            </a:r>
+            <a:r>
+              <a:rPr lang="en-US" altLang="zh-CN" dirty="0"/>
+              <a:t> </a:t>
+            </a:r>
+            <a:r>
+              <a:rPr lang="zh-CN" altLang="en-US" dirty="0"/>
+              <a:t>的函数</a:t>
+            </a:r>
+            <a:r>
+              <a:rPr lang="en-US" altLang="zh-CN" dirty="0"/>
+              <a:t>fork</a:t>
+            </a:r>
+            <a:r>
+              <a:rPr lang="zh-CN" altLang="en-US" dirty="0"/>
+              <a:t>产生一个子进程，快照持久化完全交给子进程来处理，父进程继续处理客户端请求。子进程刚刚产生时，它和父进程共享内存里面的代码段和数据段。这时你可以将父子进程想像成一个连体婴儿，共享身体。这是 </a:t>
+            </a:r>
+            <a:r>
+              <a:rPr lang="en-US" altLang="zh-CN" dirty="0"/>
+              <a:t>Linux </a:t>
+            </a:r>
+            <a:r>
+              <a:rPr lang="zh-CN" altLang="en-US" dirty="0"/>
+              <a:t>操作系统的机制，为了节约内存资源，所以尽可能让它们共享起来。在进程分离的一瞬间，内存的增长几乎没有明显变化</a:t>
+            </a:r>
+            <a:r>
+              <a:rPr lang="zh-CN" altLang="en-US" dirty="0" smtClean="0"/>
+              <a:t>。</a:t>
+            </a:r>
+            <a:endParaRPr lang="en-US" altLang="zh-CN" dirty="0" smtClean="0"/>
+          </a:p>
+          <a:p>
+            <a:r>
+              <a:rPr lang="zh-CN" altLang="en-US" dirty="0"/>
+              <a:t>子进程做数据持久化，它不会修改现有的内存数据结构，它只是对数据结构进行遍历读取，然后序列化写到磁盘中。但是父进程不一样，它必须持续服务客户端请求，然后对内存数据结构进行不间断的修改。</a:t>
+            </a:r>
+          </a:p>
+          <a:p>
+            <a:r>
+              <a:rPr lang="zh-CN" altLang="en-US" dirty="0"/>
+              <a:t>这个时候就会使用操作系统的 </a:t>
+            </a:r>
+            <a:r>
+              <a:rPr lang="en-US" altLang="zh-CN" dirty="0"/>
+              <a:t>COW </a:t>
+            </a:r>
+            <a:r>
+              <a:rPr lang="zh-CN" altLang="en-US" dirty="0"/>
+              <a:t>机制来进行数据段页面的分离。数据段是由很多操作系统的页面组合而成，当父进程对其中一个页面的数据进行修改时，会将被共享的页面复制一份分离出来，然后对这个复制的页面进行修改。这时子进程相应的页面是没有变化的，还是进程产生时那一瞬间的数据。</a:t>
+            </a:r>
+          </a:p>
+          <a:p>
+            <a:endParaRPr lang="zh-CN" altLang="en-US" dirty="0"/>
+          </a:p>
+        </p:txBody>
+      </p:sp>
+    </p:spTree>
+    <p:extLst>
+      <p:ext uri="{BB962C8B-B14F-4D97-AF65-F5344CB8AC3E}">
+        <p14:creationId xmlns:p14="http://schemas.microsoft.com/office/powerpoint/2010/main" val="1814133086"/>
+      </p:ext>
+    </p:extLst>
+  </p:cSld>
+  <p:clrMapOvr>
+    <a:masterClrMapping/>
+  </p:clrMapOvr>
+</p:sld>
+</file>
+
+<file path=ppt/slides/slide35.xml><?xml version="1.0" encoding="utf-8"?>
+<p:sld xmlns:a="http://schemas.openxmlformats.org/drawingml/2006/main" xmlns:r="http://schemas.openxmlformats.org/officeDocument/2006/relationships" xmlns:p="http://schemas.openxmlformats.org/presentationml/2006/main">
+  <p:cSld>
+    <p:spTree>
+      <p:nvGrpSpPr>
+        <p:cNvPr id="1" name=""/>
+        <p:cNvGrpSpPr/>
+        <p:nvPr/>
+      </p:nvGrpSpPr>
+      <p:grpSpPr>
+        <a:xfrm>
+          <a:off x="0" y="0"/>
+          <a:ext cx="0" cy="0"/>
+          <a:chOff x="0" y="0"/>
+          <a:chExt cx="0" cy="0"/>
+        </a:xfrm>
+      </p:grpSpPr>
+      <p:sp>
+        <p:nvSpPr>
+          <p:cNvPr id="2" name="Title 1"/>
+          <p:cNvSpPr>
+            <a:spLocks noGrp="1"/>
+          </p:cNvSpPr>
+          <p:nvPr>
+            <p:ph type="title"/>
+          </p:nvPr>
+        </p:nvSpPr>
+        <p:spPr/>
+        <p:txBody>
+          <a:bodyPr>
+            <a:normAutofit/>
+          </a:bodyPr>
+          <a:lstStyle/>
+          <a:p>
+            <a:r>
+              <a:rPr lang="en-US" b="1" dirty="0"/>
+              <a:t>AOF </a:t>
+            </a:r>
+            <a:r>
+              <a:rPr lang="en-US" b="1" dirty="0" smtClean="0"/>
+              <a:t>原理</a:t>
+            </a:r>
+            <a:endParaRPr lang="en-US" dirty="0"/>
+          </a:p>
+        </p:txBody>
+      </p:sp>
+      <p:sp>
+        <p:nvSpPr>
+          <p:cNvPr id="3" name="Content Placeholder 2"/>
+          <p:cNvSpPr>
+            <a:spLocks noGrp="1"/>
+          </p:cNvSpPr>
+          <p:nvPr>
+            <p:ph idx="1"/>
+          </p:nvPr>
+        </p:nvSpPr>
+        <p:spPr/>
+        <p:txBody>
+          <a:bodyPr>
+            <a:normAutofit fontScale="70000" lnSpcReduction="20000"/>
+          </a:bodyPr>
+          <a:lstStyle/>
+          <a:p>
+            <a:r>
+              <a:rPr lang="en-US" altLang="zh-CN" dirty="0"/>
+              <a:t>AOF </a:t>
+            </a:r>
+            <a:r>
+              <a:rPr lang="zh-CN" altLang="en-US" dirty="0"/>
+              <a:t>日志存储的是 </a:t>
+            </a:r>
+            <a:r>
+              <a:rPr lang="en-US" altLang="zh-CN" dirty="0" err="1"/>
+              <a:t>Redis</a:t>
+            </a:r>
+            <a:r>
+              <a:rPr lang="en-US" altLang="zh-CN" dirty="0"/>
+              <a:t> </a:t>
+            </a:r>
+            <a:r>
+              <a:rPr lang="zh-CN" altLang="en-US" dirty="0"/>
+              <a:t>服务器的顺序指令序列，</a:t>
+            </a:r>
+            <a:r>
+              <a:rPr lang="en-US" altLang="zh-CN" dirty="0"/>
+              <a:t>AOF </a:t>
+            </a:r>
+            <a:r>
+              <a:rPr lang="zh-CN" altLang="en-US" dirty="0"/>
+              <a:t>日志只记录对内存进行修改的指令记录。</a:t>
+            </a:r>
+          </a:p>
+          <a:p>
+            <a:r>
+              <a:rPr lang="zh-CN" altLang="en-US" dirty="0"/>
+              <a:t>假设 </a:t>
+            </a:r>
+            <a:r>
+              <a:rPr lang="en-US" altLang="zh-CN" dirty="0"/>
+              <a:t>AOF </a:t>
+            </a:r>
+            <a:r>
+              <a:rPr lang="zh-CN" altLang="en-US" dirty="0"/>
+              <a:t>日志记录了自 </a:t>
+            </a:r>
+            <a:r>
+              <a:rPr lang="en-US" altLang="zh-CN" dirty="0" err="1"/>
+              <a:t>Redis</a:t>
+            </a:r>
+            <a:r>
+              <a:rPr lang="en-US" altLang="zh-CN" dirty="0"/>
+              <a:t> </a:t>
+            </a:r>
+            <a:r>
+              <a:rPr lang="zh-CN" altLang="en-US" dirty="0"/>
+              <a:t>实例创建以来所有的修改性指令序列，那么就可以通过对一个空的 </a:t>
+            </a:r>
+            <a:r>
+              <a:rPr lang="en-US" altLang="zh-CN" dirty="0" err="1"/>
+              <a:t>Redis</a:t>
+            </a:r>
+            <a:r>
+              <a:rPr lang="en-US" altLang="zh-CN" dirty="0"/>
+              <a:t> </a:t>
+            </a:r>
+            <a:r>
+              <a:rPr lang="zh-CN" altLang="en-US" dirty="0"/>
+              <a:t>实例顺序执行所有的指令，也就是「重放」，来恢复 </a:t>
+            </a:r>
+            <a:r>
+              <a:rPr lang="en-US" altLang="zh-CN" dirty="0" err="1"/>
+              <a:t>Redis</a:t>
+            </a:r>
+            <a:r>
+              <a:rPr lang="en-US" altLang="zh-CN" dirty="0"/>
+              <a:t> </a:t>
+            </a:r>
+            <a:r>
+              <a:rPr lang="zh-CN" altLang="en-US" dirty="0"/>
+              <a:t>当前实例的内存数据结构的状态。</a:t>
+            </a:r>
+          </a:p>
+          <a:p>
+            <a:r>
+              <a:rPr lang="en-US" altLang="zh-CN" dirty="0" err="1"/>
+              <a:t>Redis</a:t>
+            </a:r>
+            <a:r>
+              <a:rPr lang="en-US" altLang="zh-CN" dirty="0"/>
+              <a:t> </a:t>
+            </a:r>
+            <a:r>
+              <a:rPr lang="zh-CN" altLang="en-US" dirty="0"/>
+              <a:t>会在收到客户端修改指令后，进行参数校验进行逻辑处理后，如果没问题，就立即将该指令文本存储到 </a:t>
+            </a:r>
+            <a:r>
+              <a:rPr lang="en-US" altLang="zh-CN" dirty="0"/>
+              <a:t>AOF </a:t>
+            </a:r>
+            <a:r>
+              <a:rPr lang="zh-CN" altLang="en-US" dirty="0"/>
+              <a:t>日志中，也就是先执行指令才将日志存盘。这点不同于</a:t>
+            </a:r>
+            <a:r>
+              <a:rPr lang="en-US" altLang="zh-CN" dirty="0" err="1"/>
+              <a:t>leveldb</a:t>
+            </a:r>
+            <a:r>
+              <a:rPr lang="zh-CN" altLang="en-US" dirty="0"/>
+              <a:t>、</a:t>
+            </a:r>
+            <a:r>
+              <a:rPr lang="en-US" altLang="zh-CN" dirty="0" err="1"/>
+              <a:t>hbase</a:t>
+            </a:r>
+            <a:r>
+              <a:rPr lang="zh-CN" altLang="en-US" dirty="0"/>
+              <a:t>等存储引擎，它们都是先存储日志再做逻辑处理。</a:t>
+            </a:r>
+          </a:p>
+          <a:p>
+            <a:r>
+              <a:rPr lang="en-US" altLang="zh-CN" dirty="0" err="1"/>
+              <a:t>Redis</a:t>
+            </a:r>
+            <a:r>
+              <a:rPr lang="en-US" altLang="zh-CN" dirty="0"/>
+              <a:t> </a:t>
+            </a:r>
+            <a:r>
+              <a:rPr lang="zh-CN" altLang="en-US" dirty="0"/>
+              <a:t>在长期运行的过程中，</a:t>
+            </a:r>
+            <a:r>
+              <a:rPr lang="en-US" altLang="zh-CN" dirty="0"/>
+              <a:t>AOF </a:t>
+            </a:r>
+            <a:r>
+              <a:rPr lang="zh-CN" altLang="en-US" dirty="0"/>
+              <a:t>的日志会越变越长。如果实例宕机重启，重放整个 </a:t>
+            </a:r>
+            <a:r>
+              <a:rPr lang="en-US" altLang="zh-CN" dirty="0"/>
+              <a:t>AOF </a:t>
+            </a:r>
+            <a:r>
+              <a:rPr lang="zh-CN" altLang="en-US" dirty="0"/>
+              <a:t>日志会非常耗时，导致长时间 </a:t>
+            </a:r>
+            <a:r>
+              <a:rPr lang="en-US" altLang="zh-CN" dirty="0" err="1"/>
+              <a:t>Redis</a:t>
+            </a:r>
+            <a:r>
+              <a:rPr lang="en-US" altLang="zh-CN" dirty="0"/>
+              <a:t> </a:t>
+            </a:r>
+            <a:r>
+              <a:rPr lang="zh-CN" altLang="en-US" dirty="0"/>
+              <a:t>无法对外提供服务。所以需要对 </a:t>
+            </a:r>
+            <a:r>
+              <a:rPr lang="en-US" altLang="zh-CN" dirty="0"/>
+              <a:t>AOF </a:t>
+            </a:r>
+            <a:r>
+              <a:rPr lang="zh-CN" altLang="en-US" dirty="0"/>
+              <a:t>日志瘦身</a:t>
+            </a:r>
+            <a:r>
+              <a:rPr lang="zh-CN" altLang="en-US" dirty="0" smtClean="0"/>
+              <a:t>。</a:t>
+            </a:r>
+            <a:endParaRPr lang="zh-CN" altLang="en-US" dirty="0"/>
+          </a:p>
+        </p:txBody>
+      </p:sp>
+    </p:spTree>
+    <p:extLst>
+      <p:ext uri="{BB962C8B-B14F-4D97-AF65-F5344CB8AC3E}">
+        <p14:creationId xmlns:p14="http://schemas.microsoft.com/office/powerpoint/2010/main" val="750205416"/>
+      </p:ext>
+    </p:extLst>
+  </p:cSld>
+  <p:clrMapOvr>
+    <a:masterClrMapping/>
+  </p:clrMapOvr>
+</p:sld>
+</file>
+
+<file path=ppt/slides/slide36.xml><?xml version="1.0" encoding="utf-8"?>
+<p:sld xmlns:a="http://schemas.openxmlformats.org/drawingml/2006/main" xmlns:r="http://schemas.openxmlformats.org/officeDocument/2006/relationships" xmlns:p="http://schemas.openxmlformats.org/presentationml/2006/main">
+  <p:cSld>
+    <p:spTree>
+      <p:nvGrpSpPr>
+        <p:cNvPr id="1" name=""/>
+        <p:cNvGrpSpPr/>
+        <p:nvPr/>
+      </p:nvGrpSpPr>
+      <p:grpSpPr>
+        <a:xfrm>
+          <a:off x="0" y="0"/>
+          <a:ext cx="0" cy="0"/>
+          <a:chOff x="0" y="0"/>
+          <a:chExt cx="0" cy="0"/>
+        </a:xfrm>
+      </p:grpSpPr>
+      <p:sp>
+        <p:nvSpPr>
+          <p:cNvPr id="2" name="Title 1"/>
+          <p:cNvSpPr>
+            <a:spLocks noGrp="1"/>
+          </p:cNvSpPr>
+          <p:nvPr>
+            <p:ph type="title"/>
+          </p:nvPr>
+        </p:nvSpPr>
+        <p:spPr/>
+        <p:txBody>
+          <a:bodyPr>
+            <a:normAutofit/>
+          </a:bodyPr>
+          <a:lstStyle/>
+          <a:p>
+            <a:r>
+              <a:rPr lang="en-US" b="1" dirty="0"/>
+              <a:t>AOF </a:t>
+            </a:r>
+            <a:r>
+              <a:rPr lang="en-US" b="1" dirty="0" smtClean="0"/>
+              <a:t>重写</a:t>
+            </a:r>
+            <a:endParaRPr lang="en-US" dirty="0"/>
+          </a:p>
+        </p:txBody>
+      </p:sp>
+      <p:sp>
+        <p:nvSpPr>
+          <p:cNvPr id="3" name="Content Placeholder 2"/>
+          <p:cNvSpPr>
+            <a:spLocks noGrp="1"/>
+          </p:cNvSpPr>
+          <p:nvPr>
+            <p:ph idx="1"/>
+          </p:nvPr>
+        </p:nvSpPr>
+        <p:spPr/>
+        <p:txBody>
+          <a:bodyPr>
+            <a:normAutofit fontScale="77500" lnSpcReduction="20000"/>
+          </a:bodyPr>
+          <a:lstStyle/>
+          <a:p>
+            <a:r>
+              <a:rPr lang="en-US" altLang="zh-CN" dirty="0" err="1"/>
+              <a:t>Redis</a:t>
+            </a:r>
+            <a:r>
+              <a:rPr lang="en-US" altLang="zh-CN" dirty="0"/>
+              <a:t> </a:t>
+            </a:r>
+            <a:r>
+              <a:rPr lang="zh-CN" altLang="en-US" dirty="0"/>
+              <a:t>提供了 </a:t>
+            </a:r>
+            <a:r>
+              <a:rPr lang="en-US" altLang="zh-CN" dirty="0" err="1"/>
+              <a:t>bgrewriteaof</a:t>
+            </a:r>
+            <a:r>
+              <a:rPr lang="en-US" altLang="zh-CN" dirty="0"/>
+              <a:t> </a:t>
+            </a:r>
+            <a:r>
+              <a:rPr lang="zh-CN" altLang="en-US" dirty="0"/>
+              <a:t>指令用于对 </a:t>
+            </a:r>
+            <a:r>
+              <a:rPr lang="en-US" altLang="zh-CN" dirty="0"/>
+              <a:t>AOF </a:t>
+            </a:r>
+            <a:r>
+              <a:rPr lang="zh-CN" altLang="en-US" dirty="0"/>
+              <a:t>日志进行瘦身。其原理就是开辟一个子进程对内存进行遍历转换成一系列 </a:t>
+            </a:r>
+            <a:r>
+              <a:rPr lang="en-US" altLang="zh-CN" dirty="0" err="1"/>
+              <a:t>Redis</a:t>
+            </a:r>
+            <a:r>
+              <a:rPr lang="en-US" altLang="zh-CN" dirty="0"/>
+              <a:t> </a:t>
+            </a:r>
+            <a:r>
+              <a:rPr lang="zh-CN" altLang="en-US" dirty="0"/>
+              <a:t>的操作指令，序列化到一个新的 </a:t>
+            </a:r>
+            <a:r>
+              <a:rPr lang="en-US" altLang="zh-CN" dirty="0"/>
+              <a:t>AOF </a:t>
+            </a:r>
+            <a:r>
+              <a:rPr lang="zh-CN" altLang="en-US" dirty="0"/>
+              <a:t>日志文件中。序列化完毕后再将操作期间发生的增量 </a:t>
+            </a:r>
+            <a:r>
+              <a:rPr lang="en-US" altLang="zh-CN" dirty="0"/>
+              <a:t>AOF </a:t>
+            </a:r>
+            <a:r>
+              <a:rPr lang="zh-CN" altLang="en-US" dirty="0"/>
+              <a:t>日志追加到这个新的 </a:t>
+            </a:r>
+            <a:r>
+              <a:rPr lang="en-US" altLang="zh-CN" dirty="0"/>
+              <a:t>AOF </a:t>
+            </a:r>
+            <a:r>
+              <a:rPr lang="zh-CN" altLang="en-US" dirty="0"/>
+              <a:t>日志文件中，追加完毕后就立即替代旧的 </a:t>
+            </a:r>
+            <a:r>
+              <a:rPr lang="en-US" altLang="zh-CN" dirty="0"/>
+              <a:t>AOF </a:t>
+            </a:r>
+            <a:r>
+              <a:rPr lang="zh-CN" altLang="en-US" dirty="0"/>
+              <a:t>日志文件了，瘦身工作就完成了</a:t>
+            </a:r>
+            <a:r>
+              <a:rPr lang="zh-CN" altLang="en-US" dirty="0" smtClean="0"/>
+              <a:t>。</a:t>
+            </a:r>
+            <a:endParaRPr lang="en-US" altLang="zh-CN" dirty="0" smtClean="0"/>
+          </a:p>
+          <a:p>
+            <a:r>
+              <a:rPr lang="zh-CN" altLang="en-US" dirty="0" smtClean="0"/>
+              <a:t>例如</a:t>
+            </a:r>
+            <a:endParaRPr lang="en-US" altLang="zh-CN" dirty="0" smtClean="0"/>
+          </a:p>
+          <a:p>
+            <a:pPr lvl="1"/>
+            <a:r>
+              <a:rPr lang="en-US" altLang="zh-CN" dirty="0" smtClean="0"/>
+              <a:t>set</a:t>
+            </a:r>
+            <a:r>
+              <a:rPr lang="zh-CN" altLang="en-US" dirty="0" smtClean="0"/>
+              <a:t> </a:t>
+            </a:r>
+            <a:r>
+              <a:rPr lang="en-US" altLang="zh-CN" dirty="0" smtClean="0"/>
+              <a:t>a</a:t>
+            </a:r>
+            <a:r>
+              <a:rPr lang="zh-CN" altLang="en-US" dirty="0" smtClean="0"/>
+              <a:t> </a:t>
+            </a:r>
+            <a:r>
+              <a:rPr lang="en-US" altLang="zh-CN" dirty="0" smtClean="0"/>
+              <a:t>1</a:t>
+            </a:r>
+          </a:p>
+          <a:p>
+            <a:pPr lvl="1"/>
+            <a:r>
+              <a:rPr lang="en-US" altLang="zh-CN" dirty="0" smtClean="0"/>
+              <a:t>set</a:t>
+            </a:r>
+            <a:r>
+              <a:rPr lang="zh-CN" altLang="en-US" dirty="0" smtClean="0"/>
+              <a:t> </a:t>
+            </a:r>
+            <a:r>
+              <a:rPr lang="en-US" altLang="zh-CN" dirty="0" smtClean="0"/>
+              <a:t>a</a:t>
+            </a:r>
+            <a:r>
+              <a:rPr lang="zh-CN" altLang="en-US" dirty="0" smtClean="0"/>
+              <a:t> </a:t>
+            </a:r>
+            <a:r>
+              <a:rPr lang="en-US" altLang="zh-CN" dirty="0" smtClean="0"/>
+              <a:t>2</a:t>
+            </a:r>
+          </a:p>
+          <a:p>
+            <a:pPr lvl="1"/>
+            <a:r>
+              <a:rPr lang="en-US" altLang="zh-CN" dirty="0" smtClean="0"/>
+              <a:t>set</a:t>
+            </a:r>
+            <a:r>
+              <a:rPr lang="zh-CN" altLang="en-US" dirty="0" smtClean="0"/>
+              <a:t> </a:t>
+            </a:r>
+            <a:r>
+              <a:rPr lang="en-US" altLang="zh-CN" dirty="0" smtClean="0"/>
+              <a:t>a</a:t>
+            </a:r>
+            <a:r>
+              <a:rPr lang="zh-CN" altLang="en-US" dirty="0" smtClean="0"/>
+              <a:t> </a:t>
+            </a:r>
+            <a:r>
+              <a:rPr lang="en-US" altLang="zh-CN" dirty="0" smtClean="0"/>
+              <a:t>3</a:t>
+            </a:r>
+          </a:p>
+          <a:p>
+            <a:pPr lvl="1"/>
+            <a:r>
+              <a:rPr lang="en-US" altLang="zh-CN" dirty="0" smtClean="0">
+                <a:sym typeface="Wingdings"/>
+              </a:rPr>
+              <a:t></a:t>
+            </a:r>
+            <a:r>
+              <a:rPr lang="zh-CN" altLang="en-US" dirty="0" smtClean="0">
+                <a:sym typeface="Wingdings"/>
+              </a:rPr>
+              <a:t>重写为</a:t>
+            </a:r>
+            <a:endParaRPr lang="en-US" altLang="zh-CN" dirty="0" smtClean="0">
+              <a:sym typeface="Wingdings"/>
+            </a:endParaRPr>
+          </a:p>
+          <a:p>
+            <a:pPr lvl="1"/>
+            <a:r>
+              <a:rPr lang="en-US" altLang="zh-CN" dirty="0" smtClean="0">
+                <a:sym typeface="Wingdings"/>
+              </a:rPr>
+              <a:t>set</a:t>
+            </a:r>
+            <a:r>
+              <a:rPr lang="zh-CN" altLang="en-US" dirty="0" smtClean="0">
+                <a:sym typeface="Wingdings"/>
+              </a:rPr>
+              <a:t> </a:t>
+            </a:r>
+            <a:r>
+              <a:rPr lang="en-US" altLang="zh-CN" dirty="0" smtClean="0">
+                <a:sym typeface="Wingdings"/>
+              </a:rPr>
+              <a:t>a</a:t>
+            </a:r>
+            <a:r>
+              <a:rPr lang="zh-CN" altLang="en-US" dirty="0" smtClean="0">
+                <a:sym typeface="Wingdings"/>
+              </a:rPr>
+              <a:t> </a:t>
+            </a:r>
+            <a:r>
+              <a:rPr lang="en-US" altLang="zh-CN" dirty="0" smtClean="0">
+                <a:sym typeface="Wingdings"/>
+              </a:rPr>
+              <a:t>3</a:t>
+            </a:r>
+            <a:endParaRPr lang="en-US" dirty="0"/>
+          </a:p>
+        </p:txBody>
+      </p:sp>
+    </p:spTree>
+    <p:extLst>
+      <p:ext uri="{BB962C8B-B14F-4D97-AF65-F5344CB8AC3E}">
+        <p14:creationId xmlns:p14="http://schemas.microsoft.com/office/powerpoint/2010/main" val="347486831"/>
+      </p:ext>
+    </p:extLst>
+  </p:cSld>
+  <p:clrMapOvr>
+    <a:masterClrMapping/>
+  </p:clrMapOvr>
+</p:sld>
+</file>
+
+<file path=ppt/slides/slide37.xml><?xml version="1.0" encoding="utf-8"?>
+<p:sld xmlns:a="http://schemas.openxmlformats.org/drawingml/2006/main" xmlns:r="http://schemas.openxmlformats.org/officeDocument/2006/relationships" xmlns:p="http://schemas.openxmlformats.org/presentationml/2006/main">
+  <p:cSld>
+    <p:spTree>
+      <p:nvGrpSpPr>
+        <p:cNvPr id="1" name=""/>
+        <p:cNvGrpSpPr/>
+        <p:nvPr/>
+      </p:nvGrpSpPr>
+      <p:grpSpPr>
+        <a:xfrm>
+          <a:off x="0" y="0"/>
+          <a:ext cx="0" cy="0"/>
+          <a:chOff x="0" y="0"/>
+          <a:chExt cx="0" cy="0"/>
+        </a:xfrm>
+      </p:grpSpPr>
+      <p:sp>
+        <p:nvSpPr>
+          <p:cNvPr id="2" name="Title 1"/>
+          <p:cNvSpPr>
+            <a:spLocks noGrp="1"/>
+          </p:cNvSpPr>
+          <p:nvPr>
+            <p:ph type="title"/>
+          </p:nvPr>
+        </p:nvSpPr>
+        <p:spPr/>
+        <p:txBody>
           <a:bodyPr>
             <a:normAutofit/>
           </a:bodyPr>
@@ -9504,7 +9679,7 @@
 </p:sld>
 </file>
 
-<file path=ppt/slides/slide35.xml><?xml version="1.0" encoding="utf-8"?>
+<file path=ppt/slides/slide38.xml><?xml version="1.0" encoding="utf-8"?>
 <p:sld xmlns:a="http://schemas.openxmlformats.org/drawingml/2006/main" xmlns:r="http://schemas.openxmlformats.org/officeDocument/2006/relationships" xmlns:p="http://schemas.openxmlformats.org/presentationml/2006/main">
   <p:cSld>
     <p:spTree>
@@ -9765,7 +9940,7 @@
 </p:sld>
 </file>
 
-<file path=ppt/slides/slide36.xml><?xml version="1.0" encoding="utf-8"?>
+<file path=ppt/slides/slide39.xml><?xml version="1.0" encoding="utf-8"?>
 <p:sld xmlns:a="http://schemas.openxmlformats.org/drawingml/2006/main" xmlns:r="http://schemas.openxmlformats.org/officeDocument/2006/relationships" xmlns:p="http://schemas.openxmlformats.org/presentationml/2006/main">
   <p:cSld>
     <p:spTree>
@@ -9926,479 +10101,6 @@
     <p:extLst>
       <p:ext uri="{BB962C8B-B14F-4D97-AF65-F5344CB8AC3E}">
         <p14:creationId xmlns:p14="http://schemas.microsoft.com/office/powerpoint/2010/main" val="89354263"/>
-      </p:ext>
-    </p:extLst>
-  </p:cSld>
-  <p:clrMapOvr>
-    <a:masterClrMapping/>
-  </p:clrMapOvr>
-</p:sld>
-</file>
-
-<file path=ppt/slides/slide37.xml><?xml version="1.0" encoding="utf-8"?>
-<p:sld xmlns:a="http://schemas.openxmlformats.org/drawingml/2006/main" xmlns:r="http://schemas.openxmlformats.org/officeDocument/2006/relationships" xmlns:p="http://schemas.openxmlformats.org/presentationml/2006/main">
-  <p:cSld>
-    <p:spTree>
-      <p:nvGrpSpPr>
-        <p:cNvPr id="1" name=""/>
-        <p:cNvGrpSpPr/>
-        <p:nvPr/>
-      </p:nvGrpSpPr>
-      <p:grpSpPr>
-        <a:xfrm>
-          <a:off x="0" y="0"/>
-          <a:ext cx="0" cy="0"/>
-          <a:chOff x="0" y="0"/>
-          <a:chExt cx="0" cy="0"/>
-        </a:xfrm>
-      </p:grpSpPr>
-      <p:pic>
-        <p:nvPicPr>
-          <p:cNvPr id="4098" name="Picture 2" descr="https://user-gold-cdn.xitu.io/2018/7/4/164642389477ff9e?imageslim"/>
-          <p:cNvPicPr>
-            <a:picLocks noChangeAspect="1" noChangeArrowheads="1"/>
-          </p:cNvPicPr>
-          <p:nvPr/>
-        </p:nvPicPr>
-        <p:blipFill>
-          <a:blip r:embed="rId2">
-            <a:extLst>
-              <a:ext uri="{28A0092B-C50C-407E-A947-70E740481C1C}">
-                <a14:useLocalDpi xmlns:a14="http://schemas.microsoft.com/office/drawing/2010/main" val="0"/>
-              </a:ext>
-            </a:extLst>
-          </a:blip>
-          <a:srcRect/>
-          <a:stretch>
-            <a:fillRect/>
-          </a:stretch>
-        </p:blipFill>
-        <p:spPr bwMode="auto">
-          <a:xfrm>
-            <a:off x="4283968" y="1565222"/>
-            <a:ext cx="5124450" cy="3724275"/>
-          </a:xfrm>
-          <a:prstGeom prst="rect">
-            <a:avLst/>
-          </a:prstGeom>
-          <a:noFill/>
-          <a:extLst>
-            <a:ext uri="{909E8E84-426E-40DD-AFC4-6F175D3DCCD1}">
-              <a14:hiddenFill xmlns:a14="http://schemas.microsoft.com/office/drawing/2010/main">
-                <a:solidFill>
-                  <a:srgbClr val="FFFFFF"/>
-                </a:solidFill>
-              </a14:hiddenFill>
-            </a:ext>
-          </a:extLst>
-        </p:spPr>
-      </p:pic>
-      <p:sp>
-        <p:nvSpPr>
-          <p:cNvPr id="2" name="Title 1"/>
-          <p:cNvSpPr>
-            <a:spLocks noGrp="1"/>
-          </p:cNvSpPr>
-          <p:nvPr>
-            <p:ph type="title"/>
-          </p:nvPr>
-        </p:nvSpPr>
-        <p:spPr/>
-        <p:txBody>
-          <a:bodyPr/>
-          <a:lstStyle/>
-          <a:p>
-            <a:endParaRPr lang="en-US"/>
-          </a:p>
-        </p:txBody>
-      </p:sp>
-      <p:sp>
-        <p:nvSpPr>
-          <p:cNvPr id="3" name="Content Placeholder 2"/>
-          <p:cNvSpPr>
-            <a:spLocks noGrp="1"/>
-          </p:cNvSpPr>
-          <p:nvPr>
-            <p:ph idx="1"/>
-          </p:nvPr>
-        </p:nvSpPr>
-        <p:spPr>
-          <a:xfrm>
-            <a:off x="457200" y="1600200"/>
-            <a:ext cx="4618856" cy="4525963"/>
-          </a:xfrm>
-        </p:spPr>
-        <p:txBody>
-          <a:bodyPr>
-            <a:normAutofit fontScale="70000" lnSpcReduction="20000"/>
-          </a:bodyPr>
-          <a:lstStyle/>
-          <a:p>
-            <a:r>
-              <a:rPr lang="zh-CN" altLang="en-US" dirty="0"/>
-              <a:t>在网络分区发生时，两个分布式节点之间无法进行通信，我们对一个节点进行的修改操作将无法同步到另外一个节点，所以数据的「</a:t>
-            </a:r>
-            <a:r>
-              <a:rPr lang="zh-CN" altLang="en-US" b="1" dirty="0"/>
-              <a:t>一致性</a:t>
-            </a:r>
-            <a:r>
-              <a:rPr lang="zh-CN" altLang="en-US" dirty="0"/>
-              <a:t>」将无法满足，因为两个分布式节点的数据不再保持一致。除非我们牺牲「</a:t>
-            </a:r>
-            <a:r>
-              <a:rPr lang="zh-CN" altLang="en-US" b="1" dirty="0"/>
-              <a:t>可用性</a:t>
-            </a:r>
-            <a:r>
-              <a:rPr lang="zh-CN" altLang="en-US" dirty="0"/>
-              <a:t>」，也就是暂停分布式节点服务，在网络分区发生时，不再提供修改数据的功能，直到网络状况完全恢复正常再继续对外提供服务</a:t>
-            </a:r>
-            <a:r>
-              <a:rPr lang="zh-CN" altLang="en-US" dirty="0" smtClean="0"/>
-              <a:t>。</a:t>
-            </a:r>
-            <a:endParaRPr lang="en-US" altLang="zh-CN" dirty="0" smtClean="0"/>
-          </a:p>
-          <a:p>
-            <a:r>
-              <a:rPr lang="zh-CN" altLang="en-US" dirty="0" smtClean="0"/>
-              <a:t>一</a:t>
-            </a:r>
-            <a:r>
-              <a:rPr lang="zh-CN" altLang="en-US" dirty="0"/>
-              <a:t>句话概括 </a:t>
-            </a:r>
-            <a:r>
-              <a:rPr lang="en-US" altLang="zh-CN" dirty="0"/>
-              <a:t>CAP </a:t>
-            </a:r>
-            <a:r>
-              <a:rPr lang="zh-CN" altLang="en-US" dirty="0"/>
-              <a:t>原理就是</a:t>
-            </a:r>
-            <a:r>
-              <a:rPr lang="en-US" altLang="zh-CN" dirty="0"/>
-              <a:t>——</a:t>
-            </a:r>
-            <a:r>
-              <a:rPr lang="zh-CN" altLang="en-US" b="1" dirty="0"/>
-              <a:t>网络分区发生时，一致性和可用性两难全</a:t>
-            </a:r>
-            <a:r>
-              <a:rPr lang="zh-CN" altLang="en-US" dirty="0"/>
-              <a:t>。</a:t>
-            </a:r>
-            <a:endParaRPr lang="en-US" dirty="0"/>
-          </a:p>
-        </p:txBody>
-      </p:sp>
-    </p:spTree>
-    <p:extLst>
-      <p:ext uri="{BB962C8B-B14F-4D97-AF65-F5344CB8AC3E}">
-        <p14:creationId xmlns:p14="http://schemas.microsoft.com/office/powerpoint/2010/main" val="119090325"/>
-      </p:ext>
-    </p:extLst>
-  </p:cSld>
-  <p:clrMapOvr>
-    <a:masterClrMapping/>
-  </p:clrMapOvr>
-</p:sld>
-</file>
-
-<file path=ppt/slides/slide38.xml><?xml version="1.0" encoding="utf-8"?>
-<p:sld xmlns:a="http://schemas.openxmlformats.org/drawingml/2006/main" xmlns:r="http://schemas.openxmlformats.org/officeDocument/2006/relationships" xmlns:p="http://schemas.openxmlformats.org/presentationml/2006/main">
-  <p:cSld>
-    <p:spTree>
-      <p:nvGrpSpPr>
-        <p:cNvPr id="1" name=""/>
-        <p:cNvGrpSpPr/>
-        <p:nvPr/>
-      </p:nvGrpSpPr>
-      <p:grpSpPr>
-        <a:xfrm>
-          <a:off x="0" y="0"/>
-          <a:ext cx="0" cy="0"/>
-          <a:chOff x="0" y="0"/>
-          <a:chExt cx="0" cy="0"/>
-        </a:xfrm>
-      </p:grpSpPr>
-      <p:sp>
-        <p:nvSpPr>
-          <p:cNvPr id="2" name="Title 1"/>
-          <p:cNvSpPr>
-            <a:spLocks noGrp="1"/>
-          </p:cNvSpPr>
-          <p:nvPr>
-            <p:ph type="title"/>
-          </p:nvPr>
-        </p:nvSpPr>
-        <p:spPr/>
-        <p:txBody>
-          <a:bodyPr>
-            <a:normAutofit/>
-          </a:bodyPr>
-          <a:lstStyle/>
-          <a:p>
-            <a:r>
-              <a:rPr lang="zh-CN" altLang="en-US" b="1" dirty="0"/>
-              <a:t>主从</a:t>
-            </a:r>
-            <a:r>
-              <a:rPr lang="zh-CN" altLang="en-US" b="1" dirty="0" smtClean="0"/>
-              <a:t>同步</a:t>
-            </a:r>
-            <a:endParaRPr lang="en-US" dirty="0"/>
-          </a:p>
-        </p:txBody>
-      </p:sp>
-      <p:sp>
-        <p:nvSpPr>
-          <p:cNvPr id="3" name="Content Placeholder 2"/>
-          <p:cNvSpPr>
-            <a:spLocks noGrp="1"/>
-          </p:cNvSpPr>
-          <p:nvPr>
-            <p:ph idx="1"/>
-          </p:nvPr>
-        </p:nvSpPr>
-        <p:spPr/>
-        <p:txBody>
-          <a:bodyPr/>
-          <a:lstStyle/>
-          <a:p>
-            <a:r>
-              <a:rPr lang="en-US" altLang="zh-CN" dirty="0" err="1"/>
-              <a:t>Redis</a:t>
-            </a:r>
-            <a:r>
-              <a:rPr lang="en-US" altLang="zh-CN" dirty="0"/>
-              <a:t> </a:t>
-            </a:r>
-            <a:r>
-              <a:rPr lang="zh-CN" altLang="en-US" dirty="0"/>
-              <a:t>同步支持主从同步和从从同步，从从同步功能是 </a:t>
-            </a:r>
-            <a:r>
-              <a:rPr lang="en-US" altLang="zh-CN" dirty="0" err="1"/>
-              <a:t>Redis</a:t>
-            </a:r>
-            <a:r>
-              <a:rPr lang="en-US" altLang="zh-CN" dirty="0"/>
-              <a:t> </a:t>
-            </a:r>
-            <a:r>
-              <a:rPr lang="zh-CN" altLang="en-US" dirty="0"/>
-              <a:t>后续版本增加的功能，为了减轻主库的同步负担。后面为了描述上的方便，统一理解为主从同步。</a:t>
-            </a:r>
-            <a:endParaRPr lang="en-US" dirty="0"/>
-          </a:p>
-        </p:txBody>
-      </p:sp>
-      <p:pic>
-        <p:nvPicPr>
-          <p:cNvPr id="5122" name="Picture 2" descr="https://user-gold-cdn.xitu.io/2018/7/4/164641d454a0e67a?imageslim"/>
-          <p:cNvPicPr>
-            <a:picLocks noChangeAspect="1" noChangeArrowheads="1"/>
-          </p:cNvPicPr>
-          <p:nvPr/>
-        </p:nvPicPr>
-        <p:blipFill>
-          <a:blip r:embed="rId2">
-            <a:extLst>
-              <a:ext uri="{28A0092B-C50C-407E-A947-70E740481C1C}">
-                <a14:useLocalDpi xmlns:a14="http://schemas.microsoft.com/office/drawing/2010/main" val="0"/>
-              </a:ext>
-            </a:extLst>
-          </a:blip>
-          <a:srcRect/>
-          <a:stretch>
-            <a:fillRect/>
-          </a:stretch>
-        </p:blipFill>
-        <p:spPr bwMode="auto">
-          <a:xfrm>
-            <a:off x="894420" y="3832575"/>
-            <a:ext cx="7355160" cy="3044397"/>
-          </a:xfrm>
-          <a:prstGeom prst="rect">
-            <a:avLst/>
-          </a:prstGeom>
-          <a:noFill/>
-          <a:extLst>
-            <a:ext uri="{909E8E84-426E-40DD-AFC4-6F175D3DCCD1}">
-              <a14:hiddenFill xmlns:a14="http://schemas.microsoft.com/office/drawing/2010/main">
-                <a:solidFill>
-                  <a:srgbClr val="FFFFFF"/>
-                </a:solidFill>
-              </a14:hiddenFill>
-            </a:ext>
-          </a:extLst>
-        </p:spPr>
-      </p:pic>
-    </p:spTree>
-    <p:extLst>
-      <p:ext uri="{BB962C8B-B14F-4D97-AF65-F5344CB8AC3E}">
-        <p14:creationId xmlns:p14="http://schemas.microsoft.com/office/powerpoint/2010/main" val="559430886"/>
-      </p:ext>
-    </p:extLst>
-  </p:cSld>
-  <p:clrMapOvr>
-    <a:masterClrMapping/>
-  </p:clrMapOvr>
-</p:sld>
-</file>
-
-<file path=ppt/slides/slide39.xml><?xml version="1.0" encoding="utf-8"?>
-<p:sld xmlns:a="http://schemas.openxmlformats.org/drawingml/2006/main" xmlns:r="http://schemas.openxmlformats.org/officeDocument/2006/relationships" xmlns:p="http://schemas.openxmlformats.org/presentationml/2006/main">
-  <p:cSld>
-    <p:spTree>
-      <p:nvGrpSpPr>
-        <p:cNvPr id="1" name=""/>
-        <p:cNvGrpSpPr/>
-        <p:nvPr/>
-      </p:nvGrpSpPr>
-      <p:grpSpPr>
-        <a:xfrm>
-          <a:off x="0" y="0"/>
-          <a:ext cx="0" cy="0"/>
-          <a:chOff x="0" y="0"/>
-          <a:chExt cx="0" cy="0"/>
-        </a:xfrm>
-      </p:grpSpPr>
-      <p:sp>
-        <p:nvSpPr>
-          <p:cNvPr id="2" name="Title 1"/>
-          <p:cNvSpPr>
-            <a:spLocks noGrp="1"/>
-          </p:cNvSpPr>
-          <p:nvPr>
-            <p:ph type="title"/>
-          </p:nvPr>
-        </p:nvSpPr>
-        <p:spPr/>
-        <p:txBody>
-          <a:bodyPr>
-            <a:normAutofit/>
-          </a:bodyPr>
-          <a:lstStyle/>
-          <a:p>
-            <a:r>
-              <a:rPr lang="zh-CN" altLang="en-US" b="1" dirty="0"/>
-              <a:t>增量</a:t>
-            </a:r>
-            <a:r>
-              <a:rPr lang="zh-CN" altLang="en-US" b="1" dirty="0" smtClean="0"/>
-              <a:t>同步</a:t>
-            </a:r>
-            <a:endParaRPr lang="en-US" dirty="0"/>
-          </a:p>
-        </p:txBody>
-      </p:sp>
-      <p:sp>
-        <p:nvSpPr>
-          <p:cNvPr id="3" name="Content Placeholder 2"/>
-          <p:cNvSpPr>
-            <a:spLocks noGrp="1"/>
-          </p:cNvSpPr>
-          <p:nvPr>
-            <p:ph idx="1"/>
-          </p:nvPr>
-        </p:nvSpPr>
-        <p:spPr/>
-        <p:txBody>
-          <a:bodyPr>
-            <a:normAutofit fontScale="85000" lnSpcReduction="20000"/>
-          </a:bodyPr>
-          <a:lstStyle/>
-          <a:p>
-            <a:r>
-              <a:rPr lang="en-US" altLang="zh-CN" dirty="0" err="1"/>
-              <a:t>Redis</a:t>
-            </a:r>
-            <a:r>
-              <a:rPr lang="en-US" altLang="zh-CN" dirty="0"/>
-              <a:t> </a:t>
-            </a:r>
-            <a:r>
-              <a:rPr lang="zh-CN" altLang="en-US" dirty="0"/>
-              <a:t>同步的是指令流，主节点会将那些对自己的状态产生修改性影响的指令记录在本地的内存 </a:t>
-            </a:r>
-            <a:r>
-              <a:rPr lang="en-US" altLang="zh-CN" dirty="0"/>
-              <a:t>buffer </a:t>
-            </a:r>
-            <a:r>
-              <a:rPr lang="zh-CN" altLang="en-US" dirty="0"/>
-              <a:t>中，然后异步将 </a:t>
-            </a:r>
-            <a:r>
-              <a:rPr lang="en-US" altLang="zh-CN" dirty="0"/>
-              <a:t>buffer </a:t>
-            </a:r>
-            <a:r>
-              <a:rPr lang="zh-CN" altLang="en-US" dirty="0"/>
-              <a:t>中的指令同步到从节点，从节点一边执行同步的指令流来达到和主节点一样的状态，一边向主节点反馈自己同步到哪里了 </a:t>
-            </a:r>
-            <a:r>
-              <a:rPr lang="en-US" altLang="zh-CN" dirty="0"/>
-              <a:t>(</a:t>
-            </a:r>
-            <a:r>
-              <a:rPr lang="zh-CN" altLang="en-US" dirty="0"/>
-              <a:t>偏移量</a:t>
-            </a:r>
-            <a:r>
-              <a:rPr lang="en-US" altLang="zh-CN" dirty="0"/>
-              <a:t>)</a:t>
-            </a:r>
-            <a:r>
-              <a:rPr lang="zh-CN" altLang="en-US" dirty="0" smtClean="0"/>
-              <a:t>。</a:t>
-            </a:r>
-            <a:endParaRPr lang="en-US" altLang="zh-CN" dirty="0" smtClean="0"/>
-          </a:p>
-          <a:p>
-            <a:r>
-              <a:rPr lang="zh-CN" altLang="en-US" dirty="0"/>
-              <a:t>如果因为网络状况不好，从节点在短时间内无法和主节点进行同步，那么当网络状况恢复时，</a:t>
-            </a:r>
-            <a:r>
-              <a:rPr lang="en-US" altLang="zh-CN" dirty="0" err="1"/>
-              <a:t>Redis</a:t>
-            </a:r>
-            <a:r>
-              <a:rPr lang="en-US" altLang="zh-CN" dirty="0"/>
-              <a:t> </a:t>
-            </a:r>
-            <a:r>
-              <a:rPr lang="zh-CN" altLang="en-US" dirty="0"/>
-              <a:t>的主节点中那些没有同步的指令在 </a:t>
-            </a:r>
-            <a:r>
-              <a:rPr lang="en-US" altLang="zh-CN" dirty="0"/>
-              <a:t>buffer </a:t>
-            </a:r>
-            <a:r>
-              <a:rPr lang="zh-CN" altLang="en-US" dirty="0"/>
-              <a:t>中有可能已经被后续的指令覆盖掉了，从节点将无法直接通过指令流来进行同步，这个时候就需要用到更加复杂的同步机制 </a:t>
-            </a:r>
-            <a:r>
-              <a:rPr lang="en-US" altLang="zh-CN" dirty="0"/>
-              <a:t>—— </a:t>
-            </a:r>
-            <a:r>
-              <a:rPr lang="zh-CN" altLang="en-US" dirty="0"/>
-              <a:t>快照同步。</a:t>
-            </a:r>
-            <a:endParaRPr lang="en-US" dirty="0"/>
-          </a:p>
-        </p:txBody>
-      </p:sp>
-    </p:spTree>
-    <p:extLst>
-      <p:ext uri="{BB962C8B-B14F-4D97-AF65-F5344CB8AC3E}">
-        <p14:creationId xmlns:p14="http://schemas.microsoft.com/office/powerpoint/2010/main" val="1741474599"/>
       </p:ext>
     </p:extLst>
   </p:cSld>
@@ -10587,6 +10289,479 @@
           <a:chExt cx="0" cy="0"/>
         </a:xfrm>
       </p:grpSpPr>
+      <p:pic>
+        <p:nvPicPr>
+          <p:cNvPr id="4098" name="Picture 2" descr="https://user-gold-cdn.xitu.io/2018/7/4/164642389477ff9e?imageslim"/>
+          <p:cNvPicPr>
+            <a:picLocks noChangeAspect="1" noChangeArrowheads="1"/>
+          </p:cNvPicPr>
+          <p:nvPr/>
+        </p:nvPicPr>
+        <p:blipFill>
+          <a:blip r:embed="rId2">
+            <a:extLst>
+              <a:ext uri="{28A0092B-C50C-407E-A947-70E740481C1C}">
+                <a14:useLocalDpi xmlns:a14="http://schemas.microsoft.com/office/drawing/2010/main" val="0"/>
+              </a:ext>
+            </a:extLst>
+          </a:blip>
+          <a:srcRect/>
+          <a:stretch>
+            <a:fillRect/>
+          </a:stretch>
+        </p:blipFill>
+        <p:spPr bwMode="auto">
+          <a:xfrm>
+            <a:off x="4283968" y="1565222"/>
+            <a:ext cx="5124450" cy="3724275"/>
+          </a:xfrm>
+          <a:prstGeom prst="rect">
+            <a:avLst/>
+          </a:prstGeom>
+          <a:noFill/>
+          <a:extLst>
+            <a:ext uri="{909E8E84-426E-40DD-AFC4-6F175D3DCCD1}">
+              <a14:hiddenFill xmlns:a14="http://schemas.microsoft.com/office/drawing/2010/main">
+                <a:solidFill>
+                  <a:srgbClr val="FFFFFF"/>
+                </a:solidFill>
+              </a14:hiddenFill>
+            </a:ext>
+          </a:extLst>
+        </p:spPr>
+      </p:pic>
+      <p:sp>
+        <p:nvSpPr>
+          <p:cNvPr id="2" name="Title 1"/>
+          <p:cNvSpPr>
+            <a:spLocks noGrp="1"/>
+          </p:cNvSpPr>
+          <p:nvPr>
+            <p:ph type="title"/>
+          </p:nvPr>
+        </p:nvSpPr>
+        <p:spPr/>
+        <p:txBody>
+          <a:bodyPr/>
+          <a:lstStyle/>
+          <a:p>
+            <a:endParaRPr lang="en-US"/>
+          </a:p>
+        </p:txBody>
+      </p:sp>
+      <p:sp>
+        <p:nvSpPr>
+          <p:cNvPr id="3" name="Content Placeholder 2"/>
+          <p:cNvSpPr>
+            <a:spLocks noGrp="1"/>
+          </p:cNvSpPr>
+          <p:nvPr>
+            <p:ph idx="1"/>
+          </p:nvPr>
+        </p:nvSpPr>
+        <p:spPr>
+          <a:xfrm>
+            <a:off x="457200" y="1600200"/>
+            <a:ext cx="4618856" cy="4525963"/>
+          </a:xfrm>
+        </p:spPr>
+        <p:txBody>
+          <a:bodyPr>
+            <a:normAutofit fontScale="70000" lnSpcReduction="20000"/>
+          </a:bodyPr>
+          <a:lstStyle/>
+          <a:p>
+            <a:r>
+              <a:rPr lang="zh-CN" altLang="en-US" dirty="0"/>
+              <a:t>在网络分区发生时，两个分布式节点之间无法进行通信，我们对一个节点进行的修改操作将无法同步到另外一个节点，所以数据的「</a:t>
+            </a:r>
+            <a:r>
+              <a:rPr lang="zh-CN" altLang="en-US" b="1" dirty="0"/>
+              <a:t>一致性</a:t>
+            </a:r>
+            <a:r>
+              <a:rPr lang="zh-CN" altLang="en-US" dirty="0"/>
+              <a:t>」将无法满足，因为两个分布式节点的数据不再保持一致。除非我们牺牲「</a:t>
+            </a:r>
+            <a:r>
+              <a:rPr lang="zh-CN" altLang="en-US" b="1" dirty="0"/>
+              <a:t>可用性</a:t>
+            </a:r>
+            <a:r>
+              <a:rPr lang="zh-CN" altLang="en-US" dirty="0"/>
+              <a:t>」，也就是暂停分布式节点服务，在网络分区发生时，不再提供修改数据的功能，直到网络状况完全恢复正常再继续对外提供服务</a:t>
+            </a:r>
+            <a:r>
+              <a:rPr lang="zh-CN" altLang="en-US" dirty="0" smtClean="0"/>
+              <a:t>。</a:t>
+            </a:r>
+            <a:endParaRPr lang="en-US" altLang="zh-CN" dirty="0" smtClean="0"/>
+          </a:p>
+          <a:p>
+            <a:r>
+              <a:rPr lang="zh-CN" altLang="en-US" dirty="0" smtClean="0"/>
+              <a:t>一</a:t>
+            </a:r>
+            <a:r>
+              <a:rPr lang="zh-CN" altLang="en-US" dirty="0"/>
+              <a:t>句话概括 </a:t>
+            </a:r>
+            <a:r>
+              <a:rPr lang="en-US" altLang="zh-CN" dirty="0"/>
+              <a:t>CAP </a:t>
+            </a:r>
+            <a:r>
+              <a:rPr lang="zh-CN" altLang="en-US" dirty="0"/>
+              <a:t>原理就是</a:t>
+            </a:r>
+            <a:r>
+              <a:rPr lang="en-US" altLang="zh-CN" dirty="0"/>
+              <a:t>——</a:t>
+            </a:r>
+            <a:r>
+              <a:rPr lang="zh-CN" altLang="en-US" b="1" dirty="0"/>
+              <a:t>网络分区发生时，一致性和可用性两难全</a:t>
+            </a:r>
+            <a:r>
+              <a:rPr lang="zh-CN" altLang="en-US" dirty="0"/>
+              <a:t>。</a:t>
+            </a:r>
+            <a:endParaRPr lang="en-US" dirty="0"/>
+          </a:p>
+        </p:txBody>
+      </p:sp>
+    </p:spTree>
+    <p:extLst>
+      <p:ext uri="{BB962C8B-B14F-4D97-AF65-F5344CB8AC3E}">
+        <p14:creationId xmlns:p14="http://schemas.microsoft.com/office/powerpoint/2010/main" val="119090325"/>
+      </p:ext>
+    </p:extLst>
+  </p:cSld>
+  <p:clrMapOvr>
+    <a:masterClrMapping/>
+  </p:clrMapOvr>
+</p:sld>
+</file>
+
+<file path=ppt/slides/slide41.xml><?xml version="1.0" encoding="utf-8"?>
+<p:sld xmlns:a="http://schemas.openxmlformats.org/drawingml/2006/main" xmlns:r="http://schemas.openxmlformats.org/officeDocument/2006/relationships" xmlns:p="http://schemas.openxmlformats.org/presentationml/2006/main">
+  <p:cSld>
+    <p:spTree>
+      <p:nvGrpSpPr>
+        <p:cNvPr id="1" name=""/>
+        <p:cNvGrpSpPr/>
+        <p:nvPr/>
+      </p:nvGrpSpPr>
+      <p:grpSpPr>
+        <a:xfrm>
+          <a:off x="0" y="0"/>
+          <a:ext cx="0" cy="0"/>
+          <a:chOff x="0" y="0"/>
+          <a:chExt cx="0" cy="0"/>
+        </a:xfrm>
+      </p:grpSpPr>
+      <p:sp>
+        <p:nvSpPr>
+          <p:cNvPr id="2" name="Title 1"/>
+          <p:cNvSpPr>
+            <a:spLocks noGrp="1"/>
+          </p:cNvSpPr>
+          <p:nvPr>
+            <p:ph type="title"/>
+          </p:nvPr>
+        </p:nvSpPr>
+        <p:spPr/>
+        <p:txBody>
+          <a:bodyPr>
+            <a:normAutofit/>
+          </a:bodyPr>
+          <a:lstStyle/>
+          <a:p>
+            <a:r>
+              <a:rPr lang="zh-CN" altLang="en-US" b="1" dirty="0"/>
+              <a:t>主从</a:t>
+            </a:r>
+            <a:r>
+              <a:rPr lang="zh-CN" altLang="en-US" b="1" dirty="0" smtClean="0"/>
+              <a:t>同步</a:t>
+            </a:r>
+            <a:endParaRPr lang="en-US" dirty="0"/>
+          </a:p>
+        </p:txBody>
+      </p:sp>
+      <p:sp>
+        <p:nvSpPr>
+          <p:cNvPr id="3" name="Content Placeholder 2"/>
+          <p:cNvSpPr>
+            <a:spLocks noGrp="1"/>
+          </p:cNvSpPr>
+          <p:nvPr>
+            <p:ph idx="1"/>
+          </p:nvPr>
+        </p:nvSpPr>
+        <p:spPr/>
+        <p:txBody>
+          <a:bodyPr/>
+          <a:lstStyle/>
+          <a:p>
+            <a:r>
+              <a:rPr lang="en-US" altLang="zh-CN" dirty="0" err="1"/>
+              <a:t>Redis</a:t>
+            </a:r>
+            <a:r>
+              <a:rPr lang="en-US" altLang="zh-CN" dirty="0"/>
+              <a:t> </a:t>
+            </a:r>
+            <a:r>
+              <a:rPr lang="zh-CN" altLang="en-US" dirty="0"/>
+              <a:t>同步支持主从同步和从从同步，从从同步功能是 </a:t>
+            </a:r>
+            <a:r>
+              <a:rPr lang="en-US" altLang="zh-CN" dirty="0" err="1"/>
+              <a:t>Redis</a:t>
+            </a:r>
+            <a:r>
+              <a:rPr lang="en-US" altLang="zh-CN" dirty="0"/>
+              <a:t> </a:t>
+            </a:r>
+            <a:r>
+              <a:rPr lang="zh-CN" altLang="en-US" dirty="0"/>
+              <a:t>后续版本增加的功能，为了减轻主库的同步负担。后面为了描述上的方便，统一理解为主从同步。</a:t>
+            </a:r>
+            <a:endParaRPr lang="en-US" dirty="0"/>
+          </a:p>
+        </p:txBody>
+      </p:sp>
+      <p:pic>
+        <p:nvPicPr>
+          <p:cNvPr id="5122" name="Picture 2" descr="https://user-gold-cdn.xitu.io/2018/7/4/164641d454a0e67a?imageslim"/>
+          <p:cNvPicPr>
+            <a:picLocks noChangeAspect="1" noChangeArrowheads="1"/>
+          </p:cNvPicPr>
+          <p:nvPr/>
+        </p:nvPicPr>
+        <p:blipFill>
+          <a:blip r:embed="rId2">
+            <a:extLst>
+              <a:ext uri="{28A0092B-C50C-407E-A947-70E740481C1C}">
+                <a14:useLocalDpi xmlns:a14="http://schemas.microsoft.com/office/drawing/2010/main" val="0"/>
+              </a:ext>
+            </a:extLst>
+          </a:blip>
+          <a:srcRect/>
+          <a:stretch>
+            <a:fillRect/>
+          </a:stretch>
+        </p:blipFill>
+        <p:spPr bwMode="auto">
+          <a:xfrm>
+            <a:off x="894420" y="3832575"/>
+            <a:ext cx="7355160" cy="3044397"/>
+          </a:xfrm>
+          <a:prstGeom prst="rect">
+            <a:avLst/>
+          </a:prstGeom>
+          <a:noFill/>
+          <a:extLst>
+            <a:ext uri="{909E8E84-426E-40DD-AFC4-6F175D3DCCD1}">
+              <a14:hiddenFill xmlns:a14="http://schemas.microsoft.com/office/drawing/2010/main">
+                <a:solidFill>
+                  <a:srgbClr val="FFFFFF"/>
+                </a:solidFill>
+              </a14:hiddenFill>
+            </a:ext>
+          </a:extLst>
+        </p:spPr>
+      </p:pic>
+    </p:spTree>
+    <p:extLst>
+      <p:ext uri="{BB962C8B-B14F-4D97-AF65-F5344CB8AC3E}">
+        <p14:creationId xmlns:p14="http://schemas.microsoft.com/office/powerpoint/2010/main" val="559430886"/>
+      </p:ext>
+    </p:extLst>
+  </p:cSld>
+  <p:clrMapOvr>
+    <a:masterClrMapping/>
+  </p:clrMapOvr>
+</p:sld>
+</file>
+
+<file path=ppt/slides/slide42.xml><?xml version="1.0" encoding="utf-8"?>
+<p:sld xmlns:a="http://schemas.openxmlformats.org/drawingml/2006/main" xmlns:r="http://schemas.openxmlformats.org/officeDocument/2006/relationships" xmlns:p="http://schemas.openxmlformats.org/presentationml/2006/main">
+  <p:cSld>
+    <p:spTree>
+      <p:nvGrpSpPr>
+        <p:cNvPr id="1" name=""/>
+        <p:cNvGrpSpPr/>
+        <p:nvPr/>
+      </p:nvGrpSpPr>
+      <p:grpSpPr>
+        <a:xfrm>
+          <a:off x="0" y="0"/>
+          <a:ext cx="0" cy="0"/>
+          <a:chOff x="0" y="0"/>
+          <a:chExt cx="0" cy="0"/>
+        </a:xfrm>
+      </p:grpSpPr>
+      <p:sp>
+        <p:nvSpPr>
+          <p:cNvPr id="2" name="Title 1"/>
+          <p:cNvSpPr>
+            <a:spLocks noGrp="1"/>
+          </p:cNvSpPr>
+          <p:nvPr>
+            <p:ph type="title"/>
+          </p:nvPr>
+        </p:nvSpPr>
+        <p:spPr/>
+        <p:txBody>
+          <a:bodyPr>
+            <a:normAutofit/>
+          </a:bodyPr>
+          <a:lstStyle/>
+          <a:p>
+            <a:r>
+              <a:rPr lang="zh-CN" altLang="en-US" b="1" dirty="0"/>
+              <a:t>增量</a:t>
+            </a:r>
+            <a:r>
+              <a:rPr lang="zh-CN" altLang="en-US" b="1" dirty="0" smtClean="0"/>
+              <a:t>同步</a:t>
+            </a:r>
+            <a:endParaRPr lang="en-US" dirty="0"/>
+          </a:p>
+        </p:txBody>
+      </p:sp>
+      <p:sp>
+        <p:nvSpPr>
+          <p:cNvPr id="3" name="Content Placeholder 2"/>
+          <p:cNvSpPr>
+            <a:spLocks noGrp="1"/>
+          </p:cNvSpPr>
+          <p:nvPr>
+            <p:ph idx="1"/>
+          </p:nvPr>
+        </p:nvSpPr>
+        <p:spPr/>
+        <p:txBody>
+          <a:bodyPr>
+            <a:normAutofit fontScale="85000" lnSpcReduction="20000"/>
+          </a:bodyPr>
+          <a:lstStyle/>
+          <a:p>
+            <a:r>
+              <a:rPr lang="en-US" altLang="zh-CN" dirty="0" err="1"/>
+              <a:t>Redis</a:t>
+            </a:r>
+            <a:r>
+              <a:rPr lang="en-US" altLang="zh-CN" dirty="0"/>
+              <a:t> </a:t>
+            </a:r>
+            <a:r>
+              <a:rPr lang="zh-CN" altLang="en-US" dirty="0"/>
+              <a:t>同步的是指令流，主节点会将那些对自己的状态产生修改性影响的指令记录在本地的内存 </a:t>
+            </a:r>
+            <a:r>
+              <a:rPr lang="en-US" altLang="zh-CN" dirty="0"/>
+              <a:t>buffer </a:t>
+            </a:r>
+            <a:r>
+              <a:rPr lang="zh-CN" altLang="en-US" dirty="0"/>
+              <a:t>中，然后异步将 </a:t>
+            </a:r>
+            <a:r>
+              <a:rPr lang="en-US" altLang="zh-CN" dirty="0"/>
+              <a:t>buffer </a:t>
+            </a:r>
+            <a:r>
+              <a:rPr lang="zh-CN" altLang="en-US" dirty="0"/>
+              <a:t>中的指令同步到从节点，从节点一边执行同步的指令流来达到和主节点一样的状态，一边向主节点反馈自己同步到哪里了 </a:t>
+            </a:r>
+            <a:r>
+              <a:rPr lang="en-US" altLang="zh-CN" dirty="0"/>
+              <a:t>(</a:t>
+            </a:r>
+            <a:r>
+              <a:rPr lang="zh-CN" altLang="en-US" dirty="0"/>
+              <a:t>偏移量</a:t>
+            </a:r>
+            <a:r>
+              <a:rPr lang="en-US" altLang="zh-CN" dirty="0"/>
+              <a:t>)</a:t>
+            </a:r>
+            <a:r>
+              <a:rPr lang="zh-CN" altLang="en-US" dirty="0" smtClean="0"/>
+              <a:t>。</a:t>
+            </a:r>
+            <a:endParaRPr lang="en-US" altLang="zh-CN" dirty="0" smtClean="0"/>
+          </a:p>
+          <a:p>
+            <a:r>
+              <a:rPr lang="zh-CN" altLang="en-US" dirty="0"/>
+              <a:t>如果因为网络状况不好，从节点在短时间内无法和主节点进行同步，那么当网络状况恢复时，</a:t>
+            </a:r>
+            <a:r>
+              <a:rPr lang="en-US" altLang="zh-CN" dirty="0" err="1"/>
+              <a:t>Redis</a:t>
+            </a:r>
+            <a:r>
+              <a:rPr lang="en-US" altLang="zh-CN" dirty="0"/>
+              <a:t> </a:t>
+            </a:r>
+            <a:r>
+              <a:rPr lang="zh-CN" altLang="en-US" dirty="0"/>
+              <a:t>的主节点中那些没有同步的指令在 </a:t>
+            </a:r>
+            <a:r>
+              <a:rPr lang="en-US" altLang="zh-CN" dirty="0"/>
+              <a:t>buffer </a:t>
+            </a:r>
+            <a:r>
+              <a:rPr lang="zh-CN" altLang="en-US" dirty="0"/>
+              <a:t>中有可能已经被后续的指令覆盖掉了，从节点将无法直接通过指令流来进行同步，这个时候就需要用到更加复杂的同步机制 </a:t>
+            </a:r>
+            <a:r>
+              <a:rPr lang="en-US" altLang="zh-CN" dirty="0"/>
+              <a:t>—— </a:t>
+            </a:r>
+            <a:r>
+              <a:rPr lang="zh-CN" altLang="en-US" dirty="0"/>
+              <a:t>快照同步。</a:t>
+            </a:r>
+            <a:endParaRPr lang="en-US" dirty="0"/>
+          </a:p>
+        </p:txBody>
+      </p:sp>
+    </p:spTree>
+    <p:extLst>
+      <p:ext uri="{BB962C8B-B14F-4D97-AF65-F5344CB8AC3E}">
+        <p14:creationId xmlns:p14="http://schemas.microsoft.com/office/powerpoint/2010/main" val="1741474599"/>
+      </p:ext>
+    </p:extLst>
+  </p:cSld>
+  <p:clrMapOvr>
+    <a:masterClrMapping/>
+  </p:clrMapOvr>
+</p:sld>
+</file>
+
+<file path=ppt/slides/slide43.xml><?xml version="1.0" encoding="utf-8"?>
+<p:sld xmlns:a="http://schemas.openxmlformats.org/drawingml/2006/main" xmlns:r="http://schemas.openxmlformats.org/officeDocument/2006/relationships" xmlns:p="http://schemas.openxmlformats.org/presentationml/2006/main">
+  <p:cSld>
+    <p:spTree>
+      <p:nvGrpSpPr>
+        <p:cNvPr id="1" name=""/>
+        <p:cNvGrpSpPr/>
+        <p:nvPr/>
+      </p:nvGrpSpPr>
+      <p:grpSpPr>
+        <a:xfrm>
+          <a:off x="0" y="0"/>
+          <a:ext cx="0" cy="0"/>
+          <a:chOff x="0" y="0"/>
+          <a:chExt cx="0" cy="0"/>
+        </a:xfrm>
+      </p:grpSpPr>
       <p:sp>
         <p:nvSpPr>
           <p:cNvPr id="2" name="Title 1"/>
@@ -10751,7 +10926,7 @@
 </p:sld>
 </file>
 
-<file path=ppt/slides/slide41.xml><?xml version="1.0" encoding="utf-8"?>
+<file path=ppt/slides/slide44.xml><?xml version="1.0" encoding="utf-8"?>
 <p:sld xmlns:a="http://schemas.openxmlformats.org/drawingml/2006/main" xmlns:r="http://schemas.openxmlformats.org/officeDocument/2006/relationships" xmlns:p="http://schemas.openxmlformats.org/presentationml/2006/main">
   <p:cSld>
     <p:spTree>
@@ -10837,7 +11012,7 @@
 </p:sld>
 </file>
 
-<file path=ppt/slides/slide42.xml><?xml version="1.0" encoding="utf-8"?>
+<file path=ppt/slides/slide45.xml><?xml version="1.0" encoding="utf-8"?>
 <p:sld xmlns:a="http://schemas.openxmlformats.org/drawingml/2006/main" xmlns:r="http://schemas.openxmlformats.org/officeDocument/2006/relationships" xmlns:p="http://schemas.openxmlformats.org/presentationml/2006/main">
   <p:cSld>
     <p:spTree>
@@ -11018,7 +11193,7 @@
 </p:sld>
 </file>
 
-<file path=ppt/slides/slide43.xml><?xml version="1.0" encoding="utf-8"?>
+<file path=ppt/slides/slide46.xml><?xml version="1.0" encoding="utf-8"?>
 <p:sld xmlns:a="http://schemas.openxmlformats.org/drawingml/2006/main" xmlns:r="http://schemas.openxmlformats.org/officeDocument/2006/relationships" xmlns:p="http://schemas.openxmlformats.org/presentationml/2006/main">
   <p:cSld>
     <p:spTree>
@@ -11181,7 +11356,7 @@
 </p:sld>
 </file>
 
-<file path=ppt/slides/slide44.xml><?xml version="1.0" encoding="utf-8"?>
+<file path=ppt/slides/slide47.xml><?xml version="1.0" encoding="utf-8"?>
 <p:sld xmlns:a="http://schemas.openxmlformats.org/drawingml/2006/main" xmlns:r="http://schemas.openxmlformats.org/officeDocument/2006/relationships" xmlns:p="http://schemas.openxmlformats.org/presentationml/2006/main">
   <p:cSld>
     <p:spTree>
@@ -11290,7 +11465,7 @@
 </p:sld>
 </file>
 
-<file path=ppt/slides/slide45.xml><?xml version="1.0" encoding="utf-8"?>
+<file path=ppt/slides/slide48.xml><?xml version="1.0" encoding="utf-8"?>
 <p:sld xmlns:a="http://schemas.openxmlformats.org/drawingml/2006/main" xmlns:r="http://schemas.openxmlformats.org/officeDocument/2006/relationships" xmlns:p="http://schemas.openxmlformats.org/presentationml/2006/main">
   <p:cSld>
     <p:spTree>
@@ -11399,7 +11574,7 @@
 </p:sld>
 </file>
 
-<file path=ppt/slides/slide46.xml><?xml version="1.0" encoding="utf-8"?>
+<file path=ppt/slides/slide49.xml><?xml version="1.0" encoding="utf-8"?>
 <p:sld xmlns:a="http://schemas.openxmlformats.org/drawingml/2006/main" xmlns:r="http://schemas.openxmlformats.org/officeDocument/2006/relationships" xmlns:p="http://schemas.openxmlformats.org/presentationml/2006/main">
   <p:cSld>
     <p:spTree>
@@ -11543,7 +11718,7 @@
 </p:sld>
 </file>
 
-<file path=ppt/slides/slide47.xml><?xml version="1.0" encoding="utf-8"?>
+<file path=ppt/slides/slide5.xml><?xml version="1.0" encoding="utf-8"?>
 <p:sld xmlns:a="http://schemas.openxmlformats.org/drawingml/2006/main" xmlns:r="http://schemas.openxmlformats.org/officeDocument/2006/relationships" xmlns:p="http://schemas.openxmlformats.org/presentationml/2006/main">
   <p:cSld>
     <p:spTree>
@@ -11562,6 +11737,216 @@
       </p:grpSpPr>
       <p:sp>
         <p:nvSpPr>
+          <p:cNvPr id="2" name="标题 1"/>
+          <p:cNvSpPr>
+            <a:spLocks noGrp="1"/>
+          </p:cNvSpPr>
+          <p:nvPr>
+            <p:ph type="title"/>
+          </p:nvPr>
+        </p:nvSpPr>
+        <p:spPr/>
+        <p:txBody>
+          <a:bodyPr/>
+          <a:lstStyle/>
+          <a:p>
+            <a:r>
+              <a:rPr lang="en-US" altLang="zh-CN" dirty="0" err="1" smtClean="0"/>
+              <a:t>Redis</a:t>
+            </a:r>
+            <a:r>
+              <a:rPr lang="zh-CN" altLang="en-US" dirty="0" smtClean="0"/>
+              <a:t>简介</a:t>
+            </a:r>
+            <a:endParaRPr lang="zh-CN" altLang="en-US" dirty="0"/>
+          </a:p>
+        </p:txBody>
+      </p:sp>
+      <p:sp>
+        <p:nvSpPr>
+          <p:cNvPr id="3" name="内容占位符 2"/>
+          <p:cNvSpPr>
+            <a:spLocks noGrp="1"/>
+          </p:cNvSpPr>
+          <p:nvPr>
+            <p:ph idx="1"/>
+          </p:nvPr>
+        </p:nvSpPr>
+        <p:spPr/>
+        <p:txBody>
+          <a:bodyPr>
+            <a:normAutofit fontScale="92500" lnSpcReduction="10000"/>
+          </a:bodyPr>
+          <a:lstStyle/>
+          <a:p>
+            <a:pPr latinLnBrk="1"/>
+            <a:r>
+              <a:rPr lang="en-US" altLang="zh-CN" dirty="0" err="1"/>
+              <a:t>Redis</a:t>
+            </a:r>
+            <a:r>
+              <a:rPr lang="en-US" altLang="zh-CN" dirty="0"/>
+              <a:t> </a:t>
+            </a:r>
+            <a:r>
+              <a:rPr lang="zh-CN" altLang="en-US" dirty="0"/>
+              <a:t>是完全开源免费的，遵守</a:t>
+            </a:r>
+            <a:r>
+              <a:rPr lang="en-US" altLang="zh-CN" dirty="0"/>
+              <a:t>BSD</a:t>
+            </a:r>
+            <a:r>
+              <a:rPr lang="zh-CN" altLang="en-US" dirty="0"/>
+              <a:t>协议，是一个高性能的</a:t>
+            </a:r>
+            <a:r>
+              <a:rPr lang="en-US" altLang="zh-CN" dirty="0"/>
+              <a:t>key-value</a:t>
+            </a:r>
+            <a:r>
+              <a:rPr lang="zh-CN" altLang="en-US" dirty="0"/>
+              <a:t>数据库。</a:t>
+            </a:r>
+          </a:p>
+          <a:p>
+            <a:pPr latinLnBrk="1"/>
+            <a:r>
+              <a:rPr lang="en-US" altLang="zh-CN" dirty="0" err="1"/>
+              <a:t>Redis</a:t>
+            </a:r>
+            <a:r>
+              <a:rPr lang="en-US" altLang="zh-CN" dirty="0"/>
+              <a:t> </a:t>
+            </a:r>
+            <a:r>
+              <a:rPr lang="zh-CN" altLang="en-US" dirty="0"/>
+              <a:t>与其他 </a:t>
+            </a:r>
+            <a:r>
+              <a:rPr lang="en-US" altLang="zh-CN" dirty="0"/>
+              <a:t>key - value </a:t>
+            </a:r>
+            <a:r>
+              <a:rPr lang="zh-CN" altLang="en-US" dirty="0"/>
+              <a:t>缓存产品有以下三个特点：</a:t>
+            </a:r>
+          </a:p>
+          <a:p>
+            <a:pPr lvl="1" latinLnBrk="1"/>
+            <a:r>
+              <a:rPr lang="en-US" altLang="zh-CN" dirty="0" err="1"/>
+              <a:t>Redis</a:t>
+            </a:r>
+            <a:r>
+              <a:rPr lang="zh-CN" altLang="en-US" dirty="0"/>
+              <a:t>支持数据的持久化，可以将内存中的数据保存在磁盘中，重启的时候可以再次加载进行使用。</a:t>
+            </a:r>
+          </a:p>
+          <a:p>
+            <a:pPr lvl="1" latinLnBrk="1"/>
+            <a:r>
+              <a:rPr lang="en-US" altLang="zh-CN" dirty="0" err="1"/>
+              <a:t>Redis</a:t>
+            </a:r>
+            <a:r>
+              <a:rPr lang="zh-CN" altLang="en-US" dirty="0"/>
+              <a:t>不仅仅支持简单的</a:t>
+            </a:r>
+            <a:r>
+              <a:rPr lang="en-US" altLang="zh-CN" dirty="0"/>
+              <a:t>key-value</a:t>
+            </a:r>
+            <a:r>
+              <a:rPr lang="zh-CN" altLang="en-US" dirty="0"/>
+              <a:t>类型的数据，同时还提供</a:t>
+            </a:r>
+            <a:r>
+              <a:rPr lang="en-US" altLang="zh-CN" dirty="0"/>
+              <a:t>list</a:t>
+            </a:r>
+            <a:r>
+              <a:rPr lang="zh-CN" altLang="en-US" dirty="0"/>
+              <a:t>，</a:t>
+            </a:r>
+            <a:r>
+              <a:rPr lang="en-US" altLang="zh-CN" dirty="0"/>
+              <a:t>set</a:t>
+            </a:r>
+            <a:r>
+              <a:rPr lang="zh-CN" altLang="en-US" dirty="0"/>
+              <a:t>，</a:t>
+            </a:r>
+            <a:r>
+              <a:rPr lang="en-US" altLang="zh-CN" dirty="0" err="1"/>
+              <a:t>zset</a:t>
+            </a:r>
+            <a:r>
+              <a:rPr lang="zh-CN" altLang="en-US" dirty="0"/>
+              <a:t>，</a:t>
+            </a:r>
+            <a:r>
+              <a:rPr lang="en-US" altLang="zh-CN" dirty="0"/>
+              <a:t>hash</a:t>
+            </a:r>
+            <a:r>
+              <a:rPr lang="zh-CN" altLang="en-US" dirty="0"/>
+              <a:t>等数据结构的存储。</a:t>
+            </a:r>
+          </a:p>
+          <a:p>
+            <a:pPr lvl="1" latinLnBrk="1"/>
+            <a:r>
+              <a:rPr lang="en-US" altLang="zh-CN" dirty="0" err="1"/>
+              <a:t>Redis</a:t>
+            </a:r>
+            <a:r>
+              <a:rPr lang="zh-CN" altLang="en-US" dirty="0"/>
+              <a:t>支持数据的备份，即</a:t>
+            </a:r>
+            <a:r>
+              <a:rPr lang="en-US" altLang="zh-CN" dirty="0"/>
+              <a:t>master-slave</a:t>
+            </a:r>
+            <a:r>
+              <a:rPr lang="zh-CN" altLang="en-US" dirty="0"/>
+              <a:t>模式的数据备份</a:t>
+            </a:r>
+            <a:r>
+              <a:rPr lang="zh-CN" altLang="en-US" dirty="0" smtClean="0"/>
+              <a:t>。</a:t>
+            </a:r>
+            <a:endParaRPr lang="zh-CN" altLang="en-US" dirty="0"/>
+          </a:p>
+        </p:txBody>
+      </p:sp>
+    </p:spTree>
+  </p:cSld>
+  <p:clrMapOvr>
+    <a:masterClrMapping/>
+  </p:clrMapOvr>
+</p:sld>
+</file>
+
+<file path=ppt/slides/slide50.xml><?xml version="1.0" encoding="utf-8"?>
+<p:sld xmlns:a="http://schemas.openxmlformats.org/drawingml/2006/main" xmlns:r="http://schemas.openxmlformats.org/officeDocument/2006/relationships" xmlns:p="http://schemas.openxmlformats.org/presentationml/2006/main">
+  <p:cSld>
+    <p:spTree>
+      <p:nvGrpSpPr>
+        <p:cNvPr id="1" name=""/>
+        <p:cNvGrpSpPr/>
+        <p:nvPr/>
+      </p:nvGrpSpPr>
+      <p:grpSpPr>
+        <a:xfrm>
+          <a:off x="0" y="0"/>
+          <a:ext cx="0" cy="0"/>
+          <a:chOff x="0" y="0"/>
+          <a:chExt cx="0" cy="0"/>
+        </a:xfrm>
+      </p:grpSpPr>
+      <p:sp>
+        <p:nvSpPr>
           <p:cNvPr id="2" name="Title 1"/>
           <p:cNvSpPr>
             <a:spLocks noGrp="1"/>
@@ -11732,7 +12117,7 @@
 </p:sld>
 </file>
 
-<file path=ppt/slides/slide48.xml><?xml version="1.0" encoding="utf-8"?>
+<file path=ppt/slides/slide51.xml><?xml version="1.0" encoding="utf-8"?>
 <p:sld xmlns:a="http://schemas.openxmlformats.org/drawingml/2006/main" xmlns:r="http://schemas.openxmlformats.org/officeDocument/2006/relationships" xmlns:p="http://schemas.openxmlformats.org/presentationml/2006/main">
   <p:cSld>
     <p:spTree>
@@ -11863,7 +12248,7 @@
 </p:sld>
 </file>
 
-<file path=ppt/slides/slide49.xml><?xml version="1.0" encoding="utf-8"?>
+<file path=ppt/slides/slide52.xml><?xml version="1.0" encoding="utf-8"?>
 <p:sld xmlns:a="http://schemas.openxmlformats.org/drawingml/2006/main" xmlns:r="http://schemas.openxmlformats.org/officeDocument/2006/relationships" xmlns:p="http://schemas.openxmlformats.org/presentationml/2006/main">
   <p:cSld>
     <p:spTree>
@@ -12062,217 +12447,7 @@
 </p:sld>
 </file>
 
-<file path=ppt/slides/slide5.xml><?xml version="1.0" encoding="utf-8"?>
-<p:sld xmlns:a="http://schemas.openxmlformats.org/drawingml/2006/main" xmlns:r="http://schemas.openxmlformats.org/officeDocument/2006/relationships" xmlns:p="http://schemas.openxmlformats.org/presentationml/2006/main">
-  <p:cSld>
-    <p:spTree>
-      <p:nvGrpSpPr>
-        <p:cNvPr id="1" name=""/>
-        <p:cNvGrpSpPr/>
-        <p:nvPr/>
-      </p:nvGrpSpPr>
-      <p:grpSpPr>
-        <a:xfrm>
-          <a:off x="0" y="0"/>
-          <a:ext cx="0" cy="0"/>
-          <a:chOff x="0" y="0"/>
-          <a:chExt cx="0" cy="0"/>
-        </a:xfrm>
-      </p:grpSpPr>
-      <p:sp>
-        <p:nvSpPr>
-          <p:cNvPr id="2" name="标题 1"/>
-          <p:cNvSpPr>
-            <a:spLocks noGrp="1"/>
-          </p:cNvSpPr>
-          <p:nvPr>
-            <p:ph type="title"/>
-          </p:nvPr>
-        </p:nvSpPr>
-        <p:spPr/>
-        <p:txBody>
-          <a:bodyPr/>
-          <a:lstStyle/>
-          <a:p>
-            <a:r>
-              <a:rPr lang="en-US" altLang="zh-CN" dirty="0" err="1" smtClean="0"/>
-              <a:t>Redis</a:t>
-            </a:r>
-            <a:r>
-              <a:rPr lang="zh-CN" altLang="en-US" dirty="0" smtClean="0"/>
-              <a:t>简介</a:t>
-            </a:r>
-            <a:endParaRPr lang="zh-CN" altLang="en-US" dirty="0"/>
-          </a:p>
-        </p:txBody>
-      </p:sp>
-      <p:sp>
-        <p:nvSpPr>
-          <p:cNvPr id="3" name="内容占位符 2"/>
-          <p:cNvSpPr>
-            <a:spLocks noGrp="1"/>
-          </p:cNvSpPr>
-          <p:nvPr>
-            <p:ph idx="1"/>
-          </p:nvPr>
-        </p:nvSpPr>
-        <p:spPr/>
-        <p:txBody>
-          <a:bodyPr>
-            <a:normAutofit fontScale="92500" lnSpcReduction="10000"/>
-          </a:bodyPr>
-          <a:lstStyle/>
-          <a:p>
-            <a:pPr latinLnBrk="1"/>
-            <a:r>
-              <a:rPr lang="en-US" altLang="zh-CN" dirty="0" err="1"/>
-              <a:t>Redis</a:t>
-            </a:r>
-            <a:r>
-              <a:rPr lang="en-US" altLang="zh-CN" dirty="0"/>
-              <a:t> </a:t>
-            </a:r>
-            <a:r>
-              <a:rPr lang="zh-CN" altLang="en-US" dirty="0"/>
-              <a:t>是完全开源免费的，遵守</a:t>
-            </a:r>
-            <a:r>
-              <a:rPr lang="en-US" altLang="zh-CN" dirty="0"/>
-              <a:t>BSD</a:t>
-            </a:r>
-            <a:r>
-              <a:rPr lang="zh-CN" altLang="en-US" dirty="0"/>
-              <a:t>协议，是一个高性能的</a:t>
-            </a:r>
-            <a:r>
-              <a:rPr lang="en-US" altLang="zh-CN" dirty="0"/>
-              <a:t>key-value</a:t>
-            </a:r>
-            <a:r>
-              <a:rPr lang="zh-CN" altLang="en-US" dirty="0"/>
-              <a:t>数据库。</a:t>
-            </a:r>
-          </a:p>
-          <a:p>
-            <a:pPr latinLnBrk="1"/>
-            <a:r>
-              <a:rPr lang="en-US" altLang="zh-CN" dirty="0" err="1"/>
-              <a:t>Redis</a:t>
-            </a:r>
-            <a:r>
-              <a:rPr lang="en-US" altLang="zh-CN" dirty="0"/>
-              <a:t> </a:t>
-            </a:r>
-            <a:r>
-              <a:rPr lang="zh-CN" altLang="en-US" dirty="0"/>
-              <a:t>与其他 </a:t>
-            </a:r>
-            <a:r>
-              <a:rPr lang="en-US" altLang="zh-CN" dirty="0"/>
-              <a:t>key - value </a:t>
-            </a:r>
-            <a:r>
-              <a:rPr lang="zh-CN" altLang="en-US" dirty="0"/>
-              <a:t>缓存产品有以下三个特点：</a:t>
-            </a:r>
-          </a:p>
-          <a:p>
-            <a:pPr lvl="1" latinLnBrk="1"/>
-            <a:r>
-              <a:rPr lang="en-US" altLang="zh-CN" dirty="0" err="1"/>
-              <a:t>Redis</a:t>
-            </a:r>
-            <a:r>
-              <a:rPr lang="zh-CN" altLang="en-US" dirty="0"/>
-              <a:t>支持数据的持久化，可以将内存中的数据保存在磁盘中，重启的时候可以再次加载进行使用。</a:t>
-            </a:r>
-          </a:p>
-          <a:p>
-            <a:pPr lvl="1" latinLnBrk="1"/>
-            <a:r>
-              <a:rPr lang="en-US" altLang="zh-CN" dirty="0" err="1"/>
-              <a:t>Redis</a:t>
-            </a:r>
-            <a:r>
-              <a:rPr lang="zh-CN" altLang="en-US" dirty="0"/>
-              <a:t>不仅仅支持简单的</a:t>
-            </a:r>
-            <a:r>
-              <a:rPr lang="en-US" altLang="zh-CN" dirty="0"/>
-              <a:t>key-value</a:t>
-            </a:r>
-            <a:r>
-              <a:rPr lang="zh-CN" altLang="en-US" dirty="0"/>
-              <a:t>类型的数据，同时还提供</a:t>
-            </a:r>
-            <a:r>
-              <a:rPr lang="en-US" altLang="zh-CN" dirty="0"/>
-              <a:t>list</a:t>
-            </a:r>
-            <a:r>
-              <a:rPr lang="zh-CN" altLang="en-US" dirty="0"/>
-              <a:t>，</a:t>
-            </a:r>
-            <a:r>
-              <a:rPr lang="en-US" altLang="zh-CN" dirty="0"/>
-              <a:t>set</a:t>
-            </a:r>
-            <a:r>
-              <a:rPr lang="zh-CN" altLang="en-US" dirty="0"/>
-              <a:t>，</a:t>
-            </a:r>
-            <a:r>
-              <a:rPr lang="en-US" altLang="zh-CN" dirty="0" err="1"/>
-              <a:t>zset</a:t>
-            </a:r>
-            <a:r>
-              <a:rPr lang="zh-CN" altLang="en-US" dirty="0"/>
-              <a:t>，</a:t>
-            </a:r>
-            <a:r>
-              <a:rPr lang="en-US" altLang="zh-CN" dirty="0"/>
-              <a:t>hash</a:t>
-            </a:r>
-            <a:r>
-              <a:rPr lang="zh-CN" altLang="en-US" dirty="0"/>
-              <a:t>等数据结构的存储。</a:t>
-            </a:r>
-          </a:p>
-          <a:p>
-            <a:pPr lvl="1" latinLnBrk="1"/>
-            <a:r>
-              <a:rPr lang="en-US" altLang="zh-CN" dirty="0" err="1"/>
-              <a:t>Redis</a:t>
-            </a:r>
-            <a:r>
-              <a:rPr lang="zh-CN" altLang="en-US" dirty="0"/>
-              <a:t>支持数据的备份，即</a:t>
-            </a:r>
-            <a:r>
-              <a:rPr lang="en-US" altLang="zh-CN" dirty="0"/>
-              <a:t>master-slave</a:t>
-            </a:r>
-            <a:r>
-              <a:rPr lang="zh-CN" altLang="en-US" dirty="0"/>
-              <a:t>模式的数据备份</a:t>
-            </a:r>
-            <a:r>
-              <a:rPr lang="zh-CN" altLang="en-US" dirty="0" smtClean="0"/>
-              <a:t>。</a:t>
-            </a:r>
-            <a:endParaRPr lang="zh-CN" altLang="en-US" dirty="0"/>
-          </a:p>
-        </p:txBody>
-      </p:sp>
-    </p:spTree>
-  </p:cSld>
-  <p:clrMapOvr>
-    <a:masterClrMapping/>
-  </p:clrMapOvr>
-</p:sld>
-</file>
-
-<file path=ppt/slides/slide50.xml><?xml version="1.0" encoding="utf-8"?>
+<file path=ppt/slides/slide53.xml><?xml version="1.0" encoding="utf-8"?>
 <p:sld xmlns:a="http://schemas.openxmlformats.org/drawingml/2006/main" xmlns:r="http://schemas.openxmlformats.org/officeDocument/2006/relationships" xmlns:p="http://schemas.openxmlformats.org/presentationml/2006/main">
   <p:cSld>
     <p:spTree>
@@ -12459,7 +12634,7 @@
 </p:sld>
 </file>
 
-<file path=ppt/slides/slide51.xml><?xml version="1.0" encoding="utf-8"?>
+<file path=ppt/slides/slide54.xml><?xml version="1.0" encoding="utf-8"?>
 <p:sld xmlns:a="http://schemas.openxmlformats.org/drawingml/2006/main" xmlns:r="http://schemas.openxmlformats.org/officeDocument/2006/relationships" xmlns:p="http://schemas.openxmlformats.org/presentationml/2006/main">
   <p:cSld>
     <p:spTree>
@@ -12679,7 +12854,7 @@
 </p:sld>
 </file>
 
-<file path=ppt/slides/slide52.xml><?xml version="1.0" encoding="utf-8"?>
+<file path=ppt/slides/slide55.xml><?xml version="1.0" encoding="utf-8"?>
 <p:sld xmlns:a="http://schemas.openxmlformats.org/drawingml/2006/main" xmlns:r="http://schemas.openxmlformats.org/officeDocument/2006/relationships" xmlns:p="http://schemas.openxmlformats.org/presentationml/2006/main">
   <p:cSld>
     <p:spTree>
@@ -12832,7 +13007,7 @@
 </p:sld>
 </file>
 
-<file path=ppt/slides/slide53.xml><?xml version="1.0" encoding="utf-8"?>
+<file path=ppt/slides/slide56.xml><?xml version="1.0" encoding="utf-8"?>
 <p:sld xmlns:a="http://schemas.openxmlformats.org/drawingml/2006/main" xmlns:r="http://schemas.openxmlformats.org/officeDocument/2006/relationships" xmlns:p="http://schemas.openxmlformats.org/presentationml/2006/main">
   <p:cSld>
     <p:spTree>
@@ -12993,7 +13168,7 @@
 </p:sld>
 </file>
 
-<file path=ppt/slides/slide54.xml><?xml version="1.0" encoding="utf-8"?>
+<file path=ppt/slides/slide57.xml><?xml version="1.0" encoding="utf-8"?>
 <p:sld xmlns:a="http://schemas.openxmlformats.org/drawingml/2006/main" xmlns:r="http://schemas.openxmlformats.org/officeDocument/2006/relationships" xmlns:p="http://schemas.openxmlformats.org/presentationml/2006/main">
   <p:cSld>
     <p:spTree>
@@ -13163,7 +13338,7 @@
 </p:sld>
 </file>
 
-<file path=ppt/slides/slide55.xml><?xml version="1.0" encoding="utf-8"?>
+<file path=ppt/slides/slide58.xml><?xml version="1.0" encoding="utf-8"?>
 <p:sld xmlns:a="http://schemas.openxmlformats.org/drawingml/2006/main" xmlns:r="http://schemas.openxmlformats.org/officeDocument/2006/relationships" xmlns:p="http://schemas.openxmlformats.org/presentationml/2006/main">
   <p:cSld>
     <p:spTree>
@@ -13341,7 +13516,7 @@
 </p:sld>
 </file>
 
-<file path=ppt/slides/slide56.xml><?xml version="1.0" encoding="utf-8"?>
+<file path=ppt/slides/slide59.xml><?xml version="1.0" encoding="utf-8"?>
 <p:sld xmlns:a="http://schemas.openxmlformats.org/drawingml/2006/main" xmlns:r="http://schemas.openxmlformats.org/officeDocument/2006/relationships" xmlns:p="http://schemas.openxmlformats.org/presentationml/2006/main">
   <p:cSld>
     <p:spTree>
@@ -13450,711 +13625,6 @@
 </p:sld>
 </file>
 
-<file path=ppt/slides/slide57.xml><?xml version="1.0" encoding="utf-8"?>
-<p:sld xmlns:a="http://schemas.openxmlformats.org/drawingml/2006/main" xmlns:r="http://schemas.openxmlformats.org/officeDocument/2006/relationships" xmlns:p="http://schemas.openxmlformats.org/presentationml/2006/main">
-  <p:cSld>
-    <p:spTree>
-      <p:nvGrpSpPr>
-        <p:cNvPr id="1" name=""/>
-        <p:cNvGrpSpPr/>
-        <p:nvPr/>
-      </p:nvGrpSpPr>
-      <p:grpSpPr>
-        <a:xfrm>
-          <a:off x="0" y="0"/>
-          <a:ext cx="0" cy="0"/>
-          <a:chOff x="0" y="0"/>
-          <a:chExt cx="0" cy="0"/>
-        </a:xfrm>
-      </p:grpSpPr>
-      <p:sp>
-        <p:nvSpPr>
-          <p:cNvPr id="2" name="Title 1"/>
-          <p:cNvSpPr>
-            <a:spLocks noGrp="1"/>
-          </p:cNvSpPr>
-          <p:nvPr>
-            <p:ph type="title"/>
-          </p:nvPr>
-        </p:nvSpPr>
-        <p:spPr/>
-        <p:txBody>
-          <a:bodyPr/>
-          <a:lstStyle/>
-          <a:p>
-            <a:r>
-              <a:rPr lang="zh-CN" altLang="en-US" b="1" dirty="0" smtClean="0"/>
-              <a:t>过期策略</a:t>
-            </a:r>
-            <a:endParaRPr lang="en-US" b="1" dirty="0"/>
-          </a:p>
-        </p:txBody>
-      </p:sp>
-      <p:sp>
-        <p:nvSpPr>
-          <p:cNvPr id="3" name="Content Placeholder 2"/>
-          <p:cNvSpPr>
-            <a:spLocks noGrp="1"/>
-          </p:cNvSpPr>
-          <p:nvPr>
-            <p:ph idx="1"/>
-          </p:nvPr>
-        </p:nvSpPr>
-        <p:spPr/>
-        <p:txBody>
-          <a:bodyPr>
-            <a:normAutofit fontScale="70000" lnSpcReduction="20000"/>
-          </a:bodyPr>
-          <a:lstStyle/>
-          <a:p>
-            <a:r>
-              <a:rPr lang="en-US" altLang="zh-CN" b="1" dirty="0" err="1"/>
-              <a:t>noeviction</a:t>
-            </a:r>
-            <a:r>
-              <a:rPr lang="zh-CN" altLang="en-US" dirty="0"/>
-              <a:t> 不会继续服务写请求 </a:t>
-            </a:r>
-            <a:r>
-              <a:rPr lang="en-US" altLang="zh-CN" dirty="0"/>
-              <a:t>(DEL </a:t>
-            </a:r>
-            <a:r>
-              <a:rPr lang="zh-CN" altLang="en-US" dirty="0"/>
-              <a:t>请求可以继续服务</a:t>
-            </a:r>
-            <a:r>
-              <a:rPr lang="en-US" altLang="zh-CN" dirty="0"/>
-              <a:t>)</a:t>
-            </a:r>
-            <a:r>
-              <a:rPr lang="zh-CN" altLang="en-US" dirty="0"/>
-              <a:t>，读请求可以继续进行。这样可以保证不会丢失数据，但是会让线上的业务不能持续进行。这是默认的淘汰策略。</a:t>
-            </a:r>
-          </a:p>
-          <a:p>
-            <a:r>
-              <a:rPr lang="en-US" altLang="zh-CN" b="1" dirty="0"/>
-              <a:t>volatile-</a:t>
-            </a:r>
-            <a:r>
-              <a:rPr lang="en-US" altLang="zh-CN" b="1" dirty="0" err="1"/>
-              <a:t>lru</a:t>
-            </a:r>
-            <a:r>
-              <a:rPr lang="zh-CN" altLang="en-US" dirty="0"/>
-              <a:t> 尝试淘汰设置了过期时间的 </a:t>
-            </a:r>
-            <a:r>
-              <a:rPr lang="en-US" altLang="zh-CN" dirty="0"/>
-              <a:t>key</a:t>
-            </a:r>
-            <a:r>
-              <a:rPr lang="zh-CN" altLang="en-US" dirty="0"/>
-              <a:t>，最少使用的 </a:t>
-            </a:r>
-            <a:r>
-              <a:rPr lang="en-US" altLang="zh-CN" dirty="0"/>
-              <a:t>key </a:t>
-            </a:r>
-            <a:r>
-              <a:rPr lang="zh-CN" altLang="en-US" dirty="0"/>
-              <a:t>优先被淘汰。没有设置过期时间的 </a:t>
-            </a:r>
-            <a:r>
-              <a:rPr lang="en-US" altLang="zh-CN" dirty="0"/>
-              <a:t>key </a:t>
-            </a:r>
-            <a:r>
-              <a:rPr lang="zh-CN" altLang="en-US" dirty="0"/>
-              <a:t>不会被淘汰，这样可以保证需要持久化的数据不会突然丢失。</a:t>
-            </a:r>
-          </a:p>
-          <a:p>
-            <a:r>
-              <a:rPr lang="en-US" altLang="zh-CN" b="1" dirty="0"/>
-              <a:t>volatile-</a:t>
-            </a:r>
-            <a:r>
-              <a:rPr lang="en-US" altLang="zh-CN" b="1" dirty="0" err="1"/>
-              <a:t>ttl</a:t>
-            </a:r>
-            <a:r>
-              <a:rPr lang="zh-CN" altLang="en-US" dirty="0"/>
-              <a:t> 跟上面一样，除了淘汰的策略不是 </a:t>
-            </a:r>
-            <a:r>
-              <a:rPr lang="en-US" altLang="zh-CN" dirty="0"/>
-              <a:t>LRU</a:t>
-            </a:r>
-            <a:r>
-              <a:rPr lang="zh-CN" altLang="en-US" dirty="0"/>
-              <a:t>，而是 </a:t>
-            </a:r>
-            <a:r>
-              <a:rPr lang="en-US" altLang="zh-CN" dirty="0"/>
-              <a:t>key </a:t>
-            </a:r>
-            <a:r>
-              <a:rPr lang="zh-CN" altLang="en-US" dirty="0"/>
-              <a:t>的剩余寿命 </a:t>
-            </a:r>
-            <a:r>
-              <a:rPr lang="en-US" altLang="zh-CN" dirty="0" err="1"/>
-              <a:t>ttl</a:t>
-            </a:r>
-            <a:r>
-              <a:rPr lang="en-US" altLang="zh-CN" dirty="0"/>
-              <a:t> </a:t>
-            </a:r>
-            <a:r>
-              <a:rPr lang="zh-CN" altLang="en-US" dirty="0"/>
-              <a:t>的值，</a:t>
-            </a:r>
-            <a:r>
-              <a:rPr lang="en-US" altLang="zh-CN" dirty="0" err="1"/>
-              <a:t>ttl</a:t>
-            </a:r>
-            <a:r>
-              <a:rPr lang="en-US" altLang="zh-CN" dirty="0"/>
-              <a:t> </a:t>
-            </a:r>
-            <a:r>
-              <a:rPr lang="zh-CN" altLang="en-US" dirty="0"/>
-              <a:t>越小越优先被淘汰。</a:t>
-            </a:r>
-          </a:p>
-          <a:p>
-            <a:r>
-              <a:rPr lang="en-US" altLang="zh-CN" b="1" dirty="0"/>
-              <a:t>volatile-random</a:t>
-            </a:r>
-            <a:r>
-              <a:rPr lang="zh-CN" altLang="en-US" dirty="0"/>
-              <a:t> 跟上面一样，不过淘汰的 </a:t>
-            </a:r>
-            <a:r>
-              <a:rPr lang="en-US" altLang="zh-CN" dirty="0"/>
-              <a:t>key </a:t>
-            </a:r>
-            <a:r>
-              <a:rPr lang="zh-CN" altLang="en-US" dirty="0"/>
-              <a:t>是过期 </a:t>
-            </a:r>
-            <a:r>
-              <a:rPr lang="en-US" altLang="zh-CN" dirty="0"/>
-              <a:t>key </a:t>
-            </a:r>
-            <a:r>
-              <a:rPr lang="zh-CN" altLang="en-US" dirty="0"/>
-              <a:t>集合中随机的 </a:t>
-            </a:r>
-            <a:r>
-              <a:rPr lang="en-US" altLang="zh-CN" dirty="0"/>
-              <a:t>key</a:t>
-            </a:r>
-            <a:r>
-              <a:rPr lang="zh-CN" altLang="en-US" dirty="0"/>
-              <a:t>。</a:t>
-            </a:r>
-          </a:p>
-          <a:p>
-            <a:r>
-              <a:rPr lang="en-US" altLang="zh-CN" b="1" dirty="0" err="1"/>
-              <a:t>allkeys-lru</a:t>
-            </a:r>
-            <a:r>
-              <a:rPr lang="zh-CN" altLang="en-US" dirty="0"/>
-              <a:t> 区别于 </a:t>
-            </a:r>
-            <a:r>
-              <a:rPr lang="en-US" altLang="zh-CN" dirty="0"/>
-              <a:t>volatile-</a:t>
-            </a:r>
-            <a:r>
-              <a:rPr lang="en-US" altLang="zh-CN" dirty="0" err="1"/>
-              <a:t>lru</a:t>
-            </a:r>
-            <a:r>
-              <a:rPr lang="zh-CN" altLang="en-US" dirty="0"/>
-              <a:t>，这个策略要淘汰的 </a:t>
-            </a:r>
-            <a:r>
-              <a:rPr lang="en-US" altLang="zh-CN" dirty="0"/>
-              <a:t>key </a:t>
-            </a:r>
-            <a:r>
-              <a:rPr lang="zh-CN" altLang="en-US" dirty="0"/>
-              <a:t>对象是全体的 </a:t>
-            </a:r>
-            <a:r>
-              <a:rPr lang="en-US" altLang="zh-CN" dirty="0"/>
-              <a:t>key </a:t>
-            </a:r>
-            <a:r>
-              <a:rPr lang="zh-CN" altLang="en-US" dirty="0"/>
-              <a:t>集合，而不只是过期的 </a:t>
-            </a:r>
-            <a:r>
-              <a:rPr lang="en-US" altLang="zh-CN" dirty="0"/>
-              <a:t>key </a:t>
-            </a:r>
-            <a:r>
-              <a:rPr lang="zh-CN" altLang="en-US" dirty="0"/>
-              <a:t>集合。这意味着没有设置过期时间的 </a:t>
-            </a:r>
-            <a:r>
-              <a:rPr lang="en-US" altLang="zh-CN" dirty="0"/>
-              <a:t>key </a:t>
-            </a:r>
-            <a:r>
-              <a:rPr lang="zh-CN" altLang="en-US" dirty="0"/>
-              <a:t>也会被淘汰。</a:t>
-            </a:r>
-          </a:p>
-          <a:p>
-            <a:r>
-              <a:rPr lang="en-US" altLang="zh-CN" b="1" dirty="0" err="1"/>
-              <a:t>allkeys</a:t>
-            </a:r>
-            <a:r>
-              <a:rPr lang="en-US" altLang="zh-CN" b="1" dirty="0"/>
-              <a:t>-random</a:t>
-            </a:r>
-            <a:r>
-              <a:rPr lang="zh-CN" altLang="en-US" dirty="0"/>
-              <a:t> 跟上面一样，不过淘汰的策略是随机的 </a:t>
-            </a:r>
-            <a:r>
-              <a:rPr lang="en-US" altLang="zh-CN" dirty="0"/>
-              <a:t>key</a:t>
-            </a:r>
-            <a:r>
-              <a:rPr lang="zh-CN" altLang="en-US" dirty="0" smtClean="0"/>
-              <a:t>。</a:t>
-            </a:r>
-            <a:endParaRPr lang="zh-CN" altLang="en-US" dirty="0"/>
-          </a:p>
-        </p:txBody>
-      </p:sp>
-    </p:spTree>
-    <p:extLst>
-      <p:ext uri="{BB962C8B-B14F-4D97-AF65-F5344CB8AC3E}">
-        <p14:creationId xmlns:p14="http://schemas.microsoft.com/office/powerpoint/2010/main" val="122151818"/>
-      </p:ext>
-    </p:extLst>
-  </p:cSld>
-  <p:clrMapOvr>
-    <a:masterClrMapping/>
-  </p:clrMapOvr>
-</p:sld>
-</file>
-
-<file path=ppt/slides/slide58.xml><?xml version="1.0" encoding="utf-8"?>
-<p:sld xmlns:a="http://schemas.openxmlformats.org/drawingml/2006/main" xmlns:r="http://schemas.openxmlformats.org/officeDocument/2006/relationships" xmlns:p="http://schemas.openxmlformats.org/presentationml/2006/main">
-  <p:cSld>
-    <p:spTree>
-      <p:nvGrpSpPr>
-        <p:cNvPr id="1" name=""/>
-        <p:cNvGrpSpPr/>
-        <p:nvPr/>
-      </p:nvGrpSpPr>
-      <p:grpSpPr>
-        <a:xfrm>
-          <a:off x="0" y="0"/>
-          <a:ext cx="0" cy="0"/>
-          <a:chOff x="0" y="0"/>
-          <a:chExt cx="0" cy="0"/>
-        </a:xfrm>
-      </p:grpSpPr>
-      <p:sp>
-        <p:nvSpPr>
-          <p:cNvPr id="2" name="Title 1"/>
-          <p:cNvSpPr>
-            <a:spLocks noGrp="1"/>
-          </p:cNvSpPr>
-          <p:nvPr>
-            <p:ph type="title"/>
-          </p:nvPr>
-        </p:nvSpPr>
-        <p:spPr/>
-        <p:txBody>
-          <a:bodyPr>
-            <a:normAutofit/>
-          </a:bodyPr>
-          <a:lstStyle/>
-          <a:p>
-            <a:r>
-              <a:rPr lang="en-US" b="1" dirty="0"/>
-              <a:t>LRU </a:t>
-            </a:r>
-            <a:r>
-              <a:rPr lang="en-US" b="1" dirty="0" smtClean="0"/>
-              <a:t>算法</a:t>
-            </a:r>
-            <a:endParaRPr lang="en-US" dirty="0"/>
-          </a:p>
-        </p:txBody>
-      </p:sp>
-      <p:sp>
-        <p:nvSpPr>
-          <p:cNvPr id="3" name="Content Placeholder 2"/>
-          <p:cNvSpPr>
-            <a:spLocks noGrp="1"/>
-          </p:cNvSpPr>
-          <p:nvPr>
-            <p:ph idx="1"/>
-          </p:nvPr>
-        </p:nvSpPr>
-        <p:spPr/>
-        <p:txBody>
-          <a:bodyPr>
-            <a:normAutofit fontScale="92500" lnSpcReduction="10000"/>
-          </a:bodyPr>
-          <a:lstStyle/>
-          <a:p>
-            <a:r>
-              <a:rPr lang="en-US" dirty="0" smtClean="0"/>
-              <a:t>Least </a:t>
-            </a:r>
-            <a:r>
-              <a:rPr lang="en-US" dirty="0"/>
-              <a:t>Recently Used</a:t>
-            </a:r>
-            <a:endParaRPr lang="en-US" altLang="zh-CN" dirty="0" smtClean="0"/>
-          </a:p>
-          <a:p>
-            <a:r>
-              <a:rPr lang="zh-CN" altLang="en-US" dirty="0" smtClean="0"/>
-              <a:t>实现 </a:t>
-            </a:r>
-            <a:r>
-              <a:rPr lang="en-US" altLang="zh-CN" dirty="0"/>
-              <a:t>LRU </a:t>
-            </a:r>
-            <a:r>
-              <a:rPr lang="zh-CN" altLang="en-US" dirty="0"/>
-              <a:t>算法除了需要 </a:t>
-            </a:r>
-            <a:r>
-              <a:rPr lang="en-US" altLang="zh-CN" dirty="0"/>
-              <a:t>key/value </a:t>
-            </a:r>
-            <a:r>
-              <a:rPr lang="zh-CN" altLang="en-US" dirty="0"/>
-              <a:t>字典外，还需要附加一个链表，链表中的元素按照一定的顺序进行排列。当空间满的时候，会踢掉链表尾部的元素。当字典的某个元素被访问时，它在链表中的位置会被移动到表头。所以链表的元素排列顺序就是元素最近被访问的时间顺序。</a:t>
-            </a:r>
-          </a:p>
-          <a:p>
-            <a:r>
-              <a:rPr lang="zh-CN" altLang="en-US" dirty="0"/>
-              <a:t>位于链表尾部的元素就是不被重用的元素，所以会被踢掉。位于表头的元素就是最近刚刚被人用过的元素，所以暂时不会被踢。</a:t>
-            </a:r>
-          </a:p>
-          <a:p>
-            <a:endParaRPr lang="en-US" dirty="0"/>
-          </a:p>
-        </p:txBody>
-      </p:sp>
-    </p:spTree>
-    <p:extLst>
-      <p:ext uri="{BB962C8B-B14F-4D97-AF65-F5344CB8AC3E}">
-        <p14:creationId xmlns:p14="http://schemas.microsoft.com/office/powerpoint/2010/main" val="969824465"/>
-      </p:ext>
-    </p:extLst>
-  </p:cSld>
-  <p:clrMapOvr>
-    <a:masterClrMapping/>
-  </p:clrMapOvr>
-</p:sld>
-</file>
-
-<file path=ppt/slides/slide59.xml><?xml version="1.0" encoding="utf-8"?>
-<p:sld xmlns:a="http://schemas.openxmlformats.org/drawingml/2006/main" xmlns:r="http://schemas.openxmlformats.org/officeDocument/2006/relationships" xmlns:p="http://schemas.openxmlformats.org/presentationml/2006/main">
-  <p:cSld>
-    <p:spTree>
-      <p:nvGrpSpPr>
-        <p:cNvPr id="1" name=""/>
-        <p:cNvGrpSpPr/>
-        <p:nvPr/>
-      </p:nvGrpSpPr>
-      <p:grpSpPr>
-        <a:xfrm>
-          <a:off x="0" y="0"/>
-          <a:ext cx="0" cy="0"/>
-          <a:chOff x="0" y="0"/>
-          <a:chExt cx="0" cy="0"/>
-        </a:xfrm>
-      </p:grpSpPr>
-      <p:sp>
-        <p:nvSpPr>
-          <p:cNvPr id="2" name="Title 1"/>
-          <p:cNvSpPr>
-            <a:spLocks noGrp="1"/>
-          </p:cNvSpPr>
-          <p:nvPr>
-            <p:ph type="title"/>
-          </p:nvPr>
-        </p:nvSpPr>
-        <p:spPr/>
-        <p:txBody>
-          <a:bodyPr>
-            <a:normAutofit/>
-          </a:bodyPr>
-          <a:lstStyle/>
-          <a:p>
-            <a:r>
-              <a:rPr lang="fr-FR" b="1" dirty="0" err="1"/>
-              <a:t>近似</a:t>
-            </a:r>
-            <a:r>
-              <a:rPr lang="fr-FR" b="1" dirty="0"/>
-              <a:t> LRU </a:t>
-            </a:r>
-            <a:r>
-              <a:rPr lang="fr-FR" b="1" dirty="0" err="1" smtClean="0"/>
-              <a:t>算法</a:t>
-            </a:r>
-            <a:endParaRPr lang="en-US" dirty="0"/>
-          </a:p>
-        </p:txBody>
-      </p:sp>
-      <p:sp>
-        <p:nvSpPr>
-          <p:cNvPr id="3" name="Content Placeholder 2"/>
-          <p:cNvSpPr>
-            <a:spLocks noGrp="1"/>
-          </p:cNvSpPr>
-          <p:nvPr>
-            <p:ph idx="1"/>
-          </p:nvPr>
-        </p:nvSpPr>
-        <p:spPr/>
-        <p:txBody>
-          <a:bodyPr>
-            <a:normAutofit fontScale="70000" lnSpcReduction="20000"/>
-          </a:bodyPr>
-          <a:lstStyle/>
-          <a:p>
-            <a:r>
-              <a:rPr lang="en-US" altLang="zh-CN" dirty="0" err="1"/>
-              <a:t>Redis</a:t>
-            </a:r>
-            <a:r>
-              <a:rPr lang="en-US" altLang="zh-CN" dirty="0"/>
-              <a:t> </a:t>
-            </a:r>
-            <a:r>
-              <a:rPr lang="zh-CN" altLang="en-US" dirty="0"/>
-              <a:t>使用的是一种近似 </a:t>
-            </a:r>
-            <a:r>
-              <a:rPr lang="en-US" altLang="zh-CN" dirty="0"/>
-              <a:t>LRU </a:t>
-            </a:r>
-            <a:r>
-              <a:rPr lang="zh-CN" altLang="en-US" dirty="0"/>
-              <a:t>算法，它跟 </a:t>
-            </a:r>
-            <a:r>
-              <a:rPr lang="en-US" altLang="zh-CN" dirty="0"/>
-              <a:t>LRU </a:t>
-            </a:r>
-            <a:r>
-              <a:rPr lang="zh-CN" altLang="en-US" dirty="0"/>
-              <a:t>算法还不太一样。之所以不使用 </a:t>
-            </a:r>
-            <a:r>
-              <a:rPr lang="en-US" altLang="zh-CN" dirty="0"/>
-              <a:t>LRU </a:t>
-            </a:r>
-            <a:r>
-              <a:rPr lang="zh-CN" altLang="en-US" dirty="0"/>
-              <a:t>算法，是因为需要消耗大量的额外的内存，需要对现有的数据结构进行较大的改造。近似 </a:t>
-            </a:r>
-            <a:r>
-              <a:rPr lang="en-US" altLang="zh-CN" dirty="0"/>
-              <a:t>LRU </a:t>
-            </a:r>
-            <a:r>
-              <a:rPr lang="zh-CN" altLang="en-US" dirty="0"/>
-              <a:t>算法则很简单，在现有数据结构的基础上使用随机采样法来淘汰元素，能达到和 </a:t>
-            </a:r>
-            <a:r>
-              <a:rPr lang="en-US" altLang="zh-CN" dirty="0"/>
-              <a:t>LRU </a:t>
-            </a:r>
-            <a:r>
-              <a:rPr lang="zh-CN" altLang="en-US" dirty="0"/>
-              <a:t>算法非常近似的效果。</a:t>
-            </a:r>
-            <a:r>
-              <a:rPr lang="en-US" altLang="zh-CN" dirty="0" err="1"/>
-              <a:t>Redis</a:t>
-            </a:r>
-            <a:r>
-              <a:rPr lang="en-US" altLang="zh-CN" dirty="0"/>
-              <a:t> </a:t>
-            </a:r>
-            <a:r>
-              <a:rPr lang="zh-CN" altLang="en-US" dirty="0"/>
-              <a:t>为实现近似 </a:t>
-            </a:r>
-            <a:r>
-              <a:rPr lang="en-US" altLang="zh-CN" dirty="0"/>
-              <a:t>LRU </a:t>
-            </a:r>
-            <a:r>
-              <a:rPr lang="zh-CN" altLang="en-US" dirty="0"/>
-              <a:t>算法，它给每个 </a:t>
-            </a:r>
-            <a:r>
-              <a:rPr lang="en-US" altLang="zh-CN" dirty="0"/>
-              <a:t>key </a:t>
-            </a:r>
-            <a:r>
-              <a:rPr lang="zh-CN" altLang="en-US" dirty="0"/>
-              <a:t>增加了一个额外的小字段，这个字段的长度是 </a:t>
-            </a:r>
-            <a:r>
-              <a:rPr lang="en-US" altLang="zh-CN" dirty="0"/>
-              <a:t>24 </a:t>
-            </a:r>
-            <a:r>
-              <a:rPr lang="zh-CN" altLang="en-US" dirty="0"/>
-              <a:t>个 </a:t>
-            </a:r>
-            <a:r>
-              <a:rPr lang="en-US" altLang="zh-CN" dirty="0"/>
-              <a:t>bit</a:t>
-            </a:r>
-            <a:r>
-              <a:rPr lang="zh-CN" altLang="en-US" dirty="0"/>
-              <a:t>，也就是最后一次被访问的时间戳。</a:t>
-            </a:r>
-          </a:p>
-          <a:p>
-            <a:r>
-              <a:rPr lang="zh-CN" altLang="en-US" dirty="0"/>
-              <a:t>上一节提到处理 </a:t>
-            </a:r>
-            <a:r>
-              <a:rPr lang="en-US" altLang="zh-CN" dirty="0"/>
-              <a:t>key </a:t>
-            </a:r>
-            <a:r>
-              <a:rPr lang="zh-CN" altLang="en-US" dirty="0"/>
-              <a:t>过期方式分为集中处理和懒惰处理，</a:t>
-            </a:r>
-            <a:r>
-              <a:rPr lang="en-US" altLang="zh-CN" dirty="0"/>
-              <a:t>LRU </a:t>
-            </a:r>
-            <a:r>
-              <a:rPr lang="zh-CN" altLang="en-US" dirty="0"/>
-              <a:t>淘汰不一样，它的处理方式只有懒惰处理。当 </a:t>
-            </a:r>
-            <a:r>
-              <a:rPr lang="en-US" altLang="zh-CN" dirty="0" err="1"/>
-              <a:t>Redis</a:t>
-            </a:r>
-            <a:r>
-              <a:rPr lang="en-US" altLang="zh-CN" dirty="0"/>
-              <a:t> </a:t>
-            </a:r>
-            <a:r>
-              <a:rPr lang="zh-CN" altLang="en-US" dirty="0"/>
-              <a:t>执行写操作时，发现内存超出 </a:t>
-            </a:r>
-            <a:r>
-              <a:rPr lang="en-US" altLang="zh-CN" dirty="0" err="1"/>
-              <a:t>maxmemory</a:t>
-            </a:r>
-            <a:r>
-              <a:rPr lang="zh-CN" altLang="en-US" dirty="0"/>
-              <a:t>，就会执行一次 </a:t>
-            </a:r>
-            <a:r>
-              <a:rPr lang="en-US" altLang="zh-CN" dirty="0"/>
-              <a:t>LRU </a:t>
-            </a:r>
-            <a:r>
-              <a:rPr lang="zh-CN" altLang="en-US" dirty="0"/>
-              <a:t>淘汰算法。这个算法也很简单，就是随机采样出 </a:t>
-            </a:r>
-            <a:r>
-              <a:rPr lang="en-US" altLang="zh-CN" dirty="0"/>
-              <a:t>5(</a:t>
-            </a:r>
-            <a:r>
-              <a:rPr lang="zh-CN" altLang="en-US" dirty="0"/>
-              <a:t>可以配置</a:t>
-            </a:r>
-            <a:r>
-              <a:rPr lang="en-US" altLang="zh-CN" dirty="0"/>
-              <a:t>) </a:t>
-            </a:r>
-            <a:r>
-              <a:rPr lang="zh-CN" altLang="en-US" dirty="0"/>
-              <a:t>个 </a:t>
-            </a:r>
-            <a:r>
-              <a:rPr lang="en-US" altLang="zh-CN" dirty="0"/>
-              <a:t>key</a:t>
-            </a:r>
-            <a:r>
-              <a:rPr lang="zh-CN" altLang="en-US" dirty="0"/>
-              <a:t>，然后淘汰掉最旧的 </a:t>
-            </a:r>
-            <a:r>
-              <a:rPr lang="en-US" altLang="zh-CN" dirty="0"/>
-              <a:t>key</a:t>
-            </a:r>
-            <a:r>
-              <a:rPr lang="zh-CN" altLang="en-US" dirty="0"/>
-              <a:t>，如果淘汰后内存还是超出 </a:t>
-            </a:r>
-            <a:r>
-              <a:rPr lang="en-US" altLang="zh-CN" dirty="0" err="1"/>
-              <a:t>maxmemory</a:t>
-            </a:r>
-            <a:r>
-              <a:rPr lang="zh-CN" altLang="en-US" dirty="0"/>
-              <a:t>，那就继续随机采样淘汰，直到内存低于 </a:t>
-            </a:r>
-            <a:r>
-              <a:rPr lang="en-US" altLang="zh-CN" dirty="0" err="1"/>
-              <a:t>maxmemory</a:t>
-            </a:r>
-            <a:r>
-              <a:rPr lang="en-US" altLang="zh-CN" dirty="0"/>
-              <a:t> </a:t>
-            </a:r>
-            <a:r>
-              <a:rPr lang="zh-CN" altLang="en-US" dirty="0"/>
-              <a:t>为止</a:t>
-            </a:r>
-            <a:r>
-              <a:rPr lang="zh-CN" altLang="en-US" dirty="0" smtClean="0"/>
-              <a:t>。</a:t>
-            </a:r>
-            <a:endParaRPr lang="zh-CN" altLang="en-US" dirty="0"/>
-          </a:p>
-        </p:txBody>
-      </p:sp>
-    </p:spTree>
-    <p:extLst>
-      <p:ext uri="{BB962C8B-B14F-4D97-AF65-F5344CB8AC3E}">
-        <p14:creationId xmlns:p14="http://schemas.microsoft.com/office/powerpoint/2010/main" val="1280364464"/>
-      </p:ext>
-    </p:extLst>
-  </p:cSld>
-  <p:clrMapOvr>
-    <a:masterClrMapping/>
-  </p:clrMapOvr>
-</p:sld>
-</file>
-
 <file path=ppt/slides/slide6.xml><?xml version="1.0" encoding="utf-8"?>
 <p:sld xmlns:a="http://schemas.openxmlformats.org/drawingml/2006/main" xmlns:r="http://schemas.openxmlformats.org/officeDocument/2006/relationships" xmlns:p="http://schemas.openxmlformats.org/presentationml/2006/main">
   <p:cSld>
@@ -14391,6 +13861,711 @@
         </p:txBody>
       </p:sp>
     </p:spTree>
+  </p:cSld>
+  <p:clrMapOvr>
+    <a:masterClrMapping/>
+  </p:clrMapOvr>
+</p:sld>
+</file>
+
+<file path=ppt/slides/slide60.xml><?xml version="1.0" encoding="utf-8"?>
+<p:sld xmlns:a="http://schemas.openxmlformats.org/drawingml/2006/main" xmlns:r="http://schemas.openxmlformats.org/officeDocument/2006/relationships" xmlns:p="http://schemas.openxmlformats.org/presentationml/2006/main">
+  <p:cSld>
+    <p:spTree>
+      <p:nvGrpSpPr>
+        <p:cNvPr id="1" name=""/>
+        <p:cNvGrpSpPr/>
+        <p:nvPr/>
+      </p:nvGrpSpPr>
+      <p:grpSpPr>
+        <a:xfrm>
+          <a:off x="0" y="0"/>
+          <a:ext cx="0" cy="0"/>
+          <a:chOff x="0" y="0"/>
+          <a:chExt cx="0" cy="0"/>
+        </a:xfrm>
+      </p:grpSpPr>
+      <p:sp>
+        <p:nvSpPr>
+          <p:cNvPr id="2" name="Title 1"/>
+          <p:cNvSpPr>
+            <a:spLocks noGrp="1"/>
+          </p:cNvSpPr>
+          <p:nvPr>
+            <p:ph type="title"/>
+          </p:nvPr>
+        </p:nvSpPr>
+        <p:spPr/>
+        <p:txBody>
+          <a:bodyPr/>
+          <a:lstStyle/>
+          <a:p>
+            <a:r>
+              <a:rPr lang="zh-CN" altLang="en-US" b="1" dirty="0" smtClean="0"/>
+              <a:t>过期策略</a:t>
+            </a:r>
+            <a:endParaRPr lang="en-US" b="1" dirty="0"/>
+          </a:p>
+        </p:txBody>
+      </p:sp>
+      <p:sp>
+        <p:nvSpPr>
+          <p:cNvPr id="3" name="Content Placeholder 2"/>
+          <p:cNvSpPr>
+            <a:spLocks noGrp="1"/>
+          </p:cNvSpPr>
+          <p:nvPr>
+            <p:ph idx="1"/>
+          </p:nvPr>
+        </p:nvSpPr>
+        <p:spPr/>
+        <p:txBody>
+          <a:bodyPr>
+            <a:normAutofit fontScale="70000" lnSpcReduction="20000"/>
+          </a:bodyPr>
+          <a:lstStyle/>
+          <a:p>
+            <a:r>
+              <a:rPr lang="en-US" altLang="zh-CN" b="1" dirty="0" err="1"/>
+              <a:t>noeviction</a:t>
+            </a:r>
+            <a:r>
+              <a:rPr lang="zh-CN" altLang="en-US" dirty="0"/>
+              <a:t> 不会继续服务写请求 </a:t>
+            </a:r>
+            <a:r>
+              <a:rPr lang="en-US" altLang="zh-CN" dirty="0"/>
+              <a:t>(DEL </a:t>
+            </a:r>
+            <a:r>
+              <a:rPr lang="zh-CN" altLang="en-US" dirty="0"/>
+              <a:t>请求可以继续服务</a:t>
+            </a:r>
+            <a:r>
+              <a:rPr lang="en-US" altLang="zh-CN" dirty="0"/>
+              <a:t>)</a:t>
+            </a:r>
+            <a:r>
+              <a:rPr lang="zh-CN" altLang="en-US" dirty="0"/>
+              <a:t>，读请求可以继续进行。这样可以保证不会丢失数据，但是会让线上的业务不能持续进行。这是默认的淘汰策略。</a:t>
+            </a:r>
+          </a:p>
+          <a:p>
+            <a:r>
+              <a:rPr lang="en-US" altLang="zh-CN" b="1" dirty="0"/>
+              <a:t>volatile-</a:t>
+            </a:r>
+            <a:r>
+              <a:rPr lang="en-US" altLang="zh-CN" b="1" dirty="0" err="1"/>
+              <a:t>lru</a:t>
+            </a:r>
+            <a:r>
+              <a:rPr lang="zh-CN" altLang="en-US" dirty="0"/>
+              <a:t> 尝试淘汰设置了过期时间的 </a:t>
+            </a:r>
+            <a:r>
+              <a:rPr lang="en-US" altLang="zh-CN" dirty="0"/>
+              <a:t>key</a:t>
+            </a:r>
+            <a:r>
+              <a:rPr lang="zh-CN" altLang="en-US" dirty="0"/>
+              <a:t>，最少使用的 </a:t>
+            </a:r>
+            <a:r>
+              <a:rPr lang="en-US" altLang="zh-CN" dirty="0"/>
+              <a:t>key </a:t>
+            </a:r>
+            <a:r>
+              <a:rPr lang="zh-CN" altLang="en-US" dirty="0"/>
+              <a:t>优先被淘汰。没有设置过期时间的 </a:t>
+            </a:r>
+            <a:r>
+              <a:rPr lang="en-US" altLang="zh-CN" dirty="0"/>
+              <a:t>key </a:t>
+            </a:r>
+            <a:r>
+              <a:rPr lang="zh-CN" altLang="en-US" dirty="0"/>
+              <a:t>不会被淘汰，这样可以保证需要持久化的数据不会突然丢失。</a:t>
+            </a:r>
+          </a:p>
+          <a:p>
+            <a:r>
+              <a:rPr lang="en-US" altLang="zh-CN" b="1" dirty="0"/>
+              <a:t>volatile-</a:t>
+            </a:r>
+            <a:r>
+              <a:rPr lang="en-US" altLang="zh-CN" b="1" dirty="0" err="1"/>
+              <a:t>ttl</a:t>
+            </a:r>
+            <a:r>
+              <a:rPr lang="zh-CN" altLang="en-US" dirty="0"/>
+              <a:t> 跟上面一样，除了淘汰的策略不是 </a:t>
+            </a:r>
+            <a:r>
+              <a:rPr lang="en-US" altLang="zh-CN" dirty="0"/>
+              <a:t>LRU</a:t>
+            </a:r>
+            <a:r>
+              <a:rPr lang="zh-CN" altLang="en-US" dirty="0"/>
+              <a:t>，而是 </a:t>
+            </a:r>
+            <a:r>
+              <a:rPr lang="en-US" altLang="zh-CN" dirty="0"/>
+              <a:t>key </a:t>
+            </a:r>
+            <a:r>
+              <a:rPr lang="zh-CN" altLang="en-US" dirty="0"/>
+              <a:t>的剩余寿命 </a:t>
+            </a:r>
+            <a:r>
+              <a:rPr lang="en-US" altLang="zh-CN" dirty="0" err="1"/>
+              <a:t>ttl</a:t>
+            </a:r>
+            <a:r>
+              <a:rPr lang="en-US" altLang="zh-CN" dirty="0"/>
+              <a:t> </a:t>
+            </a:r>
+            <a:r>
+              <a:rPr lang="zh-CN" altLang="en-US" dirty="0"/>
+              <a:t>的值，</a:t>
+            </a:r>
+            <a:r>
+              <a:rPr lang="en-US" altLang="zh-CN" dirty="0" err="1"/>
+              <a:t>ttl</a:t>
+            </a:r>
+            <a:r>
+              <a:rPr lang="en-US" altLang="zh-CN" dirty="0"/>
+              <a:t> </a:t>
+            </a:r>
+            <a:r>
+              <a:rPr lang="zh-CN" altLang="en-US" dirty="0"/>
+              <a:t>越小越优先被淘汰。</a:t>
+            </a:r>
+          </a:p>
+          <a:p>
+            <a:r>
+              <a:rPr lang="en-US" altLang="zh-CN" b="1" dirty="0"/>
+              <a:t>volatile-random</a:t>
+            </a:r>
+            <a:r>
+              <a:rPr lang="zh-CN" altLang="en-US" dirty="0"/>
+              <a:t> 跟上面一样，不过淘汰的 </a:t>
+            </a:r>
+            <a:r>
+              <a:rPr lang="en-US" altLang="zh-CN" dirty="0"/>
+              <a:t>key </a:t>
+            </a:r>
+            <a:r>
+              <a:rPr lang="zh-CN" altLang="en-US" dirty="0"/>
+              <a:t>是过期 </a:t>
+            </a:r>
+            <a:r>
+              <a:rPr lang="en-US" altLang="zh-CN" dirty="0"/>
+              <a:t>key </a:t>
+            </a:r>
+            <a:r>
+              <a:rPr lang="zh-CN" altLang="en-US" dirty="0"/>
+              <a:t>集合中随机的 </a:t>
+            </a:r>
+            <a:r>
+              <a:rPr lang="en-US" altLang="zh-CN" dirty="0"/>
+              <a:t>key</a:t>
+            </a:r>
+            <a:r>
+              <a:rPr lang="zh-CN" altLang="en-US" dirty="0"/>
+              <a:t>。</a:t>
+            </a:r>
+          </a:p>
+          <a:p>
+            <a:r>
+              <a:rPr lang="en-US" altLang="zh-CN" b="1" dirty="0" err="1"/>
+              <a:t>allkeys-lru</a:t>
+            </a:r>
+            <a:r>
+              <a:rPr lang="zh-CN" altLang="en-US" dirty="0"/>
+              <a:t> 区别于 </a:t>
+            </a:r>
+            <a:r>
+              <a:rPr lang="en-US" altLang="zh-CN" dirty="0"/>
+              <a:t>volatile-</a:t>
+            </a:r>
+            <a:r>
+              <a:rPr lang="en-US" altLang="zh-CN" dirty="0" err="1"/>
+              <a:t>lru</a:t>
+            </a:r>
+            <a:r>
+              <a:rPr lang="zh-CN" altLang="en-US" dirty="0"/>
+              <a:t>，这个策略要淘汰的 </a:t>
+            </a:r>
+            <a:r>
+              <a:rPr lang="en-US" altLang="zh-CN" dirty="0"/>
+              <a:t>key </a:t>
+            </a:r>
+            <a:r>
+              <a:rPr lang="zh-CN" altLang="en-US" dirty="0"/>
+              <a:t>对象是全体的 </a:t>
+            </a:r>
+            <a:r>
+              <a:rPr lang="en-US" altLang="zh-CN" dirty="0"/>
+              <a:t>key </a:t>
+            </a:r>
+            <a:r>
+              <a:rPr lang="zh-CN" altLang="en-US" dirty="0"/>
+              <a:t>集合，而不只是过期的 </a:t>
+            </a:r>
+            <a:r>
+              <a:rPr lang="en-US" altLang="zh-CN" dirty="0"/>
+              <a:t>key </a:t>
+            </a:r>
+            <a:r>
+              <a:rPr lang="zh-CN" altLang="en-US" dirty="0"/>
+              <a:t>集合。这意味着没有设置过期时间的 </a:t>
+            </a:r>
+            <a:r>
+              <a:rPr lang="en-US" altLang="zh-CN" dirty="0"/>
+              <a:t>key </a:t>
+            </a:r>
+            <a:r>
+              <a:rPr lang="zh-CN" altLang="en-US" dirty="0"/>
+              <a:t>也会被淘汰。</a:t>
+            </a:r>
+          </a:p>
+          <a:p>
+            <a:r>
+              <a:rPr lang="en-US" altLang="zh-CN" b="1" dirty="0" err="1"/>
+              <a:t>allkeys</a:t>
+            </a:r>
+            <a:r>
+              <a:rPr lang="en-US" altLang="zh-CN" b="1" dirty="0"/>
+              <a:t>-random</a:t>
+            </a:r>
+            <a:r>
+              <a:rPr lang="zh-CN" altLang="en-US" dirty="0"/>
+              <a:t> 跟上面一样，不过淘汰的策略是随机的 </a:t>
+            </a:r>
+            <a:r>
+              <a:rPr lang="en-US" altLang="zh-CN" dirty="0"/>
+              <a:t>key</a:t>
+            </a:r>
+            <a:r>
+              <a:rPr lang="zh-CN" altLang="en-US" dirty="0" smtClean="0"/>
+              <a:t>。</a:t>
+            </a:r>
+            <a:endParaRPr lang="zh-CN" altLang="en-US" dirty="0"/>
+          </a:p>
+        </p:txBody>
+      </p:sp>
+    </p:spTree>
+    <p:extLst>
+      <p:ext uri="{BB962C8B-B14F-4D97-AF65-F5344CB8AC3E}">
+        <p14:creationId xmlns:p14="http://schemas.microsoft.com/office/powerpoint/2010/main" val="122151818"/>
+      </p:ext>
+    </p:extLst>
+  </p:cSld>
+  <p:clrMapOvr>
+    <a:masterClrMapping/>
+  </p:clrMapOvr>
+</p:sld>
+</file>
+
+<file path=ppt/slides/slide61.xml><?xml version="1.0" encoding="utf-8"?>
+<p:sld xmlns:a="http://schemas.openxmlformats.org/drawingml/2006/main" xmlns:r="http://schemas.openxmlformats.org/officeDocument/2006/relationships" xmlns:p="http://schemas.openxmlformats.org/presentationml/2006/main">
+  <p:cSld>
+    <p:spTree>
+      <p:nvGrpSpPr>
+        <p:cNvPr id="1" name=""/>
+        <p:cNvGrpSpPr/>
+        <p:nvPr/>
+      </p:nvGrpSpPr>
+      <p:grpSpPr>
+        <a:xfrm>
+          <a:off x="0" y="0"/>
+          <a:ext cx="0" cy="0"/>
+          <a:chOff x="0" y="0"/>
+          <a:chExt cx="0" cy="0"/>
+        </a:xfrm>
+      </p:grpSpPr>
+      <p:sp>
+        <p:nvSpPr>
+          <p:cNvPr id="2" name="Title 1"/>
+          <p:cNvSpPr>
+            <a:spLocks noGrp="1"/>
+          </p:cNvSpPr>
+          <p:nvPr>
+            <p:ph type="title"/>
+          </p:nvPr>
+        </p:nvSpPr>
+        <p:spPr/>
+        <p:txBody>
+          <a:bodyPr>
+            <a:normAutofit/>
+          </a:bodyPr>
+          <a:lstStyle/>
+          <a:p>
+            <a:r>
+              <a:rPr lang="en-US" b="1" dirty="0"/>
+              <a:t>LRU </a:t>
+            </a:r>
+            <a:r>
+              <a:rPr lang="en-US" b="1" dirty="0" smtClean="0"/>
+              <a:t>算法</a:t>
+            </a:r>
+            <a:endParaRPr lang="en-US" dirty="0"/>
+          </a:p>
+        </p:txBody>
+      </p:sp>
+      <p:sp>
+        <p:nvSpPr>
+          <p:cNvPr id="3" name="Content Placeholder 2"/>
+          <p:cNvSpPr>
+            <a:spLocks noGrp="1"/>
+          </p:cNvSpPr>
+          <p:nvPr>
+            <p:ph idx="1"/>
+          </p:nvPr>
+        </p:nvSpPr>
+        <p:spPr/>
+        <p:txBody>
+          <a:bodyPr>
+            <a:normAutofit fontScale="92500" lnSpcReduction="10000"/>
+          </a:bodyPr>
+          <a:lstStyle/>
+          <a:p>
+            <a:r>
+              <a:rPr lang="en-US" dirty="0" smtClean="0"/>
+              <a:t>Least </a:t>
+            </a:r>
+            <a:r>
+              <a:rPr lang="en-US" dirty="0"/>
+              <a:t>Recently Used</a:t>
+            </a:r>
+            <a:endParaRPr lang="en-US" altLang="zh-CN" dirty="0" smtClean="0"/>
+          </a:p>
+          <a:p>
+            <a:r>
+              <a:rPr lang="zh-CN" altLang="en-US" dirty="0" smtClean="0"/>
+              <a:t>实现 </a:t>
+            </a:r>
+            <a:r>
+              <a:rPr lang="en-US" altLang="zh-CN" dirty="0"/>
+              <a:t>LRU </a:t>
+            </a:r>
+            <a:r>
+              <a:rPr lang="zh-CN" altLang="en-US" dirty="0"/>
+              <a:t>算法除了需要 </a:t>
+            </a:r>
+            <a:r>
+              <a:rPr lang="en-US" altLang="zh-CN" dirty="0"/>
+              <a:t>key/value </a:t>
+            </a:r>
+            <a:r>
+              <a:rPr lang="zh-CN" altLang="en-US" dirty="0"/>
+              <a:t>字典外，还需要附加一个链表，链表中的元素按照一定的顺序进行排列。当空间满的时候，会踢掉链表尾部的元素。当字典的某个元素被访问时，它在链表中的位置会被移动到表头。所以链表的元素排列顺序就是元素最近被访问的时间顺序。</a:t>
+            </a:r>
+          </a:p>
+          <a:p>
+            <a:r>
+              <a:rPr lang="zh-CN" altLang="en-US" dirty="0"/>
+              <a:t>位于链表尾部的元素就是不被重用的元素，所以会被踢掉。位于表头的元素就是最近刚刚被人用过的元素，所以暂时不会被踢。</a:t>
+            </a:r>
+          </a:p>
+          <a:p>
+            <a:endParaRPr lang="en-US" dirty="0"/>
+          </a:p>
+        </p:txBody>
+      </p:sp>
+    </p:spTree>
+    <p:extLst>
+      <p:ext uri="{BB962C8B-B14F-4D97-AF65-F5344CB8AC3E}">
+        <p14:creationId xmlns:p14="http://schemas.microsoft.com/office/powerpoint/2010/main" val="969824465"/>
+      </p:ext>
+    </p:extLst>
+  </p:cSld>
+  <p:clrMapOvr>
+    <a:masterClrMapping/>
+  </p:clrMapOvr>
+</p:sld>
+</file>
+
+<file path=ppt/slides/slide62.xml><?xml version="1.0" encoding="utf-8"?>
+<p:sld xmlns:a="http://schemas.openxmlformats.org/drawingml/2006/main" xmlns:r="http://schemas.openxmlformats.org/officeDocument/2006/relationships" xmlns:p="http://schemas.openxmlformats.org/presentationml/2006/main">
+  <p:cSld>
+    <p:spTree>
+      <p:nvGrpSpPr>
+        <p:cNvPr id="1" name=""/>
+        <p:cNvGrpSpPr/>
+        <p:nvPr/>
+      </p:nvGrpSpPr>
+      <p:grpSpPr>
+        <a:xfrm>
+          <a:off x="0" y="0"/>
+          <a:ext cx="0" cy="0"/>
+          <a:chOff x="0" y="0"/>
+          <a:chExt cx="0" cy="0"/>
+        </a:xfrm>
+      </p:grpSpPr>
+      <p:sp>
+        <p:nvSpPr>
+          <p:cNvPr id="2" name="Title 1"/>
+          <p:cNvSpPr>
+            <a:spLocks noGrp="1"/>
+          </p:cNvSpPr>
+          <p:nvPr>
+            <p:ph type="title"/>
+          </p:nvPr>
+        </p:nvSpPr>
+        <p:spPr/>
+        <p:txBody>
+          <a:bodyPr>
+            <a:normAutofit/>
+          </a:bodyPr>
+          <a:lstStyle/>
+          <a:p>
+            <a:r>
+              <a:rPr lang="fr-FR" b="1" dirty="0" err="1"/>
+              <a:t>近似</a:t>
+            </a:r>
+            <a:r>
+              <a:rPr lang="fr-FR" b="1" dirty="0"/>
+              <a:t> LRU </a:t>
+            </a:r>
+            <a:r>
+              <a:rPr lang="fr-FR" b="1" dirty="0" err="1" smtClean="0"/>
+              <a:t>算法</a:t>
+            </a:r>
+            <a:endParaRPr lang="en-US" dirty="0"/>
+          </a:p>
+        </p:txBody>
+      </p:sp>
+      <p:sp>
+        <p:nvSpPr>
+          <p:cNvPr id="3" name="Content Placeholder 2"/>
+          <p:cNvSpPr>
+            <a:spLocks noGrp="1"/>
+          </p:cNvSpPr>
+          <p:nvPr>
+            <p:ph idx="1"/>
+          </p:nvPr>
+        </p:nvSpPr>
+        <p:spPr/>
+        <p:txBody>
+          <a:bodyPr>
+            <a:normAutofit fontScale="70000" lnSpcReduction="20000"/>
+          </a:bodyPr>
+          <a:lstStyle/>
+          <a:p>
+            <a:r>
+              <a:rPr lang="en-US" altLang="zh-CN" dirty="0" err="1"/>
+              <a:t>Redis</a:t>
+            </a:r>
+            <a:r>
+              <a:rPr lang="en-US" altLang="zh-CN" dirty="0"/>
+              <a:t> </a:t>
+            </a:r>
+            <a:r>
+              <a:rPr lang="zh-CN" altLang="en-US" dirty="0"/>
+              <a:t>使用的是一种近似 </a:t>
+            </a:r>
+            <a:r>
+              <a:rPr lang="en-US" altLang="zh-CN" dirty="0"/>
+              <a:t>LRU </a:t>
+            </a:r>
+            <a:r>
+              <a:rPr lang="zh-CN" altLang="en-US" dirty="0"/>
+              <a:t>算法，它跟 </a:t>
+            </a:r>
+            <a:r>
+              <a:rPr lang="en-US" altLang="zh-CN" dirty="0"/>
+              <a:t>LRU </a:t>
+            </a:r>
+            <a:r>
+              <a:rPr lang="zh-CN" altLang="en-US" dirty="0"/>
+              <a:t>算法还不太一样。之所以不使用 </a:t>
+            </a:r>
+            <a:r>
+              <a:rPr lang="en-US" altLang="zh-CN" dirty="0"/>
+              <a:t>LRU </a:t>
+            </a:r>
+            <a:r>
+              <a:rPr lang="zh-CN" altLang="en-US" dirty="0"/>
+              <a:t>算法，是因为需要消耗大量的额外的内存，需要对现有的数据结构进行较大的改造。近似 </a:t>
+            </a:r>
+            <a:r>
+              <a:rPr lang="en-US" altLang="zh-CN" dirty="0"/>
+              <a:t>LRU </a:t>
+            </a:r>
+            <a:r>
+              <a:rPr lang="zh-CN" altLang="en-US" dirty="0"/>
+              <a:t>算法则很简单，在现有数据结构的基础上使用随机采样法来淘汰元素，能达到和 </a:t>
+            </a:r>
+            <a:r>
+              <a:rPr lang="en-US" altLang="zh-CN" dirty="0"/>
+              <a:t>LRU </a:t>
+            </a:r>
+            <a:r>
+              <a:rPr lang="zh-CN" altLang="en-US" dirty="0"/>
+              <a:t>算法非常近似的效果。</a:t>
+            </a:r>
+            <a:r>
+              <a:rPr lang="en-US" altLang="zh-CN" dirty="0" err="1"/>
+              <a:t>Redis</a:t>
+            </a:r>
+            <a:r>
+              <a:rPr lang="en-US" altLang="zh-CN" dirty="0"/>
+              <a:t> </a:t>
+            </a:r>
+            <a:r>
+              <a:rPr lang="zh-CN" altLang="en-US" dirty="0"/>
+              <a:t>为实现近似 </a:t>
+            </a:r>
+            <a:r>
+              <a:rPr lang="en-US" altLang="zh-CN" dirty="0"/>
+              <a:t>LRU </a:t>
+            </a:r>
+            <a:r>
+              <a:rPr lang="zh-CN" altLang="en-US" dirty="0"/>
+              <a:t>算法，它给每个 </a:t>
+            </a:r>
+            <a:r>
+              <a:rPr lang="en-US" altLang="zh-CN" dirty="0"/>
+              <a:t>key </a:t>
+            </a:r>
+            <a:r>
+              <a:rPr lang="zh-CN" altLang="en-US" dirty="0"/>
+              <a:t>增加了一个额外的小字段，这个字段的长度是 </a:t>
+            </a:r>
+            <a:r>
+              <a:rPr lang="en-US" altLang="zh-CN" dirty="0"/>
+              <a:t>24 </a:t>
+            </a:r>
+            <a:r>
+              <a:rPr lang="zh-CN" altLang="en-US" dirty="0"/>
+              <a:t>个 </a:t>
+            </a:r>
+            <a:r>
+              <a:rPr lang="en-US" altLang="zh-CN" dirty="0"/>
+              <a:t>bit</a:t>
+            </a:r>
+            <a:r>
+              <a:rPr lang="zh-CN" altLang="en-US" dirty="0"/>
+              <a:t>，也就是最后一次被访问的时间戳。</a:t>
+            </a:r>
+          </a:p>
+          <a:p>
+            <a:r>
+              <a:rPr lang="zh-CN" altLang="en-US" dirty="0"/>
+              <a:t>上一节提到处理 </a:t>
+            </a:r>
+            <a:r>
+              <a:rPr lang="en-US" altLang="zh-CN" dirty="0"/>
+              <a:t>key </a:t>
+            </a:r>
+            <a:r>
+              <a:rPr lang="zh-CN" altLang="en-US" dirty="0"/>
+              <a:t>过期方式分为集中处理和懒惰处理，</a:t>
+            </a:r>
+            <a:r>
+              <a:rPr lang="en-US" altLang="zh-CN" dirty="0"/>
+              <a:t>LRU </a:t>
+            </a:r>
+            <a:r>
+              <a:rPr lang="zh-CN" altLang="en-US" dirty="0"/>
+              <a:t>淘汰不一样，它的处理方式只有懒惰处理。当 </a:t>
+            </a:r>
+            <a:r>
+              <a:rPr lang="en-US" altLang="zh-CN" dirty="0" err="1"/>
+              <a:t>Redis</a:t>
+            </a:r>
+            <a:r>
+              <a:rPr lang="en-US" altLang="zh-CN" dirty="0"/>
+              <a:t> </a:t>
+            </a:r>
+            <a:r>
+              <a:rPr lang="zh-CN" altLang="en-US" dirty="0"/>
+              <a:t>执行写操作时，发现内存超出 </a:t>
+            </a:r>
+            <a:r>
+              <a:rPr lang="en-US" altLang="zh-CN" dirty="0" err="1"/>
+              <a:t>maxmemory</a:t>
+            </a:r>
+            <a:r>
+              <a:rPr lang="zh-CN" altLang="en-US" dirty="0"/>
+              <a:t>，就会执行一次 </a:t>
+            </a:r>
+            <a:r>
+              <a:rPr lang="en-US" altLang="zh-CN" dirty="0"/>
+              <a:t>LRU </a:t>
+            </a:r>
+            <a:r>
+              <a:rPr lang="zh-CN" altLang="en-US" dirty="0"/>
+              <a:t>淘汰算法。这个算法也很简单，就是随机采样出 </a:t>
+            </a:r>
+            <a:r>
+              <a:rPr lang="en-US" altLang="zh-CN" dirty="0"/>
+              <a:t>5(</a:t>
+            </a:r>
+            <a:r>
+              <a:rPr lang="zh-CN" altLang="en-US" dirty="0"/>
+              <a:t>可以配置</a:t>
+            </a:r>
+            <a:r>
+              <a:rPr lang="en-US" altLang="zh-CN" dirty="0"/>
+              <a:t>) </a:t>
+            </a:r>
+            <a:r>
+              <a:rPr lang="zh-CN" altLang="en-US" dirty="0"/>
+              <a:t>个 </a:t>
+            </a:r>
+            <a:r>
+              <a:rPr lang="en-US" altLang="zh-CN" dirty="0"/>
+              <a:t>key</a:t>
+            </a:r>
+            <a:r>
+              <a:rPr lang="zh-CN" altLang="en-US" dirty="0"/>
+              <a:t>，然后淘汰掉最旧的 </a:t>
+            </a:r>
+            <a:r>
+              <a:rPr lang="en-US" altLang="zh-CN" dirty="0"/>
+              <a:t>key</a:t>
+            </a:r>
+            <a:r>
+              <a:rPr lang="zh-CN" altLang="en-US" dirty="0"/>
+              <a:t>，如果淘汰后内存还是超出 </a:t>
+            </a:r>
+            <a:r>
+              <a:rPr lang="en-US" altLang="zh-CN" dirty="0" err="1"/>
+              <a:t>maxmemory</a:t>
+            </a:r>
+            <a:r>
+              <a:rPr lang="zh-CN" altLang="en-US" dirty="0"/>
+              <a:t>，那就继续随机采样淘汰，直到内存低于 </a:t>
+            </a:r>
+            <a:r>
+              <a:rPr lang="en-US" altLang="zh-CN" dirty="0" err="1"/>
+              <a:t>maxmemory</a:t>
+            </a:r>
+            <a:r>
+              <a:rPr lang="en-US" altLang="zh-CN" dirty="0"/>
+              <a:t> </a:t>
+            </a:r>
+            <a:r>
+              <a:rPr lang="zh-CN" altLang="en-US" dirty="0"/>
+              <a:t>为止</a:t>
+            </a:r>
+            <a:r>
+              <a:rPr lang="zh-CN" altLang="en-US" dirty="0" smtClean="0"/>
+              <a:t>。</a:t>
+            </a:r>
+            <a:endParaRPr lang="zh-CN" altLang="en-US" dirty="0"/>
+          </a:p>
+        </p:txBody>
+      </p:sp>
+    </p:spTree>
+    <p:extLst>
+      <p:ext uri="{BB962C8B-B14F-4D97-AF65-F5344CB8AC3E}">
+        <p14:creationId xmlns:p14="http://schemas.microsoft.com/office/powerpoint/2010/main" val="1280364464"/>
+      </p:ext>
+    </p:extLst>
   </p:cSld>
   <p:clrMapOvr>
     <a:masterClrMapping/>

--- a/middlerware/Redis介绍及实战.pptx
+++ b/middlerware/Redis介绍及实战.pptx
@@ -5,7 +5,7 @@
     <p:sldMasterId id="2147483672" r:id="rId1"/>
   </p:sldMasterIdLst>
   <p:notesMasterIdLst>
-    <p:notesMasterId r:id="rId64"/>
+    <p:notesMasterId r:id="rId73"/>
   </p:notesMasterIdLst>
   <p:sldIdLst>
     <p:sldId id="256" r:id="rId2"/>
@@ -70,6 +70,15 @@
     <p:sldId id="310" r:id="rId61"/>
     <p:sldId id="311" r:id="rId62"/>
     <p:sldId id="312" r:id="rId63"/>
+    <p:sldId id="321" r:id="rId64"/>
+    <p:sldId id="322" r:id="rId65"/>
+    <p:sldId id="324" r:id="rId66"/>
+    <p:sldId id="323" r:id="rId67"/>
+    <p:sldId id="325" r:id="rId68"/>
+    <p:sldId id="326" r:id="rId69"/>
+    <p:sldId id="327" r:id="rId70"/>
+    <p:sldId id="329" r:id="rId71"/>
+    <p:sldId id="328" r:id="rId72"/>
   </p:sldIdLst>
   <p:sldSz cx="9144000" cy="6858000" type="screen4x3"/>
   <p:notesSz cx="6858000" cy="9144000"/>
@@ -969,6 +978,182 @@
     <p:extLst>
       <p:ext uri="{BB962C8B-B14F-4D97-AF65-F5344CB8AC3E}">
         <p14:creationId xmlns:p14="http://schemas.microsoft.com/office/powerpoint/2010/main" val="338642096"/>
+      </p:ext>
+    </p:extLst>
+  </p:cSld>
+  <p:clrMapOvr>
+    <a:masterClrMapping/>
+  </p:clrMapOvr>
+</p:notes>
+</file>
+
+<file path=ppt/notesSlides/notesSlide3.xml><?xml version="1.0" encoding="utf-8"?>
+<p:notes xmlns:a="http://schemas.openxmlformats.org/drawingml/2006/main" xmlns:r="http://schemas.openxmlformats.org/officeDocument/2006/relationships" xmlns:p="http://schemas.openxmlformats.org/presentationml/2006/main">
+  <p:cSld>
+    <p:spTree>
+      <p:nvGrpSpPr>
+        <p:cNvPr id="1" name=""/>
+        <p:cNvGrpSpPr/>
+        <p:nvPr/>
+      </p:nvGrpSpPr>
+      <p:grpSpPr>
+        <a:xfrm>
+          <a:off x="0" y="0"/>
+          <a:ext cx="0" cy="0"/>
+          <a:chOff x="0" y="0"/>
+          <a:chExt cx="0" cy="0"/>
+        </a:xfrm>
+      </p:grpSpPr>
+      <p:sp>
+        <p:nvSpPr>
+          <p:cNvPr id="2" name="Slide Image Placeholder 1"/>
+          <p:cNvSpPr>
+            <a:spLocks noGrp="1" noRot="1" noChangeAspect="1"/>
+          </p:cNvSpPr>
+          <p:nvPr>
+            <p:ph type="sldImg"/>
+          </p:nvPr>
+        </p:nvSpPr>
+        <p:spPr/>
+      </p:sp>
+      <p:sp>
+        <p:nvSpPr>
+          <p:cNvPr id="3" name="Notes Placeholder 2"/>
+          <p:cNvSpPr>
+            <a:spLocks noGrp="1"/>
+          </p:cNvSpPr>
+          <p:nvPr>
+            <p:ph type="body" idx="1"/>
+          </p:nvPr>
+        </p:nvSpPr>
+        <p:spPr/>
+        <p:txBody>
+          <a:bodyPr/>
+          <a:lstStyle/>
+          <a:p>
+            <a:r>
+              <a:rPr lang="en-US" dirty="0" smtClean="0">
+                <a:hlinkClick r:id="rId3"/>
+              </a:rPr>
+              <a:t>https://blog.csdn.net/f641385712/article/details/84679147</a:t>
+            </a:r>
+            <a:endParaRPr lang="en-US" dirty="0"/>
+          </a:p>
+        </p:txBody>
+      </p:sp>
+      <p:sp>
+        <p:nvSpPr>
+          <p:cNvPr id="4" name="Slide Number Placeholder 3"/>
+          <p:cNvSpPr>
+            <a:spLocks noGrp="1"/>
+          </p:cNvSpPr>
+          <p:nvPr>
+            <p:ph type="sldNum" sz="quarter" idx="10"/>
+          </p:nvPr>
+        </p:nvSpPr>
+        <p:spPr/>
+        <p:txBody>
+          <a:bodyPr/>
+          <a:lstStyle/>
+          <a:p>
+            <a:fld id="{6B377DD7-53A6-8941-A1C7-273483CB537D}" type="slidenum">
+              <a:rPr lang="en-US" smtClean="0"/>
+              <a:pPr/>
+              <a:t>69</a:t>
+            </a:fld>
+            <a:endParaRPr lang="en-US"/>
+          </a:p>
+        </p:txBody>
+      </p:sp>
+    </p:spTree>
+    <p:extLst>
+      <p:ext uri="{BB962C8B-B14F-4D97-AF65-F5344CB8AC3E}">
+        <p14:creationId xmlns:p14="http://schemas.microsoft.com/office/powerpoint/2010/main" val="756742297"/>
+      </p:ext>
+    </p:extLst>
+  </p:cSld>
+  <p:clrMapOvr>
+    <a:masterClrMapping/>
+  </p:clrMapOvr>
+</p:notes>
+</file>
+
+<file path=ppt/notesSlides/notesSlide4.xml><?xml version="1.0" encoding="utf-8"?>
+<p:notes xmlns:a="http://schemas.openxmlformats.org/drawingml/2006/main" xmlns:r="http://schemas.openxmlformats.org/officeDocument/2006/relationships" xmlns:p="http://schemas.openxmlformats.org/presentationml/2006/main">
+  <p:cSld>
+    <p:spTree>
+      <p:nvGrpSpPr>
+        <p:cNvPr id="1" name=""/>
+        <p:cNvGrpSpPr/>
+        <p:nvPr/>
+      </p:nvGrpSpPr>
+      <p:grpSpPr>
+        <a:xfrm>
+          <a:off x="0" y="0"/>
+          <a:ext cx="0" cy="0"/>
+          <a:chOff x="0" y="0"/>
+          <a:chExt cx="0" cy="0"/>
+        </a:xfrm>
+      </p:grpSpPr>
+      <p:sp>
+        <p:nvSpPr>
+          <p:cNvPr id="2" name="Slide Image Placeholder 1"/>
+          <p:cNvSpPr>
+            <a:spLocks noGrp="1" noRot="1" noChangeAspect="1"/>
+          </p:cNvSpPr>
+          <p:nvPr>
+            <p:ph type="sldImg"/>
+          </p:nvPr>
+        </p:nvSpPr>
+        <p:spPr/>
+      </p:sp>
+      <p:sp>
+        <p:nvSpPr>
+          <p:cNvPr id="3" name="Notes Placeholder 2"/>
+          <p:cNvSpPr>
+            <a:spLocks noGrp="1"/>
+          </p:cNvSpPr>
+          <p:nvPr>
+            <p:ph type="body" idx="1"/>
+          </p:nvPr>
+        </p:nvSpPr>
+        <p:spPr/>
+        <p:txBody>
+          <a:bodyPr/>
+          <a:lstStyle/>
+          <a:p>
+            <a:endParaRPr lang="en-US" dirty="0"/>
+          </a:p>
+        </p:txBody>
+      </p:sp>
+      <p:sp>
+        <p:nvSpPr>
+          <p:cNvPr id="4" name="Slide Number Placeholder 3"/>
+          <p:cNvSpPr>
+            <a:spLocks noGrp="1"/>
+          </p:cNvSpPr>
+          <p:nvPr>
+            <p:ph type="sldNum" sz="quarter" idx="10"/>
+          </p:nvPr>
+        </p:nvSpPr>
+        <p:spPr/>
+        <p:txBody>
+          <a:bodyPr/>
+          <a:lstStyle/>
+          <a:p>
+            <a:fld id="{6B377DD7-53A6-8941-A1C7-273483CB537D}" type="slidenum">
+              <a:rPr lang="en-US" smtClean="0"/>
+              <a:pPr/>
+              <a:t>70</a:t>
+            </a:fld>
+            <a:endParaRPr lang="en-US"/>
+          </a:p>
+        </p:txBody>
+      </p:sp>
+    </p:spTree>
+    <p:extLst>
+      <p:ext uri="{BB962C8B-B14F-4D97-AF65-F5344CB8AC3E}">
+        <p14:creationId xmlns:p14="http://schemas.microsoft.com/office/powerpoint/2010/main" val="1353117037"/>
       </p:ext>
     </p:extLst>
   </p:cSld>
@@ -14573,6 +14758,851 @@
 </p:sld>
 </file>
 
+<file path=ppt/slides/slide63.xml><?xml version="1.0" encoding="utf-8"?>
+<p:sld xmlns:a="http://schemas.openxmlformats.org/drawingml/2006/main" xmlns:r="http://schemas.openxmlformats.org/officeDocument/2006/relationships" xmlns:p="http://schemas.openxmlformats.org/presentationml/2006/main">
+  <p:cSld>
+    <p:spTree>
+      <p:nvGrpSpPr>
+        <p:cNvPr id="1" name=""/>
+        <p:cNvGrpSpPr/>
+        <p:nvPr/>
+      </p:nvGrpSpPr>
+      <p:grpSpPr>
+        <a:xfrm>
+          <a:off x="0" y="0"/>
+          <a:ext cx="0" cy="0"/>
+          <a:chOff x="0" y="0"/>
+          <a:chExt cx="0" cy="0"/>
+        </a:xfrm>
+      </p:grpSpPr>
+      <p:sp>
+        <p:nvSpPr>
+          <p:cNvPr id="2" name="Title 1"/>
+          <p:cNvSpPr>
+            <a:spLocks noGrp="1"/>
+          </p:cNvSpPr>
+          <p:nvPr>
+            <p:ph type="title"/>
+          </p:nvPr>
+        </p:nvSpPr>
+        <p:spPr/>
+        <p:txBody>
+          <a:bodyPr/>
+          <a:lstStyle/>
+          <a:p>
+            <a:r>
+              <a:rPr lang="zh-CN" altLang="en-US" dirty="0" smtClean="0"/>
+              <a:t>上机练习</a:t>
+            </a:r>
+            <a:endParaRPr lang="en-US" dirty="0"/>
+          </a:p>
+        </p:txBody>
+      </p:sp>
+      <p:sp>
+        <p:nvSpPr>
+          <p:cNvPr id="3" name="Content Placeholder 2"/>
+          <p:cNvSpPr>
+            <a:spLocks noGrp="1"/>
+          </p:cNvSpPr>
+          <p:nvPr>
+            <p:ph idx="1"/>
+          </p:nvPr>
+        </p:nvSpPr>
+        <p:spPr/>
+        <p:txBody>
+          <a:bodyPr/>
+          <a:lstStyle/>
+          <a:p>
+            <a:r>
+              <a:rPr lang="zh-CN" altLang="en-US" dirty="0" smtClean="0"/>
+              <a:t>为</a:t>
+            </a:r>
+            <a:r>
+              <a:rPr lang="en-US" altLang="zh-CN" dirty="0" err="1" smtClean="0"/>
+              <a:t>ebusiness</a:t>
+            </a:r>
+            <a:r>
+              <a:rPr lang="zh-CN" altLang="en-US" dirty="0" smtClean="0"/>
+              <a:t>增加</a:t>
+            </a:r>
+            <a:r>
+              <a:rPr lang="en-US" altLang="zh-CN" dirty="0" err="1" smtClean="0"/>
+              <a:t>Redis</a:t>
+            </a:r>
+            <a:r>
+              <a:rPr lang="zh-CN" altLang="en-US" dirty="0" smtClean="0"/>
+              <a:t>缓存</a:t>
+            </a:r>
+            <a:endParaRPr lang="en-US" altLang="zh-CN" dirty="0" smtClean="0"/>
+          </a:p>
+          <a:p>
+            <a:pPr lvl="1"/>
+            <a:r>
+              <a:rPr lang="zh-CN" altLang="en-US" dirty="0" smtClean="0"/>
+              <a:t>根据订单</a:t>
+            </a:r>
+            <a:r>
+              <a:rPr lang="en-US" altLang="zh-CN" dirty="0" smtClean="0"/>
+              <a:t>Id</a:t>
+            </a:r>
+            <a:r>
+              <a:rPr lang="zh-CN" altLang="en-US" dirty="0" smtClean="0"/>
+              <a:t>获取订单详情，增加缓存</a:t>
+            </a:r>
+            <a:endParaRPr lang="en-US" altLang="zh-CN" dirty="0" smtClean="0"/>
+          </a:p>
+          <a:p>
+            <a:pPr lvl="1"/>
+            <a:r>
+              <a:rPr lang="zh-CN" altLang="en-US" dirty="0" smtClean="0"/>
+              <a:t>根据商品</a:t>
+            </a:r>
+            <a:r>
+              <a:rPr lang="en-US" altLang="zh-CN" dirty="0" smtClean="0"/>
+              <a:t>Id</a:t>
+            </a:r>
+            <a:r>
+              <a:rPr lang="zh-CN" altLang="en-US" dirty="0" smtClean="0"/>
+              <a:t>获取商品详情，增加缓存</a:t>
+            </a:r>
+            <a:endParaRPr lang="en-US" altLang="zh-CN" dirty="0" smtClean="0"/>
+          </a:p>
+          <a:p>
+            <a:pPr lvl="1"/>
+            <a:endParaRPr lang="en-US" altLang="zh-CN" dirty="0" smtClean="0"/>
+          </a:p>
+        </p:txBody>
+      </p:sp>
+    </p:spTree>
+    <p:extLst>
+      <p:ext uri="{BB962C8B-B14F-4D97-AF65-F5344CB8AC3E}">
+        <p14:creationId xmlns:p14="http://schemas.microsoft.com/office/powerpoint/2010/main" val="915880418"/>
+      </p:ext>
+    </p:extLst>
+  </p:cSld>
+  <p:clrMapOvr>
+    <a:masterClrMapping/>
+  </p:clrMapOvr>
+</p:sld>
+</file>
+
+<file path=ppt/slides/slide64.xml><?xml version="1.0" encoding="utf-8"?>
+<p:sld xmlns:a="http://schemas.openxmlformats.org/drawingml/2006/main" xmlns:r="http://schemas.openxmlformats.org/officeDocument/2006/relationships" xmlns:p="http://schemas.openxmlformats.org/presentationml/2006/main">
+  <p:cSld>
+    <p:spTree>
+      <p:nvGrpSpPr>
+        <p:cNvPr id="1" name=""/>
+        <p:cNvGrpSpPr/>
+        <p:nvPr/>
+      </p:nvGrpSpPr>
+      <p:grpSpPr>
+        <a:xfrm>
+          <a:off x="0" y="0"/>
+          <a:ext cx="0" cy="0"/>
+          <a:chOff x="0" y="0"/>
+          <a:chExt cx="0" cy="0"/>
+        </a:xfrm>
+      </p:grpSpPr>
+      <p:sp>
+        <p:nvSpPr>
+          <p:cNvPr id="2" name="Title 1"/>
+          <p:cNvSpPr>
+            <a:spLocks noGrp="1"/>
+          </p:cNvSpPr>
+          <p:nvPr>
+            <p:ph type="title"/>
+          </p:nvPr>
+        </p:nvSpPr>
+        <p:spPr/>
+        <p:txBody>
+          <a:bodyPr/>
+          <a:lstStyle/>
+          <a:p>
+            <a:r>
+              <a:rPr lang="zh-CN" altLang="en-US" dirty="0" smtClean="0"/>
+              <a:t>可能遇到的问题</a:t>
+            </a:r>
+            <a:endParaRPr lang="en-US" dirty="0"/>
+          </a:p>
+        </p:txBody>
+      </p:sp>
+      <p:sp>
+        <p:nvSpPr>
+          <p:cNvPr id="3" name="Content Placeholder 2"/>
+          <p:cNvSpPr>
+            <a:spLocks noGrp="1"/>
+          </p:cNvSpPr>
+          <p:nvPr>
+            <p:ph idx="1"/>
+          </p:nvPr>
+        </p:nvSpPr>
+        <p:spPr/>
+        <p:txBody>
+          <a:bodyPr/>
+          <a:lstStyle/>
+          <a:p>
+            <a:r>
+              <a:rPr lang="en-US" altLang="zh-CN" dirty="0" err="1" smtClean="0"/>
+              <a:t>Redis</a:t>
+            </a:r>
+            <a:r>
+              <a:rPr lang="zh-CN" altLang="en-US" dirty="0" smtClean="0"/>
+              <a:t>缓存自动使用</a:t>
+            </a:r>
+            <a:r>
+              <a:rPr lang="en-US" altLang="zh-CN" dirty="0" smtClean="0"/>
+              <a:t>#{</a:t>
+            </a:r>
+            <a:r>
+              <a:rPr lang="en-US" altLang="zh-CN" dirty="0" err="1" smtClean="0"/>
+              <a:t>cacheName</a:t>
+            </a:r>
+            <a:r>
+              <a:rPr lang="en-US" altLang="zh-CN" dirty="0" smtClean="0"/>
+              <a:t>}::#{key}</a:t>
+            </a:r>
+          </a:p>
+          <a:p>
+            <a:pPr lvl="1"/>
+            <a:r>
+              <a:rPr lang="en-US" dirty="0" err="1" smtClean="0"/>
+              <a:t>spring.cache.redis.use</a:t>
+            </a:r>
+            <a:r>
+              <a:rPr lang="en-US" dirty="0" smtClean="0"/>
+              <a:t>-key-prefix=</a:t>
+            </a:r>
+            <a:r>
+              <a:rPr lang="en-US" b="1" dirty="0" smtClean="0"/>
+              <a:t>false</a:t>
+            </a:r>
+          </a:p>
+          <a:p>
+            <a:r>
+              <a:rPr lang="zh-CN" altLang="en-US" dirty="0" smtClean="0"/>
+              <a:t>自定义前缀</a:t>
+            </a:r>
+            <a:endParaRPr lang="en-US" altLang="zh-CN" dirty="0" smtClean="0"/>
+          </a:p>
+          <a:p>
+            <a:pPr lvl="1"/>
+            <a:r>
+              <a:rPr lang="en-US" dirty="0" err="1"/>
+              <a:t>spring.cache.redis.key</a:t>
+            </a:r>
+            <a:r>
+              <a:rPr lang="en-US" dirty="0"/>
+              <a:t>-prefix=</a:t>
+            </a:r>
+            <a:r>
+              <a:rPr lang="en-US" dirty="0" err="1"/>
+              <a:t>newit</a:t>
+            </a:r>
+            <a:endParaRPr lang="en-US" altLang="zh-CN" dirty="0" smtClean="0"/>
+          </a:p>
+          <a:p>
+            <a:r>
+              <a:rPr lang="zh-CN" altLang="en-US" dirty="0" smtClean="0"/>
+              <a:t>没有失效时间</a:t>
+            </a:r>
+            <a:endParaRPr lang="en-US" altLang="zh-CN" dirty="0" smtClean="0"/>
+          </a:p>
+          <a:p>
+            <a:pPr lvl="1"/>
+            <a:r>
+              <a:rPr lang="en-US" dirty="0" err="1" smtClean="0"/>
+              <a:t>spring.cache.redis.time</a:t>
+            </a:r>
+            <a:r>
+              <a:rPr lang="en-US" dirty="0" smtClean="0"/>
+              <a:t>-to-live=5000</a:t>
+            </a:r>
+          </a:p>
+          <a:p>
+            <a:r>
+              <a:rPr lang="zh-CN" altLang="en-US" dirty="0" smtClean="0"/>
+              <a:t>允许保存空值</a:t>
+            </a:r>
+            <a:endParaRPr lang="en-US" altLang="zh-CN" dirty="0" smtClean="0"/>
+          </a:p>
+          <a:p>
+            <a:pPr lvl="1"/>
+            <a:r>
+              <a:rPr lang="en-US" dirty="0" err="1"/>
+              <a:t>spring.cache.redis.cache</a:t>
+            </a:r>
+            <a:r>
+              <a:rPr lang="en-US" dirty="0"/>
+              <a:t>-null-values=</a:t>
+            </a:r>
+            <a:r>
+              <a:rPr lang="en-US" b="1" dirty="0"/>
+              <a:t>true</a:t>
+            </a:r>
+            <a:endParaRPr lang="en-US" dirty="0"/>
+          </a:p>
+        </p:txBody>
+      </p:sp>
+    </p:spTree>
+    <p:extLst>
+      <p:ext uri="{BB962C8B-B14F-4D97-AF65-F5344CB8AC3E}">
+        <p14:creationId xmlns:p14="http://schemas.microsoft.com/office/powerpoint/2010/main" val="1212441545"/>
+      </p:ext>
+    </p:extLst>
+  </p:cSld>
+  <p:clrMapOvr>
+    <a:masterClrMapping/>
+  </p:clrMapOvr>
+</p:sld>
+</file>
+
+<file path=ppt/slides/slide65.xml><?xml version="1.0" encoding="utf-8"?>
+<p:sld xmlns:a="http://schemas.openxmlformats.org/drawingml/2006/main" xmlns:r="http://schemas.openxmlformats.org/officeDocument/2006/relationships" xmlns:p="http://schemas.openxmlformats.org/presentationml/2006/main">
+  <p:cSld>
+    <p:spTree>
+      <p:nvGrpSpPr>
+        <p:cNvPr id="1" name=""/>
+        <p:cNvGrpSpPr/>
+        <p:nvPr/>
+      </p:nvGrpSpPr>
+      <p:grpSpPr>
+        <a:xfrm>
+          <a:off x="0" y="0"/>
+          <a:ext cx="0" cy="0"/>
+          <a:chOff x="0" y="0"/>
+          <a:chExt cx="0" cy="0"/>
+        </a:xfrm>
+      </p:grpSpPr>
+      <p:sp>
+        <p:nvSpPr>
+          <p:cNvPr id="2" name="Title 1"/>
+          <p:cNvSpPr>
+            <a:spLocks noGrp="1"/>
+          </p:cNvSpPr>
+          <p:nvPr>
+            <p:ph type="title"/>
+          </p:nvPr>
+        </p:nvSpPr>
+        <p:spPr/>
+        <p:txBody>
+          <a:bodyPr/>
+          <a:lstStyle/>
+          <a:p>
+            <a:endParaRPr lang="en-US"/>
+          </a:p>
+        </p:txBody>
+      </p:sp>
+      <p:sp>
+        <p:nvSpPr>
+          <p:cNvPr id="3" name="Content Placeholder 2"/>
+          <p:cNvSpPr>
+            <a:spLocks noGrp="1"/>
+          </p:cNvSpPr>
+          <p:nvPr>
+            <p:ph idx="1"/>
+          </p:nvPr>
+        </p:nvSpPr>
+        <p:spPr/>
+        <p:txBody>
+          <a:bodyPr>
+            <a:normAutofit/>
+          </a:bodyPr>
+          <a:lstStyle/>
+          <a:p>
+            <a:r>
+              <a:rPr lang="en-US" dirty="0"/>
+              <a:t>@</a:t>
+            </a:r>
+            <a:r>
+              <a:rPr lang="en-US" dirty="0" err="1" smtClean="0"/>
+              <a:t>EnableCaching</a:t>
+            </a:r>
+            <a:endParaRPr lang="en-US" dirty="0" smtClean="0"/>
+          </a:p>
+          <a:p>
+            <a:endParaRPr lang="en-US" dirty="0"/>
+          </a:p>
+          <a:p>
+            <a:r>
+              <a:rPr lang="en-US" sz="2800" dirty="0"/>
+              <a:t>&lt;dependency</a:t>
+            </a:r>
+            <a:r>
+              <a:rPr lang="en-US" sz="2800" dirty="0" smtClean="0"/>
+              <a:t>&gt; &lt;</a:t>
+            </a:r>
+            <a:r>
+              <a:rPr lang="en-US" sz="2800" dirty="0" err="1"/>
+              <a:t>groupId</a:t>
+            </a:r>
+            <a:r>
+              <a:rPr lang="en-US" sz="2800" dirty="0"/>
+              <a:t>&gt;</a:t>
+            </a:r>
+            <a:r>
+              <a:rPr lang="en-US" sz="2800" dirty="0" err="1"/>
+              <a:t>org.springframework.boot</a:t>
+            </a:r>
+            <a:r>
+              <a:rPr lang="en-US" sz="2800" dirty="0"/>
+              <a:t>&lt;/</a:t>
+            </a:r>
+            <a:r>
+              <a:rPr lang="en-US" sz="2800" dirty="0" err="1"/>
+              <a:t>groupId</a:t>
+            </a:r>
+            <a:r>
+              <a:rPr lang="en-US" sz="2800" dirty="0"/>
+              <a:t>&gt;</a:t>
+            </a:r>
+            <a:br>
+              <a:rPr lang="en-US" sz="2800" dirty="0"/>
+            </a:br>
+            <a:r>
+              <a:rPr lang="en-US" sz="2800" dirty="0"/>
+              <a:t>  &lt;</a:t>
+            </a:r>
+            <a:r>
+              <a:rPr lang="en-US" sz="2800" dirty="0" err="1"/>
+              <a:t>artifactId</a:t>
+            </a:r>
+            <a:r>
+              <a:rPr lang="en-US" sz="2800" dirty="0"/>
+              <a:t>&gt;</a:t>
+            </a:r>
+            <a:r>
+              <a:rPr lang="en-US" sz="2800" dirty="0"/>
+              <a:t>spring-boot-starter-data-</a:t>
+            </a:r>
+            <a:r>
+              <a:rPr lang="en-US" sz="2800" dirty="0" err="1"/>
+              <a:t>redis</a:t>
+            </a:r>
+            <a:r>
+              <a:rPr lang="en-US" sz="2800" dirty="0"/>
+              <a:t>&lt;/</a:t>
+            </a:r>
+            <a:r>
+              <a:rPr lang="en-US" sz="2800" dirty="0" err="1"/>
+              <a:t>artifactId</a:t>
+            </a:r>
+            <a:r>
+              <a:rPr lang="en-US" sz="2800" dirty="0"/>
+              <a:t>&gt;</a:t>
+            </a:r>
+            <a:br>
+              <a:rPr lang="en-US" sz="2800" dirty="0"/>
+            </a:br>
+            <a:r>
+              <a:rPr lang="en-US" sz="2800" dirty="0"/>
+              <a:t>&lt;/dependency&gt;</a:t>
+            </a:r>
+            <a:endParaRPr lang="en-US" sz="2800" dirty="0"/>
+          </a:p>
+        </p:txBody>
+      </p:sp>
+    </p:spTree>
+    <p:extLst>
+      <p:ext uri="{BB962C8B-B14F-4D97-AF65-F5344CB8AC3E}">
+        <p14:creationId xmlns:p14="http://schemas.microsoft.com/office/powerpoint/2010/main" val="1152561443"/>
+      </p:ext>
+    </p:extLst>
+  </p:cSld>
+  <p:clrMapOvr>
+    <a:masterClrMapping/>
+  </p:clrMapOvr>
+</p:sld>
+</file>
+
+<file path=ppt/slides/slide66.xml><?xml version="1.0" encoding="utf-8"?>
+<p:sld xmlns:a="http://schemas.openxmlformats.org/drawingml/2006/main" xmlns:r="http://schemas.openxmlformats.org/officeDocument/2006/relationships" xmlns:p="http://schemas.openxmlformats.org/presentationml/2006/main">
+  <p:cSld>
+    <p:spTree>
+      <p:nvGrpSpPr>
+        <p:cNvPr id="1" name=""/>
+        <p:cNvGrpSpPr/>
+        <p:nvPr/>
+      </p:nvGrpSpPr>
+      <p:grpSpPr>
+        <a:xfrm>
+          <a:off x="0" y="0"/>
+          <a:ext cx="0" cy="0"/>
+          <a:chOff x="0" y="0"/>
+          <a:chExt cx="0" cy="0"/>
+        </a:xfrm>
+      </p:grpSpPr>
+      <p:sp>
+        <p:nvSpPr>
+          <p:cNvPr id="2" name="Title 1"/>
+          <p:cNvSpPr>
+            <a:spLocks noGrp="1"/>
+          </p:cNvSpPr>
+          <p:nvPr>
+            <p:ph type="title"/>
+          </p:nvPr>
+        </p:nvSpPr>
+        <p:spPr/>
+        <p:txBody>
+          <a:bodyPr/>
+          <a:lstStyle/>
+          <a:p>
+            <a:endParaRPr lang="en-US"/>
+          </a:p>
+        </p:txBody>
+      </p:sp>
+      <p:sp>
+        <p:nvSpPr>
+          <p:cNvPr id="3" name="Content Placeholder 2"/>
+          <p:cNvSpPr>
+            <a:spLocks noGrp="1"/>
+          </p:cNvSpPr>
+          <p:nvPr>
+            <p:ph idx="1"/>
+          </p:nvPr>
+        </p:nvSpPr>
+        <p:spPr/>
+        <p:txBody>
+          <a:bodyPr/>
+          <a:lstStyle/>
+          <a:p>
+            <a:endParaRPr lang="en-US"/>
+          </a:p>
+        </p:txBody>
+      </p:sp>
+      <p:pic>
+        <p:nvPicPr>
+          <p:cNvPr id="4" name="Picture 3"/>
+          <p:cNvPicPr>
+            <a:picLocks noChangeAspect="1"/>
+          </p:cNvPicPr>
+          <p:nvPr/>
+        </p:nvPicPr>
+        <p:blipFill>
+          <a:blip r:embed="rId2"/>
+          <a:stretch>
+            <a:fillRect/>
+          </a:stretch>
+        </p:blipFill>
+        <p:spPr>
+          <a:xfrm>
+            <a:off x="457200" y="1616652"/>
+            <a:ext cx="8139220" cy="3756563"/>
+          </a:xfrm>
+          <a:prstGeom prst="rect">
+            <a:avLst/>
+          </a:prstGeom>
+        </p:spPr>
+      </p:pic>
+    </p:spTree>
+    <p:extLst>
+      <p:ext uri="{BB962C8B-B14F-4D97-AF65-F5344CB8AC3E}">
+        <p14:creationId xmlns:p14="http://schemas.microsoft.com/office/powerpoint/2010/main" val="1874005253"/>
+      </p:ext>
+    </p:extLst>
+  </p:cSld>
+  <p:clrMapOvr>
+    <a:masterClrMapping/>
+  </p:clrMapOvr>
+</p:sld>
+</file>
+
+<file path=ppt/slides/slide67.xml><?xml version="1.0" encoding="utf-8"?>
+<p:sld xmlns:a="http://schemas.openxmlformats.org/drawingml/2006/main" xmlns:r="http://schemas.openxmlformats.org/officeDocument/2006/relationships" xmlns:p="http://schemas.openxmlformats.org/presentationml/2006/main">
+  <p:cSld>
+    <p:spTree>
+      <p:nvGrpSpPr>
+        <p:cNvPr id="1" name=""/>
+        <p:cNvGrpSpPr/>
+        <p:nvPr/>
+      </p:nvGrpSpPr>
+      <p:grpSpPr>
+        <a:xfrm>
+          <a:off x="0" y="0"/>
+          <a:ext cx="0" cy="0"/>
+          <a:chOff x="0" y="0"/>
+          <a:chExt cx="0" cy="0"/>
+        </a:xfrm>
+      </p:grpSpPr>
+      <p:sp>
+        <p:nvSpPr>
+          <p:cNvPr id="2" name="Title 1"/>
+          <p:cNvSpPr>
+            <a:spLocks noGrp="1"/>
+          </p:cNvSpPr>
+          <p:nvPr>
+            <p:ph type="title"/>
+          </p:nvPr>
+        </p:nvSpPr>
+        <p:spPr/>
+        <p:txBody>
+          <a:bodyPr/>
+          <a:lstStyle/>
+          <a:p>
+            <a:endParaRPr lang="en-US" dirty="0"/>
+          </a:p>
+        </p:txBody>
+      </p:sp>
+      <p:sp>
+        <p:nvSpPr>
+          <p:cNvPr id="3" name="Content Placeholder 2"/>
+          <p:cNvSpPr>
+            <a:spLocks noGrp="1"/>
+          </p:cNvSpPr>
+          <p:nvPr>
+            <p:ph idx="1"/>
+          </p:nvPr>
+        </p:nvSpPr>
+        <p:spPr/>
+        <p:txBody>
+          <a:bodyPr/>
+          <a:lstStyle/>
+          <a:p>
+            <a:endParaRPr lang="en-US"/>
+          </a:p>
+        </p:txBody>
+      </p:sp>
+      <p:pic>
+        <p:nvPicPr>
+          <p:cNvPr id="4" name="Picture 3"/>
+          <p:cNvPicPr>
+            <a:picLocks noChangeAspect="1"/>
+          </p:cNvPicPr>
+          <p:nvPr/>
+        </p:nvPicPr>
+        <p:blipFill>
+          <a:blip r:embed="rId2"/>
+          <a:stretch>
+            <a:fillRect/>
+          </a:stretch>
+        </p:blipFill>
+        <p:spPr>
+          <a:xfrm>
+            <a:off x="0" y="2132856"/>
+            <a:ext cx="9144000" cy="1241461"/>
+          </a:xfrm>
+          <a:prstGeom prst="rect">
+            <a:avLst/>
+          </a:prstGeom>
+        </p:spPr>
+      </p:pic>
+    </p:spTree>
+    <p:extLst>
+      <p:ext uri="{BB962C8B-B14F-4D97-AF65-F5344CB8AC3E}">
+        <p14:creationId xmlns:p14="http://schemas.microsoft.com/office/powerpoint/2010/main" val="396315819"/>
+      </p:ext>
+    </p:extLst>
+  </p:cSld>
+  <p:clrMapOvr>
+    <a:masterClrMapping/>
+  </p:clrMapOvr>
+</p:sld>
+</file>
+
+<file path=ppt/slides/slide68.xml><?xml version="1.0" encoding="utf-8"?>
+<p:sld xmlns:a="http://schemas.openxmlformats.org/drawingml/2006/main" xmlns:r="http://schemas.openxmlformats.org/officeDocument/2006/relationships" xmlns:p="http://schemas.openxmlformats.org/presentationml/2006/main">
+  <p:cSld>
+    <p:spTree>
+      <p:nvGrpSpPr>
+        <p:cNvPr id="1" name=""/>
+        <p:cNvGrpSpPr/>
+        <p:nvPr/>
+      </p:nvGrpSpPr>
+      <p:grpSpPr>
+        <a:xfrm>
+          <a:off x="0" y="0"/>
+          <a:ext cx="0" cy="0"/>
+          <a:chOff x="0" y="0"/>
+          <a:chExt cx="0" cy="0"/>
+        </a:xfrm>
+      </p:grpSpPr>
+      <p:sp>
+        <p:nvSpPr>
+          <p:cNvPr id="2" name="Title 1"/>
+          <p:cNvSpPr>
+            <a:spLocks noGrp="1"/>
+          </p:cNvSpPr>
+          <p:nvPr>
+            <p:ph type="title"/>
+          </p:nvPr>
+        </p:nvSpPr>
+        <p:spPr/>
+        <p:txBody>
+          <a:bodyPr/>
+          <a:lstStyle/>
+          <a:p>
+            <a:r>
+              <a:rPr lang="zh-CN" altLang="en-US" dirty="0" smtClean="0"/>
+              <a:t>自定义序列化</a:t>
+            </a:r>
+            <a:endParaRPr lang="en-US" dirty="0"/>
+          </a:p>
+        </p:txBody>
+      </p:sp>
+      <p:sp>
+        <p:nvSpPr>
+          <p:cNvPr id="3" name="Content Placeholder 2"/>
+          <p:cNvSpPr>
+            <a:spLocks noGrp="1"/>
+          </p:cNvSpPr>
+          <p:nvPr>
+            <p:ph idx="1"/>
+          </p:nvPr>
+        </p:nvSpPr>
+        <p:spPr/>
+        <p:txBody>
+          <a:bodyPr/>
+          <a:lstStyle/>
+          <a:p>
+            <a:endParaRPr lang="en-US"/>
+          </a:p>
+        </p:txBody>
+      </p:sp>
+      <p:pic>
+        <p:nvPicPr>
+          <p:cNvPr id="4" name="Picture 3"/>
+          <p:cNvPicPr>
+            <a:picLocks noChangeAspect="1"/>
+          </p:cNvPicPr>
+          <p:nvPr/>
+        </p:nvPicPr>
+        <p:blipFill>
+          <a:blip r:embed="rId2"/>
+          <a:stretch>
+            <a:fillRect/>
+          </a:stretch>
+        </p:blipFill>
+        <p:spPr>
+          <a:xfrm>
+            <a:off x="0" y="1994082"/>
+            <a:ext cx="9144000" cy="2869835"/>
+          </a:xfrm>
+          <a:prstGeom prst="rect">
+            <a:avLst/>
+          </a:prstGeom>
+        </p:spPr>
+      </p:pic>
+    </p:spTree>
+    <p:extLst>
+      <p:ext uri="{BB962C8B-B14F-4D97-AF65-F5344CB8AC3E}">
+        <p14:creationId xmlns:p14="http://schemas.microsoft.com/office/powerpoint/2010/main" val="2074472228"/>
+      </p:ext>
+    </p:extLst>
+  </p:cSld>
+  <p:clrMapOvr>
+    <a:masterClrMapping/>
+  </p:clrMapOvr>
+</p:sld>
+</file>
+
+<file path=ppt/slides/slide69.xml><?xml version="1.0" encoding="utf-8"?>
+<p:sld xmlns:a="http://schemas.openxmlformats.org/drawingml/2006/main" xmlns:r="http://schemas.openxmlformats.org/officeDocument/2006/relationships" xmlns:p="http://schemas.openxmlformats.org/presentationml/2006/main">
+  <p:cSld>
+    <p:spTree>
+      <p:nvGrpSpPr>
+        <p:cNvPr id="1" name=""/>
+        <p:cNvGrpSpPr/>
+        <p:nvPr/>
+      </p:nvGrpSpPr>
+      <p:grpSpPr>
+        <a:xfrm>
+          <a:off x="0" y="0"/>
+          <a:ext cx="0" cy="0"/>
+          <a:chOff x="0" y="0"/>
+          <a:chExt cx="0" cy="0"/>
+        </a:xfrm>
+      </p:grpSpPr>
+      <p:sp>
+        <p:nvSpPr>
+          <p:cNvPr id="2" name="Title 1"/>
+          <p:cNvSpPr>
+            <a:spLocks noGrp="1"/>
+          </p:cNvSpPr>
+          <p:nvPr>
+            <p:ph type="title"/>
+          </p:nvPr>
+        </p:nvSpPr>
+        <p:spPr/>
+        <p:txBody>
+          <a:bodyPr/>
+          <a:lstStyle/>
+          <a:p>
+            <a:endParaRPr lang="en-US"/>
+          </a:p>
+        </p:txBody>
+      </p:sp>
+      <p:sp>
+        <p:nvSpPr>
+          <p:cNvPr id="3" name="Content Placeholder 2"/>
+          <p:cNvSpPr>
+            <a:spLocks noGrp="1"/>
+          </p:cNvSpPr>
+          <p:nvPr>
+            <p:ph idx="1"/>
+          </p:nvPr>
+        </p:nvSpPr>
+        <p:spPr/>
+        <p:txBody>
+          <a:bodyPr/>
+          <a:lstStyle/>
+          <a:p>
+            <a:endParaRPr lang="en-US"/>
+          </a:p>
+        </p:txBody>
+      </p:sp>
+      <p:pic>
+        <p:nvPicPr>
+          <p:cNvPr id="1026" name="Picture 2" descr="https://img-blog.csdnimg.cn/20181201225413694.png?x-oss-process=image/watermark,type_ZmFuZ3poZW5naGVpdGk,shadow_10,text_aHR0cHM6Ly9ibG9nLmNzZG4ubmV0L2Y2NDEzODU3MTI=,size_16,color_FFFFFF,t_70"/>
+          <p:cNvPicPr>
+            <a:picLocks noChangeAspect="1" noChangeArrowheads="1"/>
+          </p:cNvPicPr>
+          <p:nvPr/>
+        </p:nvPicPr>
+        <p:blipFill>
+          <a:blip r:embed="rId3">
+            <a:extLst>
+              <a:ext uri="{28A0092B-C50C-407E-A947-70E740481C1C}">
+                <a14:useLocalDpi xmlns:a14="http://schemas.microsoft.com/office/drawing/2010/main" val="0"/>
+              </a:ext>
+            </a:extLst>
+          </a:blip>
+          <a:srcRect/>
+          <a:stretch>
+            <a:fillRect/>
+          </a:stretch>
+        </p:blipFill>
+        <p:spPr bwMode="auto">
+          <a:xfrm>
+            <a:off x="825544" y="1417638"/>
+            <a:ext cx="7492911" cy="5310726"/>
+          </a:xfrm>
+          <a:prstGeom prst="rect">
+            <a:avLst/>
+          </a:prstGeom>
+          <a:noFill/>
+          <a:extLst>
+            <a:ext uri="{909E8E84-426E-40DD-AFC4-6F175D3DCCD1}">
+              <a14:hiddenFill xmlns:a14="http://schemas.microsoft.com/office/drawing/2010/main">
+                <a:solidFill>
+                  <a:srgbClr val="FFFFFF"/>
+                </a:solidFill>
+              </a14:hiddenFill>
+            </a:ext>
+          </a:extLst>
+        </p:spPr>
+      </p:pic>
+    </p:spTree>
+    <p:extLst>
+      <p:ext uri="{BB962C8B-B14F-4D97-AF65-F5344CB8AC3E}">
+        <p14:creationId xmlns:p14="http://schemas.microsoft.com/office/powerpoint/2010/main" val="1469452247"/>
+      </p:ext>
+    </p:extLst>
+  </p:cSld>
+  <p:clrMapOvr>
+    <a:masterClrMapping/>
+  </p:clrMapOvr>
+</p:sld>
+</file>
+
 <file path=ppt/slides/slide7.xml><?xml version="1.0" encoding="utf-8"?>
 <p:sld xmlns:a="http://schemas.openxmlformats.org/drawingml/2006/main" xmlns:r="http://schemas.openxmlformats.org/officeDocument/2006/relationships" xmlns:p="http://schemas.openxmlformats.org/presentationml/2006/main">
   <p:cSld>
@@ -14695,6 +15725,216 @@
         </p:txBody>
       </p:sp>
     </p:spTree>
+  </p:cSld>
+  <p:clrMapOvr>
+    <a:masterClrMapping/>
+  </p:clrMapOvr>
+</p:sld>
+</file>
+
+<file path=ppt/slides/slide70.xml><?xml version="1.0" encoding="utf-8"?>
+<p:sld xmlns:a="http://schemas.openxmlformats.org/drawingml/2006/main" xmlns:r="http://schemas.openxmlformats.org/officeDocument/2006/relationships" xmlns:p="http://schemas.openxmlformats.org/presentationml/2006/main">
+  <p:cSld>
+    <p:spTree>
+      <p:nvGrpSpPr>
+        <p:cNvPr id="1" name=""/>
+        <p:cNvGrpSpPr/>
+        <p:nvPr/>
+      </p:nvGrpSpPr>
+      <p:grpSpPr>
+        <a:xfrm>
+          <a:off x="0" y="0"/>
+          <a:ext cx="0" cy="0"/>
+          <a:chOff x="0" y="0"/>
+          <a:chExt cx="0" cy="0"/>
+        </a:xfrm>
+      </p:grpSpPr>
+      <p:sp>
+        <p:nvSpPr>
+          <p:cNvPr id="2" name="Title 1"/>
+          <p:cNvSpPr>
+            <a:spLocks noGrp="1"/>
+          </p:cNvSpPr>
+          <p:nvPr>
+            <p:ph type="title"/>
+          </p:nvPr>
+        </p:nvSpPr>
+        <p:spPr/>
+        <p:txBody>
+          <a:bodyPr/>
+          <a:lstStyle/>
+          <a:p>
+            <a:endParaRPr lang="en-US"/>
+          </a:p>
+        </p:txBody>
+      </p:sp>
+      <p:sp>
+        <p:nvSpPr>
+          <p:cNvPr id="3" name="Content Placeholder 2"/>
+          <p:cNvSpPr>
+            <a:spLocks noGrp="1"/>
+          </p:cNvSpPr>
+          <p:nvPr>
+            <p:ph idx="1"/>
+          </p:nvPr>
+        </p:nvSpPr>
+        <p:spPr/>
+        <p:txBody>
+          <a:bodyPr/>
+          <a:lstStyle/>
+          <a:p>
+            <a:r>
+              <a:rPr lang="en-US" altLang="zh-CN" dirty="0" err="1" smtClean="0"/>
+              <a:t>SpringBoot</a:t>
+            </a:r>
+            <a:r>
+              <a:rPr lang="zh-CN" altLang="en-US" dirty="0" smtClean="0"/>
+              <a:t>通过</a:t>
+            </a:r>
+            <a:r>
+              <a:rPr lang="en-US" dirty="0" err="1"/>
+              <a:t>RedisAutoConfiguration</a:t>
+            </a:r>
+            <a:r>
+              <a:rPr lang="zh-CN" altLang="en-US" dirty="0" smtClean="0"/>
+              <a:t>帮助我们自动创建了</a:t>
+            </a:r>
+            <a:r>
+              <a:rPr lang="en-US" dirty="0" err="1"/>
+              <a:t>RedisTemplate</a:t>
+            </a:r>
+            <a:endParaRPr lang="en-US" b="1" dirty="0"/>
+          </a:p>
+        </p:txBody>
+      </p:sp>
+    </p:spTree>
+    <p:extLst>
+      <p:ext uri="{BB962C8B-B14F-4D97-AF65-F5344CB8AC3E}">
+        <p14:creationId xmlns:p14="http://schemas.microsoft.com/office/powerpoint/2010/main" val="529442000"/>
+      </p:ext>
+    </p:extLst>
+  </p:cSld>
+  <p:clrMapOvr>
+    <a:masterClrMapping/>
+  </p:clrMapOvr>
+</p:sld>
+</file>
+
+<file path=ppt/slides/slide71.xml><?xml version="1.0" encoding="utf-8"?>
+<p:sld xmlns:a="http://schemas.openxmlformats.org/drawingml/2006/main" xmlns:r="http://schemas.openxmlformats.org/officeDocument/2006/relationships" xmlns:p="http://schemas.openxmlformats.org/presentationml/2006/main">
+  <p:cSld>
+    <p:spTree>
+      <p:nvGrpSpPr>
+        <p:cNvPr id="1" name=""/>
+        <p:cNvGrpSpPr/>
+        <p:nvPr/>
+      </p:nvGrpSpPr>
+      <p:grpSpPr>
+        <a:xfrm>
+          <a:off x="0" y="0"/>
+          <a:ext cx="0" cy="0"/>
+          <a:chOff x="0" y="0"/>
+          <a:chExt cx="0" cy="0"/>
+        </a:xfrm>
+      </p:grpSpPr>
+      <p:sp>
+        <p:nvSpPr>
+          <p:cNvPr id="2" name="Title 1"/>
+          <p:cNvSpPr>
+            <a:spLocks noGrp="1"/>
+          </p:cNvSpPr>
+          <p:nvPr>
+            <p:ph type="title"/>
+          </p:nvPr>
+        </p:nvSpPr>
+        <p:spPr/>
+        <p:txBody>
+          <a:bodyPr/>
+          <a:lstStyle/>
+          <a:p>
+            <a:endParaRPr lang="en-US"/>
+          </a:p>
+        </p:txBody>
+      </p:sp>
+      <p:sp>
+        <p:nvSpPr>
+          <p:cNvPr id="3" name="Content Placeholder 2"/>
+          <p:cNvSpPr>
+            <a:spLocks noGrp="1"/>
+          </p:cNvSpPr>
+          <p:nvPr>
+            <p:ph idx="1"/>
+          </p:nvPr>
+        </p:nvSpPr>
+        <p:spPr/>
+        <p:txBody>
+          <a:bodyPr/>
+          <a:lstStyle/>
+          <a:p>
+            <a:r>
+              <a:rPr lang="en-US" altLang="zh-CN" dirty="0" smtClean="0"/>
+              <a:t>@Cacheable</a:t>
+            </a:r>
+            <a:r>
+              <a:rPr lang="zh-CN" altLang="en-US" dirty="0" smtClean="0"/>
+              <a:t>会通过</a:t>
+            </a:r>
+            <a:r>
+              <a:rPr lang="en-US" altLang="zh-CN" dirty="0" err="1" smtClean="0"/>
+              <a:t>CacheManager</a:t>
+            </a:r>
+            <a:r>
+              <a:rPr lang="zh-CN" altLang="en-US" dirty="0" smtClean="0"/>
+              <a:t>的</a:t>
+            </a:r>
+            <a:r>
+              <a:rPr lang="en-US" dirty="0" err="1" smtClean="0"/>
+              <a:t>getCache</a:t>
+            </a:r>
+            <a:r>
+              <a:rPr lang="zh-CN" altLang="en-US" dirty="0" smtClean="0"/>
+              <a:t>方法寻找对应的</a:t>
+            </a:r>
+            <a:r>
+              <a:rPr lang="en-US" altLang="zh-CN" dirty="0" smtClean="0"/>
+              <a:t>Cache</a:t>
+            </a:r>
+          </a:p>
+          <a:p>
+            <a:endParaRPr lang="en-US" dirty="0"/>
+          </a:p>
+        </p:txBody>
+      </p:sp>
+      <p:pic>
+        <p:nvPicPr>
+          <p:cNvPr id="4" name="Picture 3"/>
+          <p:cNvPicPr>
+            <a:picLocks noChangeAspect="1"/>
+          </p:cNvPicPr>
+          <p:nvPr/>
+        </p:nvPicPr>
+        <p:blipFill>
+          <a:blip r:embed="rId2"/>
+          <a:stretch>
+            <a:fillRect/>
+          </a:stretch>
+        </p:blipFill>
+        <p:spPr>
+          <a:xfrm>
+            <a:off x="1331640" y="2564904"/>
+            <a:ext cx="6039966" cy="4139016"/>
+          </a:xfrm>
+          <a:prstGeom prst="rect">
+            <a:avLst/>
+          </a:prstGeom>
+        </p:spPr>
+      </p:pic>
+    </p:spTree>
+    <p:extLst>
+      <p:ext uri="{BB962C8B-B14F-4D97-AF65-F5344CB8AC3E}">
+        <p14:creationId xmlns:p14="http://schemas.microsoft.com/office/powerpoint/2010/main" val="12088769"/>
+      </p:ext>
+    </p:extLst>
   </p:cSld>
   <p:clrMapOvr>
     <a:masterClrMapping/>
